--- a/figure.pptx
+++ b/figure.pptx
@@ -5,7 +5,7 @@
     <p:sldMasterId id="2147483648" r:id="rId1"/>
   </p:sldMasterIdLst>
   <p:notesMasterIdLst>
-    <p:notesMasterId r:id="rId9"/>
+    <p:notesMasterId r:id="rId13"/>
   </p:notesMasterIdLst>
   <p:sldIdLst>
     <p:sldId id="256" r:id="rId2"/>
@@ -15,6 +15,10 @@
     <p:sldId id="260" r:id="rId6"/>
     <p:sldId id="261" r:id="rId7"/>
     <p:sldId id="262" r:id="rId8"/>
+    <p:sldId id="265" r:id="rId9"/>
+    <p:sldId id="263" r:id="rId10"/>
+    <p:sldId id="264" r:id="rId11"/>
+    <p:sldId id="266" r:id="rId12"/>
   </p:sldIdLst>
   <p:sldSz cx="9144000" cy="6858000" type="screen4x3"/>
   <p:notesSz cx="6858000" cy="9144000"/>
@@ -441,7 +445,7 @@
                   <c:v>1.08E-17</c:v>
                 </c:pt>
                 <c:pt idx="87" formatCode="0.00E+00">
-                  <c:v>8.34E-18</c:v>
+                  <c:v>8.34000000000002E-18</c:v>
                 </c:pt>
                 <c:pt idx="88" formatCode="0.00E+00">
                   <c:v>2.05E-18</c:v>
@@ -611,64 +615,64 @@
                   <c:v>1.01E-17</c:v>
                 </c:pt>
                 <c:pt idx="41" formatCode="0.00E+00">
-                  <c:v>9.75E-18</c:v>
+                  <c:v>9.75000000000002E-18</c:v>
                 </c:pt>
                 <c:pt idx="42" formatCode="0.00E+00">
-                  <c:v>9.03E-18</c:v>
+                  <c:v>9.03000000000002E-18</c:v>
                 </c:pt>
                 <c:pt idx="43" formatCode="0.00E+00">
-                  <c:v>8.99E-18</c:v>
+                  <c:v>8.99000000000002E-18</c:v>
                 </c:pt>
                 <c:pt idx="44" formatCode="0.00E+00">
-                  <c:v>8.84E-18</c:v>
+                  <c:v>8.84000000000002E-18</c:v>
                 </c:pt>
                 <c:pt idx="45" formatCode="0.00E+00">
-                  <c:v>8.6E-18</c:v>
+                  <c:v>8.60000000000002E-18</c:v>
                 </c:pt>
                 <c:pt idx="46" formatCode="0.00E+00">
-                  <c:v>7.3E-18</c:v>
+                  <c:v>7.30000000000002E-18</c:v>
                 </c:pt>
                 <c:pt idx="47" formatCode="0.00E+00">
-                  <c:v>6.86E-18</c:v>
+                  <c:v>6.86000000000002E-18</c:v>
                 </c:pt>
                 <c:pt idx="48" formatCode="0.00E+00">
-                  <c:v>6.75E-18</c:v>
+                  <c:v>6.75000000000002E-18</c:v>
                 </c:pt>
                 <c:pt idx="49" formatCode="0.00E+00">
-                  <c:v>6.7E-18</c:v>
+                  <c:v>6.70000000000002E-18</c:v>
                 </c:pt>
                 <c:pt idx="50" formatCode="0.00E+00">
-                  <c:v>6.54E-18</c:v>
+                  <c:v>6.54000000000002E-18</c:v>
                 </c:pt>
                 <c:pt idx="51" formatCode="0.00E+00">
-                  <c:v>6.48E-18</c:v>
+                  <c:v>6.48000000000002E-18</c:v>
                 </c:pt>
                 <c:pt idx="52" formatCode="0.00E+00">
-                  <c:v>6.41E-18</c:v>
+                  <c:v>6.41000000000002E-18</c:v>
                 </c:pt>
                 <c:pt idx="53" formatCode="0.00E+00">
-                  <c:v>6.39E-18</c:v>
+                  <c:v>6.39000000000002E-18</c:v>
                 </c:pt>
                 <c:pt idx="54" formatCode="0.00E+00">
-                  <c:v>6.18E-18</c:v>
+                  <c:v>6.18000000000001E-18</c:v>
                 </c:pt>
                 <c:pt idx="55" formatCode="0.00E+00">
-                  <c:v>6.17E-18</c:v>
+                  <c:v>6.17000000000002E-18</c:v>
                 </c:pt>
                 <c:pt idx="56" formatCode="0.00E+00">
-                  <c:v>6E-18</c:v>
+                  <c:v>6.00000000000002E-18</c:v>
                 </c:pt>
                 <c:pt idx="57" formatCode="0.00E+00">
-                  <c:v>5.9E-18</c:v>
+                  <c:v>5.90000000000002E-18</c:v>
                 </c:pt>
                 <c:pt idx="58" formatCode="0.00E+00">
                   <c:v>5.82E-18</c:v>
                 </c:pt>
                 <c:pt idx="59" formatCode="0.00E+00">
-                  <c:v>5.59E-18</c:v>
+                  <c:v>5.59000000000001E-18</c:v>
                 </c:pt>
                 <c:pt idx="60" formatCode="0.00E+00">
-                  <c:v>5.38E-18</c:v>
+                  <c:v>5.38000000000001E-18</c:v>
                 </c:pt>
                 <c:pt idx="61" formatCode="0.00E+00">
                   <c:v>5.31E-18</c:v>
@@ -677,13 +681,13 @@
                   <c:v>5.15E-18</c:v>
                 </c:pt>
                 <c:pt idx="63" formatCode="0.00E+00">
-                  <c:v>4.93E-18</c:v>
+                  <c:v>4.93000000000001E-18</c:v>
                 </c:pt>
                 <c:pt idx="64" formatCode="0.00E+00">
                   <c:v>4.88E-18</c:v>
                 </c:pt>
                 <c:pt idx="65" formatCode="0.00E+00">
-                  <c:v>4.43E-18</c:v>
+                  <c:v>4.43000000000001E-18</c:v>
                 </c:pt>
                 <c:pt idx="66" formatCode="0.00E+00">
                   <c:v>4.35E-18</c:v>
@@ -772,11 +776,11 @@
         </c:dLbls>
         <c:marker val="1"/>
         <c:smooth val="0"/>
-        <c:axId val="2085935208"/>
-        <c:axId val="2083492776"/>
+        <c:axId val="2102630488"/>
+        <c:axId val="2076062488"/>
       </c:lineChart>
       <c:catAx>
-        <c:axId val="2085935208"/>
+        <c:axId val="2102630488"/>
         <c:scaling>
           <c:orientation val="minMax"/>
         </c:scaling>
@@ -786,7 +790,7 @@
         <c:majorTickMark val="out"/>
         <c:minorTickMark val="none"/>
         <c:tickLblPos val="nextTo"/>
-        <c:crossAx val="2083492776"/>
+        <c:crossAx val="2076062488"/>
         <c:crosses val="autoZero"/>
         <c:auto val="1"/>
         <c:lblAlgn val="ctr"/>
@@ -794,7 +798,7 @@
         <c:noMultiLvlLbl val="0"/>
       </c:catAx>
       <c:valAx>
-        <c:axId val="2083492776"/>
+        <c:axId val="2076062488"/>
         <c:scaling>
           <c:orientation val="minMax"/>
         </c:scaling>
@@ -817,7 +821,7 @@
             <a:endParaRPr lang="ja-JP"/>
           </a:p>
         </c:txPr>
-        <c:crossAx val="2085935208"/>
+        <c:crossAx val="2102630488"/>
         <c:crosses val="autoZero"/>
         <c:crossBetween val="between"/>
         <c:majorUnit val="0.1"/>
@@ -879,7 +883,3452 @@
 </c:chartSpace>
 </file>
 
+<file path=ppt/charts/chart10.xml><?xml version="1.0" encoding="utf-8"?>
+<c:chartSpace xmlns:c="http://schemas.openxmlformats.org/drawingml/2006/chart" xmlns:a="http://schemas.openxmlformats.org/drawingml/2006/main" xmlns:r="http://schemas.openxmlformats.org/officeDocument/2006/relationships">
+  <c:date1904 val="0"/>
+  <c:lang val="ja-JP"/>
+  <c:roundedCorners val="0"/>
+  <mc:AlternateContent xmlns:mc="http://schemas.openxmlformats.org/markup-compatibility/2006">
+    <mc:Choice xmlns:c14="http://schemas.microsoft.com/office/drawing/2007/8/2/chart" Requires="c14">
+      <c14:style val="101"/>
+    </mc:Choice>
+    <mc:Fallback>
+      <c:style val="1"/>
+    </mc:Fallback>
+  </mc:AlternateContent>
+  <c:chart>
+    <c:autoTitleDeleted val="1"/>
+    <c:plotArea>
+      <c:layout/>
+      <c:scatterChart>
+        <c:scatterStyle val="lineMarker"/>
+        <c:varyColors val="0"/>
+        <c:ser>
+          <c:idx val="0"/>
+          <c:order val="0"/>
+          <c:tx>
+            <c:strRef>
+              <c:f>Sheet1!$B$1</c:f>
+              <c:strCache>
+                <c:ptCount val="1"/>
+                <c:pt idx="0">
+                  <c:v>followee</c:v>
+                </c:pt>
+              </c:strCache>
+            </c:strRef>
+          </c:tx>
+          <c:spPr>
+            <a:ln w="28575">
+              <a:noFill/>
+            </a:ln>
+          </c:spPr>
+          <c:marker>
+            <c:symbol val="plus"/>
+            <c:size val="7"/>
+            <c:spPr>
+              <a:ln>
+                <a:solidFill>
+                  <a:schemeClr val="tx1"/>
+                </a:solidFill>
+              </a:ln>
+            </c:spPr>
+          </c:marker>
+          <c:xVal>
+            <c:numRef>
+              <c:f>Sheet1!$A$2:$A$91</c:f>
+              <c:numCache>
+                <c:formatCode>0.00E+00</c:formatCode>
+                <c:ptCount val="90"/>
+                <c:pt idx="0" formatCode="General">
+                  <c:v>0.082541286</c:v>
+                </c:pt>
+                <c:pt idx="1">
+                  <c:v>1.12E-17</c:v>
+                </c:pt>
+                <c:pt idx="2" formatCode="General">
+                  <c:v>0.103759225</c:v>
+                </c:pt>
+                <c:pt idx="3" formatCode="General">
+                  <c:v>0.024216354</c:v>
+                </c:pt>
+                <c:pt idx="4" formatCode="General">
+                  <c:v>0.0</c:v>
+                </c:pt>
+                <c:pt idx="5" formatCode="General">
+                  <c:v>0.234084635</c:v>
+                </c:pt>
+                <c:pt idx="6" formatCode="General">
+                  <c:v>0.019587833</c:v>
+                </c:pt>
+                <c:pt idx="7">
+                  <c:v>1.08E-17</c:v>
+                </c:pt>
+                <c:pt idx="8" formatCode="General">
+                  <c:v>0.175588236</c:v>
+                </c:pt>
+                <c:pt idx="9" formatCode="General">
+                  <c:v>0.040398525</c:v>
+                </c:pt>
+                <c:pt idx="10" formatCode="General">
+                  <c:v>0.019641019</c:v>
+                </c:pt>
+                <c:pt idx="11" formatCode="General">
+                  <c:v>0.008391599</c:v>
+                </c:pt>
+                <c:pt idx="12" formatCode="General">
+                  <c:v>0.00410967</c:v>
+                </c:pt>
+                <c:pt idx="13" formatCode="General">
+                  <c:v>0.074522488</c:v>
+                </c:pt>
+                <c:pt idx="14" formatCode="General">
+                  <c:v>0.091551824</c:v>
+                </c:pt>
+                <c:pt idx="15" formatCode="General">
+                  <c:v>0.106908659</c:v>
+                </c:pt>
+                <c:pt idx="16" formatCode="General">
+                  <c:v>0.070596491</c:v>
+                </c:pt>
+                <c:pt idx="17" formatCode="General">
+                  <c:v>0.002197322</c:v>
+                </c:pt>
+                <c:pt idx="18" formatCode="General">
+                  <c:v>0.00669832</c:v>
+                </c:pt>
+                <c:pt idx="19" formatCode="General">
+                  <c:v>0.009870508</c:v>
+                </c:pt>
+                <c:pt idx="20" formatCode="General">
+                  <c:v>0.009038209</c:v>
+                </c:pt>
+                <c:pt idx="21" formatCode="General">
+                  <c:v>0.01918767</c:v>
+                </c:pt>
+                <c:pt idx="22">
+                  <c:v>1.29E-17</c:v>
+                </c:pt>
+                <c:pt idx="23" formatCode="General">
+                  <c:v>0.206158076</c:v>
+                </c:pt>
+                <c:pt idx="24">
+                  <c:v>5.03E-10</c:v>
+                </c:pt>
+                <c:pt idx="25" formatCode="General">
+                  <c:v>0.003069705</c:v>
+                </c:pt>
+                <c:pt idx="26" formatCode="General">
+                  <c:v>0.007560849</c:v>
+                </c:pt>
+                <c:pt idx="27" formatCode="General">
+                  <c:v>0.123314128</c:v>
+                </c:pt>
+                <c:pt idx="28" formatCode="General">
+                  <c:v>0.14514875</c:v>
+                </c:pt>
+                <c:pt idx="29" formatCode="General">
+                  <c:v>0.026939369</c:v>
+                </c:pt>
+                <c:pt idx="30" formatCode="General">
+                  <c:v>0.210407196</c:v>
+                </c:pt>
+                <c:pt idx="31" formatCode="General">
+                  <c:v>0.146165758</c:v>
+                </c:pt>
+                <c:pt idx="32" formatCode="General">
+                  <c:v>0.025848864</c:v>
+                </c:pt>
+                <c:pt idx="33" formatCode="General">
+                  <c:v>0.098335357</c:v>
+                </c:pt>
+                <c:pt idx="34" formatCode="General">
+                  <c:v>0.086469347</c:v>
+                </c:pt>
+                <c:pt idx="35" formatCode="General">
+                  <c:v>0.170274909</c:v>
+                </c:pt>
+                <c:pt idx="36" formatCode="General">
+                  <c:v>0.058549073</c:v>
+                </c:pt>
+                <c:pt idx="37" formatCode="General">
+                  <c:v>0.128033279</c:v>
+                </c:pt>
+                <c:pt idx="38" formatCode="General">
+                  <c:v>0.128779905</c:v>
+                </c:pt>
+                <c:pt idx="39" formatCode="General">
+                  <c:v>0.03345292</c:v>
+                </c:pt>
+                <c:pt idx="40" formatCode="General">
+                  <c:v>0.111918109</c:v>
+                </c:pt>
+                <c:pt idx="41" formatCode="General">
+                  <c:v>0.051595677</c:v>
+                </c:pt>
+                <c:pt idx="42" formatCode="General">
+                  <c:v>0.033581435</c:v>
+                </c:pt>
+                <c:pt idx="43" formatCode="General">
+                  <c:v>0.056100746</c:v>
+                </c:pt>
+                <c:pt idx="44" formatCode="General">
+                  <c:v>0.015249416</c:v>
+                </c:pt>
+                <c:pt idx="45" formatCode="General">
+                  <c:v>0.023276843</c:v>
+                </c:pt>
+                <c:pt idx="46" formatCode="General">
+                  <c:v>0.020307852</c:v>
+                </c:pt>
+                <c:pt idx="47" formatCode="General">
+                  <c:v>0.013367126</c:v>
+                </c:pt>
+                <c:pt idx="48" formatCode="General">
+                  <c:v>0.046601605</c:v>
+                </c:pt>
+                <c:pt idx="49" formatCode="General">
+                  <c:v>0.223541585</c:v>
+                </c:pt>
+                <c:pt idx="50" formatCode="General">
+                  <c:v>0.022981843</c:v>
+                </c:pt>
+                <c:pt idx="51" formatCode="General">
+                  <c:v>0.028143611</c:v>
+                </c:pt>
+                <c:pt idx="52" formatCode="General">
+                  <c:v>0.036348165</c:v>
+                </c:pt>
+                <c:pt idx="53" formatCode="General">
+                  <c:v>0.422020093</c:v>
+                </c:pt>
+                <c:pt idx="54" formatCode="General">
+                  <c:v>0.180259025</c:v>
+                </c:pt>
+                <c:pt idx="55" formatCode="General">
+                  <c:v>0.170869631</c:v>
+                </c:pt>
+                <c:pt idx="56" formatCode="General">
+                  <c:v>0.045322693</c:v>
+                </c:pt>
+                <c:pt idx="57" formatCode="General">
+                  <c:v>0.039328842</c:v>
+                </c:pt>
+                <c:pt idx="58" formatCode="General">
+                  <c:v>0.038868423</c:v>
+                </c:pt>
+                <c:pt idx="59" formatCode="General">
+                  <c:v>0.012128604</c:v>
+                </c:pt>
+                <c:pt idx="60" formatCode="General">
+                  <c:v>0.063883851</c:v>
+                </c:pt>
+                <c:pt idx="61" formatCode="General">
+                  <c:v>0.04803444</c:v>
+                </c:pt>
+                <c:pt idx="62">
+                  <c:v>8.34000000000001E-18</c:v>
+                </c:pt>
+                <c:pt idx="63" formatCode="General">
+                  <c:v>0.010337822</c:v>
+                </c:pt>
+                <c:pt idx="64" formatCode="General">
+                  <c:v>0.001249431</c:v>
+                </c:pt>
+                <c:pt idx="65" formatCode="General">
+                  <c:v>0.19430204</c:v>
+                </c:pt>
+                <c:pt idx="66" formatCode="General">
+                  <c:v>0.032445426</c:v>
+                </c:pt>
+                <c:pt idx="67" formatCode="General">
+                  <c:v>0.067960178</c:v>
+                </c:pt>
+                <c:pt idx="68" formatCode="General">
+                  <c:v>0.204899839</c:v>
+                </c:pt>
+                <c:pt idx="69" formatCode="General">
+                  <c:v>0.014145949</c:v>
+                </c:pt>
+                <c:pt idx="70" formatCode="General">
+                  <c:v>0.025488806</c:v>
+                </c:pt>
+                <c:pt idx="71" formatCode="General">
+                  <c:v>0.002222974</c:v>
+                </c:pt>
+                <c:pt idx="72" formatCode="General">
+                  <c:v>0.199914785</c:v>
+                </c:pt>
+                <c:pt idx="73" formatCode="General">
+                  <c:v>0.095620369</c:v>
+                </c:pt>
+                <c:pt idx="74" formatCode="General">
+                  <c:v>0.087676589</c:v>
+                </c:pt>
+                <c:pt idx="75" formatCode="General">
+                  <c:v>0.017467609</c:v>
+                </c:pt>
+                <c:pt idx="76" formatCode="General">
+                  <c:v>0.043471463</c:v>
+                </c:pt>
+                <c:pt idx="77">
+                  <c:v>2.05E-18</c:v>
+                </c:pt>
+                <c:pt idx="78" formatCode="General">
+                  <c:v>0.038256871</c:v>
+                </c:pt>
+                <c:pt idx="79" formatCode="General">
+                  <c:v>0.095517472</c:v>
+                </c:pt>
+                <c:pt idx="80" formatCode="General">
+                  <c:v>0.018969359</c:v>
+                </c:pt>
+                <c:pt idx="81" formatCode="General">
+                  <c:v>0.010205075</c:v>
+                </c:pt>
+                <c:pt idx="82">
+                  <c:v>1.65E-17</c:v>
+                </c:pt>
+                <c:pt idx="83" formatCode="General">
+                  <c:v>0.232959048</c:v>
+                </c:pt>
+                <c:pt idx="84" formatCode="General">
+                  <c:v>0.007444873</c:v>
+                </c:pt>
+                <c:pt idx="85" formatCode="General">
+                  <c:v>0.002856668</c:v>
+                </c:pt>
+                <c:pt idx="86" formatCode="General">
+                  <c:v>0.047703177</c:v>
+                </c:pt>
+                <c:pt idx="87" formatCode="General">
+                  <c:v>0.039348973</c:v>
+                </c:pt>
+                <c:pt idx="88" formatCode="General">
+                  <c:v>0.12083684</c:v>
+                </c:pt>
+                <c:pt idx="89" formatCode="General">
+                  <c:v>0.007968022</c:v>
+                </c:pt>
+              </c:numCache>
+            </c:numRef>
+          </c:xVal>
+          <c:yVal>
+            <c:numRef>
+              <c:f>Sheet1!$B$2:$B$91</c:f>
+              <c:numCache>
+                <c:formatCode>General</c:formatCode>
+                <c:ptCount val="90"/>
+                <c:pt idx="0">
+                  <c:v>0.104667997</c:v>
+                </c:pt>
+                <c:pt idx="1">
+                  <c:v>0.232918268</c:v>
+                </c:pt>
+                <c:pt idx="2">
+                  <c:v>0.380327671</c:v>
+                </c:pt>
+                <c:pt idx="3">
+                  <c:v>0.345604571</c:v>
+                </c:pt>
+                <c:pt idx="4">
+                  <c:v>0.392232479</c:v>
+                </c:pt>
+                <c:pt idx="5">
+                  <c:v>0.155372518</c:v>
+                </c:pt>
+                <c:pt idx="6">
+                  <c:v>0.450841641</c:v>
+                </c:pt>
+                <c:pt idx="7">
+                  <c:v>0.338293739</c:v>
+                </c:pt>
+                <c:pt idx="8">
+                  <c:v>0.004775091</c:v>
+                </c:pt>
+                <c:pt idx="9">
+                  <c:v>0.318417848</c:v>
+                </c:pt>
+                <c:pt idx="10">
+                  <c:v>0.377240498</c:v>
+                </c:pt>
+                <c:pt idx="11">
+                  <c:v>0.230135861</c:v>
+                </c:pt>
+                <c:pt idx="12">
+                  <c:v>0.420178857</c:v>
+                </c:pt>
+                <c:pt idx="13">
+                  <c:v>0.451996795</c:v>
+                </c:pt>
+                <c:pt idx="14">
+                  <c:v>0.406538534</c:v>
+                </c:pt>
+                <c:pt idx="15">
+                  <c:v>0.417413281</c:v>
+                </c:pt>
+                <c:pt idx="16">
+                  <c:v>0.355163763</c:v>
+                </c:pt>
+                <c:pt idx="17">
+                  <c:v>0.233295961</c:v>
+                </c:pt>
+                <c:pt idx="18">
+                  <c:v>0.236445553</c:v>
+                </c:pt>
+                <c:pt idx="19">
+                  <c:v>0.262367991</c:v>
+                </c:pt>
+                <c:pt idx="20">
+                  <c:v>0.346795563</c:v>
+                </c:pt>
+                <c:pt idx="21">
+                  <c:v>0.481808196</c:v>
+                </c:pt>
+                <c:pt idx="22">
+                  <c:v>0.330092271</c:v>
+                </c:pt>
+                <c:pt idx="23">
+                  <c:v>0.109193278</c:v>
+                </c:pt>
+                <c:pt idx="24">
+                  <c:v>0.232740179</c:v>
+                </c:pt>
+                <c:pt idx="25">
+                  <c:v>0.300029052</c:v>
+                </c:pt>
+                <c:pt idx="26">
+                  <c:v>0.491221083</c:v>
+                </c:pt>
+                <c:pt idx="27">
+                  <c:v>0.006643691</c:v>
+                </c:pt>
+                <c:pt idx="28">
+                  <c:v>0.233481535</c:v>
+                </c:pt>
+                <c:pt idx="29">
+                  <c:v>0.311835826</c:v>
+                </c:pt>
+                <c:pt idx="30">
+                  <c:v>0.0</c:v>
+                </c:pt>
+                <c:pt idx="31">
+                  <c:v>0.0</c:v>
+                </c:pt>
+                <c:pt idx="32">
+                  <c:v>0.243925681</c:v>
+                </c:pt>
+                <c:pt idx="33">
+                  <c:v>0.094083689</c:v>
+                </c:pt>
+                <c:pt idx="34">
+                  <c:v>0.693147181</c:v>
+                </c:pt>
+                <c:pt idx="35">
+                  <c:v>0.512151738</c:v>
+                </c:pt>
+                <c:pt idx="36">
+                  <c:v>0.308065414</c:v>
+                </c:pt>
+                <c:pt idx="37">
+                  <c:v>0.406052926</c:v>
+                </c:pt>
+                <c:pt idx="38">
+                  <c:v>0.134718512</c:v>
+                </c:pt>
+                <c:pt idx="39">
+                  <c:v>0.296330673</c:v>
+                </c:pt>
+                <c:pt idx="40">
+                  <c:v>0.366623302</c:v>
+                </c:pt>
+                <c:pt idx="41">
+                  <c:v>0.316804425</c:v>
+                </c:pt>
+                <c:pt idx="42">
+                  <c:v>0.408460543</c:v>
+                </c:pt>
+                <c:pt idx="43">
+                  <c:v>0.30595899</c:v>
+                </c:pt>
+                <c:pt idx="44">
+                  <c:v>0.19018324</c:v>
+                </c:pt>
+                <c:pt idx="45">
+                  <c:v>0.059161473</c:v>
+                </c:pt>
+                <c:pt idx="46">
+                  <c:v>0.268640921</c:v>
+                </c:pt>
+                <c:pt idx="47">
+                  <c:v>0.246027433</c:v>
+                </c:pt>
+                <c:pt idx="48">
+                  <c:v>0.297344753</c:v>
+                </c:pt>
+                <c:pt idx="49">
+                  <c:v>0.282928132</c:v>
+                </c:pt>
+                <c:pt idx="50">
+                  <c:v>0.165633363</c:v>
+                </c:pt>
+                <c:pt idx="51">
+                  <c:v>0.452186252</c:v>
+                </c:pt>
+                <c:pt idx="52">
+                  <c:v>0.174504976</c:v>
+                </c:pt>
+                <c:pt idx="53">
+                  <c:v>0.53069081</c:v>
+                </c:pt>
+                <c:pt idx="54">
+                  <c:v>0.187093294</c:v>
+                </c:pt>
+                <c:pt idx="55">
+                  <c:v>0.539647459</c:v>
+                </c:pt>
+                <c:pt idx="56">
+                  <c:v>0.269523214</c:v>
+                </c:pt>
+                <c:pt idx="57">
+                  <c:v>0.371654165</c:v>
+                </c:pt>
+                <c:pt idx="58">
+                  <c:v>0.223578464</c:v>
+                </c:pt>
+                <c:pt idx="59">
+                  <c:v>0.370157</c:v>
+                </c:pt>
+                <c:pt idx="60">
+                  <c:v>0.057371679</c:v>
+                </c:pt>
+                <c:pt idx="61">
+                  <c:v>0.416026419</c:v>
+                </c:pt>
+                <c:pt idx="62">
+                  <c:v>0.302134178</c:v>
+                </c:pt>
+                <c:pt idx="63">
+                  <c:v>0.33434478</c:v>
+                </c:pt>
+                <c:pt idx="64">
+                  <c:v>0.463918556</c:v>
+                </c:pt>
+                <c:pt idx="65">
+                  <c:v>0.287007483</c:v>
+                </c:pt>
+                <c:pt idx="66">
+                  <c:v>0.349331623</c:v>
+                </c:pt>
+                <c:pt idx="67">
+                  <c:v>0.308065414</c:v>
+                </c:pt>
+                <c:pt idx="68">
+                  <c:v>0.435185184</c:v>
+                </c:pt>
+                <c:pt idx="69">
+                  <c:v>0.657607167</c:v>
+                </c:pt>
+                <c:pt idx="70">
+                  <c:v>0.286540954</c:v>
+                </c:pt>
+                <c:pt idx="71">
+                  <c:v>0.208279862</c:v>
+                </c:pt>
+                <c:pt idx="72">
+                  <c:v>0.284146322</c:v>
+                </c:pt>
+                <c:pt idx="73">
+                  <c:v>0.272468532</c:v>
+                </c:pt>
+                <c:pt idx="74">
+                  <c:v>0.150849586</c:v>
+                </c:pt>
+                <c:pt idx="75">
+                  <c:v>0.152932528</c:v>
+                </c:pt>
+                <c:pt idx="76">
+                  <c:v>0.395665739</c:v>
+                </c:pt>
+                <c:pt idx="77">
+                  <c:v>0.374068539</c:v>
+                </c:pt>
+                <c:pt idx="78">
+                  <c:v>0.355710241</c:v>
+                </c:pt>
+                <c:pt idx="79">
+                  <c:v>0.077495459</c:v>
+                </c:pt>
+                <c:pt idx="80">
+                  <c:v>0.427898816</c:v>
+                </c:pt>
+                <c:pt idx="81">
+                  <c:v>0.116247541</c:v>
+                </c:pt>
+                <c:pt idx="82">
+                  <c:v>0.25055576</c:v>
+                </c:pt>
+                <c:pt idx="83">
+                  <c:v>0.16465782</c:v>
+                </c:pt>
+                <c:pt idx="84">
+                  <c:v>0.317751837</c:v>
+                </c:pt>
+                <c:pt idx="85">
+                  <c:v>0.348535586</c:v>
+                </c:pt>
+                <c:pt idx="86">
+                  <c:v>0.353646521</c:v>
+                </c:pt>
+                <c:pt idx="87">
+                  <c:v>0.196301895</c:v>
+                </c:pt>
+                <c:pt idx="88">
+                  <c:v>0.286063121</c:v>
+                </c:pt>
+                <c:pt idx="89">
+                  <c:v>0.266836018</c:v>
+                </c:pt>
+              </c:numCache>
+            </c:numRef>
+          </c:yVal>
+          <c:smooth val="0"/>
+        </c:ser>
+        <c:dLbls>
+          <c:showLegendKey val="0"/>
+          <c:showVal val="0"/>
+          <c:showCatName val="0"/>
+          <c:showSerName val="0"/>
+          <c:showPercent val="0"/>
+          <c:showBubbleSize val="0"/>
+        </c:dLbls>
+        <c:axId val="-2133704088"/>
+        <c:axId val="2102718840"/>
+      </c:scatterChart>
+      <c:valAx>
+        <c:axId val="-2133704088"/>
+        <c:scaling>
+          <c:orientation val="minMax"/>
+        </c:scaling>
+        <c:delete val="0"/>
+        <c:axPos val="b"/>
+        <c:numFmt formatCode="General" sourceLinked="1"/>
+        <c:majorTickMark val="out"/>
+        <c:minorTickMark val="none"/>
+        <c:tickLblPos val="nextTo"/>
+        <c:txPr>
+          <a:bodyPr/>
+          <a:lstStyle/>
+          <a:p>
+            <a:pPr>
+              <a:defRPr>
+                <a:latin typeface="Times New Roman"/>
+                <a:cs typeface="Times New Roman"/>
+              </a:defRPr>
+            </a:pPr>
+            <a:endParaRPr lang="ja-JP"/>
+          </a:p>
+        </c:txPr>
+        <c:crossAx val="2102718840"/>
+        <c:crosses val="autoZero"/>
+        <c:crossBetween val="midCat"/>
+      </c:valAx>
+      <c:valAx>
+        <c:axId val="2102718840"/>
+        <c:scaling>
+          <c:orientation val="minMax"/>
+        </c:scaling>
+        <c:delete val="0"/>
+        <c:axPos val="l"/>
+        <c:numFmt formatCode="General" sourceLinked="1"/>
+        <c:majorTickMark val="out"/>
+        <c:minorTickMark val="none"/>
+        <c:tickLblPos val="nextTo"/>
+        <c:txPr>
+          <a:bodyPr/>
+          <a:lstStyle/>
+          <a:p>
+            <a:pPr>
+              <a:defRPr sz="1600">
+                <a:latin typeface="Times New Roman"/>
+                <a:cs typeface="Times New Roman"/>
+              </a:defRPr>
+            </a:pPr>
+            <a:endParaRPr lang="ja-JP"/>
+          </a:p>
+        </c:txPr>
+        <c:crossAx val="-2133704088"/>
+        <c:crosses val="autoZero"/>
+        <c:crossBetween val="midCat"/>
+      </c:valAx>
+      <c:spPr>
+        <a:ln>
+          <a:solidFill>
+            <a:schemeClr val="tx1"/>
+          </a:solidFill>
+        </a:ln>
+      </c:spPr>
+    </c:plotArea>
+    <c:plotVisOnly val="1"/>
+    <c:dispBlanksAs val="gap"/>
+    <c:showDLblsOverMax val="0"/>
+  </c:chart>
+  <c:txPr>
+    <a:bodyPr/>
+    <a:lstStyle/>
+    <a:p>
+      <a:pPr>
+        <a:defRPr sz="1800"/>
+      </a:pPr>
+      <a:endParaRPr lang="ja-JP"/>
+    </a:p>
+  </c:txPr>
+  <c:externalData r:id="rId1">
+    <c:autoUpdate val="0"/>
+  </c:externalData>
+</c:chartSpace>
+</file>
+
+<file path=ppt/charts/chart11.xml><?xml version="1.0" encoding="utf-8"?>
+<c:chartSpace xmlns:c="http://schemas.openxmlformats.org/drawingml/2006/chart" xmlns:a="http://schemas.openxmlformats.org/drawingml/2006/main" xmlns:r="http://schemas.openxmlformats.org/officeDocument/2006/relationships">
+  <c:date1904 val="0"/>
+  <c:lang val="ja-JP"/>
+  <c:roundedCorners val="0"/>
+  <mc:AlternateContent xmlns:mc="http://schemas.openxmlformats.org/markup-compatibility/2006">
+    <mc:Choice xmlns:c14="http://schemas.microsoft.com/office/drawing/2007/8/2/chart" Requires="c14">
+      <c14:style val="101"/>
+    </mc:Choice>
+    <mc:Fallback>
+      <c:style val="1"/>
+    </mc:Fallback>
+  </mc:AlternateContent>
+  <c:chart>
+    <c:autoTitleDeleted val="1"/>
+    <c:plotArea>
+      <c:layout/>
+      <c:scatterChart>
+        <c:scatterStyle val="lineMarker"/>
+        <c:varyColors val="0"/>
+        <c:ser>
+          <c:idx val="0"/>
+          <c:order val="0"/>
+          <c:tx>
+            <c:strRef>
+              <c:f>Sheet1!$B$1</c:f>
+              <c:strCache>
+                <c:ptCount val="1"/>
+                <c:pt idx="0">
+                  <c:v>followee_high</c:v>
+                </c:pt>
+              </c:strCache>
+            </c:strRef>
+          </c:tx>
+          <c:spPr>
+            <a:ln w="28575">
+              <a:noFill/>
+            </a:ln>
+          </c:spPr>
+          <c:marker>
+            <c:symbol val="plus"/>
+            <c:size val="7"/>
+            <c:spPr>
+              <a:ln>
+                <a:solidFill>
+                  <a:schemeClr val="tx1"/>
+                </a:solidFill>
+              </a:ln>
+            </c:spPr>
+          </c:marker>
+          <c:xVal>
+            <c:numRef>
+              <c:f>Sheet1!$A$2:$A$91</c:f>
+              <c:numCache>
+                <c:formatCode>General</c:formatCode>
+                <c:ptCount val="90"/>
+                <c:pt idx="0" formatCode="0.00E+00">
+                  <c:v>5.31E-18</c:v>
+                </c:pt>
+                <c:pt idx="1">
+                  <c:v>0.0</c:v>
+                </c:pt>
+                <c:pt idx="2" formatCode="0.00E+00">
+                  <c:v>4.07E-18</c:v>
+                </c:pt>
+                <c:pt idx="3">
+                  <c:v>0.006449735</c:v>
+                </c:pt>
+                <c:pt idx="4" formatCode="0.00E+00">
+                  <c:v>6.39000000000001E-18</c:v>
+                </c:pt>
+                <c:pt idx="5" formatCode="0.00E+00">
+                  <c:v>5.90000000000001E-18</c:v>
+                </c:pt>
+                <c:pt idx="6" formatCode="0.00E+00">
+                  <c:v>4.93000000000001E-18</c:v>
+                </c:pt>
+                <c:pt idx="7">
+                  <c:v>0.0</c:v>
+                </c:pt>
+                <c:pt idx="8">
+                  <c:v>0.00312792</c:v>
+                </c:pt>
+                <c:pt idx="9">
+                  <c:v>0.012290193</c:v>
+                </c:pt>
+                <c:pt idx="10" formatCode="0.00E+00">
+                  <c:v>2.31E-18</c:v>
+                </c:pt>
+                <c:pt idx="11">
+                  <c:v>0.005867595</c:v>
+                </c:pt>
+                <c:pt idx="12" formatCode="0.00E+00">
+                  <c:v>4.55E-5</c:v>
+                </c:pt>
+                <c:pt idx="13">
+                  <c:v>0.0</c:v>
+                </c:pt>
+                <c:pt idx="14">
+                  <c:v>0.000676915</c:v>
+                </c:pt>
+                <c:pt idx="15">
+                  <c:v>0.003218976</c:v>
+                </c:pt>
+                <c:pt idx="16">
+                  <c:v>0.001740614</c:v>
+                </c:pt>
+                <c:pt idx="17" formatCode="0.00E+00">
+                  <c:v>9.03000000000001E-18</c:v>
+                </c:pt>
+                <c:pt idx="18" formatCode="0.00E+00">
+                  <c:v>2.2E-18</c:v>
+                </c:pt>
+                <c:pt idx="19">
+                  <c:v>0.002366354</c:v>
+                </c:pt>
+                <c:pt idx="20" formatCode="0.00E+00">
+                  <c:v>5.38000000000001E-18</c:v>
+                </c:pt>
+                <c:pt idx="21" formatCode="0.00E+00">
+                  <c:v>5.15E-18</c:v>
+                </c:pt>
+                <c:pt idx="22" formatCode="0.00E+00">
+                  <c:v>3.55E-18</c:v>
+                </c:pt>
+                <c:pt idx="23">
+                  <c:v>0.007247176</c:v>
+                </c:pt>
+                <c:pt idx="24" formatCode="0.00E+00">
+                  <c:v>9.75000000000001E-18</c:v>
+                </c:pt>
+                <c:pt idx="25" formatCode="0.00E+00">
+                  <c:v>2.85E-18</c:v>
+                </c:pt>
+                <c:pt idx="26" formatCode="0.00E+00">
+                  <c:v>6.54000000000001E-18</c:v>
+                </c:pt>
+                <c:pt idx="27" formatCode="0.00E+00">
+                  <c:v>6.18000000000001E-18</c:v>
+                </c:pt>
+                <c:pt idx="28" formatCode="0.00E+00">
+                  <c:v>2.8E-18</c:v>
+                </c:pt>
+                <c:pt idx="29" formatCode="0.00E+00">
+                  <c:v>2.7E-18</c:v>
+                </c:pt>
+                <c:pt idx="30">
+                  <c:v>0.017337691</c:v>
+                </c:pt>
+                <c:pt idx="31">
+                  <c:v>0.065542551</c:v>
+                </c:pt>
+                <c:pt idx="32">
+                  <c:v>0.019175224</c:v>
+                </c:pt>
+                <c:pt idx="33" formatCode="0.00E+00">
+                  <c:v>1.11E-9</c:v>
+                </c:pt>
+                <c:pt idx="34">
+                  <c:v>0.0</c:v>
+                </c:pt>
+                <c:pt idx="35" formatCode="0.00E+00">
+                  <c:v>4.43000000000001E-18</c:v>
+                </c:pt>
+                <c:pt idx="36" formatCode="0.00E+00">
+                  <c:v>1.18E-10</c:v>
+                </c:pt>
+                <c:pt idx="37">
+                  <c:v>0.037022153</c:v>
+                </c:pt>
+                <c:pt idx="38">
+                  <c:v>0.004491594</c:v>
+                </c:pt>
+                <c:pt idx="39" formatCode="0.00E+00">
+                  <c:v>6.00000000000001E-18</c:v>
+                </c:pt>
+                <c:pt idx="40" formatCode="0.00E+00">
+                  <c:v>8.99000000000001E-18</c:v>
+                </c:pt>
+                <c:pt idx="41" formatCode="0.00E+00">
+                  <c:v>5.59000000000001E-18</c:v>
+                </c:pt>
+                <c:pt idx="42" formatCode="0.00E+00">
+                  <c:v>4.35E-18</c:v>
+                </c:pt>
+                <c:pt idx="43" formatCode="0.00E+00">
+                  <c:v>5.56E-12</c:v>
+                </c:pt>
+                <c:pt idx="44">
+                  <c:v>0.001984618</c:v>
+                </c:pt>
+                <c:pt idx="45" formatCode="0.00E+00">
+                  <c:v>1.21E-17</c:v>
+                </c:pt>
+                <c:pt idx="46">
+                  <c:v>0.126635014</c:v>
+                </c:pt>
+                <c:pt idx="47" formatCode="0.00E+00">
+                  <c:v>8.84000000000001E-18</c:v>
+                </c:pt>
+                <c:pt idx="48" formatCode="0.00E+00">
+                  <c:v>4.88E-18</c:v>
+                </c:pt>
+                <c:pt idx="49" formatCode="0.00E+00">
+                  <c:v>6.70000000000001E-18</c:v>
+                </c:pt>
+                <c:pt idx="50" formatCode="0.00E+00">
+                  <c:v>1.61E-7</c:v>
+                </c:pt>
+                <c:pt idx="51" formatCode="0.00E+00">
+                  <c:v>3.34E-18</c:v>
+                </c:pt>
+                <c:pt idx="52" formatCode="0.00E+00">
+                  <c:v>3.03E-8</c:v>
+                </c:pt>
+                <c:pt idx="53" formatCode="0.00E+00">
+                  <c:v>2.89E-6</c:v>
+                </c:pt>
+                <c:pt idx="54" formatCode="0.00E+00">
+                  <c:v>2.27E-8</c:v>
+                </c:pt>
+                <c:pt idx="55" formatCode="0.00E+00">
+                  <c:v>2.74E-18</c:v>
+                </c:pt>
+                <c:pt idx="56" formatCode="0.00E+00">
+                  <c:v>1.57E-5</c:v>
+                </c:pt>
+                <c:pt idx="57" formatCode="0.00E+00">
+                  <c:v>6.17000000000001E-18</c:v>
+                </c:pt>
+                <c:pt idx="58">
+                  <c:v>0.0</c:v>
+                </c:pt>
+                <c:pt idx="59">
+                  <c:v>0.039210235</c:v>
+                </c:pt>
+                <c:pt idx="60" formatCode="0.00E+00">
+                  <c:v>1.51E-17</c:v>
+                </c:pt>
+                <c:pt idx="61" formatCode="0.00E+00">
+                  <c:v>2.9E-18</c:v>
+                </c:pt>
+                <c:pt idx="62">
+                  <c:v>0.12530582</c:v>
+                </c:pt>
+                <c:pt idx="63" formatCode="0.00E+00">
+                  <c:v>1.01E-17</c:v>
+                </c:pt>
+                <c:pt idx="64" formatCode="0.00E+00">
+                  <c:v>3.06E-18</c:v>
+                </c:pt>
+                <c:pt idx="65">
+                  <c:v>0.0</c:v>
+                </c:pt>
+                <c:pt idx="66" formatCode="0.00E+00">
+                  <c:v>6.86000000000001E-18</c:v>
+                </c:pt>
+                <c:pt idx="67" formatCode="0.00E+00">
+                  <c:v>6.41000000000001E-18</c:v>
+                </c:pt>
+                <c:pt idx="68">
+                  <c:v>0.007797369</c:v>
+                </c:pt>
+                <c:pt idx="69" formatCode="0.00E+00">
+                  <c:v>3.47E-18</c:v>
+                </c:pt>
+                <c:pt idx="70" formatCode="0.00E+00">
+                  <c:v>4.19E-18</c:v>
+                </c:pt>
+                <c:pt idx="71">
+                  <c:v>0.006124648</c:v>
+                </c:pt>
+                <c:pt idx="72" formatCode="0.00E+00">
+                  <c:v>5.82E-18</c:v>
+                </c:pt>
+                <c:pt idx="73" formatCode="0.00E+00">
+                  <c:v>3.2E-18</c:v>
+                </c:pt>
+                <c:pt idx="74" formatCode="0.00E+00">
+                  <c:v>8.60000000000001E-18</c:v>
+                </c:pt>
+                <c:pt idx="75" formatCode="0.00E+00">
+                  <c:v>2.83E-18</c:v>
+                </c:pt>
+                <c:pt idx="76">
+                  <c:v>0.007946239</c:v>
+                </c:pt>
+                <c:pt idx="77" formatCode="0.00E+00">
+                  <c:v>2.92E-6</c:v>
+                </c:pt>
+                <c:pt idx="78" formatCode="0.00E+00">
+                  <c:v>7.30000000000001E-18</c:v>
+                </c:pt>
+                <c:pt idx="79" formatCode="0.00E+00">
+                  <c:v>6.48000000000001E-18</c:v>
+                </c:pt>
+                <c:pt idx="80">
+                  <c:v>0.00873921</c:v>
+                </c:pt>
+                <c:pt idx="81" formatCode="0.00E+00">
+                  <c:v>6.96E-7</c:v>
+                </c:pt>
+                <c:pt idx="82" formatCode="0.00E+00">
+                  <c:v>6.75000000000001E-18</c:v>
+                </c:pt>
+                <c:pt idx="83" formatCode="0.00E+00">
+                  <c:v>3.98E-5</c:v>
+                </c:pt>
+                <c:pt idx="84" formatCode="0.00E+00">
+                  <c:v>4.24E-18</c:v>
+                </c:pt>
+                <c:pt idx="85">
+                  <c:v>0.009963991</c:v>
+                </c:pt>
+                <c:pt idx="86" formatCode="0.00E+00">
+                  <c:v>1.09E-17</c:v>
+                </c:pt>
+                <c:pt idx="87">
+                  <c:v>0.000667096</c:v>
+                </c:pt>
+                <c:pt idx="88" formatCode="0.00E+00">
+                  <c:v>3.86E-18</c:v>
+                </c:pt>
+                <c:pt idx="89" formatCode="0.00E+00">
+                  <c:v>1.26E-17</c:v>
+                </c:pt>
+              </c:numCache>
+            </c:numRef>
+          </c:xVal>
+          <c:yVal>
+            <c:numRef>
+              <c:f>Sheet1!$B$2:$B$91</c:f>
+              <c:numCache>
+                <c:formatCode>General</c:formatCode>
+                <c:ptCount val="90"/>
+                <c:pt idx="0">
+                  <c:v>0.362992533</c:v>
+                </c:pt>
+                <c:pt idx="1">
+                  <c:v>0.262399254</c:v>
+                </c:pt>
+                <c:pt idx="2">
+                  <c:v>0.385443877</c:v>
+                </c:pt>
+                <c:pt idx="3">
+                  <c:v>0.405556879</c:v>
+                </c:pt>
+                <c:pt idx="4">
+                  <c:v>0.36180867</c:v>
+                </c:pt>
+                <c:pt idx="5">
+                  <c:v>0.293109669</c:v>
+                </c:pt>
+                <c:pt idx="6">
+                  <c:v>0.354627954</c:v>
+                </c:pt>
+                <c:pt idx="7">
+                  <c:v>0.434927122</c:v>
+                </c:pt>
+                <c:pt idx="8">
+                  <c:v>0.194804325</c:v>
+                </c:pt>
+                <c:pt idx="9">
+                  <c:v>0.306245708</c:v>
+                </c:pt>
+                <c:pt idx="10">
+                  <c:v>0.223938569</c:v>
+                </c:pt>
+                <c:pt idx="11">
+                  <c:v>0.405500764</c:v>
+                </c:pt>
+                <c:pt idx="12">
+                  <c:v>0.375567083</c:v>
+                </c:pt>
+                <c:pt idx="13">
+                  <c:v>0.439536415</c:v>
+                </c:pt>
+                <c:pt idx="14">
+                  <c:v>0.366367298</c:v>
+                </c:pt>
+                <c:pt idx="15">
+                  <c:v>0.385866455</c:v>
+                </c:pt>
+                <c:pt idx="16">
+                  <c:v>0.371495741</c:v>
+                </c:pt>
+                <c:pt idx="17">
+                  <c:v>0.31041999</c:v>
+                </c:pt>
+                <c:pt idx="18">
+                  <c:v>0.393932412</c:v>
+                </c:pt>
+                <c:pt idx="19">
+                  <c:v>0.39212445</c:v>
+                </c:pt>
+                <c:pt idx="20">
+                  <c:v>0.411288972</c:v>
+                </c:pt>
+                <c:pt idx="21">
+                  <c:v>0.375420061</c:v>
+                </c:pt>
+                <c:pt idx="22">
+                  <c:v>0.41905175</c:v>
+                </c:pt>
+                <c:pt idx="23">
+                  <c:v>0.407637462</c:v>
+                </c:pt>
+                <c:pt idx="24">
+                  <c:v>0.270079585</c:v>
+                </c:pt>
+                <c:pt idx="25">
+                  <c:v>0.427908753</c:v>
+                </c:pt>
+                <c:pt idx="26">
+                  <c:v>0.346736239</c:v>
+                </c:pt>
+                <c:pt idx="27">
+                  <c:v>0.401709961</c:v>
+                </c:pt>
+                <c:pt idx="28">
+                  <c:v>0.391507409</c:v>
+                </c:pt>
+                <c:pt idx="29">
+                  <c:v>0.419101711</c:v>
+                </c:pt>
+                <c:pt idx="30">
+                  <c:v>0.253078218</c:v>
+                </c:pt>
+                <c:pt idx="31">
+                  <c:v>0.40201507</c:v>
+                </c:pt>
+                <c:pt idx="32">
+                  <c:v>0.45549959</c:v>
+                </c:pt>
+                <c:pt idx="33">
+                  <c:v>0.325240752</c:v>
+                </c:pt>
+                <c:pt idx="34">
+                  <c:v>0.363807765</c:v>
+                </c:pt>
+                <c:pt idx="35">
+                  <c:v>0.244152582</c:v>
+                </c:pt>
+                <c:pt idx="36">
+                  <c:v>0.286329076</c:v>
+                </c:pt>
+                <c:pt idx="37">
+                  <c:v>0.017463843</c:v>
+                </c:pt>
+                <c:pt idx="38">
+                  <c:v>0.353830841</c:v>
+                </c:pt>
+                <c:pt idx="39">
+                  <c:v>0.375064054</c:v>
+                </c:pt>
+                <c:pt idx="40">
+                  <c:v>0.355019369</c:v>
+                </c:pt>
+                <c:pt idx="41">
+                  <c:v>0.426164596</c:v>
+                </c:pt>
+                <c:pt idx="42">
+                  <c:v>0.313732662</c:v>
+                </c:pt>
+                <c:pt idx="43">
+                  <c:v>0.452656989</c:v>
+                </c:pt>
+                <c:pt idx="44">
+                  <c:v>0.451984416</c:v>
+                </c:pt>
+                <c:pt idx="45">
+                  <c:v>0.359609349</c:v>
+                </c:pt>
+                <c:pt idx="46">
+                  <c:v>0.00971573</c:v>
+                </c:pt>
+                <c:pt idx="47">
+                  <c:v>0.321275146</c:v>
+                </c:pt>
+                <c:pt idx="48">
+                  <c:v>0.353997507</c:v>
+                </c:pt>
+                <c:pt idx="49">
+                  <c:v>0.195856582</c:v>
+                </c:pt>
+                <c:pt idx="50">
+                  <c:v>0.348948313</c:v>
+                </c:pt>
+                <c:pt idx="51">
+                  <c:v>0.38297649</c:v>
+                </c:pt>
+                <c:pt idx="52">
+                  <c:v>0.360241066</c:v>
+                </c:pt>
+                <c:pt idx="53">
+                  <c:v>0.434996561</c:v>
+                </c:pt>
+                <c:pt idx="54">
+                  <c:v>0.376565846</c:v>
+                </c:pt>
+                <c:pt idx="55">
+                  <c:v>0.330013488</c:v>
+                </c:pt>
+                <c:pt idx="56">
+                  <c:v>0.303008383</c:v>
+                </c:pt>
+                <c:pt idx="57">
+                  <c:v>0.369318522</c:v>
+                </c:pt>
+                <c:pt idx="58">
+                  <c:v>0.478581568</c:v>
+                </c:pt>
+                <c:pt idx="59">
+                  <c:v>0.396403834</c:v>
+                </c:pt>
+                <c:pt idx="60">
+                  <c:v>0.163688387</c:v>
+                </c:pt>
+                <c:pt idx="61">
+                  <c:v>0.399749415</c:v>
+                </c:pt>
+                <c:pt idx="62">
+                  <c:v>0.018567612</c:v>
+                </c:pt>
+                <c:pt idx="63">
+                  <c:v>0.316143241</c:v>
+                </c:pt>
+                <c:pt idx="64">
+                  <c:v>0.371531773</c:v>
+                </c:pt>
+                <c:pt idx="65">
+                  <c:v>0.374393751</c:v>
+                </c:pt>
+                <c:pt idx="66">
+                  <c:v>0.366714553</c:v>
+                </c:pt>
+                <c:pt idx="67">
+                  <c:v>0.311263286</c:v>
+                </c:pt>
+                <c:pt idx="68">
+                  <c:v>0.353190298</c:v>
+                </c:pt>
+                <c:pt idx="69">
+                  <c:v>0.41009643</c:v>
+                </c:pt>
+                <c:pt idx="70">
+                  <c:v>0.413610251</c:v>
+                </c:pt>
+                <c:pt idx="71">
+                  <c:v>0.307744527</c:v>
+                </c:pt>
+                <c:pt idx="72">
+                  <c:v>0.400000404</c:v>
+                </c:pt>
+                <c:pt idx="73">
+                  <c:v>0.454375375</c:v>
+                </c:pt>
+                <c:pt idx="74">
+                  <c:v>0.29463</c:v>
+                </c:pt>
+                <c:pt idx="75">
+                  <c:v>0.366123617</c:v>
+                </c:pt>
+                <c:pt idx="76">
+                  <c:v>0.40654823</c:v>
+                </c:pt>
+                <c:pt idx="77">
+                  <c:v>0.427715953</c:v>
+                </c:pt>
+                <c:pt idx="78">
+                  <c:v>0.309703305</c:v>
+                </c:pt>
+                <c:pt idx="79">
+                  <c:v>0.422460245</c:v>
+                </c:pt>
+                <c:pt idx="80">
+                  <c:v>0.375710944</c:v>
+                </c:pt>
+                <c:pt idx="81">
+                  <c:v>0.288295739</c:v>
+                </c:pt>
+                <c:pt idx="82">
+                  <c:v>0.365341019</c:v>
+                </c:pt>
+                <c:pt idx="83">
+                  <c:v>0.195970043</c:v>
+                </c:pt>
+                <c:pt idx="84">
+                  <c:v>0.40528385</c:v>
+                </c:pt>
+                <c:pt idx="85">
+                  <c:v>0.319549776</c:v>
+                </c:pt>
+                <c:pt idx="86">
+                  <c:v>0.237232565</c:v>
+                </c:pt>
+                <c:pt idx="87">
+                  <c:v>0.355043094</c:v>
+                </c:pt>
+                <c:pt idx="88">
+                  <c:v>0.399618077</c:v>
+                </c:pt>
+                <c:pt idx="89">
+                  <c:v>0.342829836</c:v>
+                </c:pt>
+              </c:numCache>
+            </c:numRef>
+          </c:yVal>
+          <c:smooth val="0"/>
+        </c:ser>
+        <c:dLbls>
+          <c:showLegendKey val="0"/>
+          <c:showVal val="0"/>
+          <c:showCatName val="0"/>
+          <c:showSerName val="0"/>
+          <c:showPercent val="0"/>
+          <c:showBubbleSize val="0"/>
+        </c:dLbls>
+        <c:axId val="2086819240"/>
+        <c:axId val="2097986152"/>
+      </c:scatterChart>
+      <c:valAx>
+        <c:axId val="2086819240"/>
+        <c:scaling>
+          <c:orientation val="minMax"/>
+        </c:scaling>
+        <c:delete val="0"/>
+        <c:axPos val="b"/>
+        <c:numFmt formatCode="0.00E+00" sourceLinked="1"/>
+        <c:majorTickMark val="out"/>
+        <c:minorTickMark val="none"/>
+        <c:tickLblPos val="nextTo"/>
+        <c:txPr>
+          <a:bodyPr/>
+          <a:lstStyle/>
+          <a:p>
+            <a:pPr>
+              <a:defRPr>
+                <a:latin typeface="Times New Roman"/>
+                <a:cs typeface="Times New Roman"/>
+              </a:defRPr>
+            </a:pPr>
+            <a:endParaRPr lang="ja-JP"/>
+          </a:p>
+        </c:txPr>
+        <c:crossAx val="2097986152"/>
+        <c:crosses val="autoZero"/>
+        <c:crossBetween val="midCat"/>
+      </c:valAx>
+      <c:valAx>
+        <c:axId val="2097986152"/>
+        <c:scaling>
+          <c:orientation val="minMax"/>
+        </c:scaling>
+        <c:delete val="0"/>
+        <c:axPos val="l"/>
+        <c:numFmt formatCode="General" sourceLinked="1"/>
+        <c:majorTickMark val="out"/>
+        <c:minorTickMark val="none"/>
+        <c:tickLblPos val="nextTo"/>
+        <c:txPr>
+          <a:bodyPr/>
+          <a:lstStyle/>
+          <a:p>
+            <a:pPr>
+              <a:defRPr sz="1600">
+                <a:latin typeface="Times New Roman"/>
+                <a:cs typeface="Times New Roman"/>
+              </a:defRPr>
+            </a:pPr>
+            <a:endParaRPr lang="ja-JP"/>
+          </a:p>
+        </c:txPr>
+        <c:crossAx val="2086819240"/>
+        <c:crosses val="autoZero"/>
+        <c:crossBetween val="midCat"/>
+      </c:valAx>
+      <c:spPr>
+        <a:ln>
+          <a:solidFill>
+            <a:schemeClr val="tx1"/>
+          </a:solidFill>
+        </a:ln>
+      </c:spPr>
+    </c:plotArea>
+    <c:plotVisOnly val="1"/>
+    <c:dispBlanksAs val="gap"/>
+    <c:showDLblsOverMax val="0"/>
+  </c:chart>
+  <c:txPr>
+    <a:bodyPr/>
+    <a:lstStyle/>
+    <a:p>
+      <a:pPr>
+        <a:defRPr sz="1800"/>
+      </a:pPr>
+      <a:endParaRPr lang="ja-JP"/>
+    </a:p>
+  </c:txPr>
+  <c:externalData r:id="rId1">
+    <c:autoUpdate val="0"/>
+  </c:externalData>
+</c:chartSpace>
+</file>
+
+<file path=ppt/charts/chart12.xml><?xml version="1.0" encoding="utf-8"?>
+<c:chartSpace xmlns:c="http://schemas.openxmlformats.org/drawingml/2006/chart" xmlns:a="http://schemas.openxmlformats.org/drawingml/2006/main" xmlns:r="http://schemas.openxmlformats.org/officeDocument/2006/relationships">
+  <c:date1904 val="0"/>
+  <c:lang val="ja-JP"/>
+  <c:roundedCorners val="0"/>
+  <mc:AlternateContent xmlns:mc="http://schemas.openxmlformats.org/markup-compatibility/2006">
+    <mc:Choice xmlns:c14="http://schemas.microsoft.com/office/drawing/2007/8/2/chart" Requires="c14">
+      <c14:style val="117"/>
+    </mc:Choice>
+    <mc:Fallback>
+      <c:style val="17"/>
+    </mc:Fallback>
+  </mc:AlternateContent>
+  <c:chart>
+    <c:title>
+      <c:tx>
+        <c:rich>
+          <a:bodyPr/>
+          <a:lstStyle/>
+          <a:p>
+            <a:pPr>
+              <a:defRPr>
+                <a:latin typeface="ＭＳ Ｐ明朝"/>
+                <a:ea typeface="ＭＳ Ｐ明朝"/>
+                <a:cs typeface="ＭＳ Ｐ明朝"/>
+              </a:defRPr>
+            </a:pPr>
+            <a:r>
+              <a:rPr lang="ja-JP">
+                <a:latin typeface="ＭＳ Ｐ明朝"/>
+                <a:ea typeface="ＭＳ Ｐ明朝"/>
+                <a:cs typeface="ＭＳ Ｐ明朝"/>
+              </a:rPr>
+              <a:t>ターム「福井」</a:t>
+            </a:r>
+            <a:endParaRPr lang="en-US">
+              <a:latin typeface="ＭＳ Ｐ明朝"/>
+              <a:ea typeface="ＭＳ Ｐ明朝"/>
+              <a:cs typeface="ＭＳ Ｐ明朝"/>
+            </a:endParaRPr>
+          </a:p>
+        </c:rich>
+      </c:tx>
+      <c:layout/>
+      <c:overlay val="0"/>
+    </c:title>
+    <c:autoTitleDeleted val="0"/>
+    <c:plotArea>
+      <c:layout>
+        <c:manualLayout>
+          <c:layoutTarget val="inner"/>
+          <c:xMode val="edge"/>
+          <c:yMode val="edge"/>
+          <c:x val="0.0933574475065617"/>
+          <c:y val="0.164749753937008"/>
+          <c:w val="0.729559219160105"/>
+          <c:h val="0.785875246062992"/>
+        </c:manualLayout>
+      </c:layout>
+      <c:lineChart>
+        <c:grouping val="standard"/>
+        <c:varyColors val="0"/>
+        <c:ser>
+          <c:idx val="0"/>
+          <c:order val="0"/>
+          <c:tx>
+            <c:strRef>
+              <c:f>Sheet1!$B$1</c:f>
+              <c:strCache>
+                <c:ptCount val="1"/>
+                <c:pt idx="0">
+                  <c:v>系列 1</c:v>
+                </c:pt>
+              </c:strCache>
+            </c:strRef>
+          </c:tx>
+          <c:marker>
+            <c:symbol val="none"/>
+          </c:marker>
+          <c:cat>
+            <c:numRef>
+              <c:f>Sheet1!$A$2:$A$202</c:f>
+              <c:numCache>
+                <c:formatCode>General</c:formatCode>
+                <c:ptCount val="201"/>
+                <c:pt idx="0">
+                  <c:v>1.0</c:v>
+                </c:pt>
+                <c:pt idx="1">
+                  <c:v>2.0</c:v>
+                </c:pt>
+                <c:pt idx="2">
+                  <c:v>3.0</c:v>
+                </c:pt>
+                <c:pt idx="3">
+                  <c:v>4.0</c:v>
+                </c:pt>
+                <c:pt idx="4">
+                  <c:v>5.0</c:v>
+                </c:pt>
+                <c:pt idx="5">
+                  <c:v>6.0</c:v>
+                </c:pt>
+                <c:pt idx="6">
+                  <c:v>7.0</c:v>
+                </c:pt>
+                <c:pt idx="7">
+                  <c:v>8.0</c:v>
+                </c:pt>
+                <c:pt idx="8">
+                  <c:v>9.0</c:v>
+                </c:pt>
+                <c:pt idx="9">
+                  <c:v>10.0</c:v>
+                </c:pt>
+                <c:pt idx="10">
+                  <c:v>11.0</c:v>
+                </c:pt>
+                <c:pt idx="11">
+                  <c:v>12.0</c:v>
+                </c:pt>
+                <c:pt idx="12">
+                  <c:v>13.0</c:v>
+                </c:pt>
+                <c:pt idx="13">
+                  <c:v>14.0</c:v>
+                </c:pt>
+                <c:pt idx="14">
+                  <c:v>15.0</c:v>
+                </c:pt>
+                <c:pt idx="15">
+                  <c:v>16.0</c:v>
+                </c:pt>
+                <c:pt idx="16">
+                  <c:v>17.0</c:v>
+                </c:pt>
+                <c:pt idx="17">
+                  <c:v>18.0</c:v>
+                </c:pt>
+                <c:pt idx="18">
+                  <c:v>19.0</c:v>
+                </c:pt>
+                <c:pt idx="19">
+                  <c:v>20.0</c:v>
+                </c:pt>
+                <c:pt idx="20">
+                  <c:v>21.0</c:v>
+                </c:pt>
+                <c:pt idx="21">
+                  <c:v>22.0</c:v>
+                </c:pt>
+                <c:pt idx="22">
+                  <c:v>23.0</c:v>
+                </c:pt>
+                <c:pt idx="23">
+                  <c:v>24.0</c:v>
+                </c:pt>
+                <c:pt idx="24">
+                  <c:v>25.0</c:v>
+                </c:pt>
+                <c:pt idx="25">
+                  <c:v>26.0</c:v>
+                </c:pt>
+                <c:pt idx="26">
+                  <c:v>27.0</c:v>
+                </c:pt>
+                <c:pt idx="27">
+                  <c:v>28.0</c:v>
+                </c:pt>
+                <c:pt idx="28">
+                  <c:v>29.0</c:v>
+                </c:pt>
+                <c:pt idx="29">
+                  <c:v>30.0</c:v>
+                </c:pt>
+                <c:pt idx="30">
+                  <c:v>31.0</c:v>
+                </c:pt>
+                <c:pt idx="31">
+                  <c:v>32.0</c:v>
+                </c:pt>
+                <c:pt idx="32">
+                  <c:v>33.0</c:v>
+                </c:pt>
+                <c:pt idx="33">
+                  <c:v>34.0</c:v>
+                </c:pt>
+                <c:pt idx="34">
+                  <c:v>35.0</c:v>
+                </c:pt>
+                <c:pt idx="35">
+                  <c:v>36.0</c:v>
+                </c:pt>
+                <c:pt idx="36">
+                  <c:v>37.0</c:v>
+                </c:pt>
+                <c:pt idx="37">
+                  <c:v>38.0</c:v>
+                </c:pt>
+                <c:pt idx="38">
+                  <c:v>39.0</c:v>
+                </c:pt>
+                <c:pt idx="39">
+                  <c:v>40.0</c:v>
+                </c:pt>
+                <c:pt idx="40">
+                  <c:v>41.0</c:v>
+                </c:pt>
+                <c:pt idx="41">
+                  <c:v>42.0</c:v>
+                </c:pt>
+                <c:pt idx="42">
+                  <c:v>43.0</c:v>
+                </c:pt>
+                <c:pt idx="43">
+                  <c:v>44.0</c:v>
+                </c:pt>
+                <c:pt idx="44">
+                  <c:v>45.0</c:v>
+                </c:pt>
+                <c:pt idx="45">
+                  <c:v>46.0</c:v>
+                </c:pt>
+                <c:pt idx="46">
+                  <c:v>47.0</c:v>
+                </c:pt>
+                <c:pt idx="47">
+                  <c:v>48.0</c:v>
+                </c:pt>
+                <c:pt idx="48">
+                  <c:v>49.0</c:v>
+                </c:pt>
+                <c:pt idx="49">
+                  <c:v>50.0</c:v>
+                </c:pt>
+                <c:pt idx="50">
+                  <c:v>51.0</c:v>
+                </c:pt>
+                <c:pt idx="51">
+                  <c:v>52.0</c:v>
+                </c:pt>
+                <c:pt idx="52">
+                  <c:v>53.0</c:v>
+                </c:pt>
+                <c:pt idx="53">
+                  <c:v>54.0</c:v>
+                </c:pt>
+                <c:pt idx="54">
+                  <c:v>55.0</c:v>
+                </c:pt>
+                <c:pt idx="55">
+                  <c:v>56.0</c:v>
+                </c:pt>
+                <c:pt idx="56">
+                  <c:v>57.0</c:v>
+                </c:pt>
+                <c:pt idx="57">
+                  <c:v>58.0</c:v>
+                </c:pt>
+                <c:pt idx="58">
+                  <c:v>59.0</c:v>
+                </c:pt>
+                <c:pt idx="59">
+                  <c:v>60.0</c:v>
+                </c:pt>
+                <c:pt idx="60">
+                  <c:v>61.0</c:v>
+                </c:pt>
+                <c:pt idx="61">
+                  <c:v>62.0</c:v>
+                </c:pt>
+                <c:pt idx="62">
+                  <c:v>63.0</c:v>
+                </c:pt>
+                <c:pt idx="63">
+                  <c:v>64.0</c:v>
+                </c:pt>
+                <c:pt idx="64">
+                  <c:v>65.0</c:v>
+                </c:pt>
+                <c:pt idx="65">
+                  <c:v>66.0</c:v>
+                </c:pt>
+                <c:pt idx="66">
+                  <c:v>67.0</c:v>
+                </c:pt>
+                <c:pt idx="67">
+                  <c:v>68.0</c:v>
+                </c:pt>
+                <c:pt idx="68">
+                  <c:v>69.0</c:v>
+                </c:pt>
+                <c:pt idx="69">
+                  <c:v>70.0</c:v>
+                </c:pt>
+                <c:pt idx="70">
+                  <c:v>71.0</c:v>
+                </c:pt>
+                <c:pt idx="71">
+                  <c:v>72.0</c:v>
+                </c:pt>
+                <c:pt idx="72">
+                  <c:v>73.0</c:v>
+                </c:pt>
+                <c:pt idx="73">
+                  <c:v>74.0</c:v>
+                </c:pt>
+                <c:pt idx="74">
+                  <c:v>75.0</c:v>
+                </c:pt>
+                <c:pt idx="75">
+                  <c:v>76.0</c:v>
+                </c:pt>
+                <c:pt idx="76">
+                  <c:v>77.0</c:v>
+                </c:pt>
+                <c:pt idx="77">
+                  <c:v>78.0</c:v>
+                </c:pt>
+                <c:pt idx="78">
+                  <c:v>79.0</c:v>
+                </c:pt>
+                <c:pt idx="79">
+                  <c:v>80.0</c:v>
+                </c:pt>
+                <c:pt idx="80">
+                  <c:v>81.0</c:v>
+                </c:pt>
+                <c:pt idx="81">
+                  <c:v>82.0</c:v>
+                </c:pt>
+                <c:pt idx="82">
+                  <c:v>83.0</c:v>
+                </c:pt>
+                <c:pt idx="83">
+                  <c:v>84.0</c:v>
+                </c:pt>
+                <c:pt idx="84">
+                  <c:v>85.0</c:v>
+                </c:pt>
+                <c:pt idx="85">
+                  <c:v>86.0</c:v>
+                </c:pt>
+                <c:pt idx="86">
+                  <c:v>87.0</c:v>
+                </c:pt>
+                <c:pt idx="87">
+                  <c:v>88.0</c:v>
+                </c:pt>
+                <c:pt idx="88">
+                  <c:v>89.0</c:v>
+                </c:pt>
+                <c:pt idx="89">
+                  <c:v>90.0</c:v>
+                </c:pt>
+                <c:pt idx="90">
+                  <c:v>91.0</c:v>
+                </c:pt>
+                <c:pt idx="91">
+                  <c:v>92.0</c:v>
+                </c:pt>
+                <c:pt idx="92">
+                  <c:v>93.0</c:v>
+                </c:pt>
+                <c:pt idx="93">
+                  <c:v>94.0</c:v>
+                </c:pt>
+                <c:pt idx="94">
+                  <c:v>95.0</c:v>
+                </c:pt>
+                <c:pt idx="95">
+                  <c:v>96.0</c:v>
+                </c:pt>
+                <c:pt idx="96">
+                  <c:v>97.0</c:v>
+                </c:pt>
+                <c:pt idx="97">
+                  <c:v>98.0</c:v>
+                </c:pt>
+                <c:pt idx="98">
+                  <c:v>99.0</c:v>
+                </c:pt>
+                <c:pt idx="99">
+                  <c:v>100.0</c:v>
+                </c:pt>
+                <c:pt idx="100">
+                  <c:v>101.0</c:v>
+                </c:pt>
+                <c:pt idx="101">
+                  <c:v>102.0</c:v>
+                </c:pt>
+                <c:pt idx="102">
+                  <c:v>103.0</c:v>
+                </c:pt>
+                <c:pt idx="103">
+                  <c:v>104.0</c:v>
+                </c:pt>
+                <c:pt idx="104">
+                  <c:v>105.0</c:v>
+                </c:pt>
+                <c:pt idx="105">
+                  <c:v>106.0</c:v>
+                </c:pt>
+                <c:pt idx="106">
+                  <c:v>107.0</c:v>
+                </c:pt>
+                <c:pt idx="107">
+                  <c:v>108.0</c:v>
+                </c:pt>
+                <c:pt idx="108">
+                  <c:v>109.0</c:v>
+                </c:pt>
+                <c:pt idx="109">
+                  <c:v>110.0</c:v>
+                </c:pt>
+                <c:pt idx="110">
+                  <c:v>111.0</c:v>
+                </c:pt>
+                <c:pt idx="111">
+                  <c:v>112.0</c:v>
+                </c:pt>
+                <c:pt idx="112">
+                  <c:v>113.0</c:v>
+                </c:pt>
+                <c:pt idx="113">
+                  <c:v>114.0</c:v>
+                </c:pt>
+                <c:pt idx="114">
+                  <c:v>115.0</c:v>
+                </c:pt>
+                <c:pt idx="115">
+                  <c:v>116.0</c:v>
+                </c:pt>
+                <c:pt idx="116">
+                  <c:v>117.0</c:v>
+                </c:pt>
+                <c:pt idx="117">
+                  <c:v>118.0</c:v>
+                </c:pt>
+                <c:pt idx="118">
+                  <c:v>119.0</c:v>
+                </c:pt>
+                <c:pt idx="119">
+                  <c:v>120.0</c:v>
+                </c:pt>
+                <c:pt idx="120">
+                  <c:v>121.0</c:v>
+                </c:pt>
+                <c:pt idx="121">
+                  <c:v>122.0</c:v>
+                </c:pt>
+                <c:pt idx="122">
+                  <c:v>123.0</c:v>
+                </c:pt>
+                <c:pt idx="123">
+                  <c:v>124.0</c:v>
+                </c:pt>
+                <c:pt idx="124">
+                  <c:v>125.0</c:v>
+                </c:pt>
+                <c:pt idx="125">
+                  <c:v>126.0</c:v>
+                </c:pt>
+                <c:pt idx="126">
+                  <c:v>127.0</c:v>
+                </c:pt>
+                <c:pt idx="127">
+                  <c:v>128.0</c:v>
+                </c:pt>
+                <c:pt idx="128">
+                  <c:v>129.0</c:v>
+                </c:pt>
+                <c:pt idx="129">
+                  <c:v>130.0</c:v>
+                </c:pt>
+                <c:pt idx="130">
+                  <c:v>131.0</c:v>
+                </c:pt>
+                <c:pt idx="131">
+                  <c:v>132.0</c:v>
+                </c:pt>
+                <c:pt idx="132">
+                  <c:v>133.0</c:v>
+                </c:pt>
+                <c:pt idx="133">
+                  <c:v>134.0</c:v>
+                </c:pt>
+                <c:pt idx="134">
+                  <c:v>135.0</c:v>
+                </c:pt>
+                <c:pt idx="135">
+                  <c:v>136.0</c:v>
+                </c:pt>
+                <c:pt idx="136">
+                  <c:v>137.0</c:v>
+                </c:pt>
+                <c:pt idx="137">
+                  <c:v>138.0</c:v>
+                </c:pt>
+                <c:pt idx="138">
+                  <c:v>139.0</c:v>
+                </c:pt>
+                <c:pt idx="139">
+                  <c:v>140.0</c:v>
+                </c:pt>
+                <c:pt idx="140">
+                  <c:v>141.0</c:v>
+                </c:pt>
+                <c:pt idx="141">
+                  <c:v>142.0</c:v>
+                </c:pt>
+                <c:pt idx="142">
+                  <c:v>143.0</c:v>
+                </c:pt>
+                <c:pt idx="143">
+                  <c:v>144.0</c:v>
+                </c:pt>
+                <c:pt idx="144">
+                  <c:v>145.0</c:v>
+                </c:pt>
+                <c:pt idx="145">
+                  <c:v>146.0</c:v>
+                </c:pt>
+                <c:pt idx="146">
+                  <c:v>147.0</c:v>
+                </c:pt>
+                <c:pt idx="147">
+                  <c:v>148.0</c:v>
+                </c:pt>
+                <c:pt idx="148">
+                  <c:v>149.0</c:v>
+                </c:pt>
+                <c:pt idx="149">
+                  <c:v>150.0</c:v>
+                </c:pt>
+                <c:pt idx="150">
+                  <c:v>151.0</c:v>
+                </c:pt>
+                <c:pt idx="151">
+                  <c:v>152.0</c:v>
+                </c:pt>
+                <c:pt idx="152">
+                  <c:v>153.0</c:v>
+                </c:pt>
+                <c:pt idx="153">
+                  <c:v>154.0</c:v>
+                </c:pt>
+                <c:pt idx="154">
+                  <c:v>155.0</c:v>
+                </c:pt>
+                <c:pt idx="155">
+                  <c:v>156.0</c:v>
+                </c:pt>
+                <c:pt idx="156">
+                  <c:v>157.0</c:v>
+                </c:pt>
+                <c:pt idx="157">
+                  <c:v>158.0</c:v>
+                </c:pt>
+                <c:pt idx="158">
+                  <c:v>159.0</c:v>
+                </c:pt>
+                <c:pt idx="159">
+                  <c:v>160.0</c:v>
+                </c:pt>
+                <c:pt idx="160">
+                  <c:v>161.0</c:v>
+                </c:pt>
+                <c:pt idx="161">
+                  <c:v>162.0</c:v>
+                </c:pt>
+                <c:pt idx="162">
+                  <c:v>163.0</c:v>
+                </c:pt>
+                <c:pt idx="163">
+                  <c:v>164.0</c:v>
+                </c:pt>
+                <c:pt idx="164">
+                  <c:v>165.0</c:v>
+                </c:pt>
+                <c:pt idx="165">
+                  <c:v>166.0</c:v>
+                </c:pt>
+                <c:pt idx="166">
+                  <c:v>167.0</c:v>
+                </c:pt>
+                <c:pt idx="167">
+                  <c:v>168.0</c:v>
+                </c:pt>
+                <c:pt idx="168">
+                  <c:v>169.0</c:v>
+                </c:pt>
+                <c:pt idx="169">
+                  <c:v>170.0</c:v>
+                </c:pt>
+                <c:pt idx="170">
+                  <c:v>171.0</c:v>
+                </c:pt>
+                <c:pt idx="171">
+                  <c:v>172.0</c:v>
+                </c:pt>
+                <c:pt idx="172">
+                  <c:v>173.0</c:v>
+                </c:pt>
+                <c:pt idx="173">
+                  <c:v>174.0</c:v>
+                </c:pt>
+                <c:pt idx="174">
+                  <c:v>175.0</c:v>
+                </c:pt>
+                <c:pt idx="175">
+                  <c:v>176.0</c:v>
+                </c:pt>
+                <c:pt idx="176">
+                  <c:v>177.0</c:v>
+                </c:pt>
+                <c:pt idx="177">
+                  <c:v>178.0</c:v>
+                </c:pt>
+                <c:pt idx="178">
+                  <c:v>179.0</c:v>
+                </c:pt>
+                <c:pt idx="179">
+                  <c:v>180.0</c:v>
+                </c:pt>
+                <c:pt idx="180">
+                  <c:v>181.0</c:v>
+                </c:pt>
+                <c:pt idx="181">
+                  <c:v>182.0</c:v>
+                </c:pt>
+                <c:pt idx="182">
+                  <c:v>183.0</c:v>
+                </c:pt>
+                <c:pt idx="183">
+                  <c:v>184.0</c:v>
+                </c:pt>
+                <c:pt idx="184">
+                  <c:v>185.0</c:v>
+                </c:pt>
+                <c:pt idx="185">
+                  <c:v>186.0</c:v>
+                </c:pt>
+                <c:pt idx="186">
+                  <c:v>187.0</c:v>
+                </c:pt>
+                <c:pt idx="187">
+                  <c:v>188.0</c:v>
+                </c:pt>
+                <c:pt idx="188">
+                  <c:v>189.0</c:v>
+                </c:pt>
+                <c:pt idx="189">
+                  <c:v>190.0</c:v>
+                </c:pt>
+                <c:pt idx="190">
+                  <c:v>191.0</c:v>
+                </c:pt>
+                <c:pt idx="191">
+                  <c:v>192.0</c:v>
+                </c:pt>
+                <c:pt idx="192">
+                  <c:v>193.0</c:v>
+                </c:pt>
+                <c:pt idx="193">
+                  <c:v>194.0</c:v>
+                </c:pt>
+                <c:pt idx="194">
+                  <c:v>195.0</c:v>
+                </c:pt>
+                <c:pt idx="195">
+                  <c:v>196.0</c:v>
+                </c:pt>
+                <c:pt idx="196">
+                  <c:v>197.0</c:v>
+                </c:pt>
+                <c:pt idx="197">
+                  <c:v>198.0</c:v>
+                </c:pt>
+                <c:pt idx="198">
+                  <c:v>199.0</c:v>
+                </c:pt>
+                <c:pt idx="199">
+                  <c:v>200.0</c:v>
+                </c:pt>
+                <c:pt idx="200">
+                  <c:v>201.0</c:v>
+                </c:pt>
+              </c:numCache>
+            </c:numRef>
+          </c:cat>
+          <c:val>
+            <c:numRef>
+              <c:f>Sheet1!$B$2:$B$202</c:f>
+              <c:numCache>
+                <c:formatCode>General</c:formatCode>
+                <c:ptCount val="201"/>
+                <c:pt idx="0">
+                  <c:v>0.00919287188507</c:v>
+                </c:pt>
+                <c:pt idx="1">
+                  <c:v>0.0302957627042</c:v>
+                </c:pt>
+                <c:pt idx="2">
+                  <c:v>0.0664945316119</c:v>
+                </c:pt>
+                <c:pt idx="3">
+                  <c:v>0.10934915099</c:v>
+                </c:pt>
+                <c:pt idx="4">
+                  <c:v>0.143713851648</c:v>
+                </c:pt>
+                <c:pt idx="5">
+                  <c:v>0.15724031318</c:v>
+                </c:pt>
+                <c:pt idx="6">
+                  <c:v>0.1473144151</c:v>
+                </c:pt>
+                <c:pt idx="7">
+                  <c:v>0.120641594366</c:v>
+                </c:pt>
+                <c:pt idx="8">
+                  <c:v>0.0877320647076</c:v>
+                </c:pt>
+                <c:pt idx="9">
+                  <c:v>0.0573619203358</c:v>
+                </c:pt>
+                <c:pt idx="10">
+                  <c:v>0.0340610024541</c:v>
+                </c:pt>
+                <c:pt idx="11">
+                  <c:v>0.0185209500845</c:v>
+                </c:pt>
+                <c:pt idx="12">
+                  <c:v>0.00928682365209</c:v>
+                </c:pt>
+                <c:pt idx="13">
+                  <c:v>0.00431962668284</c:v>
+                </c:pt>
+                <c:pt idx="14">
+                  <c:v>0.00187336034876</c:v>
+                </c:pt>
+                <c:pt idx="15">
+                  <c:v>0.000760898235007</c:v>
+                </c:pt>
+                <c:pt idx="16">
+                  <c:v>0.000290577049934</c:v>
+                </c:pt>
+                <c:pt idx="17">
+                  <c:v>0.00010469608214</c:v>
+                </c:pt>
+                <c:pt idx="18" formatCode="0.00E+00">
+                  <c:v>3.57006376975E-5</c:v>
+                </c:pt>
+                <c:pt idx="19" formatCode="0.00E+00">
+                  <c:v>1.15531973212E-5</c:v>
+                </c:pt>
+                <c:pt idx="20" formatCode="0.00E+00">
+                  <c:v>3.55709713746E-6</c:v>
+                </c:pt>
+                <c:pt idx="21" formatCode="0.00E+00">
+                  <c:v>1.04434029737E-6</c:v>
+                </c:pt>
+                <c:pt idx="22" formatCode="0.00E+00">
+                  <c:v>2.92980624948E-7</c:v>
+                </c:pt>
+                <c:pt idx="23" formatCode="0.00E+00">
+                  <c:v>7.86878382175E-8</c:v>
+                </c:pt>
+                <c:pt idx="24" formatCode="0.00E+00">
+                  <c:v>2.02676015785E-8</c:v>
+                </c:pt>
+                <c:pt idx="25" formatCode="0.00E+00">
+                  <c:v>5.01438995012E-9</c:v>
+                </c:pt>
+                <c:pt idx="26" formatCode="0.00E+00">
+                  <c:v>1.19343100809E-9</c:v>
+                </c:pt>
+                <c:pt idx="27" formatCode="0.00E+00">
+                  <c:v>2.73612345073E-10</c:v>
+                </c:pt>
+                <c:pt idx="28" formatCode="0.00E+00">
+                  <c:v>6.05044137858E-11</c:v>
+                </c:pt>
+                <c:pt idx="29" formatCode="0.00E+00">
+                  <c:v>1.2920153524E-11</c:v>
+                </c:pt>
+                <c:pt idx="30" formatCode="0.00E+00">
+                  <c:v>2.66722648257E-12</c:v>
+                </c:pt>
+                <c:pt idx="31" formatCode="0.00E+00">
+                  <c:v>5.32862810045E-13</c:v>
+                </c:pt>
+                <c:pt idx="32" formatCode="0.00E+00">
+                  <c:v>1.03123603896E-13</c:v>
+                </c:pt>
+                <c:pt idx="33" formatCode="0.00E+00">
+                  <c:v>1.93502432368E-14</c:v>
+                </c:pt>
+                <c:pt idx="34" formatCode="0.00E+00">
+                  <c:v>3.52351264739E-15</c:v>
+                </c:pt>
+                <c:pt idx="35" formatCode="0.00E+00">
+                  <c:v>6.23132646559E-16</c:v>
+                </c:pt>
+                <c:pt idx="36" formatCode="0.00E+00">
+                  <c:v>1.07111279E-16</c:v>
+                </c:pt>
+                <c:pt idx="37" formatCode="0.00E+00">
+                  <c:v>1.79084013022E-17</c:v>
+                </c:pt>
+                <c:pt idx="38" formatCode="0.00E+00">
+                  <c:v>2.91437703157E-18</c:v>
+                </c:pt>
+                <c:pt idx="39" formatCode="0.00E+00">
+                  <c:v>4.61941642696E-19</c:v>
+                </c:pt>
+                <c:pt idx="40" formatCode="0.00E+00">
+                  <c:v>7.13595334567E-20</c:v>
+                </c:pt>
+                <c:pt idx="41" formatCode="0.00E+00">
+                  <c:v>1.07497498405E-20</c:v>
+                </c:pt>
+                <c:pt idx="42" formatCode="0.00E+00">
+                  <c:v>1.58005417275E-21</c:v>
+                </c:pt>
+                <c:pt idx="43" formatCode="0.00E+00">
+                  <c:v>2.26729134455E-22</c:v>
+                </c:pt>
+                <c:pt idx="44" formatCode="0.00E+00">
+                  <c:v>3.17781291001E-23</c:v>
+                </c:pt>
+                <c:pt idx="45" formatCode="0.00E+00">
+                  <c:v>4.35260248045E-24</c:v>
+                </c:pt>
+                <c:pt idx="46" formatCode="0.00E+00">
+                  <c:v>5.82873331213E-25</c:v>
+                </c:pt>
+                <c:pt idx="47" formatCode="0.00E+00">
+                  <c:v>7.63484163579E-26</c:v>
+                </c:pt>
+                <c:pt idx="48" formatCode="0.00E+00">
+                  <c:v>9.78621171984E-27</c:v>
+                </c:pt>
+                <c:pt idx="49" formatCode="0.00E+00">
+                  <c:v>1.22799993939E-27</c:v>
+                </c:pt>
+                <c:pt idx="50" formatCode="0.00E+00">
+                  <c:v>1.50912258566E-28</c:v>
+                </c:pt>
+                <c:pt idx="51" formatCode="0.00E+00">
+                  <c:v>1.8170197576E-29</c:v>
+                </c:pt>
+                <c:pt idx="52" formatCode="0.00E+00">
+                  <c:v>2.14419311046E-30</c:v>
+                </c:pt>
+                <c:pt idx="53" formatCode="0.00E+00">
+                  <c:v>2.48079803918E-31</c:v>
+                </c:pt>
+                <c:pt idx="54" formatCode="0.00E+00">
+                  <c:v>2.81507951267E-32</c:v>
+                </c:pt>
+                <c:pt idx="55" formatCode="0.00E+00">
+                  <c:v>3.13404169915E-33</c:v>
+                </c:pt>
+                <c:pt idx="56" formatCode="0.00E+00">
+                  <c:v>3.42429951847E-34</c:v>
+                </c:pt>
+                <c:pt idx="57" formatCode="0.00E+00">
+                  <c:v>3.67303266937E-35</c:v>
+                </c:pt>
+                <c:pt idx="58" formatCode="0.00E+00">
+                  <c:v>3.86894485868E-36</c:v>
+                </c:pt>
+                <c:pt idx="59" formatCode="0.00E+00">
+                  <c:v>4.00312618917E-37</c:v>
+                </c:pt>
+                <c:pt idx="60" formatCode="0.00E+00">
+                  <c:v>4.06972603852E-38</c:v>
+                </c:pt>
+                <c:pt idx="61" formatCode="0.00E+00">
+                  <c:v>4.066365957E-39</c:v>
+                </c:pt>
+                <c:pt idx="62" formatCode="0.00E+00">
+                  <c:v>3.99425363815E-40</c:v>
+                </c:pt>
+                <c:pt idx="63" formatCode="0.00E+00">
+                  <c:v>3.857994919E-41</c:v>
+                </c:pt>
+                <c:pt idx="64" formatCode="0.00E+00">
+                  <c:v>3.66513556398E-42</c:v>
+                </c:pt>
+                <c:pt idx="65" formatCode="0.00E+00">
+                  <c:v>3.42549328532E-43</c:v>
+                </c:pt>
+                <c:pt idx="66" formatCode="0.00E+00">
+                  <c:v>3.1503593771E-44</c:v>
+                </c:pt>
+                <c:pt idx="67" formatCode="0.00E+00">
+                  <c:v>2.85165666225E-45</c:v>
+                </c:pt>
+                <c:pt idx="68" formatCode="0.00E+00">
+                  <c:v>2.54113631644E-46</c:v>
+                </c:pt>
+                <c:pt idx="69" formatCode="0.00E+00">
+                  <c:v>2.22968241461E-47</c:v>
+                </c:pt>
+                <c:pt idx="70" formatCode="0.00E+00">
+                  <c:v>1.92677281871E-48</c:v>
+                </c:pt>
+                <c:pt idx="71" formatCode="0.00E+00">
+                  <c:v>1.6401219012E-49</c:v>
+                </c:pt>
+                <c:pt idx="72" formatCode="0.00E+00">
+                  <c:v>1.37550805867E-50</c:v>
+                </c:pt>
+                <c:pt idx="73" formatCode="0.00E+00">
+                  <c:v>1.13676984145E-51</c:v>
+                </c:pt>
+                <c:pt idx="74" formatCode="0.00E+00">
+                  <c:v>9.25940648094E-53</c:v>
+                </c:pt>
+                <c:pt idx="75" formatCode="0.00E+00">
+                  <c:v>7.43484066747E-54</c:v>
+                </c:pt>
+                <c:pt idx="76" formatCode="0.00E+00">
+                  <c:v>5.88589863833E-55</c:v>
+                </c:pt>
+                <c:pt idx="77" formatCode="0.00E+00">
+                  <c:v>4.59493354072E-56</c:v>
+                </c:pt>
+                <c:pt idx="78" formatCode="0.00E+00">
+                  <c:v>3.53787032389E-57</c:v>
+                </c:pt>
+                <c:pt idx="79" formatCode="0.00E+00">
+                  <c:v>2.68701374408E-58</c:v>
+                </c:pt>
+                <c:pt idx="80" formatCode="0.00E+00">
+                  <c:v>2.0134021012E-59</c:v>
+                </c:pt>
+                <c:pt idx="81" formatCode="0.00E+00">
+                  <c:v>1.48863931135E-60</c:v>
+                </c:pt>
+                <c:pt idx="82" formatCode="0.00E+00">
+                  <c:v>1.08620266477E-61</c:v>
+                </c:pt>
+                <c:pt idx="83" formatCode="0.00E+00">
+                  <c:v>7.82270924504E-63</c:v>
+                </c:pt>
+                <c:pt idx="84" formatCode="0.00E+00">
+                  <c:v>5.56146865911E-64</c:v>
+                </c:pt>
+                <c:pt idx="85" formatCode="0.00E+00">
+                  <c:v>3.90361857419E-65</c:v>
+                </c:pt>
+                <c:pt idx="86" formatCode="0.00E+00">
+                  <c:v>2.7055093419E-66</c:v>
+                </c:pt>
+                <c:pt idx="87" formatCode="0.00E+00">
+                  <c:v>1.85178832291E-67</c:v>
+                </c:pt>
+                <c:pt idx="88" formatCode="0.00E+00">
+                  <c:v>1.25184295227E-68</c:v>
+                </c:pt>
+                <c:pt idx="89" formatCode="0.00E+00">
+                  <c:v>8.35947240863E-70</c:v>
+                </c:pt>
+                <c:pt idx="90" formatCode="0.00E+00">
+                  <c:v>5.51482196563E-71</c:v>
+                </c:pt>
+                <c:pt idx="91" formatCode="0.00E+00">
+                  <c:v>3.59467519675E-72</c:v>
+                </c:pt>
+                <c:pt idx="92" formatCode="0.00E+00">
+                  <c:v>2.31533656642E-73</c:v>
+                </c:pt>
+                <c:pt idx="93" formatCode="0.00E+00">
+                  <c:v>1.47382056414E-74</c:v>
+                </c:pt>
+                <c:pt idx="94" formatCode="0.00E+00">
+                  <c:v>9.27256151114999E-76</c:v>
+                </c:pt>
+                <c:pt idx="95" formatCode="0.00E+00">
+                  <c:v>5.76669600036E-77</c:v>
+                </c:pt>
+                <c:pt idx="96" formatCode="0.00E+00">
+                  <c:v>3.54546506754E-78</c:v>
+                </c:pt>
+                <c:pt idx="97" formatCode="0.00E+00">
+                  <c:v>2.15518129812E-79</c:v>
+                </c:pt>
+                <c:pt idx="98" formatCode="0.00E+00">
+                  <c:v>1.29539895768E-80</c:v>
+                </c:pt>
+                <c:pt idx="99" formatCode="0.00E+00">
+                  <c:v>7.69974229454E-82</c:v>
+                </c:pt>
+                <c:pt idx="100" formatCode="0.00E+00">
+                  <c:v>4.52631364939E-83</c:v>
+                </c:pt>
+                <c:pt idx="101" formatCode="0.00E+00">
+                  <c:v>2.63178827049E-84</c:v>
+                </c:pt>
+                <c:pt idx="102" formatCode="0.00E+00">
+                  <c:v>1.51368777165E-85</c:v>
+                </c:pt>
+                <c:pt idx="103" formatCode="0.00E+00">
+                  <c:v>8.61273549808E-87</c:v>
+                </c:pt>
+                <c:pt idx="104" formatCode="0.00E+00">
+                  <c:v>4.84847302139E-88</c:v>
+                </c:pt>
+                <c:pt idx="105" formatCode="0.00E+00">
+                  <c:v>2.70064048644E-89</c:v>
+                </c:pt>
+                <c:pt idx="106" formatCode="0.00E+00">
+                  <c:v>1.48855399424E-90</c:v>
+                </c:pt>
+                <c:pt idx="107" formatCode="0.00E+00">
+                  <c:v>8.11962231466999E-92</c:v>
+                </c:pt>
+                <c:pt idx="108" formatCode="0.00E+00">
+                  <c:v>4.38346124961E-93</c:v>
+                </c:pt>
+                <c:pt idx="109" formatCode="0.00E+00">
+                  <c:v>2.3423113903E-94</c:v>
+                </c:pt>
+                <c:pt idx="110" formatCode="0.00E+00">
+                  <c:v>1.23894934281E-95</c:v>
+                </c:pt>
+                <c:pt idx="111" formatCode="0.00E+00">
+                  <c:v>6.48751880763E-97</c:v>
+                </c:pt>
+                <c:pt idx="112" formatCode="0.00E+00">
+                  <c:v>3.36320967268E-98</c:v>
+                </c:pt>
+                <c:pt idx="113" formatCode="0.00E+00">
+                  <c:v>1.72628680541E-99</c:v>
+                </c:pt>
+                <c:pt idx="114" formatCode="0.00E+00">
+                  <c:v>8.77381592353999E-101</c:v>
+                </c:pt>
+                <c:pt idx="115" formatCode="0.00E+00">
+                  <c:v>4.41583595706E-102</c:v>
+                </c:pt>
+                <c:pt idx="116" formatCode="0.00E+00">
+                  <c:v>2.20098919473E-103</c:v>
+                </c:pt>
+                <c:pt idx="117" formatCode="0.00E+00">
+                  <c:v>1.08651224568E-104</c:v>
+                </c:pt>
+                <c:pt idx="118" formatCode="0.00E+00">
+                  <c:v>5.31243598244E-106</c:v>
+                </c:pt>
+                <c:pt idx="119" formatCode="0.00E+00">
+                  <c:v>2.57291401639E-107</c:v>
+                </c:pt>
+                <c:pt idx="120" formatCode="0.00E+00">
+                  <c:v>1.23440853184E-108</c:v>
+                </c:pt>
+                <c:pt idx="121" formatCode="0.00E+00">
+                  <c:v>5.86710333233999E-110</c:v>
+                </c:pt>
+                <c:pt idx="122" formatCode="0.00E+00">
+                  <c:v>2.76279305878E-111</c:v>
+                </c:pt>
+                <c:pt idx="123" formatCode="0.00E+00">
+                  <c:v>1.28902373562E-112</c:v>
+                </c:pt>
+                <c:pt idx="124" formatCode="0.00E+00">
+                  <c:v>5.95921550897999E-114</c:v>
+                </c:pt>
+                <c:pt idx="125" formatCode="0.00E+00">
+                  <c:v>2.72998409097E-115</c:v>
+                </c:pt>
+                <c:pt idx="126" formatCode="0.00E+00">
+                  <c:v>1.23936941957E-116</c:v>
+                </c:pt>
+                <c:pt idx="127" formatCode="0.00E+00">
+                  <c:v>5.57618827002999E-118</c:v>
+                </c:pt>
+                <c:pt idx="128" formatCode="0.00E+00">
+                  <c:v>2.48654320865E-119</c:v>
+                </c:pt>
+                <c:pt idx="129" formatCode="0.00E+00">
+                  <c:v>1.09901102158E-120</c:v>
+                </c:pt>
+                <c:pt idx="130" formatCode="0.00E+00">
+                  <c:v>4.81482676182E-122</c:v>
+                </c:pt>
+                <c:pt idx="131" formatCode="0.00E+00">
+                  <c:v>2.09101234523E-123</c:v>
+                </c:pt>
+                <c:pt idx="132" formatCode="0.00E+00">
+                  <c:v>9.00231469458E-125</c:v>
+                </c:pt>
+                <c:pt idx="133" formatCode="0.00E+00">
+                  <c:v>3.84235441553E-126</c:v>
+                </c:pt>
+                <c:pt idx="134" formatCode="0.00E+00">
+                  <c:v>1.62596015001E-127</c:v>
+                </c:pt>
+                <c:pt idx="135" formatCode="0.00E+00">
+                  <c:v>6.82204953808999E-129</c:v>
+                </c:pt>
+                <c:pt idx="136" formatCode="0.00E+00">
+                  <c:v>2.83814927874E-130</c:v>
+                </c:pt>
+                <c:pt idx="137" formatCode="0.00E+00">
+                  <c:v>1.17082921603E-131</c:v>
+                </c:pt>
+                <c:pt idx="138" formatCode="0.00E+00">
+                  <c:v>4.78974110217E-133</c:v>
+                </c:pt>
+                <c:pt idx="139" formatCode="0.00E+00">
+                  <c:v>1.94317803192E-134</c:v>
+                </c:pt>
+                <c:pt idx="140" formatCode="0.00E+00">
+                  <c:v>7.81838009973999E-136</c:v>
+                </c:pt>
+                <c:pt idx="141" formatCode="0.00E+00">
+                  <c:v>3.11993726174E-137</c:v>
+                </c:pt>
+                <c:pt idx="142" formatCode="0.00E+00">
+                  <c:v>1.23486869937E-138</c:v>
+                </c:pt>
+                <c:pt idx="143" formatCode="0.00E+00">
+                  <c:v>4.84799532598999E-140</c:v>
+                </c:pt>
+                <c:pt idx="144" formatCode="0.00E+00">
+                  <c:v>1.8879497517E-141</c:v>
+                </c:pt>
+                <c:pt idx="145" formatCode="0.00E+00">
+                  <c:v>7.29325253435999E-143</c:v>
+                </c:pt>
+                <c:pt idx="146" formatCode="0.00E+00">
+                  <c:v>2.79760592034E-144</c:v>
+                </c:pt>
+                <c:pt idx="147" formatCode="0.00E+00">
+                  <c:v>1.28662704433E-145</c:v>
+                </c:pt>
+                <c:pt idx="148">
+                  <c:v>0.0</c:v>
+                </c:pt>
+                <c:pt idx="149">
+                  <c:v>0.0</c:v>
+                </c:pt>
+                <c:pt idx="150">
+                  <c:v>0.0</c:v>
+                </c:pt>
+                <c:pt idx="151">
+                  <c:v>0.0</c:v>
+                </c:pt>
+                <c:pt idx="152">
+                  <c:v>0.0</c:v>
+                </c:pt>
+                <c:pt idx="153">
+                  <c:v>0.0</c:v>
+                </c:pt>
+                <c:pt idx="154">
+                  <c:v>0.0</c:v>
+                </c:pt>
+                <c:pt idx="155">
+                  <c:v>0.0</c:v>
+                </c:pt>
+                <c:pt idx="156">
+                  <c:v>0.0</c:v>
+                </c:pt>
+                <c:pt idx="157">
+                  <c:v>0.0</c:v>
+                </c:pt>
+                <c:pt idx="158">
+                  <c:v>0.0</c:v>
+                </c:pt>
+                <c:pt idx="159">
+                  <c:v>0.0</c:v>
+                </c:pt>
+                <c:pt idx="160">
+                  <c:v>0.0</c:v>
+                </c:pt>
+                <c:pt idx="161">
+                  <c:v>0.0</c:v>
+                </c:pt>
+                <c:pt idx="162">
+                  <c:v>0.0</c:v>
+                </c:pt>
+                <c:pt idx="163">
+                  <c:v>0.0</c:v>
+                </c:pt>
+                <c:pt idx="164">
+                  <c:v>0.0</c:v>
+                </c:pt>
+                <c:pt idx="165">
+                  <c:v>0.0</c:v>
+                </c:pt>
+                <c:pt idx="166">
+                  <c:v>0.0</c:v>
+                </c:pt>
+                <c:pt idx="167">
+                  <c:v>0.0</c:v>
+                </c:pt>
+                <c:pt idx="168">
+                  <c:v>0.0</c:v>
+                </c:pt>
+                <c:pt idx="169">
+                  <c:v>0.0</c:v>
+                </c:pt>
+                <c:pt idx="170">
+                  <c:v>0.0</c:v>
+                </c:pt>
+                <c:pt idx="171">
+                  <c:v>0.0</c:v>
+                </c:pt>
+                <c:pt idx="172">
+                  <c:v>0.0</c:v>
+                </c:pt>
+                <c:pt idx="173">
+                  <c:v>0.0</c:v>
+                </c:pt>
+                <c:pt idx="174">
+                  <c:v>0.0</c:v>
+                </c:pt>
+                <c:pt idx="175">
+                  <c:v>0.0</c:v>
+                </c:pt>
+                <c:pt idx="176">
+                  <c:v>0.0</c:v>
+                </c:pt>
+                <c:pt idx="177">
+                  <c:v>0.0</c:v>
+                </c:pt>
+                <c:pt idx="178">
+                  <c:v>0.0</c:v>
+                </c:pt>
+                <c:pt idx="179">
+                  <c:v>0.0</c:v>
+                </c:pt>
+                <c:pt idx="180">
+                  <c:v>0.0</c:v>
+                </c:pt>
+                <c:pt idx="181">
+                  <c:v>0.0</c:v>
+                </c:pt>
+                <c:pt idx="182">
+                  <c:v>0.0</c:v>
+                </c:pt>
+                <c:pt idx="183">
+                  <c:v>0.0</c:v>
+                </c:pt>
+                <c:pt idx="184">
+                  <c:v>0.0</c:v>
+                </c:pt>
+                <c:pt idx="185">
+                  <c:v>0.0</c:v>
+                </c:pt>
+                <c:pt idx="186">
+                  <c:v>0.0</c:v>
+                </c:pt>
+                <c:pt idx="187">
+                  <c:v>0.0</c:v>
+                </c:pt>
+                <c:pt idx="188">
+                  <c:v>0.0</c:v>
+                </c:pt>
+                <c:pt idx="189">
+                  <c:v>0.0</c:v>
+                </c:pt>
+                <c:pt idx="190">
+                  <c:v>0.0</c:v>
+                </c:pt>
+                <c:pt idx="191">
+                  <c:v>0.0</c:v>
+                </c:pt>
+                <c:pt idx="192">
+                  <c:v>0.0</c:v>
+                </c:pt>
+                <c:pt idx="193">
+                  <c:v>0.0</c:v>
+                </c:pt>
+                <c:pt idx="194">
+                  <c:v>0.0</c:v>
+                </c:pt>
+                <c:pt idx="195">
+                  <c:v>0.0</c:v>
+                </c:pt>
+                <c:pt idx="196">
+                  <c:v>0.0</c:v>
+                </c:pt>
+                <c:pt idx="197">
+                  <c:v>0.0</c:v>
+                </c:pt>
+                <c:pt idx="198">
+                  <c:v>0.0</c:v>
+                </c:pt>
+                <c:pt idx="199">
+                  <c:v>0.0</c:v>
+                </c:pt>
+                <c:pt idx="200">
+                  <c:v>0.0</c:v>
+                </c:pt>
+              </c:numCache>
+            </c:numRef>
+          </c:val>
+          <c:smooth val="0"/>
+        </c:ser>
+        <c:dLbls>
+          <c:showLegendKey val="0"/>
+          <c:showVal val="0"/>
+          <c:showCatName val="0"/>
+          <c:showSerName val="0"/>
+          <c:showPercent val="0"/>
+          <c:showBubbleSize val="0"/>
+        </c:dLbls>
+        <c:marker val="1"/>
+        <c:smooth val="0"/>
+        <c:axId val="2080179784"/>
+        <c:axId val="2077409016"/>
+      </c:lineChart>
+      <c:catAx>
+        <c:axId val="2080179784"/>
+        <c:scaling>
+          <c:orientation val="minMax"/>
+        </c:scaling>
+        <c:delete val="1"/>
+        <c:axPos val="b"/>
+        <c:numFmt formatCode="General" sourceLinked="1"/>
+        <c:majorTickMark val="out"/>
+        <c:minorTickMark val="none"/>
+        <c:tickLblPos val="nextTo"/>
+        <c:crossAx val="2077409016"/>
+        <c:crosses val="autoZero"/>
+        <c:auto val="0"/>
+        <c:lblAlgn val="ctr"/>
+        <c:lblOffset val="100"/>
+        <c:tickLblSkip val="300"/>
+        <c:tickMarkSkip val="100"/>
+        <c:noMultiLvlLbl val="0"/>
+      </c:catAx>
+      <c:valAx>
+        <c:axId val="2077409016"/>
+        <c:scaling>
+          <c:orientation val="minMax"/>
+          <c:max val="0.2"/>
+        </c:scaling>
+        <c:delete val="0"/>
+        <c:axPos val="l"/>
+        <c:majorGridlines/>
+        <c:numFmt formatCode="General" sourceLinked="1"/>
+        <c:majorTickMark val="out"/>
+        <c:minorTickMark val="none"/>
+        <c:tickLblPos val="nextTo"/>
+        <c:txPr>
+          <a:bodyPr/>
+          <a:lstStyle/>
+          <a:p>
+            <a:pPr>
+              <a:defRPr>
+                <a:latin typeface="Times New Roman"/>
+                <a:cs typeface="Times New Roman"/>
+              </a:defRPr>
+            </a:pPr>
+            <a:endParaRPr lang="ja-JP"/>
+          </a:p>
+        </c:txPr>
+        <c:crossAx val="2080179784"/>
+        <c:crossesAt val="1.0"/>
+        <c:crossBetween val="between"/>
+        <c:majorUnit val="0.1"/>
+      </c:valAx>
+    </c:plotArea>
+    <c:plotVisOnly val="1"/>
+    <c:dispBlanksAs val="gap"/>
+    <c:showDLblsOverMax val="0"/>
+  </c:chart>
+  <c:txPr>
+    <a:bodyPr/>
+    <a:lstStyle/>
+    <a:p>
+      <a:pPr>
+        <a:defRPr sz="1800"/>
+      </a:pPr>
+      <a:endParaRPr lang="ja-JP"/>
+    </a:p>
+  </c:txPr>
+  <c:externalData r:id="rId1">
+    <c:autoUpdate val="0"/>
+  </c:externalData>
+</c:chartSpace>
+</file>
+
 <file path=ppt/charts/chart2.xml><?xml version="1.0" encoding="utf-8"?>
+<c:chartSpace xmlns:c="http://schemas.openxmlformats.org/drawingml/2006/chart" xmlns:a="http://schemas.openxmlformats.org/drawingml/2006/main" xmlns:r="http://schemas.openxmlformats.org/officeDocument/2006/relationships">
+  <c:date1904 val="0"/>
+  <c:lang val="ja-JP"/>
+  <c:roundedCorners val="0"/>
+  <mc:AlternateContent xmlns:mc="http://schemas.openxmlformats.org/markup-compatibility/2006">
+    <mc:Choice xmlns:c14="http://schemas.microsoft.com/office/drawing/2007/8/2/chart" Requires="c14">
+      <c14:style val="101"/>
+    </mc:Choice>
+    <mc:Fallback>
+      <c:style val="1"/>
+    </mc:Fallback>
+  </mc:AlternateContent>
+  <c:chart>
+    <c:title>
+      <c:tx>
+        <c:rich>
+          <a:bodyPr/>
+          <a:lstStyle/>
+          <a:p>
+            <a:pPr>
+              <a:defRPr>
+                <a:latin typeface="ＭＳ Ｐ明朝"/>
+                <a:ea typeface="ＭＳ Ｐ明朝"/>
+                <a:cs typeface="ＭＳ Ｐ明朝"/>
+              </a:defRPr>
+            </a:pPr>
+            <a:r>
+              <a:rPr lang="en-US" altLang="en-US">
+                <a:latin typeface="ＭＳ Ｐ明朝"/>
+                <a:ea typeface="ＭＳ Ｐ明朝"/>
+                <a:cs typeface="ＭＳ Ｐ明朝"/>
+              </a:rPr>
+              <a:t>ターゲット型ユーザ</a:t>
+            </a:r>
+            <a:endParaRPr lang="ja-JP" altLang="en-US">
+              <a:latin typeface="ＭＳ Ｐ明朝"/>
+              <a:ea typeface="ＭＳ Ｐ明朝"/>
+              <a:cs typeface="ＭＳ Ｐ明朝"/>
+            </a:endParaRPr>
+          </a:p>
+        </c:rich>
+      </c:tx>
+      <c:layout/>
+      <c:overlay val="0"/>
+    </c:title>
+    <c:autoTitleDeleted val="0"/>
+    <c:plotArea>
+      <c:layout>
+        <c:manualLayout>
+          <c:layoutTarget val="inner"/>
+          <c:xMode val="edge"/>
+          <c:yMode val="edge"/>
+          <c:x val="0.0846916427638064"/>
+          <c:y val="0.174565771089228"/>
+          <c:w val="0.887996316927526"/>
+          <c:h val="0.69695998698467"/>
+        </c:manualLayout>
+      </c:layout>
+      <c:barChart>
+        <c:barDir val="col"/>
+        <c:grouping val="clustered"/>
+        <c:varyColors val="0"/>
+        <c:ser>
+          <c:idx val="0"/>
+          <c:order val="0"/>
+          <c:tx>
+            <c:strRef>
+              <c:f>Sheet1!$B$1</c:f>
+              <c:strCache>
+                <c:ptCount val="1"/>
+                <c:pt idx="0">
+                  <c:v>系列 1</c:v>
+                </c:pt>
+              </c:strCache>
+            </c:strRef>
+          </c:tx>
+          <c:spPr>
+            <a:noFill/>
+            <a:ln>
+              <a:solidFill>
+                <a:schemeClr val="tx1"/>
+              </a:solidFill>
+            </a:ln>
+          </c:spPr>
+          <c:invertIfNegative val="0"/>
+          <c:cat>
+            <c:numRef>
+              <c:f>Sheet1!$A$2:$A$22</c:f>
+              <c:numCache>
+                <c:formatCode>General</c:formatCode>
+                <c:ptCount val="21"/>
+                <c:pt idx="0">
+                  <c:v>0.01</c:v>
+                </c:pt>
+                <c:pt idx="1">
+                  <c:v>0.02</c:v>
+                </c:pt>
+                <c:pt idx="2">
+                  <c:v>0.03</c:v>
+                </c:pt>
+                <c:pt idx="3">
+                  <c:v>0.04</c:v>
+                </c:pt>
+                <c:pt idx="4">
+                  <c:v>0.05</c:v>
+                </c:pt>
+                <c:pt idx="5">
+                  <c:v>0.06</c:v>
+                </c:pt>
+                <c:pt idx="6">
+                  <c:v>0.07</c:v>
+                </c:pt>
+                <c:pt idx="7">
+                  <c:v>0.08</c:v>
+                </c:pt>
+                <c:pt idx="8">
+                  <c:v>0.09</c:v>
+                </c:pt>
+                <c:pt idx="9">
+                  <c:v>0.1</c:v>
+                </c:pt>
+                <c:pt idx="10">
+                  <c:v>0.11</c:v>
+                </c:pt>
+                <c:pt idx="11">
+                  <c:v>0.12</c:v>
+                </c:pt>
+                <c:pt idx="12">
+                  <c:v>0.13</c:v>
+                </c:pt>
+                <c:pt idx="13">
+                  <c:v>0.14</c:v>
+                </c:pt>
+                <c:pt idx="14">
+                  <c:v>0.15</c:v>
+                </c:pt>
+                <c:pt idx="15">
+                  <c:v>0.16</c:v>
+                </c:pt>
+                <c:pt idx="16">
+                  <c:v>0.17</c:v>
+                </c:pt>
+                <c:pt idx="17">
+                  <c:v>0.18</c:v>
+                </c:pt>
+                <c:pt idx="18">
+                  <c:v>0.19</c:v>
+                </c:pt>
+                <c:pt idx="19">
+                  <c:v>0.2</c:v>
+                </c:pt>
+                <c:pt idx="20">
+                  <c:v>0.21</c:v>
+                </c:pt>
+              </c:numCache>
+            </c:numRef>
+          </c:cat>
+          <c:val>
+            <c:numRef>
+              <c:f>Sheet1!$B$2:$B$22</c:f>
+              <c:numCache>
+                <c:formatCode>General</c:formatCode>
+                <c:ptCount val="21"/>
+                <c:pt idx="0">
+                  <c:v>21.0</c:v>
+                </c:pt>
+                <c:pt idx="1">
+                  <c:v>11.0</c:v>
+                </c:pt>
+                <c:pt idx="2">
+                  <c:v>8.0</c:v>
+                </c:pt>
+                <c:pt idx="3">
+                  <c:v>8.0</c:v>
+                </c:pt>
+                <c:pt idx="4">
+                  <c:v>6.0</c:v>
+                </c:pt>
+                <c:pt idx="5">
+                  <c:v>3.0</c:v>
+                </c:pt>
+                <c:pt idx="6">
+                  <c:v>2.0</c:v>
+                </c:pt>
+                <c:pt idx="7">
+                  <c:v>2.0</c:v>
+                </c:pt>
+                <c:pt idx="8">
+                  <c:v>3.0</c:v>
+                </c:pt>
+                <c:pt idx="9">
+                  <c:v>4.0</c:v>
+                </c:pt>
+                <c:pt idx="10">
+                  <c:v>2.0</c:v>
+                </c:pt>
+                <c:pt idx="11">
+                  <c:v>1.0</c:v>
+                </c:pt>
+                <c:pt idx="12">
+                  <c:v>4.0</c:v>
+                </c:pt>
+                <c:pt idx="13">
+                  <c:v>0.0</c:v>
+                </c:pt>
+                <c:pt idx="14">
+                  <c:v>2.0</c:v>
+                </c:pt>
+                <c:pt idx="15">
+                  <c:v>0.0</c:v>
+                </c:pt>
+                <c:pt idx="16">
+                  <c:v>0.0</c:v>
+                </c:pt>
+                <c:pt idx="17">
+                  <c:v>3.0</c:v>
+                </c:pt>
+                <c:pt idx="18">
+                  <c:v>1.0</c:v>
+                </c:pt>
+                <c:pt idx="19">
+                  <c:v>2.0</c:v>
+                </c:pt>
+                <c:pt idx="20">
+                  <c:v>7.0</c:v>
+                </c:pt>
+              </c:numCache>
+            </c:numRef>
+          </c:val>
+        </c:ser>
+        <c:dLbls>
+          <c:showLegendKey val="0"/>
+          <c:showVal val="0"/>
+          <c:showCatName val="0"/>
+          <c:showSerName val="0"/>
+          <c:showPercent val="0"/>
+          <c:showBubbleSize val="0"/>
+        </c:dLbls>
+        <c:gapWidth val="0"/>
+        <c:axId val="2075312984"/>
+        <c:axId val="2084302008"/>
+      </c:barChart>
+      <c:catAx>
+        <c:axId val="2075312984"/>
+        <c:scaling>
+          <c:orientation val="minMax"/>
+        </c:scaling>
+        <c:delete val="1"/>
+        <c:axPos val="b"/>
+        <c:numFmt formatCode="General" sourceLinked="1"/>
+        <c:majorTickMark val="none"/>
+        <c:minorTickMark val="none"/>
+        <c:tickLblPos val="nextTo"/>
+        <c:crossAx val="2084302008"/>
+        <c:crosses val="autoZero"/>
+        <c:auto val="1"/>
+        <c:lblAlgn val="ctr"/>
+        <c:lblOffset val="100"/>
+        <c:noMultiLvlLbl val="0"/>
+      </c:catAx>
+      <c:valAx>
+        <c:axId val="2084302008"/>
+        <c:scaling>
+          <c:orientation val="minMax"/>
+        </c:scaling>
+        <c:delete val="0"/>
+        <c:axPos val="l"/>
+        <c:numFmt formatCode="General" sourceLinked="1"/>
+        <c:majorTickMark val="out"/>
+        <c:minorTickMark val="none"/>
+        <c:tickLblPos val="nextTo"/>
+        <c:txPr>
+          <a:bodyPr/>
+          <a:lstStyle/>
+          <a:p>
+            <a:pPr>
+              <a:defRPr sz="1600">
+                <a:latin typeface="Times New Roman"/>
+                <a:cs typeface="Times New Roman"/>
+              </a:defRPr>
+            </a:pPr>
+            <a:endParaRPr lang="ja-JP"/>
+          </a:p>
+        </c:txPr>
+        <c:crossAx val="2075312984"/>
+        <c:crosses val="autoZero"/>
+        <c:crossBetween val="between"/>
+      </c:valAx>
+      <c:spPr>
+        <a:noFill/>
+        <a:ln>
+          <a:solidFill>
+            <a:schemeClr val="tx1"/>
+          </a:solidFill>
+        </a:ln>
+      </c:spPr>
+    </c:plotArea>
+    <c:plotVisOnly val="1"/>
+    <c:dispBlanksAs val="gap"/>
+    <c:showDLblsOverMax val="0"/>
+  </c:chart>
+  <c:txPr>
+    <a:bodyPr/>
+    <a:lstStyle/>
+    <a:p>
+      <a:pPr>
+        <a:defRPr sz="1800"/>
+      </a:pPr>
+      <a:endParaRPr lang="ja-JP"/>
+    </a:p>
+  </c:txPr>
+  <c:externalData r:id="rId1">
+    <c:autoUpdate val="0"/>
+  </c:externalData>
+</c:chartSpace>
+</file>
+
+<file path=ppt/charts/chart3.xml><?xml version="1.0" encoding="utf-8"?>
+<c:chartSpace xmlns:c="http://schemas.openxmlformats.org/drawingml/2006/chart" xmlns:a="http://schemas.openxmlformats.org/drawingml/2006/main" xmlns:r="http://schemas.openxmlformats.org/officeDocument/2006/relationships">
+  <c:date1904 val="0"/>
+  <c:lang val="ja-JP"/>
+  <c:roundedCorners val="0"/>
+  <mc:AlternateContent xmlns:mc="http://schemas.openxmlformats.org/markup-compatibility/2006">
+    <mc:Choice xmlns:c14="http://schemas.microsoft.com/office/drawing/2007/8/2/chart" Requires="c14">
+      <c14:style val="101"/>
+    </mc:Choice>
+    <mc:Fallback>
+      <c:style val="1"/>
+    </mc:Fallback>
+  </mc:AlternateContent>
+  <c:clrMapOvr bg1="lt1" tx1="dk1" bg2="lt2" tx2="dk2" accent1="accent1" accent2="accent2" accent3="accent3" accent4="accent4" accent5="accent5" accent6="accent6" hlink="hlink" folHlink="folHlink"/>
+  <c:chart>
+    <c:title>
+      <c:tx>
+        <c:rich>
+          <a:bodyPr/>
+          <a:lstStyle/>
+          <a:p>
+            <a:pPr>
+              <a:defRPr>
+                <a:latin typeface="ＭＳ Ｐ明朝"/>
+                <a:ea typeface="ＭＳ Ｐ明朝"/>
+                <a:cs typeface="ＭＳ Ｐ明朝"/>
+              </a:defRPr>
+            </a:pPr>
+            <a:r>
+              <a:rPr lang="ja-JP" altLang="en-US">
+                <a:latin typeface="ＭＳ Ｐ明朝"/>
+                <a:ea typeface="ＭＳ Ｐ明朝"/>
+                <a:cs typeface="ＭＳ Ｐ明朝"/>
+              </a:rPr>
+              <a:t>非</a:t>
+            </a:r>
+            <a:r>
+              <a:rPr lang="en-US" altLang="en-US">
+                <a:latin typeface="ＭＳ Ｐ明朝"/>
+                <a:ea typeface="ＭＳ Ｐ明朝"/>
+                <a:cs typeface="ＭＳ Ｐ明朝"/>
+              </a:rPr>
+              <a:t>ターゲット型ユーザ</a:t>
+            </a:r>
+            <a:endParaRPr lang="ja-JP" altLang="en-US">
+              <a:latin typeface="ＭＳ Ｐ明朝"/>
+              <a:ea typeface="ＭＳ Ｐ明朝"/>
+              <a:cs typeface="ＭＳ Ｐ明朝"/>
+            </a:endParaRPr>
+          </a:p>
+        </c:rich>
+      </c:tx>
+      <c:layout/>
+      <c:overlay val="0"/>
+    </c:title>
+    <c:autoTitleDeleted val="0"/>
+    <c:plotArea>
+      <c:layout>
+        <c:manualLayout>
+          <c:layoutTarget val="inner"/>
+          <c:xMode val="edge"/>
+          <c:yMode val="edge"/>
+          <c:x val="0.0846916427638064"/>
+          <c:y val="0.174565771089228"/>
+          <c:w val="0.887996316927526"/>
+          <c:h val="0.69695998698467"/>
+        </c:manualLayout>
+      </c:layout>
+      <c:barChart>
+        <c:barDir val="col"/>
+        <c:grouping val="clustered"/>
+        <c:varyColors val="0"/>
+        <c:ser>
+          <c:idx val="0"/>
+          <c:order val="0"/>
+          <c:tx>
+            <c:strRef>
+              <c:f>Sheet1!$B$1</c:f>
+              <c:strCache>
+                <c:ptCount val="1"/>
+                <c:pt idx="0">
+                  <c:v>系列 1</c:v>
+                </c:pt>
+              </c:strCache>
+            </c:strRef>
+          </c:tx>
+          <c:spPr>
+            <a:noFill/>
+            <a:ln>
+              <a:solidFill>
+                <a:schemeClr val="tx1"/>
+              </a:solidFill>
+            </a:ln>
+          </c:spPr>
+          <c:invertIfNegative val="0"/>
+          <c:cat>
+            <c:numRef>
+              <c:f>Sheet1!$A$2:$A$22</c:f>
+              <c:numCache>
+                <c:formatCode>General</c:formatCode>
+                <c:ptCount val="21"/>
+                <c:pt idx="0">
+                  <c:v>0.01</c:v>
+                </c:pt>
+                <c:pt idx="1">
+                  <c:v>0.02</c:v>
+                </c:pt>
+                <c:pt idx="2">
+                  <c:v>0.03</c:v>
+                </c:pt>
+                <c:pt idx="3">
+                  <c:v>0.04</c:v>
+                </c:pt>
+                <c:pt idx="4">
+                  <c:v>0.05</c:v>
+                </c:pt>
+                <c:pt idx="5">
+                  <c:v>0.06</c:v>
+                </c:pt>
+                <c:pt idx="6">
+                  <c:v>0.07</c:v>
+                </c:pt>
+                <c:pt idx="7">
+                  <c:v>0.08</c:v>
+                </c:pt>
+                <c:pt idx="8">
+                  <c:v>0.09</c:v>
+                </c:pt>
+                <c:pt idx="9">
+                  <c:v>0.1</c:v>
+                </c:pt>
+                <c:pt idx="10">
+                  <c:v>0.11</c:v>
+                </c:pt>
+                <c:pt idx="11">
+                  <c:v>0.12</c:v>
+                </c:pt>
+                <c:pt idx="12">
+                  <c:v>0.13</c:v>
+                </c:pt>
+                <c:pt idx="13">
+                  <c:v>0.14</c:v>
+                </c:pt>
+                <c:pt idx="14">
+                  <c:v>0.15</c:v>
+                </c:pt>
+                <c:pt idx="15">
+                  <c:v>0.16</c:v>
+                </c:pt>
+                <c:pt idx="16">
+                  <c:v>0.17</c:v>
+                </c:pt>
+                <c:pt idx="17">
+                  <c:v>0.18</c:v>
+                </c:pt>
+                <c:pt idx="18">
+                  <c:v>0.19</c:v>
+                </c:pt>
+                <c:pt idx="19">
+                  <c:v>0.2</c:v>
+                </c:pt>
+                <c:pt idx="20">
+                  <c:v>0.21</c:v>
+                </c:pt>
+              </c:numCache>
+            </c:numRef>
+          </c:cat>
+          <c:val>
+            <c:numRef>
+              <c:f>Sheet1!$B$2:$B$22</c:f>
+              <c:numCache>
+                <c:formatCode>General</c:formatCode>
+                <c:ptCount val="21"/>
+                <c:pt idx="0">
+                  <c:v>88.0</c:v>
+                </c:pt>
+                <c:pt idx="1">
+                  <c:v>3.0</c:v>
+                </c:pt>
+                <c:pt idx="2">
+                  <c:v>0.0</c:v>
+                </c:pt>
+                <c:pt idx="3">
+                  <c:v>2.0</c:v>
+                </c:pt>
+                <c:pt idx="4">
+                  <c:v>0.0</c:v>
+                </c:pt>
+                <c:pt idx="5">
+                  <c:v>0.0</c:v>
+                </c:pt>
+                <c:pt idx="6">
+                  <c:v>1.0</c:v>
+                </c:pt>
+                <c:pt idx="7">
+                  <c:v>0.0</c:v>
+                </c:pt>
+                <c:pt idx="8">
+                  <c:v>0.0</c:v>
+                </c:pt>
+                <c:pt idx="9">
+                  <c:v>0.0</c:v>
+                </c:pt>
+                <c:pt idx="10">
+                  <c:v>0.0</c:v>
+                </c:pt>
+                <c:pt idx="11">
+                  <c:v>0.0</c:v>
+                </c:pt>
+                <c:pt idx="12">
+                  <c:v>2.0</c:v>
+                </c:pt>
+                <c:pt idx="13">
+                  <c:v>0.0</c:v>
+                </c:pt>
+                <c:pt idx="14">
+                  <c:v>0.0</c:v>
+                </c:pt>
+                <c:pt idx="15">
+                  <c:v>0.0</c:v>
+                </c:pt>
+                <c:pt idx="16">
+                  <c:v>0.0</c:v>
+                </c:pt>
+                <c:pt idx="17">
+                  <c:v>0.0</c:v>
+                </c:pt>
+                <c:pt idx="18">
+                  <c:v>0.0</c:v>
+                </c:pt>
+                <c:pt idx="19">
+                  <c:v>0.0</c:v>
+                </c:pt>
+                <c:pt idx="20">
+                  <c:v>0.0</c:v>
+                </c:pt>
+              </c:numCache>
+            </c:numRef>
+          </c:val>
+        </c:ser>
+        <c:dLbls>
+          <c:showLegendKey val="0"/>
+          <c:showVal val="0"/>
+          <c:showCatName val="0"/>
+          <c:showSerName val="0"/>
+          <c:showPercent val="0"/>
+          <c:showBubbleSize val="0"/>
+        </c:dLbls>
+        <c:gapWidth val="0"/>
+        <c:axId val="2084266712"/>
+        <c:axId val="2087506360"/>
+      </c:barChart>
+      <c:catAx>
+        <c:axId val="2084266712"/>
+        <c:scaling>
+          <c:orientation val="minMax"/>
+        </c:scaling>
+        <c:delete val="1"/>
+        <c:axPos val="b"/>
+        <c:numFmt formatCode="General" sourceLinked="1"/>
+        <c:majorTickMark val="none"/>
+        <c:minorTickMark val="none"/>
+        <c:tickLblPos val="nextTo"/>
+        <c:crossAx val="2087506360"/>
+        <c:crosses val="autoZero"/>
+        <c:auto val="1"/>
+        <c:lblAlgn val="ctr"/>
+        <c:lblOffset val="100"/>
+        <c:noMultiLvlLbl val="0"/>
+      </c:catAx>
+      <c:valAx>
+        <c:axId val="2087506360"/>
+        <c:scaling>
+          <c:orientation val="minMax"/>
+        </c:scaling>
+        <c:delete val="0"/>
+        <c:axPos val="l"/>
+        <c:numFmt formatCode="General" sourceLinked="1"/>
+        <c:majorTickMark val="out"/>
+        <c:minorTickMark val="none"/>
+        <c:tickLblPos val="nextTo"/>
+        <c:txPr>
+          <a:bodyPr/>
+          <a:lstStyle/>
+          <a:p>
+            <a:pPr>
+              <a:defRPr sz="1600">
+                <a:latin typeface="Times New Roman"/>
+                <a:cs typeface="Times New Roman"/>
+              </a:defRPr>
+            </a:pPr>
+            <a:endParaRPr lang="ja-JP"/>
+          </a:p>
+        </c:txPr>
+        <c:crossAx val="2084266712"/>
+        <c:crosses val="autoZero"/>
+        <c:crossBetween val="between"/>
+      </c:valAx>
+      <c:spPr>
+        <a:noFill/>
+        <a:ln>
+          <a:solidFill>
+            <a:sysClr val="windowText" lastClr="000000"/>
+          </a:solidFill>
+        </a:ln>
+      </c:spPr>
+    </c:plotArea>
+    <c:plotVisOnly val="1"/>
+    <c:dispBlanksAs val="gap"/>
+    <c:showDLblsOverMax val="0"/>
+  </c:chart>
+  <c:txPr>
+    <a:bodyPr/>
+    <a:lstStyle/>
+    <a:p>
+      <a:pPr>
+        <a:defRPr sz="1800"/>
+      </a:pPr>
+      <a:endParaRPr lang="ja-JP"/>
+    </a:p>
+  </c:txPr>
+  <c:externalData r:id="rId2">
+    <c:autoUpdate val="0"/>
+  </c:externalData>
+</c:chartSpace>
+</file>
+
+<file path=ppt/charts/chart4.xml><?xml version="1.0" encoding="utf-8"?>
 <c:chartSpace xmlns:c="http://schemas.openxmlformats.org/drawingml/2006/chart" xmlns:a="http://schemas.openxmlformats.org/drawingml/2006/main" xmlns:r="http://schemas.openxmlformats.org/officeDocument/2006/relationships">
   <c:date1904 val="0"/>
   <c:lang val="ja-JP"/>
@@ -1536,11 +4985,11 @@
         </c:dLbls>
         <c:marker val="1"/>
         <c:smooth val="0"/>
-        <c:axId val="2085520152"/>
-        <c:axId val="2085521560"/>
+        <c:axId val="2086881512"/>
+        <c:axId val="2084012008"/>
       </c:lineChart>
       <c:catAx>
-        <c:axId val="2085520152"/>
+        <c:axId val="2086881512"/>
         <c:scaling>
           <c:orientation val="minMax"/>
         </c:scaling>
@@ -1550,7 +4999,7 @@
         <c:majorTickMark val="out"/>
         <c:minorTickMark val="none"/>
         <c:tickLblPos val="nextTo"/>
-        <c:crossAx val="2085521560"/>
+        <c:crossAx val="2084012008"/>
         <c:crosses val="autoZero"/>
         <c:auto val="1"/>
         <c:lblAlgn val="ctr"/>
@@ -1558,7 +5007,7 @@
         <c:noMultiLvlLbl val="0"/>
       </c:catAx>
       <c:valAx>
-        <c:axId val="2085521560"/>
+        <c:axId val="2084012008"/>
         <c:scaling>
           <c:orientation val="minMax"/>
         </c:scaling>
@@ -1581,7 +5030,7 @@
             <a:endParaRPr lang="ja-JP"/>
           </a:p>
         </c:txPr>
-        <c:crossAx val="2085520152"/>
+        <c:crossAx val="2086881512"/>
         <c:crosses val="autoZero"/>
         <c:crossBetween val="between"/>
         <c:majorUnit val="0.1"/>
@@ -1643,7 +5092,560 @@
 </c:chartSpace>
 </file>
 
-<file path=ppt/charts/chart3.xml><?xml version="1.0" encoding="utf-8"?>
+<file path=ppt/charts/chart5.xml><?xml version="1.0" encoding="utf-8"?>
+<c:chartSpace xmlns:c="http://schemas.openxmlformats.org/drawingml/2006/chart" xmlns:a="http://schemas.openxmlformats.org/drawingml/2006/main" xmlns:r="http://schemas.openxmlformats.org/officeDocument/2006/relationships">
+  <c:date1904 val="0"/>
+  <c:lang val="ja-JP"/>
+  <c:roundedCorners val="0"/>
+  <mc:AlternateContent xmlns:mc="http://schemas.openxmlformats.org/markup-compatibility/2006">
+    <mc:Choice xmlns:c14="http://schemas.microsoft.com/office/drawing/2007/8/2/chart" Requires="c14">
+      <c14:style val="101"/>
+    </mc:Choice>
+    <mc:Fallback>
+      <c:style val="1"/>
+    </mc:Fallback>
+  </mc:AlternateContent>
+  <c:chart>
+    <c:title>
+      <c:tx>
+        <c:rich>
+          <a:bodyPr/>
+          <a:lstStyle/>
+          <a:p>
+            <a:pPr>
+              <a:defRPr>
+                <a:latin typeface="ＭＳ Ｐ明朝"/>
+                <a:ea typeface="ＭＳ Ｐ明朝"/>
+                <a:cs typeface="ＭＳ Ｐ明朝"/>
+              </a:defRPr>
+            </a:pPr>
+            <a:r>
+              <a:rPr lang="en-US" altLang="en-US">
+                <a:latin typeface="ＭＳ Ｐ明朝"/>
+                <a:ea typeface="ＭＳ Ｐ明朝"/>
+                <a:cs typeface="ＭＳ Ｐ明朝"/>
+              </a:rPr>
+              <a:t>ターゲット型ユーザ</a:t>
+            </a:r>
+            <a:endParaRPr lang="ja-JP" altLang="en-US">
+              <a:latin typeface="ＭＳ Ｐ明朝"/>
+              <a:ea typeface="ＭＳ Ｐ明朝"/>
+              <a:cs typeface="ＭＳ Ｐ明朝"/>
+            </a:endParaRPr>
+          </a:p>
+        </c:rich>
+      </c:tx>
+      <c:layout/>
+      <c:overlay val="0"/>
+    </c:title>
+    <c:autoTitleDeleted val="0"/>
+    <c:plotArea>
+      <c:layout>
+        <c:manualLayout>
+          <c:layoutTarget val="inner"/>
+          <c:xMode val="edge"/>
+          <c:yMode val="edge"/>
+          <c:x val="0.0846916427638064"/>
+          <c:y val="0.174565771089228"/>
+          <c:w val="0.887996316927526"/>
+          <c:h val="0.69695998698467"/>
+        </c:manualLayout>
+      </c:layout>
+      <c:barChart>
+        <c:barDir val="col"/>
+        <c:grouping val="clustered"/>
+        <c:varyColors val="0"/>
+        <c:ser>
+          <c:idx val="0"/>
+          <c:order val="0"/>
+          <c:tx>
+            <c:strRef>
+              <c:f>Sheet1!$B$1</c:f>
+              <c:strCache>
+                <c:ptCount val="1"/>
+                <c:pt idx="0">
+                  <c:v>系列 1</c:v>
+                </c:pt>
+              </c:strCache>
+            </c:strRef>
+          </c:tx>
+          <c:spPr>
+            <a:noFill/>
+            <a:ln>
+              <a:solidFill>
+                <a:schemeClr val="tx1"/>
+              </a:solidFill>
+            </a:ln>
+          </c:spPr>
+          <c:invertIfNegative val="0"/>
+          <c:cat>
+            <c:numRef>
+              <c:f>Sheet1!$A$2:$A$15</c:f>
+              <c:numCache>
+                <c:formatCode>General</c:formatCode>
+                <c:ptCount val="14"/>
+                <c:pt idx="0">
+                  <c:v>0.05</c:v>
+                </c:pt>
+                <c:pt idx="1">
+                  <c:v>0.1</c:v>
+                </c:pt>
+                <c:pt idx="2">
+                  <c:v>0.15</c:v>
+                </c:pt>
+                <c:pt idx="3">
+                  <c:v>0.2</c:v>
+                </c:pt>
+                <c:pt idx="4">
+                  <c:v>0.25</c:v>
+                </c:pt>
+                <c:pt idx="5">
+                  <c:v>0.3</c:v>
+                </c:pt>
+                <c:pt idx="6">
+                  <c:v>0.35</c:v>
+                </c:pt>
+                <c:pt idx="7">
+                  <c:v>0.4</c:v>
+                </c:pt>
+                <c:pt idx="8">
+                  <c:v>0.45</c:v>
+                </c:pt>
+                <c:pt idx="9">
+                  <c:v>0.5</c:v>
+                </c:pt>
+                <c:pt idx="10">
+                  <c:v>0.55</c:v>
+                </c:pt>
+                <c:pt idx="11">
+                  <c:v>0.6</c:v>
+                </c:pt>
+                <c:pt idx="12">
+                  <c:v>0.65</c:v>
+                </c:pt>
+                <c:pt idx="13">
+                  <c:v>0.7</c:v>
+                </c:pt>
+              </c:numCache>
+            </c:numRef>
+          </c:cat>
+          <c:val>
+            <c:numRef>
+              <c:f>Sheet1!$B$2:$B$15</c:f>
+              <c:numCache>
+                <c:formatCode>General</c:formatCode>
+                <c:ptCount val="14"/>
+                <c:pt idx="0">
+                  <c:v>4.0</c:v>
+                </c:pt>
+                <c:pt idx="1">
+                  <c:v>4.0</c:v>
+                </c:pt>
+                <c:pt idx="2">
+                  <c:v>4.0</c:v>
+                </c:pt>
+                <c:pt idx="3">
+                  <c:v>9.0</c:v>
+                </c:pt>
+                <c:pt idx="4">
+                  <c:v>10.0</c:v>
+                </c:pt>
+                <c:pt idx="5">
+                  <c:v>13.0</c:v>
+                </c:pt>
+                <c:pt idx="6">
+                  <c:v>16.0</c:v>
+                </c:pt>
+                <c:pt idx="7">
+                  <c:v>11.0</c:v>
+                </c:pt>
+                <c:pt idx="8">
+                  <c:v>8.0</c:v>
+                </c:pt>
+                <c:pt idx="9">
+                  <c:v>6.0</c:v>
+                </c:pt>
+                <c:pt idx="10">
+                  <c:v>3.0</c:v>
+                </c:pt>
+                <c:pt idx="11">
+                  <c:v>0.0</c:v>
+                </c:pt>
+                <c:pt idx="12">
+                  <c:v>0.0</c:v>
+                </c:pt>
+                <c:pt idx="13">
+                  <c:v>2.0</c:v>
+                </c:pt>
+              </c:numCache>
+            </c:numRef>
+          </c:val>
+        </c:ser>
+        <c:dLbls>
+          <c:showLegendKey val="0"/>
+          <c:showVal val="0"/>
+          <c:showCatName val="0"/>
+          <c:showSerName val="0"/>
+          <c:showPercent val="0"/>
+          <c:showBubbleSize val="0"/>
+        </c:dLbls>
+        <c:gapWidth val="0"/>
+        <c:axId val="2103097192"/>
+        <c:axId val="2126420520"/>
+      </c:barChart>
+      <c:catAx>
+        <c:axId val="2103097192"/>
+        <c:scaling>
+          <c:orientation val="minMax"/>
+        </c:scaling>
+        <c:delete val="1"/>
+        <c:axPos val="b"/>
+        <c:numFmt formatCode="General" sourceLinked="1"/>
+        <c:majorTickMark val="none"/>
+        <c:minorTickMark val="none"/>
+        <c:tickLblPos val="nextTo"/>
+        <c:crossAx val="2126420520"/>
+        <c:crosses val="autoZero"/>
+        <c:auto val="1"/>
+        <c:lblAlgn val="ctr"/>
+        <c:lblOffset val="100"/>
+        <c:noMultiLvlLbl val="0"/>
+      </c:catAx>
+      <c:valAx>
+        <c:axId val="2126420520"/>
+        <c:scaling>
+          <c:orientation val="minMax"/>
+        </c:scaling>
+        <c:delete val="0"/>
+        <c:axPos val="l"/>
+        <c:numFmt formatCode="General" sourceLinked="1"/>
+        <c:majorTickMark val="out"/>
+        <c:minorTickMark val="none"/>
+        <c:tickLblPos val="nextTo"/>
+        <c:txPr>
+          <a:bodyPr/>
+          <a:lstStyle/>
+          <a:p>
+            <a:pPr>
+              <a:defRPr sz="1600">
+                <a:latin typeface="Times New Roman"/>
+                <a:cs typeface="Times New Roman"/>
+              </a:defRPr>
+            </a:pPr>
+            <a:endParaRPr lang="ja-JP"/>
+          </a:p>
+        </c:txPr>
+        <c:crossAx val="2103097192"/>
+        <c:crosses val="autoZero"/>
+        <c:crossBetween val="between"/>
+      </c:valAx>
+      <c:spPr>
+        <a:noFill/>
+        <a:ln>
+          <a:solidFill>
+            <a:schemeClr val="tx1"/>
+          </a:solidFill>
+        </a:ln>
+      </c:spPr>
+    </c:plotArea>
+    <c:plotVisOnly val="1"/>
+    <c:dispBlanksAs val="gap"/>
+    <c:showDLblsOverMax val="0"/>
+  </c:chart>
+  <c:txPr>
+    <a:bodyPr/>
+    <a:lstStyle/>
+    <a:p>
+      <a:pPr>
+        <a:defRPr sz="1800"/>
+      </a:pPr>
+      <a:endParaRPr lang="ja-JP"/>
+    </a:p>
+  </c:txPr>
+  <c:externalData r:id="rId1">
+    <c:autoUpdate val="0"/>
+  </c:externalData>
+</c:chartSpace>
+</file>
+
+<file path=ppt/charts/chart6.xml><?xml version="1.0" encoding="utf-8"?>
+<c:chartSpace xmlns:c="http://schemas.openxmlformats.org/drawingml/2006/chart" xmlns:a="http://schemas.openxmlformats.org/drawingml/2006/main" xmlns:r="http://schemas.openxmlformats.org/officeDocument/2006/relationships">
+  <c:date1904 val="0"/>
+  <c:lang val="ja-JP"/>
+  <c:roundedCorners val="0"/>
+  <mc:AlternateContent xmlns:mc="http://schemas.openxmlformats.org/markup-compatibility/2006">
+    <mc:Choice xmlns:c14="http://schemas.microsoft.com/office/drawing/2007/8/2/chart" Requires="c14">
+      <c14:style val="101"/>
+    </mc:Choice>
+    <mc:Fallback>
+      <c:style val="1"/>
+    </mc:Fallback>
+  </mc:AlternateContent>
+  <c:clrMapOvr bg1="lt1" tx1="dk1" bg2="lt2" tx2="dk2" accent1="accent1" accent2="accent2" accent3="accent3" accent4="accent4" accent5="accent5" accent6="accent6" hlink="hlink" folHlink="folHlink"/>
+  <c:chart>
+    <c:title>
+      <c:tx>
+        <c:rich>
+          <a:bodyPr/>
+          <a:lstStyle/>
+          <a:p>
+            <a:pPr>
+              <a:defRPr>
+                <a:latin typeface="ＭＳ Ｐ明朝"/>
+                <a:ea typeface="ＭＳ Ｐ明朝"/>
+                <a:cs typeface="ＭＳ Ｐ明朝"/>
+              </a:defRPr>
+            </a:pPr>
+            <a:r>
+              <a:rPr lang="en-US" altLang="en-US">
+                <a:latin typeface="ＭＳ Ｐ明朝"/>
+                <a:ea typeface="ＭＳ Ｐ明朝"/>
+                <a:cs typeface="ＭＳ Ｐ明朝"/>
+              </a:rPr>
+              <a:t>非ターゲット型ユーザ</a:t>
+            </a:r>
+            <a:endParaRPr lang="ja-JP" altLang="en-US">
+              <a:latin typeface="ＭＳ Ｐ明朝"/>
+              <a:ea typeface="ＭＳ Ｐ明朝"/>
+              <a:cs typeface="ＭＳ Ｐ明朝"/>
+            </a:endParaRPr>
+          </a:p>
+        </c:rich>
+      </c:tx>
+      <c:layout/>
+      <c:overlay val="0"/>
+    </c:title>
+    <c:autoTitleDeleted val="0"/>
+    <c:plotArea>
+      <c:layout>
+        <c:manualLayout>
+          <c:layoutTarget val="inner"/>
+          <c:xMode val="edge"/>
+          <c:yMode val="edge"/>
+          <c:x val="0.0846916427638064"/>
+          <c:y val="0.174565771089228"/>
+          <c:w val="0.887996316927526"/>
+          <c:h val="0.69695998698467"/>
+        </c:manualLayout>
+      </c:layout>
+      <c:barChart>
+        <c:barDir val="col"/>
+        <c:grouping val="clustered"/>
+        <c:varyColors val="0"/>
+        <c:ser>
+          <c:idx val="0"/>
+          <c:order val="0"/>
+          <c:tx>
+            <c:strRef>
+              <c:f>Sheet1!$B$1</c:f>
+              <c:strCache>
+                <c:ptCount val="1"/>
+                <c:pt idx="0">
+                  <c:v>系列 1</c:v>
+                </c:pt>
+              </c:strCache>
+            </c:strRef>
+          </c:tx>
+          <c:spPr>
+            <a:noFill/>
+            <a:ln>
+              <a:solidFill>
+                <a:schemeClr val="tx1"/>
+              </a:solidFill>
+            </a:ln>
+          </c:spPr>
+          <c:invertIfNegative val="0"/>
+          <c:cat>
+            <c:numRef>
+              <c:f>Sheet1!$A$2:$A$15</c:f>
+              <c:numCache>
+                <c:formatCode>General</c:formatCode>
+                <c:ptCount val="14"/>
+                <c:pt idx="0">
+                  <c:v>0.05</c:v>
+                </c:pt>
+                <c:pt idx="1">
+                  <c:v>0.1</c:v>
+                </c:pt>
+                <c:pt idx="2">
+                  <c:v>0.15</c:v>
+                </c:pt>
+                <c:pt idx="3">
+                  <c:v>0.2</c:v>
+                </c:pt>
+                <c:pt idx="4">
+                  <c:v>0.25</c:v>
+                </c:pt>
+                <c:pt idx="5">
+                  <c:v>0.3</c:v>
+                </c:pt>
+                <c:pt idx="6">
+                  <c:v>0.35</c:v>
+                </c:pt>
+                <c:pt idx="7">
+                  <c:v>0.4</c:v>
+                </c:pt>
+                <c:pt idx="8">
+                  <c:v>0.45</c:v>
+                </c:pt>
+                <c:pt idx="9">
+                  <c:v>0.5</c:v>
+                </c:pt>
+                <c:pt idx="10">
+                  <c:v>0.55</c:v>
+                </c:pt>
+                <c:pt idx="11">
+                  <c:v>0.6</c:v>
+                </c:pt>
+                <c:pt idx="12">
+                  <c:v>0.65</c:v>
+                </c:pt>
+                <c:pt idx="13">
+                  <c:v>0.7</c:v>
+                </c:pt>
+              </c:numCache>
+            </c:numRef>
+          </c:cat>
+          <c:val>
+            <c:numRef>
+              <c:f>Sheet1!$B$2:$B$15</c:f>
+              <c:numCache>
+                <c:formatCode>General</c:formatCode>
+                <c:ptCount val="14"/>
+                <c:pt idx="0">
+                  <c:v>3.0</c:v>
+                </c:pt>
+                <c:pt idx="1">
+                  <c:v>0.0</c:v>
+                </c:pt>
+                <c:pt idx="2">
+                  <c:v>0.0</c:v>
+                </c:pt>
+                <c:pt idx="3">
+                  <c:v>4.0</c:v>
+                </c:pt>
+                <c:pt idx="4">
+                  <c:v>3.0</c:v>
+                </c:pt>
+                <c:pt idx="5">
+                  <c:v>7.0</c:v>
+                </c:pt>
+                <c:pt idx="6">
+                  <c:v>15.0</c:v>
+                </c:pt>
+                <c:pt idx="7">
+                  <c:v>33.0</c:v>
+                </c:pt>
+                <c:pt idx="8">
+                  <c:v>20.0</c:v>
+                </c:pt>
+                <c:pt idx="9">
+                  <c:v>5.0</c:v>
+                </c:pt>
+                <c:pt idx="10">
+                  <c:v>0.0</c:v>
+                </c:pt>
+                <c:pt idx="11">
+                  <c:v>0.0</c:v>
+                </c:pt>
+                <c:pt idx="12">
+                  <c:v>0.0</c:v>
+                </c:pt>
+                <c:pt idx="13">
+                  <c:v>0.0</c:v>
+                </c:pt>
+              </c:numCache>
+            </c:numRef>
+          </c:val>
+        </c:ser>
+        <c:dLbls>
+          <c:showLegendKey val="0"/>
+          <c:showVal val="0"/>
+          <c:showCatName val="0"/>
+          <c:showSerName val="0"/>
+          <c:showPercent val="0"/>
+          <c:showBubbleSize val="0"/>
+        </c:dLbls>
+        <c:gapWidth val="0"/>
+        <c:axId val="-2132542168"/>
+        <c:axId val="-2132541208"/>
+      </c:barChart>
+      <c:catAx>
+        <c:axId val="-2132542168"/>
+        <c:scaling>
+          <c:orientation val="minMax"/>
+        </c:scaling>
+        <c:delete val="1"/>
+        <c:axPos val="b"/>
+        <c:numFmt formatCode="General" sourceLinked="1"/>
+        <c:majorTickMark val="none"/>
+        <c:minorTickMark val="none"/>
+        <c:tickLblPos val="nextTo"/>
+        <c:crossAx val="-2132541208"/>
+        <c:crosses val="autoZero"/>
+        <c:auto val="1"/>
+        <c:lblAlgn val="ctr"/>
+        <c:lblOffset val="100"/>
+        <c:noMultiLvlLbl val="0"/>
+      </c:catAx>
+      <c:valAx>
+        <c:axId val="-2132541208"/>
+        <c:scaling>
+          <c:orientation val="minMax"/>
+        </c:scaling>
+        <c:delete val="0"/>
+        <c:axPos val="l"/>
+        <c:numFmt formatCode="General" sourceLinked="1"/>
+        <c:majorTickMark val="out"/>
+        <c:minorTickMark val="none"/>
+        <c:tickLblPos val="nextTo"/>
+        <c:txPr>
+          <a:bodyPr/>
+          <a:lstStyle/>
+          <a:p>
+            <a:pPr>
+              <a:defRPr sz="1600">
+                <a:latin typeface="Times New Roman"/>
+                <a:cs typeface="Times New Roman"/>
+              </a:defRPr>
+            </a:pPr>
+            <a:endParaRPr lang="ja-JP"/>
+          </a:p>
+        </c:txPr>
+        <c:crossAx val="-2132542168"/>
+        <c:crosses val="autoZero"/>
+        <c:crossBetween val="between"/>
+      </c:valAx>
+      <c:spPr>
+        <a:noFill/>
+        <a:ln>
+          <a:solidFill>
+            <a:schemeClr val="tx1"/>
+          </a:solidFill>
+        </a:ln>
+      </c:spPr>
+    </c:plotArea>
+    <c:plotVisOnly val="1"/>
+    <c:dispBlanksAs val="gap"/>
+    <c:showDLblsOverMax val="0"/>
+  </c:chart>
+  <c:txPr>
+    <a:bodyPr/>
+    <a:lstStyle/>
+    <a:p>
+      <a:pPr>
+        <a:defRPr sz="1800"/>
+      </a:pPr>
+      <a:endParaRPr lang="ja-JP"/>
+    </a:p>
+  </c:txPr>
+  <c:externalData r:id="rId2">
+    <c:autoUpdate val="0"/>
+  </c:externalData>
+</c:chartSpace>
+</file>
+
+<file path=ppt/charts/chart7.xml><?xml version="1.0" encoding="utf-8"?>
 <c:chartSpace xmlns:c="http://schemas.openxmlformats.org/drawingml/2006/chart" xmlns:a="http://schemas.openxmlformats.org/drawingml/2006/main" xmlns:r="http://schemas.openxmlformats.org/officeDocument/2006/relationships">
   <c:date1904 val="0"/>
   <c:lang val="ja-JP"/>
@@ -2300,11 +6302,11 @@
         </c:dLbls>
         <c:marker val="1"/>
         <c:smooth val="0"/>
-        <c:axId val="2079916296"/>
-        <c:axId val="2098914328"/>
+        <c:axId val="2103094184"/>
+        <c:axId val="2103309080"/>
       </c:lineChart>
       <c:catAx>
-        <c:axId val="2079916296"/>
+        <c:axId val="2103094184"/>
         <c:scaling>
           <c:orientation val="minMax"/>
         </c:scaling>
@@ -2314,7 +6316,7 @@
         <c:majorTickMark val="out"/>
         <c:minorTickMark val="none"/>
         <c:tickLblPos val="nextTo"/>
-        <c:crossAx val="2098914328"/>
+        <c:crossAx val="2103309080"/>
         <c:crosses val="autoZero"/>
         <c:auto val="1"/>
         <c:lblAlgn val="ctr"/>
@@ -2322,7 +6324,7 @@
         <c:noMultiLvlLbl val="0"/>
       </c:catAx>
       <c:valAx>
-        <c:axId val="2098914328"/>
+        <c:axId val="2103309080"/>
         <c:scaling>
           <c:orientation val="minMax"/>
         </c:scaling>
@@ -2345,7 +6347,7 @@
             <a:endParaRPr lang="ja-JP"/>
           </a:p>
         </c:txPr>
-        <c:crossAx val="2079916296"/>
+        <c:crossAx val="2103094184"/>
         <c:crosses val="autoZero"/>
         <c:crossBetween val="between"/>
         <c:majorUnit val="0.1"/>
@@ -2407,7 +6409,7 @@
 </c:chartSpace>
 </file>
 
-<file path=ppt/charts/chart4.xml><?xml version="1.0" encoding="utf-8"?>
+<file path=ppt/charts/chart8.xml><?xml version="1.0" encoding="utf-8"?>
 <c:chartSpace xmlns:c="http://schemas.openxmlformats.org/drawingml/2006/chart" xmlns:a="http://schemas.openxmlformats.org/drawingml/2006/main" xmlns:r="http://schemas.openxmlformats.org/officeDocument/2006/relationships">
   <c:date1904 val="0"/>
   <c:lang val="ja-JP"/>
@@ -3064,11 +7066,11 @@
         </c:dLbls>
         <c:marker val="1"/>
         <c:smooth val="0"/>
-        <c:axId val="2087590280"/>
-        <c:axId val="2086975544"/>
+        <c:axId val="-2132218776"/>
+        <c:axId val="2126430888"/>
       </c:lineChart>
       <c:catAx>
-        <c:axId val="2087590280"/>
+        <c:axId val="-2132218776"/>
         <c:scaling>
           <c:orientation val="minMax"/>
         </c:scaling>
@@ -3078,7 +7080,7 @@
         <c:majorTickMark val="out"/>
         <c:minorTickMark val="none"/>
         <c:tickLblPos val="nextTo"/>
-        <c:crossAx val="2086975544"/>
+        <c:crossAx val="2126430888"/>
         <c:crosses val="autoZero"/>
         <c:auto val="1"/>
         <c:lblAlgn val="ctr"/>
@@ -3086,7 +7088,7 @@
         <c:noMultiLvlLbl val="0"/>
       </c:catAx>
       <c:valAx>
-        <c:axId val="2086975544"/>
+        <c:axId val="2126430888"/>
         <c:scaling>
           <c:orientation val="minMax"/>
         </c:scaling>
@@ -3109,7 +7111,758 @@
             <a:endParaRPr lang="ja-JP"/>
           </a:p>
         </c:txPr>
-        <c:crossAx val="2087590280"/>
+        <c:crossAx val="-2132218776"/>
+        <c:crosses val="autoZero"/>
+        <c:crossBetween val="between"/>
+        <c:majorUnit val="0.1"/>
+      </c:valAx>
+      <c:spPr>
+        <a:noFill/>
+      </c:spPr>
+    </c:plotArea>
+    <c:legend>
+      <c:legendPos val="r"/>
+      <c:layout>
+        <c:manualLayout>
+          <c:xMode val="edge"/>
+          <c:yMode val="edge"/>
+          <c:x val="0.0"/>
+          <c:y val="0.0350591061114088"/>
+          <c:w val="0.961309493213"/>
+          <c:h val="0.169251024034902"/>
+        </c:manualLayout>
+      </c:layout>
+      <c:overlay val="0"/>
+      <c:txPr>
+        <a:bodyPr/>
+        <a:lstStyle/>
+        <a:p>
+          <a:pPr>
+            <a:defRPr sz="1600" b="1">
+              <a:latin typeface="ＭＳ Ｐ明朝"/>
+              <a:ea typeface="ＭＳ Ｐ明朝"/>
+              <a:cs typeface="ＭＳ Ｐ明朝"/>
+            </a:defRPr>
+          </a:pPr>
+          <a:endParaRPr lang="ja-JP"/>
+        </a:p>
+      </c:txPr>
+    </c:legend>
+    <c:plotVisOnly val="1"/>
+    <c:dispBlanksAs val="gap"/>
+    <c:showDLblsOverMax val="0"/>
+  </c:chart>
+  <c:spPr>
+    <a:ln>
+      <a:noFill/>
+    </a:ln>
+  </c:spPr>
+  <c:txPr>
+    <a:bodyPr/>
+    <a:lstStyle/>
+    <a:p>
+      <a:pPr>
+        <a:defRPr sz="1800"/>
+      </a:pPr>
+      <a:endParaRPr lang="ja-JP"/>
+    </a:p>
+  </c:txPr>
+  <c:externalData r:id="rId2">
+    <c:autoUpdate val="0"/>
+  </c:externalData>
+</c:chartSpace>
+</file>
+
+<file path=ppt/charts/chart9.xml><?xml version="1.0" encoding="utf-8"?>
+<c:chartSpace xmlns:c="http://schemas.openxmlformats.org/drawingml/2006/chart" xmlns:a="http://schemas.openxmlformats.org/drawingml/2006/main" xmlns:r="http://schemas.openxmlformats.org/officeDocument/2006/relationships">
+  <c:date1904 val="0"/>
+  <c:lang val="ja-JP"/>
+  <c:roundedCorners val="0"/>
+  <mc:AlternateContent xmlns:mc="http://schemas.openxmlformats.org/markup-compatibility/2006">
+    <mc:Choice xmlns:c14="http://schemas.microsoft.com/office/drawing/2007/8/2/chart" Requires="c14">
+      <c14:style val="133"/>
+    </mc:Choice>
+    <mc:Fallback>
+      <c:style val="33"/>
+    </mc:Fallback>
+  </mc:AlternateContent>
+  <c:clrMapOvr bg1="lt1" tx1="dk1" bg2="lt2" tx2="dk2" accent1="accent1" accent2="accent2" accent3="accent3" accent4="accent4" accent5="accent5" accent6="accent6" hlink="hlink" folHlink="folHlink"/>
+  <c:chart>
+    <c:autoTitleDeleted val="0"/>
+    <c:plotArea>
+      <c:layout>
+        <c:manualLayout>
+          <c:layoutTarget val="inner"/>
+          <c:xMode val="edge"/>
+          <c:yMode val="edge"/>
+          <c:x val="0.0724751957417317"/>
+          <c:y val="0.247449035131644"/>
+          <c:w val="0.806409788906446"/>
+          <c:h val="0.692687479852487"/>
+        </c:manualLayout>
+      </c:layout>
+      <c:lineChart>
+        <c:grouping val="standard"/>
+        <c:varyColors val="0"/>
+        <c:ser>
+          <c:idx val="0"/>
+          <c:order val="0"/>
+          <c:tx>
+            <c:strRef>
+              <c:f>Sheet1!$B$1</c:f>
+              <c:strCache>
+                <c:ptCount val="1"/>
+                <c:pt idx="0">
+                  <c:v>ターゲット型ユーザ</c:v>
+                </c:pt>
+              </c:strCache>
+            </c:strRef>
+          </c:tx>
+          <c:marker>
+            <c:symbol val="square"/>
+            <c:size val="2"/>
+          </c:marker>
+          <c:cat>
+            <c:numRef>
+              <c:f>Sheet1!$A$2:$A$91</c:f>
+              <c:numCache>
+                <c:formatCode>General</c:formatCode>
+                <c:ptCount val="90"/>
+              </c:numCache>
+            </c:numRef>
+          </c:cat>
+          <c:val>
+            <c:numRef>
+              <c:f>Sheet1!$B$2:$B$91</c:f>
+              <c:numCache>
+                <c:formatCode>General</c:formatCode>
+                <c:ptCount val="90"/>
+                <c:pt idx="0">
+                  <c:v>1.403764E6</c:v>
+                </c:pt>
+                <c:pt idx="1">
+                  <c:v>902371.0</c:v>
+                </c:pt>
+                <c:pt idx="2">
+                  <c:v>487963.0</c:v>
+                </c:pt>
+                <c:pt idx="3">
+                  <c:v>367122.0</c:v>
+                </c:pt>
+                <c:pt idx="4">
+                  <c:v>129726.0</c:v>
+                </c:pt>
+                <c:pt idx="5">
+                  <c:v>127422.0</c:v>
+                </c:pt>
+                <c:pt idx="6">
+                  <c:v>125536.0</c:v>
+                </c:pt>
+                <c:pt idx="7">
+                  <c:v>123282.0</c:v>
+                </c:pt>
+                <c:pt idx="8">
+                  <c:v>117567.0</c:v>
+                </c:pt>
+                <c:pt idx="9">
+                  <c:v>100982.0</c:v>
+                </c:pt>
+                <c:pt idx="10">
+                  <c:v>50232.0</c:v>
+                </c:pt>
+                <c:pt idx="11">
+                  <c:v>47193.0</c:v>
+                </c:pt>
+                <c:pt idx="12">
+                  <c:v>35345.0</c:v>
+                </c:pt>
+                <c:pt idx="13">
+                  <c:v>31363.0</c:v>
+                </c:pt>
+                <c:pt idx="14">
+                  <c:v>23596.0</c:v>
+                </c:pt>
+                <c:pt idx="15">
+                  <c:v>16506.0</c:v>
+                </c:pt>
+                <c:pt idx="16">
+                  <c:v>16374.0</c:v>
+                </c:pt>
+                <c:pt idx="17">
+                  <c:v>15148.0</c:v>
+                </c:pt>
+                <c:pt idx="18">
+                  <c:v>14844.0</c:v>
+                </c:pt>
+                <c:pt idx="19">
+                  <c:v>12701.0</c:v>
+                </c:pt>
+                <c:pt idx="20">
+                  <c:v>10770.0</c:v>
+                </c:pt>
+                <c:pt idx="21">
+                  <c:v>9119.0</c:v>
+                </c:pt>
+                <c:pt idx="22">
+                  <c:v>8320.0</c:v>
+                </c:pt>
+                <c:pt idx="23">
+                  <c:v>7320.0</c:v>
+                </c:pt>
+                <c:pt idx="24">
+                  <c:v>6409.0</c:v>
+                </c:pt>
+                <c:pt idx="25">
+                  <c:v>6028.0</c:v>
+                </c:pt>
+                <c:pt idx="26">
+                  <c:v>5874.0</c:v>
+                </c:pt>
+                <c:pt idx="27">
+                  <c:v>5367.0</c:v>
+                </c:pt>
+                <c:pt idx="28">
+                  <c:v>5035.0</c:v>
+                </c:pt>
+                <c:pt idx="29">
+                  <c:v>4036.0</c:v>
+                </c:pt>
+                <c:pt idx="30">
+                  <c:v>3867.0</c:v>
+                </c:pt>
+                <c:pt idx="31">
+                  <c:v>3395.0</c:v>
+                </c:pt>
+                <c:pt idx="32">
+                  <c:v>2904.0</c:v>
+                </c:pt>
+                <c:pt idx="33">
+                  <c:v>2201.0</c:v>
+                </c:pt>
+                <c:pt idx="34">
+                  <c:v>2190.0</c:v>
+                </c:pt>
+                <c:pt idx="35">
+                  <c:v>2015.0</c:v>
+                </c:pt>
+                <c:pt idx="36">
+                  <c:v>1995.0</c:v>
+                </c:pt>
+                <c:pt idx="37">
+                  <c:v>1353.0</c:v>
+                </c:pt>
+                <c:pt idx="38">
+                  <c:v>1155.0</c:v>
+                </c:pt>
+                <c:pt idx="39">
+                  <c:v>1042.0</c:v>
+                </c:pt>
+                <c:pt idx="40">
+                  <c:v>969.0</c:v>
+                </c:pt>
+                <c:pt idx="41">
+                  <c:v>878.0</c:v>
+                </c:pt>
+                <c:pt idx="42">
+                  <c:v>775.0</c:v>
+                </c:pt>
+                <c:pt idx="43">
+                  <c:v>668.0</c:v>
+                </c:pt>
+                <c:pt idx="44">
+                  <c:v>595.0</c:v>
+                </c:pt>
+                <c:pt idx="45">
+                  <c:v>533.0</c:v>
+                </c:pt>
+                <c:pt idx="46">
+                  <c:v>532.0</c:v>
+                </c:pt>
+                <c:pt idx="47">
+                  <c:v>406.0</c:v>
+                </c:pt>
+                <c:pt idx="48">
+                  <c:v>372.0</c:v>
+                </c:pt>
+                <c:pt idx="49">
+                  <c:v>354.0</c:v>
+                </c:pt>
+                <c:pt idx="50">
+                  <c:v>344.0</c:v>
+                </c:pt>
+                <c:pt idx="51">
+                  <c:v>288.0</c:v>
+                </c:pt>
+                <c:pt idx="52">
+                  <c:v>265.0</c:v>
+                </c:pt>
+                <c:pt idx="53">
+                  <c:v>252.0</c:v>
+                </c:pt>
+                <c:pt idx="54">
+                  <c:v>204.0</c:v>
+                </c:pt>
+                <c:pt idx="55">
+                  <c:v>181.0</c:v>
+                </c:pt>
+                <c:pt idx="56">
+                  <c:v>178.0</c:v>
+                </c:pt>
+                <c:pt idx="57">
+                  <c:v>176.0</c:v>
+                </c:pt>
+                <c:pt idx="58">
+                  <c:v>175.0</c:v>
+                </c:pt>
+                <c:pt idx="59">
+                  <c:v>148.0</c:v>
+                </c:pt>
+                <c:pt idx="60">
+                  <c:v>148.0</c:v>
+                </c:pt>
+                <c:pt idx="61">
+                  <c:v>146.0</c:v>
+                </c:pt>
+                <c:pt idx="62">
+                  <c:v>142.0</c:v>
+                </c:pt>
+                <c:pt idx="63">
+                  <c:v>142.0</c:v>
+                </c:pt>
+                <c:pt idx="64">
+                  <c:v>132.0</c:v>
+                </c:pt>
+                <c:pt idx="65">
+                  <c:v>117.0</c:v>
+                </c:pt>
+                <c:pt idx="66">
+                  <c:v>115.0</c:v>
+                </c:pt>
+                <c:pt idx="67">
+                  <c:v>105.0</c:v>
+                </c:pt>
+                <c:pt idx="68">
+                  <c:v>104.0</c:v>
+                </c:pt>
+                <c:pt idx="69">
+                  <c:v>101.0</c:v>
+                </c:pt>
+                <c:pt idx="70">
+                  <c:v>97.0</c:v>
+                </c:pt>
+                <c:pt idx="71">
+                  <c:v>93.0</c:v>
+                </c:pt>
+                <c:pt idx="72">
+                  <c:v>79.0</c:v>
+                </c:pt>
+                <c:pt idx="73">
+                  <c:v>77.0</c:v>
+                </c:pt>
+                <c:pt idx="74">
+                  <c:v>59.0</c:v>
+                </c:pt>
+                <c:pt idx="75">
+                  <c:v>52.0</c:v>
+                </c:pt>
+                <c:pt idx="76">
+                  <c:v>52.0</c:v>
+                </c:pt>
+                <c:pt idx="77">
+                  <c:v>41.0</c:v>
+                </c:pt>
+                <c:pt idx="78">
+                  <c:v>27.0</c:v>
+                </c:pt>
+                <c:pt idx="79">
+                  <c:v>26.0</c:v>
+                </c:pt>
+                <c:pt idx="80">
+                  <c:v>26.0</c:v>
+                </c:pt>
+                <c:pt idx="81">
+                  <c:v>22.0</c:v>
+                </c:pt>
+                <c:pt idx="82">
+                  <c:v>22.0</c:v>
+                </c:pt>
+                <c:pt idx="83">
+                  <c:v>21.0</c:v>
+                </c:pt>
+                <c:pt idx="84">
+                  <c:v>20.0</c:v>
+                </c:pt>
+                <c:pt idx="85">
+                  <c:v>17.0</c:v>
+                </c:pt>
+                <c:pt idx="86">
+                  <c:v>8.0</c:v>
+                </c:pt>
+                <c:pt idx="87">
+                  <c:v>8.0</c:v>
+                </c:pt>
+                <c:pt idx="88">
+                  <c:v>4.0</c:v>
+                </c:pt>
+                <c:pt idx="89">
+                  <c:v>4.0</c:v>
+                </c:pt>
+              </c:numCache>
+            </c:numRef>
+          </c:val>
+          <c:smooth val="0"/>
+        </c:ser>
+        <c:ser>
+          <c:idx val="1"/>
+          <c:order val="1"/>
+          <c:tx>
+            <c:strRef>
+              <c:f>Sheet1!$C$1</c:f>
+              <c:strCache>
+                <c:ptCount val="1"/>
+                <c:pt idx="0">
+                  <c:v>非ターゲット型ユーザ</c:v>
+                </c:pt>
+              </c:strCache>
+            </c:strRef>
+          </c:tx>
+          <c:marker>
+            <c:symbol val="square"/>
+            <c:size val="2"/>
+          </c:marker>
+          <c:cat>
+            <c:numRef>
+              <c:f>Sheet1!$A$2:$A$91</c:f>
+              <c:numCache>
+                <c:formatCode>General</c:formatCode>
+                <c:ptCount val="90"/>
+              </c:numCache>
+            </c:numRef>
+          </c:cat>
+          <c:val>
+            <c:numRef>
+              <c:f>Sheet1!$C$2:$C$91</c:f>
+              <c:numCache>
+                <c:formatCode>General</c:formatCode>
+                <c:ptCount val="90"/>
+                <c:pt idx="0">
+                  <c:v>2.809624E6</c:v>
+                </c:pt>
+                <c:pt idx="1">
+                  <c:v>1.991273E6</c:v>
+                </c:pt>
+                <c:pt idx="2">
+                  <c:v>1.837325E6</c:v>
+                </c:pt>
+                <c:pt idx="3">
+                  <c:v>1.4508E6</c:v>
+                </c:pt>
+                <c:pt idx="4">
+                  <c:v>1.450451E6</c:v>
+                </c:pt>
+                <c:pt idx="5">
+                  <c:v>1.383675E6</c:v>
+                </c:pt>
+                <c:pt idx="6">
+                  <c:v>1.323841E6</c:v>
+                </c:pt>
+                <c:pt idx="7">
+                  <c:v>1.323148E6</c:v>
+                </c:pt>
+                <c:pt idx="8">
+                  <c:v>1.320844E6</c:v>
+                </c:pt>
+                <c:pt idx="9">
+                  <c:v>1.30889E6</c:v>
+                </c:pt>
+                <c:pt idx="10">
+                  <c:v>1.268587E6</c:v>
+                </c:pt>
+                <c:pt idx="11">
+                  <c:v>1.22208E6</c:v>
+                </c:pt>
+                <c:pt idx="12">
+                  <c:v>1.179467E6</c:v>
+                </c:pt>
+                <c:pt idx="13">
+                  <c:v>1.106712E6</c:v>
+                </c:pt>
+                <c:pt idx="14">
+                  <c:v>1.012741E6</c:v>
+                </c:pt>
+                <c:pt idx="15">
+                  <c:v>994586.0</c:v>
+                </c:pt>
+                <c:pt idx="16">
+                  <c:v>981141.0</c:v>
+                </c:pt>
+                <c:pt idx="17">
+                  <c:v>918773.0</c:v>
+                </c:pt>
+                <c:pt idx="18">
+                  <c:v>893835.0</c:v>
+                </c:pt>
+                <c:pt idx="19">
+                  <c:v>825646.0</c:v>
+                </c:pt>
+                <c:pt idx="20">
+                  <c:v>668472.0</c:v>
+                </c:pt>
+                <c:pt idx="21">
+                  <c:v>657437.0</c:v>
+                </c:pt>
+                <c:pt idx="22">
+                  <c:v>654359.0</c:v>
+                </c:pt>
+                <c:pt idx="23">
+                  <c:v>648842.0</c:v>
+                </c:pt>
+                <c:pt idx="24">
+                  <c:v>618932.0</c:v>
+                </c:pt>
+                <c:pt idx="25">
+                  <c:v>610614.0</c:v>
+                </c:pt>
+                <c:pt idx="26">
+                  <c:v>604936.0</c:v>
+                </c:pt>
+                <c:pt idx="27">
+                  <c:v>593225.0</c:v>
+                </c:pt>
+                <c:pt idx="28">
+                  <c:v>585637.0</c:v>
+                </c:pt>
+                <c:pt idx="29">
+                  <c:v>544438.0</c:v>
+                </c:pt>
+                <c:pt idx="30">
+                  <c:v>531382.0</c:v>
+                </c:pt>
+                <c:pt idx="31">
+                  <c:v>519344.0</c:v>
+                </c:pt>
+                <c:pt idx="32">
+                  <c:v>489054.0</c:v>
+                </c:pt>
+                <c:pt idx="33">
+                  <c:v>473766.0</c:v>
+                </c:pt>
+                <c:pt idx="34">
+                  <c:v>400122.0</c:v>
+                </c:pt>
+                <c:pt idx="35">
+                  <c:v>391992.0</c:v>
+                </c:pt>
+                <c:pt idx="36">
+                  <c:v>390109.0</c:v>
+                </c:pt>
+                <c:pt idx="37">
+                  <c:v>390033.0</c:v>
+                </c:pt>
+                <c:pt idx="38">
+                  <c:v>350636.0</c:v>
+                </c:pt>
+                <c:pt idx="39">
+                  <c:v>339141.0</c:v>
+                </c:pt>
+                <c:pt idx="40">
+                  <c:v>323454.0</c:v>
+                </c:pt>
+                <c:pt idx="41">
+                  <c:v>311241.0</c:v>
+                </c:pt>
+                <c:pt idx="42">
+                  <c:v>303568.0</c:v>
+                </c:pt>
+                <c:pt idx="43">
+                  <c:v>296702.0</c:v>
+                </c:pt>
+                <c:pt idx="44">
+                  <c:v>290444.0</c:v>
+                </c:pt>
+                <c:pt idx="45">
+                  <c:v>279861.0</c:v>
+                </c:pt>
+                <c:pt idx="46">
+                  <c:v>271969.0</c:v>
+                </c:pt>
+                <c:pt idx="47">
+                  <c:v>246750.0</c:v>
+                </c:pt>
+                <c:pt idx="48">
+                  <c:v>245405.0</c:v>
+                </c:pt>
+                <c:pt idx="49">
+                  <c:v>244226.0</c:v>
+                </c:pt>
+                <c:pt idx="50">
+                  <c:v>226051.0</c:v>
+                </c:pt>
+                <c:pt idx="51">
+                  <c:v>218349.0</c:v>
+                </c:pt>
+                <c:pt idx="52">
+                  <c:v>212697.0</c:v>
+                </c:pt>
+                <c:pt idx="53">
+                  <c:v>157338.0</c:v>
+                </c:pt>
+                <c:pt idx="54">
+                  <c:v>149300.0</c:v>
+                </c:pt>
+                <c:pt idx="55">
+                  <c:v>142009.0</c:v>
+                </c:pt>
+                <c:pt idx="56">
+                  <c:v>138787.0</c:v>
+                </c:pt>
+                <c:pt idx="57">
+                  <c:v>135727.0</c:v>
+                </c:pt>
+                <c:pt idx="58">
+                  <c:v>128757.0</c:v>
+                </c:pt>
+                <c:pt idx="59">
+                  <c:v>103682.0</c:v>
+                </c:pt>
+                <c:pt idx="60">
+                  <c:v>101868.0</c:v>
+                </c:pt>
+                <c:pt idx="61">
+                  <c:v>91309.0</c:v>
+                </c:pt>
+                <c:pt idx="62">
+                  <c:v>90330.0</c:v>
+                </c:pt>
+                <c:pt idx="63">
+                  <c:v>85551.0</c:v>
+                </c:pt>
+                <c:pt idx="64">
+                  <c:v>80143.0</c:v>
+                </c:pt>
+                <c:pt idx="65">
+                  <c:v>78124.0</c:v>
+                </c:pt>
+                <c:pt idx="66">
+                  <c:v>71965.0</c:v>
+                </c:pt>
+                <c:pt idx="67">
+                  <c:v>62496.0</c:v>
+                </c:pt>
+                <c:pt idx="68">
+                  <c:v>57408.0</c:v>
+                </c:pt>
+                <c:pt idx="69">
+                  <c:v>55006.0</c:v>
+                </c:pt>
+                <c:pt idx="70">
+                  <c:v>51439.0</c:v>
+                </c:pt>
+                <c:pt idx="71">
+                  <c:v>51017.0</c:v>
+                </c:pt>
+                <c:pt idx="72">
+                  <c:v>46676.0</c:v>
+                </c:pt>
+                <c:pt idx="73">
+                  <c:v>45134.0</c:v>
+                </c:pt>
+                <c:pt idx="74">
+                  <c:v>39734.0</c:v>
+                </c:pt>
+                <c:pt idx="75">
+                  <c:v>39472.0</c:v>
+                </c:pt>
+                <c:pt idx="76">
+                  <c:v>36756.0</c:v>
+                </c:pt>
+                <c:pt idx="77">
+                  <c:v>36062.0</c:v>
+                </c:pt>
+                <c:pt idx="78">
+                  <c:v>34978.0</c:v>
+                </c:pt>
+                <c:pt idx="79">
+                  <c:v>31855.0</c:v>
+                </c:pt>
+                <c:pt idx="80">
+                  <c:v>26829.0</c:v>
+                </c:pt>
+                <c:pt idx="81">
+                  <c:v>25649.0</c:v>
+                </c:pt>
+                <c:pt idx="82">
+                  <c:v>23186.0</c:v>
+                </c:pt>
+                <c:pt idx="83">
+                  <c:v>13949.0</c:v>
+                </c:pt>
+                <c:pt idx="84">
+                  <c:v>13404.0</c:v>
+                </c:pt>
+                <c:pt idx="85">
+                  <c:v>11579.0</c:v>
+                </c:pt>
+                <c:pt idx="86">
+                  <c:v>6408.0</c:v>
+                </c:pt>
+                <c:pt idx="87">
+                  <c:v>5912.0</c:v>
+                </c:pt>
+                <c:pt idx="88">
+                  <c:v>2893.0</c:v>
+                </c:pt>
+                <c:pt idx="89">
+                  <c:v>1751.0</c:v>
+                </c:pt>
+              </c:numCache>
+            </c:numRef>
+          </c:val>
+          <c:smooth val="0"/>
+        </c:ser>
+        <c:dLbls>
+          <c:showLegendKey val="0"/>
+          <c:showVal val="0"/>
+          <c:showCatName val="0"/>
+          <c:showSerName val="0"/>
+          <c:showPercent val="0"/>
+          <c:showBubbleSize val="0"/>
+        </c:dLbls>
+        <c:marker val="1"/>
+        <c:smooth val="0"/>
+        <c:axId val="2080820440"/>
+        <c:axId val="2103150920"/>
+      </c:lineChart>
+      <c:catAx>
+        <c:axId val="2080820440"/>
+        <c:scaling>
+          <c:orientation val="minMax"/>
+        </c:scaling>
+        <c:delete val="0"/>
+        <c:axPos val="b"/>
+        <c:numFmt formatCode="General" sourceLinked="1"/>
+        <c:majorTickMark val="out"/>
+        <c:minorTickMark val="none"/>
+        <c:tickLblPos val="nextTo"/>
+        <c:crossAx val="2103150920"/>
+        <c:crosses val="autoZero"/>
+        <c:auto val="1"/>
+        <c:lblAlgn val="ctr"/>
+        <c:lblOffset val="100"/>
+        <c:noMultiLvlLbl val="0"/>
+      </c:catAx>
+      <c:valAx>
+        <c:axId val="2103150920"/>
+        <c:scaling>
+          <c:orientation val="minMax"/>
+        </c:scaling>
+        <c:delete val="1"/>
+        <c:axPos val="l"/>
+        <c:numFmt formatCode="General" sourceLinked="1"/>
+        <c:majorTickMark val="out"/>
+        <c:minorTickMark val="none"/>
+        <c:tickLblPos val="nextTo"/>
+        <c:crossAx val="2080820440"/>
         <c:crosses val="autoZero"/>
         <c:crossBetween val="between"/>
         <c:majorUnit val="0.1"/>
@@ -3252,7 +8005,7 @@
           </a:lstStyle>
           <a:p>
             <a:fld id="{5FD68F27-D0C7-584C-A41A-EC36C2C5EC02}" type="datetimeFigureOut">
-              <a:t>2014/01/20</a:t>
+              <a:t>2014/01/23</a:t>
             </a:fld>
             <a:endParaRPr kumimoji="1" lang="ja-JP" altLang="en-US"/>
           </a:p>
@@ -3728,7 +8481,7 @@
           <a:lstStyle/>
           <a:p>
             <a:fld id="{484F65FC-80CB-9649-B901-BB74BECBF0C1}" type="datetimeFigureOut">
-              <a:t>2014/01/20</a:t>
+              <a:t>2014/01/23</a:t>
             </a:fld>
             <a:endParaRPr kumimoji="1" lang="ja-JP" altLang="en-US"/>
           </a:p>
@@ -3926,7 +8679,7 @@
           <a:lstStyle/>
           <a:p>
             <a:fld id="{484F65FC-80CB-9649-B901-BB74BECBF0C1}" type="datetimeFigureOut">
-              <a:t>2014/01/20</a:t>
+              <a:t>2014/01/23</a:t>
             </a:fld>
             <a:endParaRPr kumimoji="1" lang="ja-JP" altLang="en-US"/>
           </a:p>
@@ -4134,7 +8887,7 @@
           <a:lstStyle/>
           <a:p>
             <a:fld id="{484F65FC-80CB-9649-B901-BB74BECBF0C1}" type="datetimeFigureOut">
-              <a:t>2014/01/20</a:t>
+              <a:t>2014/01/23</a:t>
             </a:fld>
             <a:endParaRPr kumimoji="1" lang="ja-JP" altLang="en-US"/>
           </a:p>
@@ -4332,7 +9085,7 @@
           <a:lstStyle/>
           <a:p>
             <a:fld id="{484F65FC-80CB-9649-B901-BB74BECBF0C1}" type="datetimeFigureOut">
-              <a:t>2014/01/20</a:t>
+              <a:t>2014/01/23</a:t>
             </a:fld>
             <a:endParaRPr kumimoji="1" lang="ja-JP" altLang="en-US"/>
           </a:p>
@@ -4575,7 +9328,7 @@
           <a:lstStyle/>
           <a:p>
             <a:fld id="{484F65FC-80CB-9649-B901-BB74BECBF0C1}" type="datetimeFigureOut">
-              <a:t>2014/01/20</a:t>
+              <a:t>2014/01/23</a:t>
             </a:fld>
             <a:endParaRPr kumimoji="1" lang="ja-JP" altLang="en-US"/>
           </a:p>
@@ -4922,7 +9675,7 @@
           <a:lstStyle/>
           <a:p>
             <a:fld id="{484F65FC-80CB-9649-B901-BB74BECBF0C1}" type="datetimeFigureOut">
-              <a:t>2014/01/20</a:t>
+              <a:t>2014/01/23</a:t>
             </a:fld>
             <a:endParaRPr kumimoji="1" lang="ja-JP" altLang="en-US"/>
           </a:p>
@@ -5403,7 +10156,7 @@
           <a:lstStyle/>
           <a:p>
             <a:fld id="{484F65FC-80CB-9649-B901-BB74BECBF0C1}" type="datetimeFigureOut">
-              <a:t>2014/01/20</a:t>
+              <a:t>2014/01/23</a:t>
             </a:fld>
             <a:endParaRPr kumimoji="1" lang="ja-JP" altLang="en-US"/>
           </a:p>
@@ -5518,7 +10271,7 @@
           <a:lstStyle/>
           <a:p>
             <a:fld id="{484F65FC-80CB-9649-B901-BB74BECBF0C1}" type="datetimeFigureOut">
-              <a:t>2014/01/20</a:t>
+              <a:t>2014/01/23</a:t>
             </a:fld>
             <a:endParaRPr kumimoji="1" lang="ja-JP" altLang="en-US"/>
           </a:p>
@@ -5611,7 +10364,7 @@
           <a:lstStyle/>
           <a:p>
             <a:fld id="{484F65FC-80CB-9649-B901-BB74BECBF0C1}" type="datetimeFigureOut">
-              <a:t>2014/01/20</a:t>
+              <a:t>2014/01/23</a:t>
             </a:fld>
             <a:endParaRPr kumimoji="1" lang="ja-JP" altLang="en-US"/>
           </a:p>
@@ -5916,7 +10669,7 @@
           <a:lstStyle/>
           <a:p>
             <a:fld id="{484F65FC-80CB-9649-B901-BB74BECBF0C1}" type="datetimeFigureOut">
-              <a:t>2014/01/20</a:t>
+              <a:t>2014/01/23</a:t>
             </a:fld>
             <a:endParaRPr kumimoji="1" lang="ja-JP" altLang="en-US"/>
           </a:p>
@@ -6166,7 +10919,7 @@
           <a:lstStyle/>
           <a:p>
             <a:fld id="{484F65FC-80CB-9649-B901-BB74BECBF0C1}" type="datetimeFigureOut">
-              <a:t>2014/01/20</a:t>
+              <a:t>2014/01/23</a:t>
             </a:fld>
             <a:endParaRPr kumimoji="1" lang="ja-JP" altLang="en-US"/>
           </a:p>
@@ -6407,7 +11160,7 @@
           </a:lstStyle>
           <a:p>
             <a:fld id="{484F65FC-80CB-9649-B901-BB74BECBF0C1}" type="datetimeFigureOut">
-              <a:t>2014/01/20</a:t>
+              <a:t>2014/01/23</a:t>
             </a:fld>
             <a:endParaRPr kumimoji="1" lang="ja-JP" altLang="en-US"/>
           </a:p>
@@ -7993,6 +12746,223 @@
     <p:extLst>
       <p:ext uri="{BB962C8B-B14F-4D97-AF65-F5344CB8AC3E}">
         <p14:creationId xmlns:p14="http://schemas.microsoft.com/office/powerpoint/2010/main" val="471464930"/>
+      </p:ext>
+    </p:extLst>
+  </p:cSld>
+  <p:clrMapOvr>
+    <a:masterClrMapping/>
+  </p:clrMapOvr>
+</p:sld>
+</file>
+
+<file path=ppt/slides/slide10.xml><?xml version="1.0" encoding="utf-8"?>
+<p:sld xmlns:a="http://schemas.openxmlformats.org/drawingml/2006/main" xmlns:r="http://schemas.openxmlformats.org/officeDocument/2006/relationships" xmlns:p="http://schemas.openxmlformats.org/presentationml/2006/main">
+  <p:cSld>
+    <p:spTree>
+      <p:nvGrpSpPr>
+        <p:cNvPr id="1" name=""/>
+        <p:cNvGrpSpPr/>
+        <p:nvPr/>
+      </p:nvGrpSpPr>
+      <p:grpSpPr>
+        <a:xfrm>
+          <a:off x="0" y="0"/>
+          <a:ext cx="0" cy="0"/>
+          <a:chOff x="0" y="0"/>
+          <a:chExt cx="0" cy="0"/>
+        </a:xfrm>
+      </p:grpSpPr>
+      <p:graphicFrame>
+        <p:nvGraphicFramePr>
+          <p:cNvPr id="6" name="グラフ 5"/>
+          <p:cNvGraphicFramePr/>
+          <p:nvPr>
+            <p:extLst>
+              <p:ext uri="{D42A27DB-BD31-4B8C-83A1-F6EECF244321}">
+                <p14:modId xmlns:p14="http://schemas.microsoft.com/office/powerpoint/2010/main" val="1841855796"/>
+              </p:ext>
+            </p:extLst>
+          </p:nvPr>
+        </p:nvGraphicFramePr>
+        <p:xfrm>
+          <a:off x="436192" y="1396999"/>
+          <a:ext cx="7183808" cy="4721805"/>
+        </p:xfrm>
+        <a:graphic>
+          <a:graphicData uri="http://schemas.openxmlformats.org/drawingml/2006/chart">
+            <c:chart xmlns:c="http://schemas.openxmlformats.org/drawingml/2006/chart" xmlns:r="http://schemas.openxmlformats.org/officeDocument/2006/relationships" r:id="rId2"/>
+          </a:graphicData>
+        </a:graphic>
+      </p:graphicFrame>
+      <p:sp>
+        <p:nvSpPr>
+          <p:cNvPr id="7" name="テキスト ボックス 6"/>
+          <p:cNvSpPr txBox="1"/>
+          <p:nvPr/>
+        </p:nvSpPr>
+        <p:spPr>
+          <a:xfrm>
+            <a:off x="1808915" y="833799"/>
+            <a:ext cx="3724585" cy="369332"/>
+          </a:xfrm>
+          <a:prstGeom prst="rect">
+            <a:avLst/>
+          </a:prstGeom>
+          <a:noFill/>
+        </p:spPr>
+        <p:txBody>
+          <a:bodyPr wrap="none" rtlCol="0">
+            <a:spAutoFit/>
+          </a:bodyPr>
+          <a:lstStyle/>
+          <a:p>
+            <a:r>
+              <a:rPr lang="en-US" altLang="ja-JP"/>
+              <a:t>Probablistic Model </a:t>
+            </a:r>
+            <a:r>
+              <a:rPr lang="ja-JP" altLang="en-US"/>
+              <a:t>対象限定性低い</a:t>
+            </a:r>
+            <a:endParaRPr lang="en-US" altLang="ja-JP"/>
+          </a:p>
+        </p:txBody>
+      </p:sp>
+    </p:spTree>
+    <p:extLst>
+      <p:ext uri="{BB962C8B-B14F-4D97-AF65-F5344CB8AC3E}">
+        <p14:creationId xmlns:p14="http://schemas.microsoft.com/office/powerpoint/2010/main" val="2671173112"/>
+      </p:ext>
+    </p:extLst>
+  </p:cSld>
+  <p:clrMapOvr>
+    <a:masterClrMapping/>
+  </p:clrMapOvr>
+</p:sld>
+</file>
+
+<file path=ppt/slides/slide11.xml><?xml version="1.0" encoding="utf-8"?>
+<p:sld xmlns:a="http://schemas.openxmlformats.org/drawingml/2006/main" xmlns:r="http://schemas.openxmlformats.org/officeDocument/2006/relationships" xmlns:p="http://schemas.openxmlformats.org/presentationml/2006/main">
+  <p:cSld>
+    <p:spTree>
+      <p:nvGrpSpPr>
+        <p:cNvPr id="1" name=""/>
+        <p:cNvGrpSpPr/>
+        <p:nvPr/>
+      </p:nvGrpSpPr>
+      <p:grpSpPr>
+        <a:xfrm>
+          <a:off x="0" y="0"/>
+          <a:ext cx="0" cy="0"/>
+          <a:chOff x="0" y="0"/>
+          <a:chExt cx="0" cy="0"/>
+        </a:xfrm>
+      </p:grpSpPr>
+      <p:graphicFrame>
+        <p:nvGraphicFramePr>
+          <p:cNvPr id="2" name="グラフ 1"/>
+          <p:cNvGraphicFramePr/>
+          <p:nvPr>
+            <p:extLst>
+              <p:ext uri="{D42A27DB-BD31-4B8C-83A1-F6EECF244321}">
+                <p14:modId xmlns:p14="http://schemas.microsoft.com/office/powerpoint/2010/main" val="1296694360"/>
+              </p:ext>
+            </p:extLst>
+          </p:nvPr>
+        </p:nvGraphicFramePr>
+        <p:xfrm>
+          <a:off x="1524000" y="1397000"/>
+          <a:ext cx="6096000" cy="4064000"/>
+        </p:xfrm>
+        <a:graphic>
+          <a:graphicData uri="http://schemas.openxmlformats.org/drawingml/2006/chart">
+            <c:chart xmlns:c="http://schemas.openxmlformats.org/drawingml/2006/chart" xmlns:r="http://schemas.openxmlformats.org/officeDocument/2006/relationships" r:id="rId2"/>
+          </a:graphicData>
+        </a:graphic>
+      </p:graphicFrame>
+      <p:sp>
+        <p:nvSpPr>
+          <p:cNvPr id="3" name="テキスト ボックス 2"/>
+          <p:cNvSpPr txBox="1"/>
+          <p:nvPr/>
+        </p:nvSpPr>
+        <p:spPr>
+          <a:xfrm>
+            <a:off x="3874414" y="5276334"/>
+            <a:ext cx="535648" cy="369332"/>
+          </a:xfrm>
+          <a:prstGeom prst="rect">
+            <a:avLst/>
+          </a:prstGeom>
+          <a:noFill/>
+        </p:spPr>
+        <p:txBody>
+          <a:bodyPr wrap="none" rtlCol="0">
+            <a:spAutoFit/>
+          </a:bodyPr>
+          <a:lstStyle/>
+          <a:p>
+            <a:r>
+              <a:rPr kumimoji="1" lang="en-US" altLang="ja-JP">
+                <a:latin typeface="Times New Roman"/>
+                <a:cs typeface="Times New Roman"/>
+              </a:rPr>
+              <a:t>100</a:t>
+            </a:r>
+            <a:endParaRPr kumimoji="1" lang="ja-JP" altLang="en-US">
+              <a:latin typeface="Times New Roman"/>
+              <a:cs typeface="Times New Roman"/>
+            </a:endParaRPr>
+          </a:p>
+        </p:txBody>
+      </p:sp>
+      <p:sp>
+        <p:nvSpPr>
+          <p:cNvPr id="8" name="テキスト ボックス 7"/>
+          <p:cNvSpPr txBox="1"/>
+          <p:nvPr/>
+        </p:nvSpPr>
+        <p:spPr>
+          <a:xfrm>
+            <a:off x="5861386" y="5276334"/>
+            <a:ext cx="530915" cy="369332"/>
+          </a:xfrm>
+          <a:prstGeom prst="rect">
+            <a:avLst/>
+          </a:prstGeom>
+          <a:noFill/>
+        </p:spPr>
+        <p:txBody>
+          <a:bodyPr wrap="none" rtlCol="0">
+            <a:spAutoFit/>
+          </a:bodyPr>
+          <a:lstStyle/>
+          <a:p>
+            <a:r>
+              <a:rPr lang="en-US" altLang="ja-JP">
+                <a:latin typeface="Times New Roman"/>
+                <a:cs typeface="Times New Roman"/>
+              </a:rPr>
+              <a:t>2</a:t>
+            </a:r>
+            <a:r>
+              <a:rPr kumimoji="1" lang="en-US" altLang="ja-JP">
+                <a:latin typeface="Times New Roman"/>
+                <a:cs typeface="Times New Roman"/>
+              </a:rPr>
+              <a:t>00</a:t>
+            </a:r>
+            <a:endParaRPr kumimoji="1" lang="ja-JP" altLang="en-US">
+              <a:latin typeface="Times New Roman"/>
+              <a:cs typeface="Times New Roman"/>
+            </a:endParaRPr>
+          </a:p>
+        </p:txBody>
+      </p:sp>
+    </p:spTree>
+    <p:extLst>
+      <p:ext uri="{BB962C8B-B14F-4D97-AF65-F5344CB8AC3E}">
+        <p14:creationId xmlns:p14="http://schemas.microsoft.com/office/powerpoint/2010/main" val="3554736723"/>
       </p:ext>
     </p:extLst>
   </p:cSld>
@@ -14374,14 +19344,14 @@
           <p:nvPr>
             <p:extLst>
               <p:ext uri="{D42A27DB-BD31-4B8C-83A1-F6EECF244321}">
-                <p14:modId xmlns:p14="http://schemas.microsoft.com/office/powerpoint/2010/main" val="3036534288"/>
+                <p14:modId xmlns:p14="http://schemas.microsoft.com/office/powerpoint/2010/main" val="1819542845"/>
               </p:ext>
             </p:extLst>
           </p:nvPr>
         </p:nvGraphicFramePr>
         <p:xfrm>
-          <a:off x="1189030" y="1577809"/>
-          <a:ext cx="6521309" cy="3809818"/>
+          <a:off x="429700" y="1924156"/>
+          <a:ext cx="3865668" cy="2655326"/>
         </p:xfrm>
         <a:graphic>
           <a:graphicData uri="http://schemas.openxmlformats.org/drawingml/2006/chart">
@@ -14416,6 +19386,410 @@
               <a:t>Probablistic Model Term</a:t>
             </a:r>
             <a:endParaRPr kumimoji="1" lang="ja-JP" altLang="en-US"/>
+          </a:p>
+        </p:txBody>
+      </p:sp>
+      <p:graphicFrame>
+        <p:nvGraphicFramePr>
+          <p:cNvPr id="3" name="グラフ 2"/>
+          <p:cNvGraphicFramePr/>
+          <p:nvPr>
+            <p:extLst>
+              <p:ext uri="{D42A27DB-BD31-4B8C-83A1-F6EECF244321}">
+                <p14:modId xmlns:p14="http://schemas.microsoft.com/office/powerpoint/2010/main" val="1780789651"/>
+              </p:ext>
+            </p:extLst>
+          </p:nvPr>
+        </p:nvGraphicFramePr>
+        <p:xfrm>
+          <a:off x="4295368" y="436142"/>
+          <a:ext cx="5454811" cy="3309542"/>
+        </p:xfrm>
+        <a:graphic>
+          <a:graphicData uri="http://schemas.openxmlformats.org/drawingml/2006/chart">
+            <c:chart xmlns:c="http://schemas.openxmlformats.org/drawingml/2006/chart" xmlns:r="http://schemas.openxmlformats.org/officeDocument/2006/relationships" r:id="rId3"/>
+          </a:graphicData>
+        </a:graphic>
+      </p:graphicFrame>
+      <p:sp>
+        <p:nvSpPr>
+          <p:cNvPr id="4" name="テキスト ボックス 3"/>
+          <p:cNvSpPr txBox="1"/>
+          <p:nvPr/>
+        </p:nvSpPr>
+        <p:spPr>
+          <a:xfrm>
+            <a:off x="5647297" y="3342990"/>
+            <a:ext cx="543739" cy="338554"/>
+          </a:xfrm>
+          <a:prstGeom prst="rect">
+            <a:avLst/>
+          </a:prstGeom>
+          <a:noFill/>
+        </p:spPr>
+        <p:txBody>
+          <a:bodyPr wrap="none" rtlCol="0">
+            <a:spAutoFit/>
+          </a:bodyPr>
+          <a:lstStyle/>
+          <a:p>
+            <a:r>
+              <a:rPr kumimoji="1" lang="en-US" altLang="ja-JP" sz="1600">
+                <a:latin typeface="Times New Roman"/>
+                <a:cs typeface="Times New Roman"/>
+              </a:rPr>
+              <a:t>0.05</a:t>
+            </a:r>
+            <a:endParaRPr kumimoji="1" lang="ja-JP" altLang="en-US" sz="1600">
+              <a:latin typeface="Times New Roman"/>
+              <a:cs typeface="Times New Roman"/>
+            </a:endParaRPr>
+          </a:p>
+        </p:txBody>
+      </p:sp>
+      <p:sp>
+        <p:nvSpPr>
+          <p:cNvPr id="6" name="テキスト ボックス 5"/>
+          <p:cNvSpPr txBox="1"/>
+          <p:nvPr/>
+        </p:nvSpPr>
+        <p:spPr>
+          <a:xfrm>
+            <a:off x="6800371" y="3342990"/>
+            <a:ext cx="543739" cy="338554"/>
+          </a:xfrm>
+          <a:prstGeom prst="rect">
+            <a:avLst/>
+          </a:prstGeom>
+          <a:noFill/>
+        </p:spPr>
+        <p:txBody>
+          <a:bodyPr wrap="none" rtlCol="0">
+            <a:spAutoFit/>
+          </a:bodyPr>
+          <a:lstStyle/>
+          <a:p>
+            <a:r>
+              <a:rPr kumimoji="1" lang="en-US" altLang="ja-JP" sz="1600">
+                <a:latin typeface="Times New Roman"/>
+                <a:cs typeface="Times New Roman"/>
+              </a:rPr>
+              <a:t>0.10</a:t>
+            </a:r>
+            <a:endParaRPr kumimoji="1" lang="ja-JP" altLang="en-US" sz="1600">
+              <a:latin typeface="Times New Roman"/>
+              <a:cs typeface="Times New Roman"/>
+            </a:endParaRPr>
+          </a:p>
+        </p:txBody>
+      </p:sp>
+      <p:sp>
+        <p:nvSpPr>
+          <p:cNvPr id="7" name="テキスト ボックス 6"/>
+          <p:cNvSpPr txBox="1"/>
+          <p:nvPr/>
+        </p:nvSpPr>
+        <p:spPr>
+          <a:xfrm>
+            <a:off x="7953446" y="3342990"/>
+            <a:ext cx="543739" cy="338554"/>
+          </a:xfrm>
+          <a:prstGeom prst="rect">
+            <a:avLst/>
+          </a:prstGeom>
+          <a:noFill/>
+        </p:spPr>
+        <p:txBody>
+          <a:bodyPr wrap="none" rtlCol="0">
+            <a:spAutoFit/>
+          </a:bodyPr>
+          <a:lstStyle/>
+          <a:p>
+            <a:r>
+              <a:rPr kumimoji="1" lang="en-US" altLang="ja-JP" sz="1600">
+                <a:latin typeface="Times New Roman"/>
+                <a:cs typeface="Times New Roman"/>
+              </a:rPr>
+              <a:t>0.15</a:t>
+            </a:r>
+            <a:endParaRPr kumimoji="1" lang="ja-JP" altLang="en-US" sz="1600">
+              <a:latin typeface="Times New Roman"/>
+              <a:cs typeface="Times New Roman"/>
+            </a:endParaRPr>
+          </a:p>
+        </p:txBody>
+      </p:sp>
+      <p:sp>
+        <p:nvSpPr>
+          <p:cNvPr id="8" name="テキスト ボックス 7"/>
+          <p:cNvSpPr txBox="1"/>
+          <p:nvPr/>
+        </p:nvSpPr>
+        <p:spPr>
+          <a:xfrm>
+            <a:off x="9112988" y="3342990"/>
+            <a:ext cx="543739" cy="338554"/>
+          </a:xfrm>
+          <a:prstGeom prst="rect">
+            <a:avLst/>
+          </a:prstGeom>
+          <a:noFill/>
+        </p:spPr>
+        <p:txBody>
+          <a:bodyPr wrap="none" rtlCol="0">
+            <a:spAutoFit/>
+          </a:bodyPr>
+          <a:lstStyle/>
+          <a:p>
+            <a:r>
+              <a:rPr kumimoji="1" lang="en-US" altLang="ja-JP" sz="1600">
+                <a:latin typeface="Times New Roman"/>
+                <a:cs typeface="Times New Roman"/>
+              </a:rPr>
+              <a:t>0.20</a:t>
+            </a:r>
+            <a:endParaRPr kumimoji="1" lang="ja-JP" altLang="en-US" sz="1600">
+              <a:latin typeface="Times New Roman"/>
+              <a:cs typeface="Times New Roman"/>
+            </a:endParaRPr>
+          </a:p>
+        </p:txBody>
+      </p:sp>
+      <p:sp>
+        <p:nvSpPr>
+          <p:cNvPr id="9" name="テキスト ボックス 8"/>
+          <p:cNvSpPr txBox="1"/>
+          <p:nvPr/>
+        </p:nvSpPr>
+        <p:spPr>
+          <a:xfrm>
+            <a:off x="4619414" y="3342990"/>
+            <a:ext cx="287258" cy="338554"/>
+          </a:xfrm>
+          <a:prstGeom prst="rect">
+            <a:avLst/>
+          </a:prstGeom>
+          <a:noFill/>
+        </p:spPr>
+        <p:txBody>
+          <a:bodyPr wrap="none" rtlCol="0">
+            <a:spAutoFit/>
+          </a:bodyPr>
+          <a:lstStyle/>
+          <a:p>
+            <a:r>
+              <a:rPr kumimoji="1" lang="en-US" altLang="ja-JP" sz="1600">
+                <a:latin typeface="Times New Roman"/>
+                <a:cs typeface="Times New Roman"/>
+              </a:rPr>
+              <a:t>0</a:t>
+            </a:r>
+            <a:endParaRPr kumimoji="1" lang="ja-JP" altLang="en-US" sz="1600">
+              <a:latin typeface="Times New Roman"/>
+              <a:cs typeface="Times New Roman"/>
+            </a:endParaRPr>
+          </a:p>
+        </p:txBody>
+      </p:sp>
+      <p:graphicFrame>
+        <p:nvGraphicFramePr>
+          <p:cNvPr id="11" name="グラフ 10"/>
+          <p:cNvGraphicFramePr/>
+          <p:nvPr>
+            <p:extLst>
+              <p:ext uri="{D42A27DB-BD31-4B8C-83A1-F6EECF244321}">
+                <p14:modId xmlns:p14="http://schemas.microsoft.com/office/powerpoint/2010/main" val="409265872"/>
+              </p:ext>
+            </p:extLst>
+          </p:nvPr>
+        </p:nvGraphicFramePr>
+        <p:xfrm>
+          <a:off x="4354316" y="3795463"/>
+          <a:ext cx="5454811" cy="3309542"/>
+        </p:xfrm>
+        <a:graphic>
+          <a:graphicData uri="http://schemas.openxmlformats.org/drawingml/2006/chart">
+            <c:chart xmlns:c="http://schemas.openxmlformats.org/drawingml/2006/chart" xmlns:r="http://schemas.openxmlformats.org/officeDocument/2006/relationships" r:id="rId4"/>
+          </a:graphicData>
+        </a:graphic>
+      </p:graphicFrame>
+      <p:sp>
+        <p:nvSpPr>
+          <p:cNvPr id="12" name="テキスト ボックス 11"/>
+          <p:cNvSpPr txBox="1"/>
+          <p:nvPr/>
+        </p:nvSpPr>
+        <p:spPr>
+          <a:xfrm>
+            <a:off x="5706245" y="6702311"/>
+            <a:ext cx="543739" cy="338554"/>
+          </a:xfrm>
+          <a:prstGeom prst="rect">
+            <a:avLst/>
+          </a:prstGeom>
+          <a:noFill/>
+        </p:spPr>
+        <p:txBody>
+          <a:bodyPr wrap="none" rtlCol="0">
+            <a:spAutoFit/>
+          </a:bodyPr>
+          <a:lstStyle/>
+          <a:p>
+            <a:r>
+              <a:rPr kumimoji="1" lang="en-US" altLang="ja-JP" sz="1600">
+                <a:latin typeface="Times New Roman"/>
+                <a:cs typeface="Times New Roman"/>
+              </a:rPr>
+              <a:t>0.05</a:t>
+            </a:r>
+            <a:endParaRPr kumimoji="1" lang="ja-JP" altLang="en-US" sz="1600">
+              <a:latin typeface="Times New Roman"/>
+              <a:cs typeface="Times New Roman"/>
+            </a:endParaRPr>
+          </a:p>
+        </p:txBody>
+      </p:sp>
+      <p:sp>
+        <p:nvSpPr>
+          <p:cNvPr id="13" name="テキスト ボックス 12"/>
+          <p:cNvSpPr txBox="1"/>
+          <p:nvPr/>
+        </p:nvSpPr>
+        <p:spPr>
+          <a:xfrm>
+            <a:off x="6859319" y="6702311"/>
+            <a:ext cx="543739" cy="338554"/>
+          </a:xfrm>
+          <a:prstGeom prst="rect">
+            <a:avLst/>
+          </a:prstGeom>
+          <a:noFill/>
+        </p:spPr>
+        <p:txBody>
+          <a:bodyPr wrap="none" rtlCol="0">
+            <a:spAutoFit/>
+          </a:bodyPr>
+          <a:lstStyle/>
+          <a:p>
+            <a:r>
+              <a:rPr kumimoji="1" lang="en-US" altLang="ja-JP" sz="1600">
+                <a:latin typeface="Times New Roman"/>
+                <a:cs typeface="Times New Roman"/>
+              </a:rPr>
+              <a:t>0.10</a:t>
+            </a:r>
+            <a:endParaRPr kumimoji="1" lang="ja-JP" altLang="en-US" sz="1600">
+              <a:latin typeface="Times New Roman"/>
+              <a:cs typeface="Times New Roman"/>
+            </a:endParaRPr>
+          </a:p>
+        </p:txBody>
+      </p:sp>
+      <p:sp>
+        <p:nvSpPr>
+          <p:cNvPr id="14" name="テキスト ボックス 13"/>
+          <p:cNvSpPr txBox="1"/>
+          <p:nvPr/>
+        </p:nvSpPr>
+        <p:spPr>
+          <a:xfrm>
+            <a:off x="8012394" y="6702311"/>
+            <a:ext cx="543739" cy="338554"/>
+          </a:xfrm>
+          <a:prstGeom prst="rect">
+            <a:avLst/>
+          </a:prstGeom>
+          <a:noFill/>
+        </p:spPr>
+        <p:txBody>
+          <a:bodyPr wrap="none" rtlCol="0">
+            <a:spAutoFit/>
+          </a:bodyPr>
+          <a:lstStyle/>
+          <a:p>
+            <a:r>
+              <a:rPr kumimoji="1" lang="en-US" altLang="ja-JP" sz="1600">
+                <a:latin typeface="Times New Roman"/>
+                <a:cs typeface="Times New Roman"/>
+              </a:rPr>
+              <a:t>0.15</a:t>
+            </a:r>
+            <a:endParaRPr kumimoji="1" lang="ja-JP" altLang="en-US" sz="1600">
+              <a:latin typeface="Times New Roman"/>
+              <a:cs typeface="Times New Roman"/>
+            </a:endParaRPr>
+          </a:p>
+        </p:txBody>
+      </p:sp>
+      <p:sp>
+        <p:nvSpPr>
+          <p:cNvPr id="15" name="テキスト ボックス 14"/>
+          <p:cNvSpPr txBox="1"/>
+          <p:nvPr/>
+        </p:nvSpPr>
+        <p:spPr>
+          <a:xfrm>
+            <a:off x="9171936" y="6702311"/>
+            <a:ext cx="543739" cy="338554"/>
+          </a:xfrm>
+          <a:prstGeom prst="rect">
+            <a:avLst/>
+          </a:prstGeom>
+          <a:noFill/>
+        </p:spPr>
+        <p:txBody>
+          <a:bodyPr wrap="none" rtlCol="0">
+            <a:spAutoFit/>
+          </a:bodyPr>
+          <a:lstStyle/>
+          <a:p>
+            <a:r>
+              <a:rPr kumimoji="1" lang="en-US" altLang="ja-JP" sz="1600">
+                <a:latin typeface="Times New Roman"/>
+                <a:cs typeface="Times New Roman"/>
+              </a:rPr>
+              <a:t>0.20</a:t>
+            </a:r>
+            <a:endParaRPr kumimoji="1" lang="ja-JP" altLang="en-US" sz="1600">
+              <a:latin typeface="Times New Roman"/>
+              <a:cs typeface="Times New Roman"/>
+            </a:endParaRPr>
+          </a:p>
+        </p:txBody>
+      </p:sp>
+      <p:sp>
+        <p:nvSpPr>
+          <p:cNvPr id="16" name="テキスト ボックス 15"/>
+          <p:cNvSpPr txBox="1"/>
+          <p:nvPr/>
+        </p:nvSpPr>
+        <p:spPr>
+          <a:xfrm>
+            <a:off x="4678362" y="6702311"/>
+            <a:ext cx="287258" cy="338554"/>
+          </a:xfrm>
+          <a:prstGeom prst="rect">
+            <a:avLst/>
+          </a:prstGeom>
+          <a:noFill/>
+        </p:spPr>
+        <p:txBody>
+          <a:bodyPr wrap="none" rtlCol="0">
+            <a:spAutoFit/>
+          </a:bodyPr>
+          <a:lstStyle/>
+          <a:p>
+            <a:r>
+              <a:rPr kumimoji="1" lang="en-US" altLang="ja-JP" sz="1600">
+                <a:latin typeface="Times New Roman"/>
+                <a:cs typeface="Times New Roman"/>
+              </a:rPr>
+              <a:t>0</a:t>
+            </a:r>
+            <a:endParaRPr kumimoji="1" lang="ja-JP" altLang="en-US" sz="1600">
+              <a:latin typeface="Times New Roman"/>
+              <a:cs typeface="Times New Roman"/>
+            </a:endParaRPr>
           </a:p>
         </p:txBody>
       </p:sp>
@@ -14456,14 +19830,14 @@
           <p:nvPr>
             <p:extLst>
               <p:ext uri="{D42A27DB-BD31-4B8C-83A1-F6EECF244321}">
-                <p14:modId xmlns:p14="http://schemas.microsoft.com/office/powerpoint/2010/main" val="2987000643"/>
+                <p14:modId xmlns:p14="http://schemas.microsoft.com/office/powerpoint/2010/main" val="220765843"/>
               </p:ext>
             </p:extLst>
           </p:nvPr>
         </p:nvGraphicFramePr>
         <p:xfrm>
-          <a:off x="1189030" y="1577809"/>
-          <a:ext cx="6521309" cy="3809818"/>
+          <a:off x="663033" y="2180710"/>
+          <a:ext cx="4135081" cy="2629671"/>
         </p:xfrm>
         <a:graphic>
           <a:graphicData uri="http://schemas.openxmlformats.org/drawingml/2006/chart">
@@ -14497,6 +19871,626 @@
               <a:rPr lang="en-US" altLang="ja-JP"/>
               <a:t>Probablistic Model Followee</a:t>
             </a:r>
+          </a:p>
+        </p:txBody>
+      </p:sp>
+      <p:graphicFrame>
+        <p:nvGraphicFramePr>
+          <p:cNvPr id="4" name="グラフ 3"/>
+          <p:cNvGraphicFramePr/>
+          <p:nvPr>
+            <p:extLst>
+              <p:ext uri="{D42A27DB-BD31-4B8C-83A1-F6EECF244321}">
+                <p14:modId xmlns:p14="http://schemas.microsoft.com/office/powerpoint/2010/main" val="1467420285"/>
+              </p:ext>
+            </p:extLst>
+          </p:nvPr>
+        </p:nvGraphicFramePr>
+        <p:xfrm>
+          <a:off x="4295368" y="269382"/>
+          <a:ext cx="5454811" cy="3309542"/>
+        </p:xfrm>
+        <a:graphic>
+          <a:graphicData uri="http://schemas.openxmlformats.org/drawingml/2006/chart">
+            <c:chart xmlns:c="http://schemas.openxmlformats.org/drawingml/2006/chart" xmlns:r="http://schemas.openxmlformats.org/officeDocument/2006/relationships" r:id="rId3"/>
+          </a:graphicData>
+        </a:graphic>
+      </p:graphicFrame>
+      <p:sp>
+        <p:nvSpPr>
+          <p:cNvPr id="5" name="テキスト ボックス 4"/>
+          <p:cNvSpPr txBox="1"/>
+          <p:nvPr/>
+        </p:nvSpPr>
+        <p:spPr>
+          <a:xfrm>
+            <a:off x="5239220" y="3176230"/>
+            <a:ext cx="441146" cy="338554"/>
+          </a:xfrm>
+          <a:prstGeom prst="rect">
+            <a:avLst/>
+          </a:prstGeom>
+          <a:noFill/>
+        </p:spPr>
+        <p:txBody>
+          <a:bodyPr wrap="none" rtlCol="0">
+            <a:spAutoFit/>
+          </a:bodyPr>
+          <a:lstStyle/>
+          <a:p>
+            <a:r>
+              <a:rPr kumimoji="1" lang="en-US" altLang="ja-JP" sz="1600">
+                <a:latin typeface="Times New Roman"/>
+                <a:cs typeface="Times New Roman"/>
+              </a:rPr>
+              <a:t>0.1</a:t>
+            </a:r>
+            <a:endParaRPr kumimoji="1" lang="ja-JP" altLang="en-US" sz="1600">
+              <a:latin typeface="Times New Roman"/>
+              <a:cs typeface="Times New Roman"/>
+            </a:endParaRPr>
+          </a:p>
+        </p:txBody>
+      </p:sp>
+      <p:sp>
+        <p:nvSpPr>
+          <p:cNvPr id="6" name="テキスト ボックス 5"/>
+          <p:cNvSpPr txBox="1"/>
+          <p:nvPr/>
+        </p:nvSpPr>
+        <p:spPr>
+          <a:xfrm>
+            <a:off x="5927948" y="3176230"/>
+            <a:ext cx="441146" cy="338554"/>
+          </a:xfrm>
+          <a:prstGeom prst="rect">
+            <a:avLst/>
+          </a:prstGeom>
+          <a:noFill/>
+        </p:spPr>
+        <p:txBody>
+          <a:bodyPr wrap="none" rtlCol="0">
+            <a:spAutoFit/>
+          </a:bodyPr>
+          <a:lstStyle/>
+          <a:p>
+            <a:r>
+              <a:rPr kumimoji="1" lang="en-US" altLang="ja-JP" sz="1600">
+                <a:latin typeface="Times New Roman"/>
+                <a:cs typeface="Times New Roman"/>
+              </a:rPr>
+              <a:t>0.2</a:t>
+            </a:r>
+            <a:endParaRPr kumimoji="1" lang="ja-JP" altLang="en-US" sz="1600">
+              <a:latin typeface="Times New Roman"/>
+              <a:cs typeface="Times New Roman"/>
+            </a:endParaRPr>
+          </a:p>
+        </p:txBody>
+      </p:sp>
+      <p:sp>
+        <p:nvSpPr>
+          <p:cNvPr id="7" name="テキスト ボックス 6"/>
+          <p:cNvSpPr txBox="1"/>
+          <p:nvPr/>
+        </p:nvSpPr>
+        <p:spPr>
+          <a:xfrm>
+            <a:off x="6632040" y="3184022"/>
+            <a:ext cx="441146" cy="338554"/>
+          </a:xfrm>
+          <a:prstGeom prst="rect">
+            <a:avLst/>
+          </a:prstGeom>
+          <a:noFill/>
+        </p:spPr>
+        <p:txBody>
+          <a:bodyPr wrap="none" rtlCol="0">
+            <a:spAutoFit/>
+          </a:bodyPr>
+          <a:lstStyle/>
+          <a:p>
+            <a:r>
+              <a:rPr kumimoji="1" lang="en-US" altLang="ja-JP" sz="1600">
+                <a:latin typeface="Times New Roman"/>
+                <a:cs typeface="Times New Roman"/>
+              </a:rPr>
+              <a:t>0.3</a:t>
+            </a:r>
+            <a:endParaRPr kumimoji="1" lang="ja-JP" altLang="en-US" sz="1600">
+              <a:latin typeface="Times New Roman"/>
+              <a:cs typeface="Times New Roman"/>
+            </a:endParaRPr>
+          </a:p>
+        </p:txBody>
+      </p:sp>
+      <p:sp>
+        <p:nvSpPr>
+          <p:cNvPr id="8" name="テキスト ボックス 7"/>
+          <p:cNvSpPr txBox="1"/>
+          <p:nvPr/>
+        </p:nvSpPr>
+        <p:spPr>
+          <a:xfrm>
+            <a:off x="7304073" y="3186779"/>
+            <a:ext cx="441146" cy="338554"/>
+          </a:xfrm>
+          <a:prstGeom prst="rect">
+            <a:avLst/>
+          </a:prstGeom>
+          <a:noFill/>
+        </p:spPr>
+        <p:txBody>
+          <a:bodyPr wrap="none" rtlCol="0">
+            <a:spAutoFit/>
+          </a:bodyPr>
+          <a:lstStyle/>
+          <a:p>
+            <a:r>
+              <a:rPr kumimoji="1" lang="en-US" altLang="ja-JP" sz="1600">
+                <a:latin typeface="Times New Roman"/>
+                <a:cs typeface="Times New Roman"/>
+              </a:rPr>
+              <a:t>0.4</a:t>
+            </a:r>
+            <a:endParaRPr kumimoji="1" lang="ja-JP" altLang="en-US" sz="1600">
+              <a:latin typeface="Times New Roman"/>
+              <a:cs typeface="Times New Roman"/>
+            </a:endParaRPr>
+          </a:p>
+        </p:txBody>
+      </p:sp>
+      <p:sp>
+        <p:nvSpPr>
+          <p:cNvPr id="9" name="テキスト ボックス 8"/>
+          <p:cNvSpPr txBox="1"/>
+          <p:nvPr/>
+        </p:nvSpPr>
+        <p:spPr>
+          <a:xfrm>
+            <a:off x="4619414" y="3176230"/>
+            <a:ext cx="287258" cy="338554"/>
+          </a:xfrm>
+          <a:prstGeom prst="rect">
+            <a:avLst/>
+          </a:prstGeom>
+          <a:noFill/>
+        </p:spPr>
+        <p:txBody>
+          <a:bodyPr wrap="none" rtlCol="0">
+            <a:spAutoFit/>
+          </a:bodyPr>
+          <a:lstStyle/>
+          <a:p>
+            <a:r>
+              <a:rPr kumimoji="1" lang="en-US" altLang="ja-JP" sz="1600">
+                <a:latin typeface="Times New Roman"/>
+                <a:cs typeface="Times New Roman"/>
+              </a:rPr>
+              <a:t>0</a:t>
+            </a:r>
+            <a:endParaRPr kumimoji="1" lang="ja-JP" altLang="en-US" sz="1600">
+              <a:latin typeface="Times New Roman"/>
+              <a:cs typeface="Times New Roman"/>
+            </a:endParaRPr>
+          </a:p>
+        </p:txBody>
+      </p:sp>
+      <p:sp>
+        <p:nvSpPr>
+          <p:cNvPr id="16" name="テキスト ボックス 15"/>
+          <p:cNvSpPr txBox="1"/>
+          <p:nvPr/>
+        </p:nvSpPr>
+        <p:spPr>
+          <a:xfrm>
+            <a:off x="8003214" y="3184022"/>
+            <a:ext cx="441146" cy="338554"/>
+          </a:xfrm>
+          <a:prstGeom prst="rect">
+            <a:avLst/>
+          </a:prstGeom>
+          <a:noFill/>
+        </p:spPr>
+        <p:txBody>
+          <a:bodyPr wrap="none" rtlCol="0">
+            <a:spAutoFit/>
+          </a:bodyPr>
+          <a:lstStyle/>
+          <a:p>
+            <a:r>
+              <a:rPr kumimoji="1" lang="en-US" altLang="ja-JP" sz="1600">
+                <a:latin typeface="Times New Roman"/>
+                <a:cs typeface="Times New Roman"/>
+              </a:rPr>
+              <a:t>0.5</a:t>
+            </a:r>
+            <a:endParaRPr kumimoji="1" lang="ja-JP" altLang="en-US" sz="1600">
+              <a:latin typeface="Times New Roman"/>
+              <a:cs typeface="Times New Roman"/>
+            </a:endParaRPr>
+          </a:p>
+        </p:txBody>
+      </p:sp>
+      <p:sp>
+        <p:nvSpPr>
+          <p:cNvPr id="17" name="テキスト ボックス 16"/>
+          <p:cNvSpPr txBox="1"/>
+          <p:nvPr/>
+        </p:nvSpPr>
+        <p:spPr>
+          <a:xfrm>
+            <a:off x="8702355" y="3181265"/>
+            <a:ext cx="441146" cy="338554"/>
+          </a:xfrm>
+          <a:prstGeom prst="rect">
+            <a:avLst/>
+          </a:prstGeom>
+          <a:noFill/>
+        </p:spPr>
+        <p:txBody>
+          <a:bodyPr wrap="none" rtlCol="0">
+            <a:spAutoFit/>
+          </a:bodyPr>
+          <a:lstStyle/>
+          <a:p>
+            <a:r>
+              <a:rPr kumimoji="1" lang="en-US" altLang="ja-JP" sz="1600">
+                <a:latin typeface="Times New Roman"/>
+                <a:cs typeface="Times New Roman"/>
+              </a:rPr>
+              <a:t>0.6</a:t>
+            </a:r>
+            <a:endParaRPr kumimoji="1" lang="ja-JP" altLang="en-US" sz="1600">
+              <a:latin typeface="Times New Roman"/>
+              <a:cs typeface="Times New Roman"/>
+            </a:endParaRPr>
+          </a:p>
+        </p:txBody>
+      </p:sp>
+      <p:sp>
+        <p:nvSpPr>
+          <p:cNvPr id="18" name="テキスト ボックス 17"/>
+          <p:cNvSpPr txBox="1"/>
+          <p:nvPr/>
+        </p:nvSpPr>
+        <p:spPr>
+          <a:xfrm>
+            <a:off x="9377603" y="3179732"/>
+            <a:ext cx="441146" cy="338554"/>
+          </a:xfrm>
+          <a:prstGeom prst="rect">
+            <a:avLst/>
+          </a:prstGeom>
+          <a:noFill/>
+        </p:spPr>
+        <p:txBody>
+          <a:bodyPr wrap="none" rtlCol="0">
+            <a:spAutoFit/>
+          </a:bodyPr>
+          <a:lstStyle/>
+          <a:p>
+            <a:r>
+              <a:rPr kumimoji="1" lang="en-US" altLang="ja-JP" sz="1600">
+                <a:latin typeface="Times New Roman"/>
+                <a:cs typeface="Times New Roman"/>
+              </a:rPr>
+              <a:t>0.7</a:t>
+            </a:r>
+            <a:endParaRPr kumimoji="1" lang="ja-JP" altLang="en-US" sz="1600">
+              <a:latin typeface="Times New Roman"/>
+              <a:cs typeface="Times New Roman"/>
+            </a:endParaRPr>
+          </a:p>
+        </p:txBody>
+      </p:sp>
+      <p:graphicFrame>
+        <p:nvGraphicFramePr>
+          <p:cNvPr id="19" name="グラフ 18"/>
+          <p:cNvGraphicFramePr/>
+          <p:nvPr>
+            <p:extLst>
+              <p:ext uri="{D42A27DB-BD31-4B8C-83A1-F6EECF244321}">
+                <p14:modId xmlns:p14="http://schemas.microsoft.com/office/powerpoint/2010/main" val="192983841"/>
+              </p:ext>
+            </p:extLst>
+          </p:nvPr>
+        </p:nvGraphicFramePr>
+        <p:xfrm>
+          <a:off x="4363938" y="3652825"/>
+          <a:ext cx="5454811" cy="3309542"/>
+        </p:xfrm>
+        <a:graphic>
+          <a:graphicData uri="http://schemas.openxmlformats.org/drawingml/2006/chart">
+            <c:chart xmlns:c="http://schemas.openxmlformats.org/drawingml/2006/chart" xmlns:r="http://schemas.openxmlformats.org/officeDocument/2006/relationships" r:id="rId4"/>
+          </a:graphicData>
+        </a:graphic>
+      </p:graphicFrame>
+      <p:sp>
+        <p:nvSpPr>
+          <p:cNvPr id="20" name="テキスト ボックス 19"/>
+          <p:cNvSpPr txBox="1"/>
+          <p:nvPr/>
+        </p:nvSpPr>
+        <p:spPr>
+          <a:xfrm>
+            <a:off x="5307790" y="6559673"/>
+            <a:ext cx="441146" cy="338554"/>
+          </a:xfrm>
+          <a:prstGeom prst="rect">
+            <a:avLst/>
+          </a:prstGeom>
+          <a:noFill/>
+        </p:spPr>
+        <p:txBody>
+          <a:bodyPr wrap="none" rtlCol="0">
+            <a:spAutoFit/>
+          </a:bodyPr>
+          <a:lstStyle/>
+          <a:p>
+            <a:r>
+              <a:rPr kumimoji="1" lang="en-US" altLang="ja-JP" sz="1600">
+                <a:latin typeface="Times New Roman"/>
+                <a:cs typeface="Times New Roman"/>
+              </a:rPr>
+              <a:t>0.1</a:t>
+            </a:r>
+            <a:endParaRPr kumimoji="1" lang="ja-JP" altLang="en-US" sz="1600">
+              <a:latin typeface="Times New Roman"/>
+              <a:cs typeface="Times New Roman"/>
+            </a:endParaRPr>
+          </a:p>
+        </p:txBody>
+      </p:sp>
+      <p:sp>
+        <p:nvSpPr>
+          <p:cNvPr id="21" name="テキスト ボックス 20"/>
+          <p:cNvSpPr txBox="1"/>
+          <p:nvPr/>
+        </p:nvSpPr>
+        <p:spPr>
+          <a:xfrm>
+            <a:off x="5996518" y="6559673"/>
+            <a:ext cx="441146" cy="338554"/>
+          </a:xfrm>
+          <a:prstGeom prst="rect">
+            <a:avLst/>
+          </a:prstGeom>
+          <a:noFill/>
+        </p:spPr>
+        <p:txBody>
+          <a:bodyPr wrap="none" rtlCol="0">
+            <a:spAutoFit/>
+          </a:bodyPr>
+          <a:lstStyle/>
+          <a:p>
+            <a:r>
+              <a:rPr kumimoji="1" lang="en-US" altLang="ja-JP" sz="1600">
+                <a:latin typeface="Times New Roman"/>
+                <a:cs typeface="Times New Roman"/>
+              </a:rPr>
+              <a:t>0.2</a:t>
+            </a:r>
+            <a:endParaRPr kumimoji="1" lang="ja-JP" altLang="en-US" sz="1600">
+              <a:latin typeface="Times New Roman"/>
+              <a:cs typeface="Times New Roman"/>
+            </a:endParaRPr>
+          </a:p>
+        </p:txBody>
+      </p:sp>
+      <p:sp>
+        <p:nvSpPr>
+          <p:cNvPr id="22" name="テキスト ボックス 21"/>
+          <p:cNvSpPr txBox="1"/>
+          <p:nvPr/>
+        </p:nvSpPr>
+        <p:spPr>
+          <a:xfrm>
+            <a:off x="6700610" y="6567465"/>
+            <a:ext cx="441146" cy="338554"/>
+          </a:xfrm>
+          <a:prstGeom prst="rect">
+            <a:avLst/>
+          </a:prstGeom>
+          <a:noFill/>
+        </p:spPr>
+        <p:txBody>
+          <a:bodyPr wrap="none" rtlCol="0">
+            <a:spAutoFit/>
+          </a:bodyPr>
+          <a:lstStyle/>
+          <a:p>
+            <a:r>
+              <a:rPr kumimoji="1" lang="en-US" altLang="ja-JP" sz="1600">
+                <a:latin typeface="Times New Roman"/>
+                <a:cs typeface="Times New Roman"/>
+              </a:rPr>
+              <a:t>0.3</a:t>
+            </a:r>
+            <a:endParaRPr kumimoji="1" lang="ja-JP" altLang="en-US" sz="1600">
+              <a:latin typeface="Times New Roman"/>
+              <a:cs typeface="Times New Roman"/>
+            </a:endParaRPr>
+          </a:p>
+        </p:txBody>
+      </p:sp>
+      <p:sp>
+        <p:nvSpPr>
+          <p:cNvPr id="23" name="テキスト ボックス 22"/>
+          <p:cNvSpPr txBox="1"/>
+          <p:nvPr/>
+        </p:nvSpPr>
+        <p:spPr>
+          <a:xfrm>
+            <a:off x="7372643" y="6570222"/>
+            <a:ext cx="441146" cy="338554"/>
+          </a:xfrm>
+          <a:prstGeom prst="rect">
+            <a:avLst/>
+          </a:prstGeom>
+          <a:noFill/>
+        </p:spPr>
+        <p:txBody>
+          <a:bodyPr wrap="none" rtlCol="0">
+            <a:spAutoFit/>
+          </a:bodyPr>
+          <a:lstStyle/>
+          <a:p>
+            <a:r>
+              <a:rPr kumimoji="1" lang="en-US" altLang="ja-JP" sz="1600">
+                <a:latin typeface="Times New Roman"/>
+                <a:cs typeface="Times New Roman"/>
+              </a:rPr>
+              <a:t>0.4</a:t>
+            </a:r>
+            <a:endParaRPr kumimoji="1" lang="ja-JP" altLang="en-US" sz="1600">
+              <a:latin typeface="Times New Roman"/>
+              <a:cs typeface="Times New Roman"/>
+            </a:endParaRPr>
+          </a:p>
+        </p:txBody>
+      </p:sp>
+      <p:sp>
+        <p:nvSpPr>
+          <p:cNvPr id="24" name="テキスト ボックス 23"/>
+          <p:cNvSpPr txBox="1"/>
+          <p:nvPr/>
+        </p:nvSpPr>
+        <p:spPr>
+          <a:xfrm>
+            <a:off x="4687984" y="6559673"/>
+            <a:ext cx="287258" cy="338554"/>
+          </a:xfrm>
+          <a:prstGeom prst="rect">
+            <a:avLst/>
+          </a:prstGeom>
+          <a:noFill/>
+        </p:spPr>
+        <p:txBody>
+          <a:bodyPr wrap="none" rtlCol="0">
+            <a:spAutoFit/>
+          </a:bodyPr>
+          <a:lstStyle/>
+          <a:p>
+            <a:r>
+              <a:rPr kumimoji="1" lang="en-US" altLang="ja-JP" sz="1600">
+                <a:latin typeface="Times New Roman"/>
+                <a:cs typeface="Times New Roman"/>
+              </a:rPr>
+              <a:t>0</a:t>
+            </a:r>
+            <a:endParaRPr kumimoji="1" lang="ja-JP" altLang="en-US" sz="1600">
+              <a:latin typeface="Times New Roman"/>
+              <a:cs typeface="Times New Roman"/>
+            </a:endParaRPr>
+          </a:p>
+        </p:txBody>
+      </p:sp>
+      <p:sp>
+        <p:nvSpPr>
+          <p:cNvPr id="25" name="テキスト ボックス 24"/>
+          <p:cNvSpPr txBox="1"/>
+          <p:nvPr/>
+        </p:nvSpPr>
+        <p:spPr>
+          <a:xfrm>
+            <a:off x="8071784" y="6567465"/>
+            <a:ext cx="441146" cy="338554"/>
+          </a:xfrm>
+          <a:prstGeom prst="rect">
+            <a:avLst/>
+          </a:prstGeom>
+          <a:noFill/>
+        </p:spPr>
+        <p:txBody>
+          <a:bodyPr wrap="none" rtlCol="0">
+            <a:spAutoFit/>
+          </a:bodyPr>
+          <a:lstStyle/>
+          <a:p>
+            <a:r>
+              <a:rPr kumimoji="1" lang="en-US" altLang="ja-JP" sz="1600">
+                <a:latin typeface="Times New Roman"/>
+                <a:cs typeface="Times New Roman"/>
+              </a:rPr>
+              <a:t>0.5</a:t>
+            </a:r>
+            <a:endParaRPr kumimoji="1" lang="ja-JP" altLang="en-US" sz="1600">
+              <a:latin typeface="Times New Roman"/>
+              <a:cs typeface="Times New Roman"/>
+            </a:endParaRPr>
+          </a:p>
+        </p:txBody>
+      </p:sp>
+      <p:sp>
+        <p:nvSpPr>
+          <p:cNvPr id="26" name="テキスト ボックス 25"/>
+          <p:cNvSpPr txBox="1"/>
+          <p:nvPr/>
+        </p:nvSpPr>
+        <p:spPr>
+          <a:xfrm>
+            <a:off x="8770925" y="6564708"/>
+            <a:ext cx="441146" cy="338554"/>
+          </a:xfrm>
+          <a:prstGeom prst="rect">
+            <a:avLst/>
+          </a:prstGeom>
+          <a:noFill/>
+        </p:spPr>
+        <p:txBody>
+          <a:bodyPr wrap="none" rtlCol="0">
+            <a:spAutoFit/>
+          </a:bodyPr>
+          <a:lstStyle/>
+          <a:p>
+            <a:r>
+              <a:rPr kumimoji="1" lang="en-US" altLang="ja-JP" sz="1600">
+                <a:latin typeface="Times New Roman"/>
+                <a:cs typeface="Times New Roman"/>
+              </a:rPr>
+              <a:t>0.6</a:t>
+            </a:r>
+            <a:endParaRPr kumimoji="1" lang="ja-JP" altLang="en-US" sz="1600">
+              <a:latin typeface="Times New Roman"/>
+              <a:cs typeface="Times New Roman"/>
+            </a:endParaRPr>
+          </a:p>
+        </p:txBody>
+      </p:sp>
+      <p:sp>
+        <p:nvSpPr>
+          <p:cNvPr id="27" name="テキスト ボックス 26"/>
+          <p:cNvSpPr txBox="1"/>
+          <p:nvPr/>
+        </p:nvSpPr>
+        <p:spPr>
+          <a:xfrm>
+            <a:off x="9446173" y="6563175"/>
+            <a:ext cx="441146" cy="338554"/>
+          </a:xfrm>
+          <a:prstGeom prst="rect">
+            <a:avLst/>
+          </a:prstGeom>
+          <a:noFill/>
+        </p:spPr>
+        <p:txBody>
+          <a:bodyPr wrap="none" rtlCol="0">
+            <a:spAutoFit/>
+          </a:bodyPr>
+          <a:lstStyle/>
+          <a:p>
+            <a:r>
+              <a:rPr kumimoji="1" lang="en-US" altLang="ja-JP" sz="1600">
+                <a:latin typeface="Times New Roman"/>
+                <a:cs typeface="Times New Roman"/>
+              </a:rPr>
+              <a:t>0.7</a:t>
+            </a:r>
+            <a:endParaRPr kumimoji="1" lang="ja-JP" altLang="en-US" sz="1600">
+              <a:latin typeface="Times New Roman"/>
+              <a:cs typeface="Times New Roman"/>
+            </a:endParaRPr>
           </a:p>
         </p:txBody>
       </p:sp>
@@ -14666,6 +20660,185 @@
     <p:extLst>
       <p:ext uri="{BB962C8B-B14F-4D97-AF65-F5344CB8AC3E}">
         <p14:creationId xmlns:p14="http://schemas.microsoft.com/office/powerpoint/2010/main" val="1456833096"/>
+      </p:ext>
+    </p:extLst>
+  </p:cSld>
+  <p:clrMapOvr>
+    <a:masterClrMapping/>
+  </p:clrMapOvr>
+</p:sld>
+</file>
+
+<file path=ppt/slides/slide8.xml><?xml version="1.0" encoding="utf-8"?>
+<p:sld xmlns:a="http://schemas.openxmlformats.org/drawingml/2006/main" xmlns:r="http://schemas.openxmlformats.org/officeDocument/2006/relationships" xmlns:p="http://schemas.openxmlformats.org/presentationml/2006/main">
+  <p:cSld>
+    <p:spTree>
+      <p:nvGrpSpPr>
+        <p:cNvPr id="1" name=""/>
+        <p:cNvGrpSpPr/>
+        <p:nvPr/>
+      </p:nvGrpSpPr>
+      <p:grpSpPr>
+        <a:xfrm>
+          <a:off x="0" y="0"/>
+          <a:ext cx="0" cy="0"/>
+          <a:chOff x="0" y="0"/>
+          <a:chExt cx="0" cy="0"/>
+        </a:xfrm>
+      </p:grpSpPr>
+      <p:graphicFrame>
+        <p:nvGraphicFramePr>
+          <p:cNvPr id="66" name="グラフ 65"/>
+          <p:cNvGraphicFramePr/>
+          <p:nvPr>
+            <p:extLst>
+              <p:ext uri="{D42A27DB-BD31-4B8C-83A1-F6EECF244321}">
+                <p14:modId xmlns:p14="http://schemas.microsoft.com/office/powerpoint/2010/main" val="3589733579"/>
+              </p:ext>
+            </p:extLst>
+          </p:nvPr>
+        </p:nvGraphicFramePr>
+        <p:xfrm>
+          <a:off x="1189030" y="1577809"/>
+          <a:ext cx="6521309" cy="3809818"/>
+        </p:xfrm>
+        <a:graphic>
+          <a:graphicData uri="http://schemas.openxmlformats.org/drawingml/2006/chart">
+            <c:chart xmlns:c="http://schemas.openxmlformats.org/drawingml/2006/chart" xmlns:r="http://schemas.openxmlformats.org/officeDocument/2006/relationships" r:id="rId2"/>
+          </a:graphicData>
+        </a:graphic>
+      </p:graphicFrame>
+      <p:sp>
+        <p:nvSpPr>
+          <p:cNvPr id="2" name="テキスト ボックス 1"/>
+          <p:cNvSpPr txBox="1"/>
+          <p:nvPr/>
+        </p:nvSpPr>
+        <p:spPr>
+          <a:xfrm>
+            <a:off x="1808915" y="833799"/>
+            <a:ext cx="2790773" cy="369332"/>
+          </a:xfrm>
+          <a:prstGeom prst="rect">
+            <a:avLst/>
+          </a:prstGeom>
+          <a:noFill/>
+        </p:spPr>
+        <p:txBody>
+          <a:bodyPr wrap="none" rtlCol="0">
+            <a:spAutoFit/>
+          </a:bodyPr>
+          <a:lstStyle/>
+          <a:p>
+            <a:r>
+              <a:rPr lang="ja-JP" altLang="en-US"/>
+              <a:t>ベースライン</a:t>
+            </a:r>
+            <a:r>
+              <a:rPr lang="en-US" altLang="ja-JP"/>
+              <a:t>(</a:t>
+            </a:r>
+            <a:r>
+              <a:rPr lang="ja-JP" altLang="en-US"/>
+              <a:t>フォロワー数</a:t>
+            </a:r>
+            <a:r>
+              <a:rPr lang="en-US" altLang="ja-JP"/>
+              <a:t>)</a:t>
+            </a:r>
+          </a:p>
+        </p:txBody>
+      </p:sp>
+    </p:spTree>
+    <p:extLst>
+      <p:ext uri="{BB962C8B-B14F-4D97-AF65-F5344CB8AC3E}">
+        <p14:creationId xmlns:p14="http://schemas.microsoft.com/office/powerpoint/2010/main" val="1559142215"/>
+      </p:ext>
+    </p:extLst>
+  </p:cSld>
+  <p:clrMapOvr>
+    <a:masterClrMapping/>
+  </p:clrMapOvr>
+</p:sld>
+</file>
+
+<file path=ppt/slides/slide9.xml><?xml version="1.0" encoding="utf-8"?>
+<p:sld xmlns:a="http://schemas.openxmlformats.org/drawingml/2006/main" xmlns:r="http://schemas.openxmlformats.org/officeDocument/2006/relationships" xmlns:p="http://schemas.openxmlformats.org/presentationml/2006/main">
+  <p:cSld>
+    <p:spTree>
+      <p:nvGrpSpPr>
+        <p:cNvPr id="1" name=""/>
+        <p:cNvGrpSpPr/>
+        <p:nvPr/>
+      </p:nvGrpSpPr>
+      <p:grpSpPr>
+        <a:xfrm>
+          <a:off x="0" y="0"/>
+          <a:ext cx="0" cy="0"/>
+          <a:chOff x="0" y="0"/>
+          <a:chExt cx="0" cy="0"/>
+        </a:xfrm>
+      </p:grpSpPr>
+      <p:graphicFrame>
+        <p:nvGraphicFramePr>
+          <p:cNvPr id="3" name="グラフ 2"/>
+          <p:cNvGraphicFramePr/>
+          <p:nvPr>
+            <p:extLst>
+              <p:ext uri="{D42A27DB-BD31-4B8C-83A1-F6EECF244321}">
+                <p14:modId xmlns:p14="http://schemas.microsoft.com/office/powerpoint/2010/main" val="2550175368"/>
+              </p:ext>
+            </p:extLst>
+          </p:nvPr>
+        </p:nvGraphicFramePr>
+        <p:xfrm>
+          <a:off x="1524000" y="1397000"/>
+          <a:ext cx="6096000" cy="4064000"/>
+        </p:xfrm>
+        <a:graphic>
+          <a:graphicData uri="http://schemas.openxmlformats.org/drawingml/2006/chart">
+            <c:chart xmlns:c="http://schemas.openxmlformats.org/drawingml/2006/chart" xmlns:r="http://schemas.openxmlformats.org/officeDocument/2006/relationships" r:id="rId2"/>
+          </a:graphicData>
+        </a:graphic>
+      </p:graphicFrame>
+      <p:sp>
+        <p:nvSpPr>
+          <p:cNvPr id="5" name="テキスト ボックス 4"/>
+          <p:cNvSpPr txBox="1"/>
+          <p:nvPr/>
+        </p:nvSpPr>
+        <p:spPr>
+          <a:xfrm>
+            <a:off x="1808915" y="833799"/>
+            <a:ext cx="3597447" cy="369332"/>
+          </a:xfrm>
+          <a:prstGeom prst="rect">
+            <a:avLst/>
+          </a:prstGeom>
+          <a:noFill/>
+        </p:spPr>
+        <p:txBody>
+          <a:bodyPr wrap="none" rtlCol="0">
+            <a:spAutoFit/>
+          </a:bodyPr>
+          <a:lstStyle/>
+          <a:p>
+            <a:r>
+              <a:rPr lang="en-US" altLang="ja-JP"/>
+              <a:t>Probablistic Model </a:t>
+            </a:r>
+            <a:r>
+              <a:rPr lang="ja-JP" altLang="en-US"/>
+              <a:t>対象限定性高い</a:t>
+            </a:r>
+            <a:endParaRPr lang="en-US" altLang="ja-JP"/>
+          </a:p>
+        </p:txBody>
+      </p:sp>
+    </p:spTree>
+    <p:extLst>
+      <p:ext uri="{BB962C8B-B14F-4D97-AF65-F5344CB8AC3E}">
+        <p14:creationId xmlns:p14="http://schemas.microsoft.com/office/powerpoint/2010/main" val="3501708851"/>
       </p:ext>
     </p:extLst>
   </p:cSld>
@@ -16144,4 +22317,835 @@
     </a:bgFillStyleLst>
   </a:fmtScheme>
 </a:themeOverride>
+</file>
+
+<file path=ppt/theme/themeOverride4.xml><?xml version="1.0" encoding="utf-8"?>
+<a:themeOverride xmlns:a="http://schemas.openxmlformats.org/drawingml/2006/main">
+  <a:clrScheme name="Office">
+    <a:dk1>
+      <a:sysClr val="windowText" lastClr="000000"/>
+    </a:dk1>
+    <a:lt1>
+      <a:sysClr val="window" lastClr="FFFFFF"/>
+    </a:lt1>
+    <a:dk2>
+      <a:srgbClr val="1F497D"/>
+    </a:dk2>
+    <a:lt2>
+      <a:srgbClr val="EEECE1"/>
+    </a:lt2>
+    <a:accent1>
+      <a:srgbClr val="4F81BD"/>
+    </a:accent1>
+    <a:accent2>
+      <a:srgbClr val="C0504D"/>
+    </a:accent2>
+    <a:accent3>
+      <a:srgbClr val="9BBB59"/>
+    </a:accent3>
+    <a:accent4>
+      <a:srgbClr val="8064A2"/>
+    </a:accent4>
+    <a:accent5>
+      <a:srgbClr val="4BACC6"/>
+    </a:accent5>
+    <a:accent6>
+      <a:srgbClr val="F79646"/>
+    </a:accent6>
+    <a:hlink>
+      <a:srgbClr val="0000FF"/>
+    </a:hlink>
+    <a:folHlink>
+      <a:srgbClr val="800080"/>
+    </a:folHlink>
+  </a:clrScheme>
+  <a:fontScheme name="Office">
+    <a:majorFont>
+      <a:latin typeface="Calibri"/>
+      <a:ea typeface=""/>
+      <a:cs typeface=""/>
+      <a:font script="Jpan" typeface="ＭＳ Ｐゴシック"/>
+      <a:font script="Hang" typeface="맑은 고딕"/>
+      <a:font script="Hans" typeface="宋体"/>
+      <a:font script="Hant" typeface="新細明體"/>
+      <a:font script="Arab" typeface="Times New Roman"/>
+      <a:font script="Hebr" typeface="Times New Roman"/>
+      <a:font script="Thai" typeface="Angsana New"/>
+      <a:font script="Ethi" typeface="Nyala"/>
+      <a:font script="Beng" typeface="Vrinda"/>
+      <a:font script="Gujr" typeface="Shruti"/>
+      <a:font script="Khmr" typeface="MoolBoran"/>
+      <a:font script="Knda" typeface="Tunga"/>
+      <a:font script="Guru" typeface="Raavi"/>
+      <a:font script="Cans" typeface="Euphemia"/>
+      <a:font script="Cher" typeface="Plantagenet Cherokee"/>
+      <a:font script="Yiii" typeface="Microsoft Yi Baiti"/>
+      <a:font script="Tibt" typeface="Microsoft Himalaya"/>
+      <a:font script="Thaa" typeface="MV Boli"/>
+      <a:font script="Deva" typeface="Mangal"/>
+      <a:font script="Telu" typeface="Gautami"/>
+      <a:font script="Taml" typeface="Latha"/>
+      <a:font script="Syrc" typeface="Estrangelo Edessa"/>
+      <a:font script="Orya" typeface="Kalinga"/>
+      <a:font script="Mlym" typeface="Kartika"/>
+      <a:font script="Laoo" typeface="DokChampa"/>
+      <a:font script="Sinh" typeface="Iskoola Pota"/>
+      <a:font script="Mong" typeface="Mongolian Baiti"/>
+      <a:font script="Viet" typeface="Times New Roman"/>
+      <a:font script="Uigh" typeface="Microsoft Uighur"/>
+      <a:font script="Geor" typeface="Sylfaen"/>
+    </a:majorFont>
+    <a:minorFont>
+      <a:latin typeface="Calibri"/>
+      <a:ea typeface=""/>
+      <a:cs typeface=""/>
+      <a:font script="Jpan" typeface="ＭＳ Ｐゴシック"/>
+      <a:font script="Hang" typeface="맑은 고딕"/>
+      <a:font script="Hans" typeface="宋体"/>
+      <a:font script="Hant" typeface="新細明體"/>
+      <a:font script="Arab" typeface="Arial"/>
+      <a:font script="Hebr" typeface="Arial"/>
+      <a:font script="Thai" typeface="Cordia New"/>
+      <a:font script="Ethi" typeface="Nyala"/>
+      <a:font script="Beng" typeface="Vrinda"/>
+      <a:font script="Gujr" typeface="Shruti"/>
+      <a:font script="Khmr" typeface="DaunPenh"/>
+      <a:font script="Knda" typeface="Tunga"/>
+      <a:font script="Guru" typeface="Raavi"/>
+      <a:font script="Cans" typeface="Euphemia"/>
+      <a:font script="Cher" typeface="Plantagenet Cherokee"/>
+      <a:font script="Yiii" typeface="Microsoft Yi Baiti"/>
+      <a:font script="Tibt" typeface="Microsoft Himalaya"/>
+      <a:font script="Thaa" typeface="MV Boli"/>
+      <a:font script="Deva" typeface="Mangal"/>
+      <a:font script="Telu" typeface="Gautami"/>
+      <a:font script="Taml" typeface="Latha"/>
+      <a:font script="Syrc" typeface="Estrangelo Edessa"/>
+      <a:font script="Orya" typeface="Kalinga"/>
+      <a:font script="Mlym" typeface="Kartika"/>
+      <a:font script="Laoo" typeface="DokChampa"/>
+      <a:font script="Sinh" typeface="Iskoola Pota"/>
+      <a:font script="Mong" typeface="Mongolian Baiti"/>
+      <a:font script="Viet" typeface="Arial"/>
+      <a:font script="Uigh" typeface="Microsoft Uighur"/>
+      <a:font script="Geor" typeface="Sylfaen"/>
+    </a:minorFont>
+  </a:fontScheme>
+  <a:fmtScheme name="Office">
+    <a:fillStyleLst>
+      <a:solidFill>
+        <a:schemeClr val="phClr"/>
+      </a:solidFill>
+      <a:gradFill rotWithShape="1">
+        <a:gsLst>
+          <a:gs pos="0">
+            <a:schemeClr val="phClr">
+              <a:tint val="50000"/>
+              <a:satMod val="300000"/>
+            </a:schemeClr>
+          </a:gs>
+          <a:gs pos="35000">
+            <a:schemeClr val="phClr">
+              <a:tint val="37000"/>
+              <a:satMod val="300000"/>
+            </a:schemeClr>
+          </a:gs>
+          <a:gs pos="100000">
+            <a:schemeClr val="phClr">
+              <a:tint val="15000"/>
+              <a:satMod val="350000"/>
+            </a:schemeClr>
+          </a:gs>
+        </a:gsLst>
+        <a:lin ang="16200000" scaled="1"/>
+      </a:gradFill>
+      <a:gradFill rotWithShape="1">
+        <a:gsLst>
+          <a:gs pos="0">
+            <a:schemeClr val="phClr">
+              <a:tint val="100000"/>
+              <a:shade val="100000"/>
+              <a:satMod val="130000"/>
+            </a:schemeClr>
+          </a:gs>
+          <a:gs pos="100000">
+            <a:schemeClr val="phClr">
+              <a:tint val="50000"/>
+              <a:shade val="100000"/>
+              <a:satMod val="350000"/>
+            </a:schemeClr>
+          </a:gs>
+        </a:gsLst>
+        <a:lin ang="16200000" scaled="0"/>
+      </a:gradFill>
+    </a:fillStyleLst>
+    <a:lnStyleLst>
+      <a:ln w="9525" cap="flat" cmpd="sng" algn="ctr">
+        <a:solidFill>
+          <a:schemeClr val="phClr">
+            <a:shade val="95000"/>
+            <a:satMod val="105000"/>
+          </a:schemeClr>
+        </a:solidFill>
+        <a:prstDash val="solid"/>
+      </a:ln>
+      <a:ln w="25400" cap="flat" cmpd="sng" algn="ctr">
+        <a:solidFill>
+          <a:schemeClr val="phClr"/>
+        </a:solidFill>
+        <a:prstDash val="solid"/>
+      </a:ln>
+      <a:ln w="38100" cap="flat" cmpd="sng" algn="ctr">
+        <a:solidFill>
+          <a:schemeClr val="phClr"/>
+        </a:solidFill>
+        <a:prstDash val="solid"/>
+      </a:ln>
+    </a:lnStyleLst>
+    <a:effectStyleLst>
+      <a:effectStyle>
+        <a:effectLst>
+          <a:outerShdw blurRad="40000" dist="20000" dir="5400000" rotWithShape="0">
+            <a:srgbClr val="000000">
+              <a:alpha val="38000"/>
+            </a:srgbClr>
+          </a:outerShdw>
+        </a:effectLst>
+      </a:effectStyle>
+      <a:effectStyle>
+        <a:effectLst>
+          <a:outerShdw blurRad="40000" dist="23000" dir="5400000" rotWithShape="0">
+            <a:srgbClr val="000000">
+              <a:alpha val="35000"/>
+            </a:srgbClr>
+          </a:outerShdw>
+        </a:effectLst>
+      </a:effectStyle>
+      <a:effectStyle>
+        <a:effectLst>
+          <a:outerShdw blurRad="40000" dist="23000" dir="5400000" rotWithShape="0">
+            <a:srgbClr val="000000">
+              <a:alpha val="35000"/>
+            </a:srgbClr>
+          </a:outerShdw>
+        </a:effectLst>
+        <a:scene3d>
+          <a:camera prst="orthographicFront">
+            <a:rot lat="0" lon="0" rev="0"/>
+          </a:camera>
+          <a:lightRig rig="threePt" dir="t">
+            <a:rot lat="0" lon="0" rev="1200000"/>
+          </a:lightRig>
+        </a:scene3d>
+        <a:sp3d>
+          <a:bevelT w="63500" h="25400"/>
+        </a:sp3d>
+      </a:effectStyle>
+    </a:effectStyleLst>
+    <a:bgFillStyleLst>
+      <a:solidFill>
+        <a:schemeClr val="phClr"/>
+      </a:solidFill>
+      <a:gradFill rotWithShape="1">
+        <a:gsLst>
+          <a:gs pos="0">
+            <a:schemeClr val="phClr">
+              <a:tint val="40000"/>
+              <a:satMod val="350000"/>
+            </a:schemeClr>
+          </a:gs>
+          <a:gs pos="40000">
+            <a:schemeClr val="phClr">
+              <a:tint val="45000"/>
+              <a:shade val="99000"/>
+              <a:satMod val="350000"/>
+            </a:schemeClr>
+          </a:gs>
+          <a:gs pos="100000">
+            <a:schemeClr val="phClr">
+              <a:shade val="20000"/>
+              <a:satMod val="255000"/>
+            </a:schemeClr>
+          </a:gs>
+        </a:gsLst>
+        <a:path path="circle">
+          <a:fillToRect l="50000" t="-80000" r="50000" b="180000"/>
+        </a:path>
+      </a:gradFill>
+      <a:gradFill rotWithShape="1">
+        <a:gsLst>
+          <a:gs pos="0">
+            <a:schemeClr val="phClr">
+              <a:tint val="80000"/>
+              <a:satMod val="300000"/>
+            </a:schemeClr>
+          </a:gs>
+          <a:gs pos="100000">
+            <a:schemeClr val="phClr">
+              <a:shade val="30000"/>
+              <a:satMod val="200000"/>
+            </a:schemeClr>
+          </a:gs>
+        </a:gsLst>
+        <a:path path="circle">
+          <a:fillToRect l="50000" t="50000" r="50000" b="50000"/>
+        </a:path>
+      </a:gradFill>
+    </a:bgFillStyleLst>
+  </a:fmtScheme>
+</a:themeOverride>
+</file>
+
+<file path=ppt/theme/themeOverride5.xml><?xml version="1.0" encoding="utf-8"?>
+<a:themeOverride xmlns:a="http://schemas.openxmlformats.org/drawingml/2006/main">
+  <a:clrScheme name="Office">
+    <a:dk1>
+      <a:sysClr val="windowText" lastClr="000000"/>
+    </a:dk1>
+    <a:lt1>
+      <a:sysClr val="window" lastClr="FFFFFF"/>
+    </a:lt1>
+    <a:dk2>
+      <a:srgbClr val="1F497D"/>
+    </a:dk2>
+    <a:lt2>
+      <a:srgbClr val="EEECE1"/>
+    </a:lt2>
+    <a:accent1>
+      <a:srgbClr val="4F81BD"/>
+    </a:accent1>
+    <a:accent2>
+      <a:srgbClr val="C0504D"/>
+    </a:accent2>
+    <a:accent3>
+      <a:srgbClr val="9BBB59"/>
+    </a:accent3>
+    <a:accent4>
+      <a:srgbClr val="8064A2"/>
+    </a:accent4>
+    <a:accent5>
+      <a:srgbClr val="4BACC6"/>
+    </a:accent5>
+    <a:accent6>
+      <a:srgbClr val="F79646"/>
+    </a:accent6>
+    <a:hlink>
+      <a:srgbClr val="0000FF"/>
+    </a:hlink>
+    <a:folHlink>
+      <a:srgbClr val="800080"/>
+    </a:folHlink>
+  </a:clrScheme>
+  <a:fontScheme name="Office">
+    <a:majorFont>
+      <a:latin typeface="Calibri"/>
+      <a:ea typeface=""/>
+      <a:cs typeface=""/>
+      <a:font script="Jpan" typeface="ＭＳ Ｐゴシック"/>
+      <a:font script="Hang" typeface="맑은 고딕"/>
+      <a:font script="Hans" typeface="宋体"/>
+      <a:font script="Hant" typeface="新細明體"/>
+      <a:font script="Arab" typeface="Times New Roman"/>
+      <a:font script="Hebr" typeface="Times New Roman"/>
+      <a:font script="Thai" typeface="Angsana New"/>
+      <a:font script="Ethi" typeface="Nyala"/>
+      <a:font script="Beng" typeface="Vrinda"/>
+      <a:font script="Gujr" typeface="Shruti"/>
+      <a:font script="Khmr" typeface="MoolBoran"/>
+      <a:font script="Knda" typeface="Tunga"/>
+      <a:font script="Guru" typeface="Raavi"/>
+      <a:font script="Cans" typeface="Euphemia"/>
+      <a:font script="Cher" typeface="Plantagenet Cherokee"/>
+      <a:font script="Yiii" typeface="Microsoft Yi Baiti"/>
+      <a:font script="Tibt" typeface="Microsoft Himalaya"/>
+      <a:font script="Thaa" typeface="MV Boli"/>
+      <a:font script="Deva" typeface="Mangal"/>
+      <a:font script="Telu" typeface="Gautami"/>
+      <a:font script="Taml" typeface="Latha"/>
+      <a:font script="Syrc" typeface="Estrangelo Edessa"/>
+      <a:font script="Orya" typeface="Kalinga"/>
+      <a:font script="Mlym" typeface="Kartika"/>
+      <a:font script="Laoo" typeface="DokChampa"/>
+      <a:font script="Sinh" typeface="Iskoola Pota"/>
+      <a:font script="Mong" typeface="Mongolian Baiti"/>
+      <a:font script="Viet" typeface="Times New Roman"/>
+      <a:font script="Uigh" typeface="Microsoft Uighur"/>
+      <a:font script="Geor" typeface="Sylfaen"/>
+    </a:majorFont>
+    <a:minorFont>
+      <a:latin typeface="Calibri"/>
+      <a:ea typeface=""/>
+      <a:cs typeface=""/>
+      <a:font script="Jpan" typeface="ＭＳ Ｐゴシック"/>
+      <a:font script="Hang" typeface="맑은 고딕"/>
+      <a:font script="Hans" typeface="宋体"/>
+      <a:font script="Hant" typeface="新細明體"/>
+      <a:font script="Arab" typeface="Arial"/>
+      <a:font script="Hebr" typeface="Arial"/>
+      <a:font script="Thai" typeface="Cordia New"/>
+      <a:font script="Ethi" typeface="Nyala"/>
+      <a:font script="Beng" typeface="Vrinda"/>
+      <a:font script="Gujr" typeface="Shruti"/>
+      <a:font script="Khmr" typeface="DaunPenh"/>
+      <a:font script="Knda" typeface="Tunga"/>
+      <a:font script="Guru" typeface="Raavi"/>
+      <a:font script="Cans" typeface="Euphemia"/>
+      <a:font script="Cher" typeface="Plantagenet Cherokee"/>
+      <a:font script="Yiii" typeface="Microsoft Yi Baiti"/>
+      <a:font script="Tibt" typeface="Microsoft Himalaya"/>
+      <a:font script="Thaa" typeface="MV Boli"/>
+      <a:font script="Deva" typeface="Mangal"/>
+      <a:font script="Telu" typeface="Gautami"/>
+      <a:font script="Taml" typeface="Latha"/>
+      <a:font script="Syrc" typeface="Estrangelo Edessa"/>
+      <a:font script="Orya" typeface="Kalinga"/>
+      <a:font script="Mlym" typeface="Kartika"/>
+      <a:font script="Laoo" typeface="DokChampa"/>
+      <a:font script="Sinh" typeface="Iskoola Pota"/>
+      <a:font script="Mong" typeface="Mongolian Baiti"/>
+      <a:font script="Viet" typeface="Arial"/>
+      <a:font script="Uigh" typeface="Microsoft Uighur"/>
+      <a:font script="Geor" typeface="Sylfaen"/>
+    </a:minorFont>
+  </a:fontScheme>
+  <a:fmtScheme name="Office">
+    <a:fillStyleLst>
+      <a:solidFill>
+        <a:schemeClr val="phClr"/>
+      </a:solidFill>
+      <a:gradFill rotWithShape="1">
+        <a:gsLst>
+          <a:gs pos="0">
+            <a:schemeClr val="phClr">
+              <a:tint val="50000"/>
+              <a:satMod val="300000"/>
+            </a:schemeClr>
+          </a:gs>
+          <a:gs pos="35000">
+            <a:schemeClr val="phClr">
+              <a:tint val="37000"/>
+              <a:satMod val="300000"/>
+            </a:schemeClr>
+          </a:gs>
+          <a:gs pos="100000">
+            <a:schemeClr val="phClr">
+              <a:tint val="15000"/>
+              <a:satMod val="350000"/>
+            </a:schemeClr>
+          </a:gs>
+        </a:gsLst>
+        <a:lin ang="16200000" scaled="1"/>
+      </a:gradFill>
+      <a:gradFill rotWithShape="1">
+        <a:gsLst>
+          <a:gs pos="0">
+            <a:schemeClr val="phClr">
+              <a:tint val="100000"/>
+              <a:shade val="100000"/>
+              <a:satMod val="130000"/>
+            </a:schemeClr>
+          </a:gs>
+          <a:gs pos="100000">
+            <a:schemeClr val="phClr">
+              <a:tint val="50000"/>
+              <a:shade val="100000"/>
+              <a:satMod val="350000"/>
+            </a:schemeClr>
+          </a:gs>
+        </a:gsLst>
+        <a:lin ang="16200000" scaled="0"/>
+      </a:gradFill>
+    </a:fillStyleLst>
+    <a:lnStyleLst>
+      <a:ln w="9525" cap="flat" cmpd="sng" algn="ctr">
+        <a:solidFill>
+          <a:schemeClr val="phClr">
+            <a:shade val="95000"/>
+            <a:satMod val="105000"/>
+          </a:schemeClr>
+        </a:solidFill>
+        <a:prstDash val="solid"/>
+      </a:ln>
+      <a:ln w="25400" cap="flat" cmpd="sng" algn="ctr">
+        <a:solidFill>
+          <a:schemeClr val="phClr"/>
+        </a:solidFill>
+        <a:prstDash val="solid"/>
+      </a:ln>
+      <a:ln w="38100" cap="flat" cmpd="sng" algn="ctr">
+        <a:solidFill>
+          <a:schemeClr val="phClr"/>
+        </a:solidFill>
+        <a:prstDash val="solid"/>
+      </a:ln>
+    </a:lnStyleLst>
+    <a:effectStyleLst>
+      <a:effectStyle>
+        <a:effectLst>
+          <a:outerShdw blurRad="40000" dist="20000" dir="5400000" rotWithShape="0">
+            <a:srgbClr val="000000">
+              <a:alpha val="38000"/>
+            </a:srgbClr>
+          </a:outerShdw>
+        </a:effectLst>
+      </a:effectStyle>
+      <a:effectStyle>
+        <a:effectLst>
+          <a:outerShdw blurRad="40000" dist="23000" dir="5400000" rotWithShape="0">
+            <a:srgbClr val="000000">
+              <a:alpha val="35000"/>
+            </a:srgbClr>
+          </a:outerShdw>
+        </a:effectLst>
+      </a:effectStyle>
+      <a:effectStyle>
+        <a:effectLst>
+          <a:outerShdw blurRad="40000" dist="23000" dir="5400000" rotWithShape="0">
+            <a:srgbClr val="000000">
+              <a:alpha val="35000"/>
+            </a:srgbClr>
+          </a:outerShdw>
+        </a:effectLst>
+        <a:scene3d>
+          <a:camera prst="orthographicFront">
+            <a:rot lat="0" lon="0" rev="0"/>
+          </a:camera>
+          <a:lightRig rig="threePt" dir="t">
+            <a:rot lat="0" lon="0" rev="1200000"/>
+          </a:lightRig>
+        </a:scene3d>
+        <a:sp3d>
+          <a:bevelT w="63500" h="25400"/>
+        </a:sp3d>
+      </a:effectStyle>
+    </a:effectStyleLst>
+    <a:bgFillStyleLst>
+      <a:solidFill>
+        <a:schemeClr val="phClr"/>
+      </a:solidFill>
+      <a:gradFill rotWithShape="1">
+        <a:gsLst>
+          <a:gs pos="0">
+            <a:schemeClr val="phClr">
+              <a:tint val="40000"/>
+              <a:satMod val="350000"/>
+            </a:schemeClr>
+          </a:gs>
+          <a:gs pos="40000">
+            <a:schemeClr val="phClr">
+              <a:tint val="45000"/>
+              <a:shade val="99000"/>
+              <a:satMod val="350000"/>
+            </a:schemeClr>
+          </a:gs>
+          <a:gs pos="100000">
+            <a:schemeClr val="phClr">
+              <a:shade val="20000"/>
+              <a:satMod val="255000"/>
+            </a:schemeClr>
+          </a:gs>
+        </a:gsLst>
+        <a:path path="circle">
+          <a:fillToRect l="50000" t="-80000" r="50000" b="180000"/>
+        </a:path>
+      </a:gradFill>
+      <a:gradFill rotWithShape="1">
+        <a:gsLst>
+          <a:gs pos="0">
+            <a:schemeClr val="phClr">
+              <a:tint val="80000"/>
+              <a:satMod val="300000"/>
+            </a:schemeClr>
+          </a:gs>
+          <a:gs pos="100000">
+            <a:schemeClr val="phClr">
+              <a:shade val="30000"/>
+              <a:satMod val="200000"/>
+            </a:schemeClr>
+          </a:gs>
+        </a:gsLst>
+        <a:path path="circle">
+          <a:fillToRect l="50000" t="50000" r="50000" b="50000"/>
+        </a:path>
+      </a:gradFill>
+    </a:bgFillStyleLst>
+  </a:fmtScheme>
+</a:themeOverride>
+</file>
+
+<file path=ppt/theme/themeOverride6.xml><?xml version="1.0" encoding="utf-8"?>
+<a:themeOverride xmlns:a="http://schemas.openxmlformats.org/drawingml/2006/main">
+  <a:clrScheme name="Office">
+    <a:dk1>
+      <a:sysClr val="windowText" lastClr="000000"/>
+    </a:dk1>
+    <a:lt1>
+      <a:sysClr val="window" lastClr="FFFFFF"/>
+    </a:lt1>
+    <a:dk2>
+      <a:srgbClr val="1F497D"/>
+    </a:dk2>
+    <a:lt2>
+      <a:srgbClr val="EEECE1"/>
+    </a:lt2>
+    <a:accent1>
+      <a:srgbClr val="4F81BD"/>
+    </a:accent1>
+    <a:accent2>
+      <a:srgbClr val="C0504D"/>
+    </a:accent2>
+    <a:accent3>
+      <a:srgbClr val="9BBB59"/>
+    </a:accent3>
+    <a:accent4>
+      <a:srgbClr val="8064A2"/>
+    </a:accent4>
+    <a:accent5>
+      <a:srgbClr val="4BACC6"/>
+    </a:accent5>
+    <a:accent6>
+      <a:srgbClr val="F79646"/>
+    </a:accent6>
+    <a:hlink>
+      <a:srgbClr val="0000FF"/>
+    </a:hlink>
+    <a:folHlink>
+      <a:srgbClr val="800080"/>
+    </a:folHlink>
+  </a:clrScheme>
+  <a:fontScheme name="Office">
+    <a:majorFont>
+      <a:latin typeface="Calibri"/>
+      <a:ea typeface=""/>
+      <a:cs typeface=""/>
+      <a:font script="Jpan" typeface="ＭＳ Ｐゴシック"/>
+      <a:font script="Hang" typeface="맑은 고딕"/>
+      <a:font script="Hans" typeface="宋体"/>
+      <a:font script="Hant" typeface="新細明體"/>
+      <a:font script="Arab" typeface="Times New Roman"/>
+      <a:font script="Hebr" typeface="Times New Roman"/>
+      <a:font script="Thai" typeface="Angsana New"/>
+      <a:font script="Ethi" typeface="Nyala"/>
+      <a:font script="Beng" typeface="Vrinda"/>
+      <a:font script="Gujr" typeface="Shruti"/>
+      <a:font script="Khmr" typeface="MoolBoran"/>
+      <a:font script="Knda" typeface="Tunga"/>
+      <a:font script="Guru" typeface="Raavi"/>
+      <a:font script="Cans" typeface="Euphemia"/>
+      <a:font script="Cher" typeface="Plantagenet Cherokee"/>
+      <a:font script="Yiii" typeface="Microsoft Yi Baiti"/>
+      <a:font script="Tibt" typeface="Microsoft Himalaya"/>
+      <a:font script="Thaa" typeface="MV Boli"/>
+      <a:font script="Deva" typeface="Mangal"/>
+      <a:font script="Telu" typeface="Gautami"/>
+      <a:font script="Taml" typeface="Latha"/>
+      <a:font script="Syrc" typeface="Estrangelo Edessa"/>
+      <a:font script="Orya" typeface="Kalinga"/>
+      <a:font script="Mlym" typeface="Kartika"/>
+      <a:font script="Laoo" typeface="DokChampa"/>
+      <a:font script="Sinh" typeface="Iskoola Pota"/>
+      <a:font script="Mong" typeface="Mongolian Baiti"/>
+      <a:font script="Viet" typeface="Times New Roman"/>
+      <a:font script="Uigh" typeface="Microsoft Uighur"/>
+      <a:font script="Geor" typeface="Sylfaen"/>
+    </a:majorFont>
+    <a:minorFont>
+      <a:latin typeface="Calibri"/>
+      <a:ea typeface=""/>
+      <a:cs typeface=""/>
+      <a:font script="Jpan" typeface="ＭＳ Ｐゴシック"/>
+      <a:font script="Hang" typeface="맑은 고딕"/>
+      <a:font script="Hans" typeface="宋体"/>
+      <a:font script="Hant" typeface="新細明體"/>
+      <a:font script="Arab" typeface="Arial"/>
+      <a:font script="Hebr" typeface="Arial"/>
+      <a:font script="Thai" typeface="Cordia New"/>
+      <a:font script="Ethi" typeface="Nyala"/>
+      <a:font script="Beng" typeface="Vrinda"/>
+      <a:font script="Gujr" typeface="Shruti"/>
+      <a:font script="Khmr" typeface="DaunPenh"/>
+      <a:font script="Knda" typeface="Tunga"/>
+      <a:font script="Guru" typeface="Raavi"/>
+      <a:font script="Cans" typeface="Euphemia"/>
+      <a:font script="Cher" typeface="Plantagenet Cherokee"/>
+      <a:font script="Yiii" typeface="Microsoft Yi Baiti"/>
+      <a:font script="Tibt" typeface="Microsoft Himalaya"/>
+      <a:font script="Thaa" typeface="MV Boli"/>
+      <a:font script="Deva" typeface="Mangal"/>
+      <a:font script="Telu" typeface="Gautami"/>
+      <a:font script="Taml" typeface="Latha"/>
+      <a:font script="Syrc" typeface="Estrangelo Edessa"/>
+      <a:font script="Orya" typeface="Kalinga"/>
+      <a:font script="Mlym" typeface="Kartika"/>
+      <a:font script="Laoo" typeface="DokChampa"/>
+      <a:font script="Sinh" typeface="Iskoola Pota"/>
+      <a:font script="Mong" typeface="Mongolian Baiti"/>
+      <a:font script="Viet" typeface="Arial"/>
+      <a:font script="Uigh" typeface="Microsoft Uighur"/>
+      <a:font script="Geor" typeface="Sylfaen"/>
+    </a:minorFont>
+  </a:fontScheme>
+  <a:fmtScheme name="Office">
+    <a:fillStyleLst>
+      <a:solidFill>
+        <a:schemeClr val="phClr"/>
+      </a:solidFill>
+      <a:gradFill rotWithShape="1">
+        <a:gsLst>
+          <a:gs pos="0">
+            <a:schemeClr val="phClr">
+              <a:tint val="50000"/>
+              <a:satMod val="300000"/>
+            </a:schemeClr>
+          </a:gs>
+          <a:gs pos="35000">
+            <a:schemeClr val="phClr">
+              <a:tint val="37000"/>
+              <a:satMod val="300000"/>
+            </a:schemeClr>
+          </a:gs>
+          <a:gs pos="100000">
+            <a:schemeClr val="phClr">
+              <a:tint val="15000"/>
+              <a:satMod val="350000"/>
+            </a:schemeClr>
+          </a:gs>
+        </a:gsLst>
+        <a:lin ang="16200000" scaled="1"/>
+      </a:gradFill>
+      <a:gradFill rotWithShape="1">
+        <a:gsLst>
+          <a:gs pos="0">
+            <a:schemeClr val="phClr">
+              <a:tint val="100000"/>
+              <a:shade val="100000"/>
+              <a:satMod val="130000"/>
+            </a:schemeClr>
+          </a:gs>
+          <a:gs pos="100000">
+            <a:schemeClr val="phClr">
+              <a:tint val="50000"/>
+              <a:shade val="100000"/>
+              <a:satMod val="350000"/>
+            </a:schemeClr>
+          </a:gs>
+        </a:gsLst>
+        <a:lin ang="16200000" scaled="0"/>
+      </a:gradFill>
+    </a:fillStyleLst>
+    <a:lnStyleLst>
+      <a:ln w="9525" cap="flat" cmpd="sng" algn="ctr">
+        <a:solidFill>
+          <a:schemeClr val="phClr">
+            <a:shade val="95000"/>
+            <a:satMod val="105000"/>
+          </a:schemeClr>
+        </a:solidFill>
+        <a:prstDash val="solid"/>
+      </a:ln>
+      <a:ln w="25400" cap="flat" cmpd="sng" algn="ctr">
+        <a:solidFill>
+          <a:schemeClr val="phClr"/>
+        </a:solidFill>
+        <a:prstDash val="solid"/>
+      </a:ln>
+      <a:ln w="38100" cap="flat" cmpd="sng" algn="ctr">
+        <a:solidFill>
+          <a:schemeClr val="phClr"/>
+        </a:solidFill>
+        <a:prstDash val="solid"/>
+      </a:ln>
+    </a:lnStyleLst>
+    <a:effectStyleLst>
+      <a:effectStyle>
+        <a:effectLst>
+          <a:outerShdw blurRad="40000" dist="20000" dir="5400000" rotWithShape="0">
+            <a:srgbClr val="000000">
+              <a:alpha val="38000"/>
+            </a:srgbClr>
+          </a:outerShdw>
+        </a:effectLst>
+      </a:effectStyle>
+      <a:effectStyle>
+        <a:effectLst>
+          <a:outerShdw blurRad="40000" dist="23000" dir="5400000" rotWithShape="0">
+            <a:srgbClr val="000000">
+              <a:alpha val="35000"/>
+            </a:srgbClr>
+          </a:outerShdw>
+        </a:effectLst>
+      </a:effectStyle>
+      <a:effectStyle>
+        <a:effectLst>
+          <a:outerShdw blurRad="40000" dist="23000" dir="5400000" rotWithShape="0">
+            <a:srgbClr val="000000">
+              <a:alpha val="35000"/>
+            </a:srgbClr>
+          </a:outerShdw>
+        </a:effectLst>
+        <a:scene3d>
+          <a:camera prst="orthographicFront">
+            <a:rot lat="0" lon="0" rev="0"/>
+          </a:camera>
+          <a:lightRig rig="threePt" dir="t">
+            <a:rot lat="0" lon="0" rev="1200000"/>
+          </a:lightRig>
+        </a:scene3d>
+        <a:sp3d>
+          <a:bevelT w="63500" h="25400"/>
+        </a:sp3d>
+      </a:effectStyle>
+    </a:effectStyleLst>
+    <a:bgFillStyleLst>
+      <a:solidFill>
+        <a:schemeClr val="phClr"/>
+      </a:solidFill>
+      <a:gradFill rotWithShape="1">
+        <a:gsLst>
+          <a:gs pos="0">
+            <a:schemeClr val="phClr">
+              <a:tint val="40000"/>
+              <a:satMod val="350000"/>
+            </a:schemeClr>
+          </a:gs>
+          <a:gs pos="40000">
+            <a:schemeClr val="phClr">
+              <a:tint val="45000"/>
+              <a:shade val="99000"/>
+              <a:satMod val="350000"/>
+            </a:schemeClr>
+          </a:gs>
+          <a:gs pos="100000">
+            <a:schemeClr val="phClr">
+              <a:shade val="20000"/>
+              <a:satMod val="255000"/>
+            </a:schemeClr>
+          </a:gs>
+        </a:gsLst>
+        <a:path path="circle">
+          <a:fillToRect l="50000" t="-80000" r="50000" b="180000"/>
+        </a:path>
+      </a:gradFill>
+      <a:gradFill rotWithShape="1">
+        <a:gsLst>
+          <a:gs pos="0">
+            <a:schemeClr val="phClr">
+              <a:tint val="80000"/>
+              <a:satMod val="300000"/>
+            </a:schemeClr>
+          </a:gs>
+          <a:gs pos="100000">
+            <a:schemeClr val="phClr">
+              <a:shade val="30000"/>
+              <a:satMod val="200000"/>
+            </a:schemeClr>
+          </a:gs>
+        </a:gsLst>
+        <a:path path="circle">
+          <a:fillToRect l="50000" t="50000" r="50000" b="50000"/>
+        </a:path>
+      </a:gradFill>
+    </a:bgFillStyleLst>
+  </a:fmtScheme>
+</a:themeOverride>
 </file>
--- a/figure.pptx
+++ b/figure.pptx
@@ -755,7 +755,7 @@
                   <c:v>1.62409175357E-10</c:v>
                 </c:pt>
                 <c:pt idx="86" formatCode="0.00E+00">
-                  <c:v>8.59256481688002E-12</c:v>
+                  <c:v>8.59256481688005E-12</c:v>
                 </c:pt>
                 <c:pt idx="87" formatCode="0.00E+00">
                   <c:v>1.20160059295E-12</c:v>
@@ -784,11 +784,11 @@
         </c:dLbls>
         <c:marker val="1"/>
         <c:smooth val="0"/>
-        <c:axId val="2073695576"/>
-        <c:axId val="2073701064"/>
+        <c:axId val="2132183944"/>
+        <c:axId val="2100826872"/>
       </c:lineChart>
       <c:catAx>
-        <c:axId val="2073695576"/>
+        <c:axId val="2132183944"/>
         <c:scaling>
           <c:orientation val="minMax"/>
         </c:scaling>
@@ -798,7 +798,7 @@
         <c:majorTickMark val="none"/>
         <c:minorTickMark val="none"/>
         <c:tickLblPos val="nextTo"/>
-        <c:crossAx val="2073701064"/>
+        <c:crossAx val="2100826872"/>
         <c:crosses val="autoZero"/>
         <c:auto val="1"/>
         <c:lblAlgn val="ctr"/>
@@ -806,7 +806,7 @@
         <c:noMultiLvlLbl val="0"/>
       </c:catAx>
       <c:valAx>
-        <c:axId val="2073701064"/>
+        <c:axId val="2100826872"/>
         <c:scaling>
           <c:orientation val="minMax"/>
         </c:scaling>
@@ -829,7 +829,7 @@
             <a:endParaRPr lang="ja-JP"/>
           </a:p>
         </c:txPr>
-        <c:crossAx val="2073695576"/>
+        <c:crossAx val="2132183944"/>
         <c:crosses val="autoZero"/>
         <c:crossBetween val="between"/>
         <c:majorUnit val="0.1"/>
@@ -1551,11 +1551,11 @@
         </c:dLbls>
         <c:marker val="1"/>
         <c:smooth val="0"/>
-        <c:axId val="2074615720"/>
-        <c:axId val="2074618728"/>
+        <c:axId val="2127515880"/>
+        <c:axId val="2127036056"/>
       </c:lineChart>
       <c:catAx>
-        <c:axId val="2074615720"/>
+        <c:axId val="2127515880"/>
         <c:scaling>
           <c:orientation val="minMax"/>
         </c:scaling>
@@ -1565,7 +1565,7 @@
         <c:majorTickMark val="none"/>
         <c:minorTickMark val="none"/>
         <c:tickLblPos val="nextTo"/>
-        <c:crossAx val="2074618728"/>
+        <c:crossAx val="2127036056"/>
         <c:crosses val="autoZero"/>
         <c:auto val="1"/>
         <c:lblAlgn val="ctr"/>
@@ -1573,7 +1573,7 @@
         <c:noMultiLvlLbl val="0"/>
       </c:catAx>
       <c:valAx>
-        <c:axId val="2074618728"/>
+        <c:axId val="2127036056"/>
         <c:scaling>
           <c:orientation val="minMax"/>
         </c:scaling>
@@ -1596,7 +1596,7 @@
             <a:endParaRPr lang="ja-JP"/>
           </a:p>
         </c:txPr>
-        <c:crossAx val="2074615720"/>
+        <c:crossAx val="2127515880"/>
         <c:crosses val="autoZero"/>
         <c:crossBetween val="between"/>
         <c:majorUnit val="0.1"/>
@@ -2073,11 +2073,11 @@
           <c:showBubbleSize val="0"/>
         </c:dLbls>
         <c:gapWidth val="0"/>
-        <c:axId val="2074654104"/>
-        <c:axId val="2074657112"/>
+        <c:axId val="2131133304"/>
+        <c:axId val="2131136280"/>
       </c:barChart>
       <c:catAx>
-        <c:axId val="2074654104"/>
+        <c:axId val="2131133304"/>
         <c:scaling>
           <c:orientation val="minMax"/>
         </c:scaling>
@@ -2087,7 +2087,7 @@
         <c:majorTickMark val="none"/>
         <c:minorTickMark val="none"/>
         <c:tickLblPos val="nextTo"/>
-        <c:crossAx val="2074657112"/>
+        <c:crossAx val="2131136280"/>
         <c:crosses val="autoZero"/>
         <c:auto val="1"/>
         <c:lblAlgn val="ctr"/>
@@ -2095,7 +2095,7 @@
         <c:noMultiLvlLbl val="0"/>
       </c:catAx>
       <c:valAx>
-        <c:axId val="2074657112"/>
+        <c:axId val="2131136280"/>
         <c:scaling>
           <c:orientation val="minMax"/>
         </c:scaling>
@@ -2118,7 +2118,7 @@
             <a:endParaRPr lang="ja-JP"/>
           </a:p>
         </c:txPr>
-        <c:crossAx val="2074654104"/>
+        <c:crossAx val="2131133304"/>
         <c:crosses val="autoZero"/>
         <c:crossBetween val="between"/>
       </c:valAx>
@@ -2574,11 +2574,11 @@
           <c:showBubbleSize val="0"/>
         </c:dLbls>
         <c:gapWidth val="0"/>
-        <c:axId val="2073857672"/>
-        <c:axId val="2073849848"/>
+        <c:axId val="2131757944"/>
+        <c:axId val="2124324600"/>
       </c:barChart>
       <c:catAx>
-        <c:axId val="2073857672"/>
+        <c:axId val="2131757944"/>
         <c:scaling>
           <c:orientation val="minMax"/>
         </c:scaling>
@@ -2588,7 +2588,7 @@
         <c:majorTickMark val="none"/>
         <c:minorTickMark val="none"/>
         <c:tickLblPos val="nextTo"/>
-        <c:crossAx val="2073849848"/>
+        <c:crossAx val="2124324600"/>
         <c:crosses val="autoZero"/>
         <c:auto val="1"/>
         <c:lblAlgn val="ctr"/>
@@ -2596,7 +2596,7 @@
         <c:noMultiLvlLbl val="0"/>
       </c:catAx>
       <c:valAx>
-        <c:axId val="2073849848"/>
+        <c:axId val="2124324600"/>
         <c:scaling>
           <c:orientation val="minMax"/>
         </c:scaling>
@@ -2619,7 +2619,7 @@
             <a:endParaRPr lang="ja-JP"/>
           </a:p>
         </c:txPr>
-        <c:crossAx val="2073857672"/>
+        <c:crossAx val="2131757944"/>
         <c:crosses val="autoZero"/>
         <c:crossBetween val="between"/>
       </c:valAx>
@@ -12381,11 +12381,11 @@
         </c:dLbls>
         <c:marker val="1"/>
         <c:smooth val="0"/>
-        <c:axId val="2074731304"/>
-        <c:axId val="2074734280"/>
+        <c:axId val="2124334808"/>
+        <c:axId val="2124317080"/>
       </c:lineChart>
       <c:catAx>
-        <c:axId val="2074731304"/>
+        <c:axId val="2124334808"/>
         <c:scaling>
           <c:orientation val="minMax"/>
         </c:scaling>
@@ -12395,7 +12395,7 @@
         <c:majorTickMark val="none"/>
         <c:minorTickMark val="none"/>
         <c:tickLblPos val="nextTo"/>
-        <c:crossAx val="2074734280"/>
+        <c:crossAx val="2124317080"/>
         <c:crosses val="autoZero"/>
         <c:auto val="1"/>
         <c:lblAlgn val="ctr"/>
@@ -12403,7 +12403,7 @@
         <c:noMultiLvlLbl val="0"/>
       </c:catAx>
       <c:valAx>
-        <c:axId val="2074734280"/>
+        <c:axId val="2124317080"/>
         <c:scaling>
           <c:orientation val="minMax"/>
         </c:scaling>
@@ -12413,7 +12413,7 @@
         <c:majorTickMark val="out"/>
         <c:minorTickMark val="none"/>
         <c:tickLblPos val="nextTo"/>
-        <c:crossAx val="2074731304"/>
+        <c:crossAx val="2124334808"/>
         <c:crosses val="autoZero"/>
         <c:crossBetween val="between"/>
         <c:majorUnit val="0.1"/>
@@ -13103,10 +13103,10 @@
                   <c:v>1.19345600069E-15</c:v>
                 </c:pt>
                 <c:pt idx="85" formatCode="0.00E+00">
-                  <c:v>9.50577616621004E-16</c:v>
+                  <c:v>9.50577616621007E-16</c:v>
                 </c:pt>
                 <c:pt idx="86" formatCode="0.00E+00">
-                  <c:v>8.36825719830004E-16</c:v>
+                  <c:v>8.36825719830007E-16</c:v>
                 </c:pt>
                 <c:pt idx="87" formatCode="0.00E+00">
                   <c:v>3.57354146274E-16</c:v>
@@ -13132,11 +13132,11 @@
         </c:dLbls>
         <c:marker val="1"/>
         <c:smooth val="0"/>
-        <c:axId val="2074780616"/>
-        <c:axId val="2074783656"/>
+        <c:axId val="2131109752"/>
+        <c:axId val="2131072456"/>
       </c:lineChart>
       <c:catAx>
-        <c:axId val="2074780616"/>
+        <c:axId val="2131109752"/>
         <c:scaling>
           <c:orientation val="minMax"/>
         </c:scaling>
@@ -13146,7 +13146,7 @@
         <c:majorTickMark val="none"/>
         <c:minorTickMark val="none"/>
         <c:tickLblPos val="nextTo"/>
-        <c:crossAx val="2074783656"/>
+        <c:crossAx val="2131072456"/>
         <c:crosses val="autoZero"/>
         <c:auto val="1"/>
         <c:lblAlgn val="ctr"/>
@@ -13154,7 +13154,7 @@
         <c:noMultiLvlLbl val="0"/>
       </c:catAx>
       <c:valAx>
-        <c:axId val="2074783656"/>
+        <c:axId val="2131072456"/>
         <c:scaling>
           <c:orientation val="minMax"/>
         </c:scaling>
@@ -13177,7 +13177,7 @@
             <a:endParaRPr lang="ja-JP"/>
           </a:p>
         </c:txPr>
-        <c:crossAx val="2074780616"/>
+        <c:crossAx val="2131109752"/>
         <c:crosses val="autoZero"/>
         <c:crossBetween val="between"/>
         <c:majorUnit val="0.1"/>
@@ -13437,11 +13437,11 @@
           <c:showBubbleSize val="0"/>
         </c:dLbls>
         <c:gapWidth val="0"/>
-        <c:axId val="2074804664"/>
-        <c:axId val="2074807672"/>
+        <c:axId val="2131090568"/>
+        <c:axId val="2131093512"/>
       </c:barChart>
       <c:catAx>
-        <c:axId val="2074804664"/>
+        <c:axId val="2131090568"/>
         <c:scaling>
           <c:orientation val="minMax"/>
         </c:scaling>
@@ -13451,7 +13451,7 @@
         <c:majorTickMark val="none"/>
         <c:minorTickMark val="none"/>
         <c:tickLblPos val="nextTo"/>
-        <c:crossAx val="2074807672"/>
+        <c:crossAx val="2131093512"/>
         <c:crosses val="autoZero"/>
         <c:auto val="1"/>
         <c:lblAlgn val="ctr"/>
@@ -13459,7 +13459,7 @@
         <c:noMultiLvlLbl val="0"/>
       </c:catAx>
       <c:valAx>
-        <c:axId val="2074807672"/>
+        <c:axId val="2131093512"/>
         <c:scaling>
           <c:orientation val="minMax"/>
         </c:scaling>
@@ -13482,7 +13482,7 @@
             <a:endParaRPr lang="ja-JP"/>
           </a:p>
         </c:txPr>
-        <c:crossAx val="2074804664"/>
+        <c:crossAx val="2131090568"/>
         <c:crosses val="autoZero"/>
         <c:crossBetween val="between"/>
       </c:valAx>
@@ -13714,11 +13714,11 @@
           <c:showBubbleSize val="0"/>
         </c:dLbls>
         <c:gapWidth val="0"/>
-        <c:axId val="2074858472"/>
-        <c:axId val="2074861480"/>
+        <c:axId val="2133419320"/>
+        <c:axId val="2133422328"/>
       </c:barChart>
       <c:catAx>
-        <c:axId val="2074858472"/>
+        <c:axId val="2133419320"/>
         <c:scaling>
           <c:orientation val="minMax"/>
         </c:scaling>
@@ -13728,7 +13728,7 @@
         <c:majorTickMark val="none"/>
         <c:minorTickMark val="none"/>
         <c:tickLblPos val="nextTo"/>
-        <c:crossAx val="2074861480"/>
+        <c:crossAx val="2133422328"/>
         <c:crosses val="autoZero"/>
         <c:auto val="1"/>
         <c:lblAlgn val="ctr"/>
@@ -13736,7 +13736,7 @@
         <c:noMultiLvlLbl val="0"/>
       </c:catAx>
       <c:valAx>
-        <c:axId val="2074861480"/>
+        <c:axId val="2133422328"/>
         <c:scaling>
           <c:orientation val="minMax"/>
         </c:scaling>
@@ -13759,7 +13759,7 @@
             <a:endParaRPr lang="ja-JP"/>
           </a:p>
         </c:txPr>
-        <c:crossAx val="2074858472"/>
+        <c:crossAx val="2133419320"/>
         <c:crosses val="autoZero"/>
         <c:crossBetween val="between"/>
       </c:valAx>
@@ -14449,11 +14449,11 @@
         </c:dLbls>
         <c:marker val="1"/>
         <c:smooth val="0"/>
-        <c:axId val="2074918024"/>
-        <c:axId val="2074921064"/>
+        <c:axId val="2124243016"/>
+        <c:axId val="2124246056"/>
       </c:lineChart>
       <c:catAx>
-        <c:axId val="2074918024"/>
+        <c:axId val="2124243016"/>
         <c:scaling>
           <c:orientation val="minMax"/>
         </c:scaling>
@@ -14463,7 +14463,7 @@
         <c:majorTickMark val="none"/>
         <c:minorTickMark val="none"/>
         <c:tickLblPos val="nextTo"/>
-        <c:crossAx val="2074921064"/>
+        <c:crossAx val="2124246056"/>
         <c:crosses val="autoZero"/>
         <c:auto val="1"/>
         <c:lblAlgn val="ctr"/>
@@ -14471,7 +14471,7 @@
         <c:noMultiLvlLbl val="0"/>
       </c:catAx>
       <c:valAx>
-        <c:axId val="2074921064"/>
+        <c:axId val="2124246056"/>
         <c:scaling>
           <c:orientation val="minMax"/>
         </c:scaling>
@@ -14494,7 +14494,7 @@
             <a:endParaRPr lang="ja-JP"/>
           </a:p>
         </c:txPr>
-        <c:crossAx val="2074918024"/>
+        <c:crossAx val="2124243016"/>
         <c:crosses val="autoZero"/>
         <c:crossBetween val="between"/>
         <c:majorUnit val="0.1"/>
@@ -15213,11 +15213,11 @@
         </c:dLbls>
         <c:marker val="1"/>
         <c:smooth val="0"/>
-        <c:axId val="2073933640"/>
-        <c:axId val="2073936680"/>
+        <c:axId val="2124102040"/>
+        <c:axId val="2124105080"/>
       </c:lineChart>
       <c:catAx>
-        <c:axId val="2073933640"/>
+        <c:axId val="2124102040"/>
         <c:scaling>
           <c:orientation val="minMax"/>
         </c:scaling>
@@ -15227,7 +15227,7 @@
         <c:majorTickMark val="none"/>
         <c:minorTickMark val="none"/>
         <c:tickLblPos val="nextTo"/>
-        <c:crossAx val="2073936680"/>
+        <c:crossAx val="2124105080"/>
         <c:crosses val="autoZero"/>
         <c:auto val="1"/>
         <c:lblAlgn val="ctr"/>
@@ -15235,7 +15235,7 @@
         <c:noMultiLvlLbl val="0"/>
       </c:catAx>
       <c:valAx>
-        <c:axId val="2073936680"/>
+        <c:axId val="2124105080"/>
         <c:scaling>
           <c:orientation val="minMax"/>
         </c:scaling>
@@ -15258,7 +15258,7 @@
             <a:endParaRPr lang="ja-JP"/>
           </a:p>
         </c:txPr>
-        <c:crossAx val="2073933640"/>
+        <c:crossAx val="2124102040"/>
         <c:crosses val="autoZero"/>
         <c:crossBetween val="between"/>
         <c:majorUnit val="0.1"/>
@@ -15977,11 +15977,11 @@
         </c:dLbls>
         <c:marker val="1"/>
         <c:smooth val="0"/>
-        <c:axId val="2073978552"/>
-        <c:axId val="2073981528"/>
+        <c:axId val="2124180488"/>
+        <c:axId val="2124114200"/>
       </c:lineChart>
       <c:catAx>
-        <c:axId val="2073978552"/>
+        <c:axId val="2124180488"/>
         <c:scaling>
           <c:orientation val="minMax"/>
         </c:scaling>
@@ -15991,7 +15991,7 @@
         <c:majorTickMark val="none"/>
         <c:minorTickMark val="none"/>
         <c:tickLblPos val="nextTo"/>
-        <c:crossAx val="2073981528"/>
+        <c:crossAx val="2124114200"/>
         <c:crosses val="autoZero"/>
         <c:auto val="1"/>
         <c:lblAlgn val="ctr"/>
@@ -15999,7 +15999,7 @@
         <c:noMultiLvlLbl val="0"/>
       </c:catAx>
       <c:valAx>
-        <c:axId val="2073981528"/>
+        <c:axId val="2124114200"/>
         <c:scaling>
           <c:orientation val="minMax"/>
         </c:scaling>
@@ -16009,7 +16009,7 @@
         <c:majorTickMark val="out"/>
         <c:minorTickMark val="none"/>
         <c:tickLblPos val="nextTo"/>
-        <c:crossAx val="2073978552"/>
+        <c:crossAx val="2124180488"/>
         <c:crosses val="autoZero"/>
         <c:crossBetween val="between"/>
         <c:majorUnit val="0.1"/>
@@ -16504,11 +16504,11 @@
           <c:showBubbleSize val="0"/>
         </c:dLbls>
         <c:gapWidth val="0"/>
-        <c:axId val="2073779048"/>
-        <c:axId val="2073784872"/>
+        <c:axId val="2132699816"/>
+        <c:axId val="2132705640"/>
       </c:barChart>
       <c:catAx>
-        <c:axId val="2073779048"/>
+        <c:axId val="2132699816"/>
         <c:scaling>
           <c:orientation val="minMax"/>
         </c:scaling>
@@ -16554,7 +16554,7 @@
         <c:majorTickMark val="none"/>
         <c:minorTickMark val="none"/>
         <c:tickLblPos val="nextTo"/>
-        <c:crossAx val="2073784872"/>
+        <c:crossAx val="2132705640"/>
         <c:crosses val="autoZero"/>
         <c:auto val="1"/>
         <c:lblAlgn val="ctr"/>
@@ -16562,7 +16562,7 @@
         <c:noMultiLvlLbl val="0"/>
       </c:catAx>
       <c:valAx>
-        <c:axId val="2073784872"/>
+        <c:axId val="2132705640"/>
         <c:scaling>
           <c:orientation val="minMax"/>
         </c:scaling>
@@ -16635,7 +16635,7 @@
             <a:endParaRPr lang="ja-JP"/>
           </a:p>
         </c:txPr>
-        <c:crossAx val="2073779048"/>
+        <c:crossAx val="2132699816"/>
         <c:crosses val="autoZero"/>
         <c:crossBetween val="between"/>
         <c:majorUnit val="3.0"/>
@@ -17319,10 +17319,10 @@
                   <c:v>0.0</c:v>
                 </c:pt>
                 <c:pt idx="87" formatCode="0.00E+00">
-                  <c:v>7.99360577730001E-19</c:v>
+                  <c:v>7.99360577730004E-19</c:v>
                 </c:pt>
                 <c:pt idx="88" formatCode="0.00E+00">
-                  <c:v>6.96331881045001E-19</c:v>
+                  <c:v>6.96331881045004E-19</c:v>
                 </c:pt>
                 <c:pt idx="89">
                   <c:v>0.0</c:v>
@@ -17646,11 +17646,11 @@
           <c:showPercent val="0"/>
           <c:showBubbleSize val="0"/>
         </c:dLbls>
-        <c:axId val="2074985592"/>
-        <c:axId val="2073913640"/>
+        <c:axId val="2123584616"/>
+        <c:axId val="2123369256"/>
       </c:scatterChart>
       <c:valAx>
-        <c:axId val="2074985592"/>
+        <c:axId val="2123584616"/>
         <c:scaling>
           <c:orientation val="minMax"/>
           <c:max val="0.3"/>
@@ -17724,13 +17724,13 @@
             <a:endParaRPr lang="ja-JP"/>
           </a:p>
         </c:txPr>
-        <c:crossAx val="2073913640"/>
+        <c:crossAx val="2123369256"/>
         <c:crosses val="autoZero"/>
         <c:crossBetween val="midCat"/>
         <c:majorUnit val="0.1"/>
       </c:valAx>
       <c:valAx>
-        <c:axId val="2073913640"/>
+        <c:axId val="2123369256"/>
         <c:scaling>
           <c:orientation val="minMax"/>
           <c:max val="0.5"/>
@@ -17804,7 +17804,7 @@
             <a:endParaRPr lang="ja-JP"/>
           </a:p>
         </c:txPr>
-        <c:crossAx val="2074985592"/>
+        <c:crossAx val="2123584616"/>
         <c:crosses val="autoZero"/>
         <c:crossBetween val="midCat"/>
         <c:majorUnit val="0.1"/>
@@ -18256,7 +18256,7 @@
                   <c:v>0.0</c:v>
                 </c:pt>
                 <c:pt idx="12" formatCode="0.00E+00">
-                  <c:v>9.79000000000001E-18</c:v>
+                  <c:v>9.79000000000004E-18</c:v>
                 </c:pt>
                 <c:pt idx="13">
                   <c:v>0.0</c:v>
@@ -18295,7 +18295,7 @@
                   <c:v>0.0</c:v>
                 </c:pt>
                 <c:pt idx="25" formatCode="0.00E+00">
-                  <c:v>9.74000000000001E-17</c:v>
+                  <c:v>9.74000000000004E-17</c:v>
                 </c:pt>
                 <c:pt idx="26">
                   <c:v>0.0</c:v>
@@ -18337,7 +18337,7 @@
                   <c:v>4.27E-18</c:v>
                 </c:pt>
                 <c:pt idx="39" formatCode="0.00E+00">
-                  <c:v>8.74000000000001E-18</c:v>
+                  <c:v>8.74000000000004E-18</c:v>
                 </c:pt>
                 <c:pt idx="40" formatCode="0.00E+00">
                   <c:v>2.89E-18</c:v>
@@ -18352,7 +18352,7 @@
                   <c:v>2.0E-16</c:v>
                 </c:pt>
                 <c:pt idx="44" formatCode="0.00E+00">
-                  <c:v>6.83000000000001E-18</c:v>
+                  <c:v>6.83000000000004E-18</c:v>
                 </c:pt>
                 <c:pt idx="45">
                   <c:v>0.0</c:v>
@@ -18385,13 +18385,13 @@
                   <c:v>0.034900436</c:v>
                 </c:pt>
                 <c:pt idx="55" formatCode="0.00E+00">
-                  <c:v>9.09000000000001E-19</c:v>
+                  <c:v>9.09000000000004E-19</c:v>
                 </c:pt>
                 <c:pt idx="56">
                   <c:v>0.002620241</c:v>
                 </c:pt>
                 <c:pt idx="57" formatCode="0.00E+00">
-                  <c:v>6.17000000000001E-16</c:v>
+                  <c:v>6.17000000000004E-16</c:v>
                 </c:pt>
                 <c:pt idx="58">
                   <c:v>0.0</c:v>
@@ -18481,7 +18481,7 @@
                   <c:v>0.02720672</c:v>
                 </c:pt>
                 <c:pt idx="87" formatCode="0.00E+00">
-                  <c:v>6.90000000000001E-18</c:v>
+                  <c:v>6.90000000000004E-18</c:v>
                 </c:pt>
                 <c:pt idx="88" formatCode="0.00E+00">
                   <c:v>4.0E-9</c:v>
@@ -18808,11 +18808,11 @@
           <c:showPercent val="0"/>
           <c:showBubbleSize val="0"/>
         </c:dLbls>
-        <c:axId val="2074020360"/>
-        <c:axId val="2074026696"/>
+        <c:axId val="2123425560"/>
+        <c:axId val="2123431960"/>
       </c:scatterChart>
       <c:valAx>
-        <c:axId val="2074020360"/>
+        <c:axId val="2123425560"/>
         <c:scaling>
           <c:orientation val="minMax"/>
           <c:max val="0.3"/>
@@ -18886,13 +18886,13 @@
             <a:endParaRPr lang="ja-JP"/>
           </a:p>
         </c:txPr>
-        <c:crossAx val="2074026696"/>
+        <c:crossAx val="2123431960"/>
         <c:crosses val="autoZero"/>
         <c:crossBetween val="midCat"/>
         <c:majorUnit val="0.1"/>
       </c:valAx>
       <c:valAx>
-        <c:axId val="2074026696"/>
+        <c:axId val="2123431960"/>
         <c:scaling>
           <c:orientation val="minMax"/>
           <c:max val="0.5"/>
@@ -18966,7 +18966,7 @@
             <a:endParaRPr lang="ja-JP"/>
           </a:p>
         </c:txPr>
-        <c:crossAx val="2074020360"/>
+        <c:crossAx val="2123425560"/>
         <c:crosses val="autoZero"/>
         <c:crossBetween val="midCat"/>
         <c:majorUnit val="0.1"/>
@@ -19062,7 +19062,7 @@
                   <c:v>1.20160059295E-12</c:v>
                 </c:pt>
                 <c:pt idx="2">
-                  <c:v>8.59256481688001E-12</c:v>
+                  <c:v>8.59256481688004E-12</c:v>
                 </c:pt>
                 <c:pt idx="3" formatCode="General">
                   <c:v>0.000125047680306</c:v>
@@ -19371,7 +19371,7 @@
                   <c:v>0.0</c:v>
                 </c:pt>
                 <c:pt idx="12" formatCode="0.00E+00">
-                  <c:v>9.79216707719001E-18</c:v>
+                  <c:v>9.79216707719004E-18</c:v>
                 </c:pt>
                 <c:pt idx="13">
                   <c:v>0.0</c:v>
@@ -19410,7 +19410,7 @@
                   <c:v>0.0</c:v>
                 </c:pt>
                 <c:pt idx="25" formatCode="0.00E+00">
-                  <c:v>9.73860991849001E-17</c:v>
+                  <c:v>9.73860991849004E-17</c:v>
                 </c:pt>
                 <c:pt idx="26">
                   <c:v>0.0</c:v>
@@ -19467,7 +19467,7 @@
                   <c:v>1.99827709935E-16</c:v>
                 </c:pt>
                 <c:pt idx="44" formatCode="0.00E+00">
-                  <c:v>6.82831569065001E-18</c:v>
+                  <c:v>6.82831569065004E-18</c:v>
                 </c:pt>
                 <c:pt idx="45">
                   <c:v>0.0</c:v>
@@ -19500,13 +19500,13 @@
                   <c:v>0.0349004358575</c:v>
                 </c:pt>
                 <c:pt idx="55" formatCode="0.00E+00">
-                  <c:v>9.09494701773001E-19</c:v>
+                  <c:v>9.09494701773004E-19</c:v>
                 </c:pt>
                 <c:pt idx="56">
                   <c:v>0.00262024065016</c:v>
                 </c:pt>
                 <c:pt idx="57" formatCode="0.00E+00">
-                  <c:v>6.17174977791001E-16</c:v>
+                  <c:v>6.17174977791004E-16</c:v>
                 </c:pt>
                 <c:pt idx="58">
                   <c:v>0.0</c:v>
@@ -19596,7 +19596,7 @@
                   <c:v>0.0272067199946</c:v>
                 </c:pt>
                 <c:pt idx="87" formatCode="0.00E+00">
-                  <c:v>6.90070223186001E-18</c:v>
+                  <c:v>6.90070223186004E-18</c:v>
                 </c:pt>
                 <c:pt idx="88" formatCode="0.00E+00">
                   <c:v>3.9975324944E-9</c:v>
@@ -19617,11 +19617,11 @@
           <c:showPercent val="0"/>
           <c:showBubbleSize val="0"/>
         </c:dLbls>
-        <c:axId val="2073225624"/>
-        <c:axId val="2073219688"/>
+        <c:axId val="2131599544"/>
+        <c:axId val="2133436536"/>
       </c:scatterChart>
       <c:valAx>
-        <c:axId val="2073225624"/>
+        <c:axId val="2131599544"/>
         <c:scaling>
           <c:orientation val="minMax"/>
         </c:scaling>
@@ -19644,12 +19644,12 @@
             <a:endParaRPr lang="ja-JP"/>
           </a:p>
         </c:txPr>
-        <c:crossAx val="2073219688"/>
+        <c:crossAx val="2133436536"/>
         <c:crosses val="autoZero"/>
         <c:crossBetween val="midCat"/>
       </c:valAx>
       <c:valAx>
-        <c:axId val="2073219688"/>
+        <c:axId val="2133436536"/>
         <c:scaling>
           <c:orientation val="minMax"/>
         </c:scaling>
@@ -19672,7 +19672,7 @@
             <a:endParaRPr lang="ja-JP"/>
           </a:p>
         </c:txPr>
-        <c:crossAx val="2073225624"/>
+        <c:crossAx val="2131599544"/>
         <c:crosses val="autoZero"/>
         <c:crossBetween val="midCat"/>
       </c:valAx>
@@ -20507,7 +20507,7 @@
                   <c:v>3.52351264739E-15</c:v>
                 </c:pt>
                 <c:pt idx="35" formatCode="0.00E+00">
-                  <c:v>6.23132646559005E-16</c:v>
+                  <c:v>6.23132646559008E-16</c:v>
                 </c:pt>
                 <c:pt idx="36" formatCode="0.00E+00">
                   <c:v>1.07111279E-16</c:v>
@@ -20522,7 +20522,7 @@
                   <c:v>4.61941642696E-19</c:v>
                 </c:pt>
                 <c:pt idx="40" formatCode="0.00E+00">
-                  <c:v>7.13595334567005E-20</c:v>
+                  <c:v>7.13595334567008E-20</c:v>
                 </c:pt>
                 <c:pt idx="41" formatCode="0.00E+00">
                   <c:v>1.07497498405E-20</c:v>
@@ -20537,16 +20537,16 @@
                   <c:v>3.17781291001E-23</c:v>
                 </c:pt>
                 <c:pt idx="45" formatCode="0.00E+00">
-                  <c:v>4.35260248045005E-24</c:v>
+                  <c:v>4.35260248045008E-24</c:v>
                 </c:pt>
                 <c:pt idx="46" formatCode="0.00E+00">
-                  <c:v>5.82873331213005E-25</c:v>
+                  <c:v>5.82873331213008E-25</c:v>
                 </c:pt>
                 <c:pt idx="47" formatCode="0.00E+00">
-                  <c:v>7.63484163579005E-26</c:v>
+                  <c:v>7.63484163579008E-26</c:v>
                 </c:pt>
                 <c:pt idx="48" formatCode="0.00E+00">
-                  <c:v>9.78621171984005E-27</c:v>
+                  <c:v>9.78621171984008E-27</c:v>
                 </c:pt>
                 <c:pt idx="49" formatCode="0.00E+00">
                   <c:v>1.22799993939E-27</c:v>
@@ -20570,43 +20570,43 @@
                   <c:v>3.13404169915E-33</c:v>
                 </c:pt>
                 <c:pt idx="56" formatCode="0.00E+00">
-                  <c:v>3.42429951847005E-34</c:v>
+                  <c:v>3.42429951847008E-34</c:v>
                 </c:pt>
                 <c:pt idx="57" formatCode="0.00E+00">
-                  <c:v>3.67303266937005E-35</c:v>
+                  <c:v>3.67303266937008E-35</c:v>
                 </c:pt>
                 <c:pt idx="58" formatCode="0.00E+00">
-                  <c:v>3.86894485868005E-36</c:v>
+                  <c:v>3.86894485868008E-36</c:v>
                 </c:pt>
                 <c:pt idx="59" formatCode="0.00E+00">
-                  <c:v>4.00312618917005E-37</c:v>
+                  <c:v>4.00312618917008E-37</c:v>
                 </c:pt>
                 <c:pt idx="60" formatCode="0.00E+00">
-                  <c:v>4.06972603852005E-38</c:v>
+                  <c:v>4.06972603852008E-38</c:v>
                 </c:pt>
                 <c:pt idx="61" formatCode="0.00E+00">
-                  <c:v>4.06636595700005E-39</c:v>
+                  <c:v>4.06636595700008E-39</c:v>
                 </c:pt>
                 <c:pt idx="62" formatCode="0.00E+00">
-                  <c:v>3.99425363815005E-40</c:v>
+                  <c:v>3.99425363815008E-40</c:v>
                 </c:pt>
                 <c:pt idx="63" formatCode="0.00E+00">
-                  <c:v>3.85799491900005E-41</c:v>
+                  <c:v>3.85799491900008E-41</c:v>
                 </c:pt>
                 <c:pt idx="64" formatCode="0.00E+00">
-                  <c:v>3.66513556398005E-42</c:v>
+                  <c:v>3.66513556398008E-42</c:v>
                 </c:pt>
                 <c:pt idx="65" formatCode="0.00E+00">
-                  <c:v>3.42549328532005E-43</c:v>
+                  <c:v>3.42549328532008E-43</c:v>
                 </c:pt>
                 <c:pt idx="66" formatCode="0.00E+00">
-                  <c:v>3.15035937710005E-44</c:v>
+                  <c:v>3.15035937710008E-44</c:v>
                 </c:pt>
                 <c:pt idx="67" formatCode="0.00E+00">
                   <c:v>2.85165666225005E-45</c:v>
                 </c:pt>
                 <c:pt idx="68" formatCode="0.00E+00">
-                  <c:v>2.54113631644005E-46</c:v>
+                  <c:v>2.54113631644008E-46</c:v>
                 </c:pt>
                 <c:pt idx="69" formatCode="0.00E+00">
                   <c:v>2.22968241461E-47</c:v>
@@ -20624,25 +20624,25 @@
                   <c:v>1.13676984145E-51</c:v>
                 </c:pt>
                 <c:pt idx="74" formatCode="0.00E+00">
-                  <c:v>9.2594064809401E-53</c:v>
+                  <c:v>9.25940648094016E-53</c:v>
                 </c:pt>
                 <c:pt idx="75" formatCode="0.00E+00">
-                  <c:v>7.4348406674701E-54</c:v>
+                  <c:v>7.43484066747016E-54</c:v>
                 </c:pt>
                 <c:pt idx="76" formatCode="0.00E+00">
-                  <c:v>5.88589863833005E-55</c:v>
+                  <c:v>5.88589863833009E-55</c:v>
                 </c:pt>
                 <c:pt idx="77" formatCode="0.00E+00">
-                  <c:v>4.59493354072005E-56</c:v>
+                  <c:v>4.59493354072008E-56</c:v>
                 </c:pt>
                 <c:pt idx="78" formatCode="0.00E+00">
-                  <c:v>3.53787032389005E-57</c:v>
+                  <c:v>3.53787032389008E-57</c:v>
                 </c:pt>
                 <c:pt idx="79" formatCode="0.00E+00">
-                  <c:v>2.68701374408005E-58</c:v>
+                  <c:v>2.68701374408008E-58</c:v>
                 </c:pt>
                 <c:pt idx="80" formatCode="0.00E+00">
-                  <c:v>2.01340210120005E-59</c:v>
+                  <c:v>2.01340210120008E-59</c:v>
                 </c:pt>
                 <c:pt idx="81" formatCode="0.00E+00">
                   <c:v>1.48863931135E-60</c:v>
@@ -20651,199 +20651,199 @@
                   <c:v>1.08620266477E-61</c:v>
                 </c:pt>
                 <c:pt idx="83" formatCode="0.00E+00">
-                  <c:v>7.8227092450401E-63</c:v>
+                  <c:v>7.82270924504016E-63</c:v>
                 </c:pt>
                 <c:pt idx="84" formatCode="0.00E+00">
-                  <c:v>5.5614686591101E-64</c:v>
+                  <c:v>5.56146865911016E-64</c:v>
                 </c:pt>
                 <c:pt idx="85" formatCode="0.00E+00">
-                  <c:v>3.90361857419005E-65</c:v>
+                  <c:v>3.90361857419008E-65</c:v>
                 </c:pt>
                 <c:pt idx="86" formatCode="0.00E+00">
-                  <c:v>2.70550934190005E-66</c:v>
+                  <c:v>2.70550934190008E-66</c:v>
                 </c:pt>
                 <c:pt idx="87" formatCode="0.00E+00">
-                  <c:v>1.85178832291005E-67</c:v>
+                  <c:v>1.85178832291008E-67</c:v>
                 </c:pt>
                 <c:pt idx="88" formatCode="0.00E+00">
                   <c:v>1.25184295227E-68</c:v>
                 </c:pt>
                 <c:pt idx="89" formatCode="0.00E+00">
-                  <c:v>8.35947240863015E-70</c:v>
+                  <c:v>8.35947240863024E-70</c:v>
                 </c:pt>
                 <c:pt idx="90" formatCode="0.00E+00">
-                  <c:v>5.5148219656301E-71</c:v>
+                  <c:v>5.51482196563016E-71</c:v>
                 </c:pt>
                 <c:pt idx="91" formatCode="0.00E+00">
-                  <c:v>3.59467519675005E-72</c:v>
+                  <c:v>3.59467519675008E-72</c:v>
                 </c:pt>
                 <c:pt idx="92" formatCode="0.00E+00">
-                  <c:v>2.31533656642005E-73</c:v>
+                  <c:v>2.31533656642008E-73</c:v>
                 </c:pt>
                 <c:pt idx="93" formatCode="0.00E+00">
-                  <c:v>1.47382056414005E-74</c:v>
+                  <c:v>1.47382056414008E-74</c:v>
                 </c:pt>
                 <c:pt idx="94" formatCode="0.00E+00">
-                  <c:v>9.27256151115018E-76</c:v>
+                  <c:v>9.2725615111503E-76</c:v>
                 </c:pt>
                 <c:pt idx="95" formatCode="0.00E+00">
-                  <c:v>5.7666960003601E-77</c:v>
+                  <c:v>5.76669600036016E-77</c:v>
                 </c:pt>
                 <c:pt idx="96" formatCode="0.00E+00">
-                  <c:v>3.54546506754005E-78</c:v>
+                  <c:v>3.54546506754008E-78</c:v>
                 </c:pt>
                 <c:pt idx="97" formatCode="0.00E+00">
-                  <c:v>2.15518129812005E-79</c:v>
+                  <c:v>2.15518129812008E-79</c:v>
                 </c:pt>
                 <c:pt idx="98" formatCode="0.00E+00">
                   <c:v>1.29539895768E-80</c:v>
                 </c:pt>
                 <c:pt idx="99" formatCode="0.00E+00">
-                  <c:v>7.69974229454015E-82</c:v>
+                  <c:v>7.69974229454024E-82</c:v>
                 </c:pt>
                 <c:pt idx="100" formatCode="0.00E+00">
-                  <c:v>4.5263136493901E-83</c:v>
+                  <c:v>4.52631364939016E-83</c:v>
                 </c:pt>
                 <c:pt idx="101" formatCode="0.00E+00">
-                  <c:v>2.63178827049005E-84</c:v>
+                  <c:v>2.63178827049008E-84</c:v>
                 </c:pt>
                 <c:pt idx="102" formatCode="0.00E+00">
-                  <c:v>1.51368777165005E-85</c:v>
+                  <c:v>1.51368777165008E-85</c:v>
                 </c:pt>
                 <c:pt idx="103" formatCode="0.00E+00">
-                  <c:v>8.6127354980802E-87</c:v>
+                  <c:v>8.61273549808032E-87</c:v>
                 </c:pt>
                 <c:pt idx="104" formatCode="0.00E+00">
-                  <c:v>4.8484730213901E-88</c:v>
+                  <c:v>4.84847302139016E-88</c:v>
                 </c:pt>
                 <c:pt idx="105" formatCode="0.00E+00">
-                  <c:v>2.70064048644005E-89</c:v>
+                  <c:v>2.70064048644008E-89</c:v>
                 </c:pt>
                 <c:pt idx="106" formatCode="0.00E+00">
-                  <c:v>1.48855399424005E-90</c:v>
+                  <c:v>1.48855399424008E-90</c:v>
                 </c:pt>
                 <c:pt idx="107" formatCode="0.00E+00">
-                  <c:v>8.11962231467019E-92</c:v>
+                  <c:v>8.11962231467031E-92</c:v>
                 </c:pt>
                 <c:pt idx="108" formatCode="0.00E+00">
-                  <c:v>4.3834612496101E-93</c:v>
+                  <c:v>4.38346124961016E-93</c:v>
                 </c:pt>
                 <c:pt idx="109" formatCode="0.00E+00">
-                  <c:v>2.34231139030005E-94</c:v>
+                  <c:v>2.34231139030008E-94</c:v>
                 </c:pt>
                 <c:pt idx="110" formatCode="0.00E+00">
-                  <c:v>1.23894934281005E-95</c:v>
+                  <c:v>1.23894934281008E-95</c:v>
                 </c:pt>
                 <c:pt idx="111" formatCode="0.00E+00">
-                  <c:v>6.48751880763015E-97</c:v>
+                  <c:v>6.48751880763024E-97</c:v>
                 </c:pt>
                 <c:pt idx="112" formatCode="0.00E+00">
-                  <c:v>3.3632096726801E-98</c:v>
+                  <c:v>3.36320967268016E-98</c:v>
                 </c:pt>
                 <c:pt idx="113" formatCode="0.00E+00">
-                  <c:v>1.72628680541005E-99</c:v>
+                  <c:v>1.72628680541008E-99</c:v>
                 </c:pt>
                 <c:pt idx="114" formatCode="0.00E+00">
-                  <c:v>8.77381592354024E-101</c:v>
+                  <c:v>8.77381592354039E-101</c:v>
                 </c:pt>
                 <c:pt idx="115" formatCode="0.00E+00">
-                  <c:v>4.4158359570601E-102</c:v>
+                  <c:v>4.41583595706016E-102</c:v>
                 </c:pt>
                 <c:pt idx="116" formatCode="0.00E+00">
-                  <c:v>2.20098919473005E-103</c:v>
+                  <c:v>2.20098919473008E-103</c:v>
                 </c:pt>
                 <c:pt idx="117" formatCode="0.00E+00">
-                  <c:v>1.08651224568005E-104</c:v>
+                  <c:v>1.08651224568008E-104</c:v>
                 </c:pt>
                 <c:pt idx="118" formatCode="0.00E+00">
-                  <c:v>5.31243598244015E-106</c:v>
+                  <c:v>5.31243598244024E-106</c:v>
                 </c:pt>
                 <c:pt idx="119" formatCode="0.00E+00">
-                  <c:v>2.57291401639005E-107</c:v>
+                  <c:v>2.57291401639008E-107</c:v>
                 </c:pt>
                 <c:pt idx="120" formatCode="0.00E+00">
-                  <c:v>1.23440853184005E-108</c:v>
+                  <c:v>1.23440853184008E-108</c:v>
                 </c:pt>
                 <c:pt idx="121" formatCode="0.00E+00">
-                  <c:v>5.86710333234014E-110</c:v>
+                  <c:v>5.86710333234023E-110</c:v>
                 </c:pt>
                 <c:pt idx="122" formatCode="0.00E+00">
-                  <c:v>2.7627930587801E-111</c:v>
+                  <c:v>2.76279305878016E-111</c:v>
                 </c:pt>
                 <c:pt idx="123" formatCode="0.00E+00">
-                  <c:v>1.28902373562005E-112</c:v>
+                  <c:v>1.28902373562008E-112</c:v>
                 </c:pt>
                 <c:pt idx="124" formatCode="0.00E+00">
-                  <c:v>5.95921550898018E-114</c:v>
+                  <c:v>5.9592155089803E-114</c:v>
                 </c:pt>
                 <c:pt idx="125" formatCode="0.00E+00">
-                  <c:v>2.7299840909701E-115</c:v>
+                  <c:v>2.72998409097016E-115</c:v>
                 </c:pt>
                 <c:pt idx="126" formatCode="0.00E+00">
-                  <c:v>1.23936941957005E-116</c:v>
+                  <c:v>1.23936941957008E-116</c:v>
                 </c:pt>
                 <c:pt idx="127" formatCode="0.00E+00">
-                  <c:v>5.57618827003014E-118</c:v>
+                  <c:v>5.57618827003023E-118</c:v>
                 </c:pt>
                 <c:pt idx="128" formatCode="0.00E+00">
-                  <c:v>2.4865432086501E-119</c:v>
+                  <c:v>2.48654320865016E-119</c:v>
                 </c:pt>
                 <c:pt idx="129" formatCode="0.00E+00">
-                  <c:v>1.09901102158005E-120</c:v>
+                  <c:v>1.09901102158008E-120</c:v>
                 </c:pt>
                 <c:pt idx="130" formatCode="0.00E+00">
-                  <c:v>4.81482676182015E-122</c:v>
+                  <c:v>4.81482676182024E-122</c:v>
                 </c:pt>
                 <c:pt idx="131" formatCode="0.00E+00">
-                  <c:v>2.09101234523005E-123</c:v>
+                  <c:v>2.09101234523008E-123</c:v>
                 </c:pt>
                 <c:pt idx="132" formatCode="0.00E+00">
-                  <c:v>9.0023146945803E-125</c:v>
+                  <c:v>9.00231469458048E-125</c:v>
                 </c:pt>
                 <c:pt idx="133" formatCode="0.00E+00">
-                  <c:v>3.8423544155301E-126</c:v>
+                  <c:v>3.84235441553016E-126</c:v>
                 </c:pt>
                 <c:pt idx="134" formatCode="0.00E+00">
-                  <c:v>1.62596015001005E-127</c:v>
+                  <c:v>1.62596015001008E-127</c:v>
                 </c:pt>
                 <c:pt idx="135" formatCode="0.00E+00">
-                  <c:v>6.82204953809021E-129</c:v>
+                  <c:v>6.82204953809033E-129</c:v>
                 </c:pt>
                 <c:pt idx="136" formatCode="0.00E+00">
-                  <c:v>2.8381492787401E-130</c:v>
+                  <c:v>2.83814927874016E-130</c:v>
                 </c:pt>
                 <c:pt idx="137" formatCode="0.00E+00">
-                  <c:v>1.17082921603005E-131</c:v>
+                  <c:v>1.17082921603008E-131</c:v>
                 </c:pt>
                 <c:pt idx="138" formatCode="0.00E+00">
-                  <c:v>4.7897411021702E-133</c:v>
+                  <c:v>4.78974110217032E-133</c:v>
                 </c:pt>
                 <c:pt idx="139" formatCode="0.00E+00">
-                  <c:v>1.94317803192005E-134</c:v>
+                  <c:v>1.94317803192008E-134</c:v>
                 </c:pt>
                 <c:pt idx="140" formatCode="0.00E+00">
-                  <c:v>7.81838009974025E-136</c:v>
+                  <c:v>7.81838009974042E-136</c:v>
                 </c:pt>
                 <c:pt idx="141" formatCode="0.00E+00">
-                  <c:v>3.1199372617401E-137</c:v>
+                  <c:v>3.11993726174016E-137</c:v>
                 </c:pt>
                 <c:pt idx="142" formatCode="0.00E+00">
-                  <c:v>1.23486869937005E-138</c:v>
+                  <c:v>1.23486869937008E-138</c:v>
                 </c:pt>
                 <c:pt idx="143" formatCode="0.00E+00">
-                  <c:v>4.84799532599018E-140</c:v>
+                  <c:v>4.8479953259903E-140</c:v>
                 </c:pt>
                 <c:pt idx="144" formatCode="0.00E+00">
-                  <c:v>1.88794975170005E-141</c:v>
+                  <c:v>1.88794975170008E-141</c:v>
                 </c:pt>
                 <c:pt idx="145" formatCode="0.00E+00">
-                  <c:v>7.29325253436026E-143</c:v>
+                  <c:v>7.29325253436044E-143</c:v>
                 </c:pt>
                 <c:pt idx="146" formatCode="0.00E+00">
-                  <c:v>2.7976059203401E-144</c:v>
+                  <c:v>2.79760592034016E-144</c:v>
                 </c:pt>
                 <c:pt idx="147" formatCode="0.00E+00">
-                  <c:v>1.28662704433005E-145</c:v>
+                  <c:v>1.28662704433008E-145</c:v>
                 </c:pt>
                 <c:pt idx="148">
                   <c:v>0.0</c:v>
@@ -21019,11 +21019,11 @@
         </c:dLbls>
         <c:marker val="1"/>
         <c:smooth val="0"/>
-        <c:axId val="2075033368"/>
-        <c:axId val="2075036392"/>
+        <c:axId val="2131659464"/>
+        <c:axId val="2131662472"/>
       </c:lineChart>
       <c:catAx>
-        <c:axId val="2075033368"/>
+        <c:axId val="2131659464"/>
         <c:scaling>
           <c:orientation val="minMax"/>
         </c:scaling>
@@ -21033,7 +21033,7 @@
         <c:majorTickMark val="out"/>
         <c:minorTickMark val="none"/>
         <c:tickLblPos val="nextTo"/>
-        <c:crossAx val="2075036392"/>
+        <c:crossAx val="2131662472"/>
         <c:crosses val="autoZero"/>
         <c:auto val="0"/>
         <c:lblAlgn val="ctr"/>
@@ -21043,7 +21043,7 @@
         <c:noMultiLvlLbl val="0"/>
       </c:catAx>
       <c:valAx>
-        <c:axId val="2075036392"/>
+        <c:axId val="2131662472"/>
         <c:scaling>
           <c:orientation val="minMax"/>
           <c:max val="0.2"/>
@@ -21068,7 +21068,7 @@
             <a:endParaRPr lang="ja-JP"/>
           </a:p>
         </c:txPr>
-        <c:crossAx val="2075033368"/>
+        <c:crossAx val="2131659464"/>
         <c:crossesAt val="1.0"/>
         <c:crossBetween val="between"/>
         <c:majorUnit val="0.1"/>
@@ -21524,11 +21524,11 @@
           <c:showBubbleSize val="0"/>
         </c:dLbls>
         <c:gapWidth val="0"/>
-        <c:axId val="2073828168"/>
-        <c:axId val="2073831176"/>
+        <c:axId val="2132748952"/>
+        <c:axId val="2132751960"/>
       </c:barChart>
       <c:catAx>
-        <c:axId val="2073828168"/>
+        <c:axId val="2132748952"/>
         <c:scaling>
           <c:orientation val="minMax"/>
         </c:scaling>
@@ -21538,7 +21538,7 @@
         <c:majorTickMark val="none"/>
         <c:minorTickMark val="none"/>
         <c:tickLblPos val="nextTo"/>
-        <c:crossAx val="2073831176"/>
+        <c:crossAx val="2132751960"/>
         <c:crosses val="autoZero"/>
         <c:auto val="1"/>
         <c:lblAlgn val="ctr"/>
@@ -21546,7 +21546,7 @@
         <c:noMultiLvlLbl val="0"/>
       </c:catAx>
       <c:valAx>
-        <c:axId val="2073831176"/>
+        <c:axId val="2132751960"/>
         <c:scaling>
           <c:orientation val="minMax"/>
         </c:scaling>
@@ -21569,7 +21569,7 @@
             <a:endParaRPr lang="ja-JP"/>
           </a:p>
         </c:txPr>
-        <c:crossAx val="2073828168"/>
+        <c:crossAx val="2132748952"/>
         <c:crosses val="autoZero"/>
         <c:crossBetween val="between"/>
         <c:majorUnit val="20.0"/>
@@ -22033,11 +22033,11 @@
           <c:showBubbleSize val="0"/>
         </c:dLbls>
         <c:gapWidth val="0"/>
-        <c:axId val="2074330008"/>
-        <c:axId val="2074335896"/>
+        <c:axId val="2131949816"/>
+        <c:axId val="2131943960"/>
       </c:barChart>
       <c:catAx>
-        <c:axId val="2074330008"/>
+        <c:axId val="2131949816"/>
         <c:scaling>
           <c:orientation val="minMax"/>
         </c:scaling>
@@ -22083,7 +22083,7 @@
         <c:majorTickMark val="none"/>
         <c:minorTickMark val="none"/>
         <c:tickLblPos val="nextTo"/>
-        <c:crossAx val="2074335896"/>
+        <c:crossAx val="2131943960"/>
         <c:crosses val="autoZero"/>
         <c:auto val="1"/>
         <c:lblAlgn val="ctr"/>
@@ -22091,7 +22091,7 @@
         <c:noMultiLvlLbl val="0"/>
       </c:catAx>
       <c:valAx>
-        <c:axId val="2074335896"/>
+        <c:axId val="2131943960"/>
         <c:scaling>
           <c:orientation val="minMax"/>
         </c:scaling>
@@ -22164,7 +22164,7 @@
             <a:endParaRPr lang="ja-JP"/>
           </a:p>
         </c:txPr>
-        <c:crossAx val="2074330008"/>
+        <c:crossAx val="2131949816"/>
         <c:crosses val="autoZero"/>
         <c:crossBetween val="between"/>
         <c:majorUnit val="3.0"/>
@@ -22628,11 +22628,11 @@
           <c:showBubbleSize val="0"/>
         </c:dLbls>
         <c:gapWidth val="0"/>
-        <c:axId val="2074383976"/>
-        <c:axId val="2074389864"/>
+        <c:axId val="2131898616"/>
+        <c:axId val="2131892728"/>
       </c:barChart>
       <c:catAx>
-        <c:axId val="2074383976"/>
+        <c:axId val="2131898616"/>
         <c:scaling>
           <c:orientation val="minMax"/>
         </c:scaling>
@@ -22678,7 +22678,7 @@
         <c:majorTickMark val="none"/>
         <c:minorTickMark val="none"/>
         <c:tickLblPos val="nextTo"/>
-        <c:crossAx val="2074389864"/>
+        <c:crossAx val="2131892728"/>
         <c:crosses val="autoZero"/>
         <c:auto val="1"/>
         <c:lblAlgn val="ctr"/>
@@ -22686,7 +22686,7 @@
         <c:noMultiLvlLbl val="0"/>
       </c:catAx>
       <c:valAx>
-        <c:axId val="2074389864"/>
+        <c:axId val="2131892728"/>
         <c:scaling>
           <c:orientation val="minMax"/>
         </c:scaling>
@@ -22759,7 +22759,7 @@
             <a:endParaRPr lang="ja-JP"/>
           </a:p>
         </c:txPr>
-        <c:crossAx val="2074383976"/>
+        <c:crossAx val="2131898616"/>
         <c:crosses val="autoZero"/>
         <c:crossBetween val="between"/>
         <c:majorUnit val="20.0"/>
@@ -23223,11 +23223,11 @@
           <c:showBubbleSize val="0"/>
         </c:dLbls>
         <c:gapWidth val="0"/>
-        <c:axId val="2074439832"/>
-        <c:axId val="2074445672"/>
+        <c:axId val="2133316776"/>
+        <c:axId val="2133374920"/>
       </c:barChart>
       <c:catAx>
-        <c:axId val="2074439832"/>
+        <c:axId val="2133316776"/>
         <c:scaling>
           <c:orientation val="minMax"/>
         </c:scaling>
@@ -23273,7 +23273,7 @@
         <c:majorTickMark val="none"/>
         <c:minorTickMark val="none"/>
         <c:tickLblPos val="nextTo"/>
-        <c:crossAx val="2074445672"/>
+        <c:crossAx val="2133374920"/>
         <c:crosses val="autoZero"/>
         <c:auto val="1"/>
         <c:lblAlgn val="ctr"/>
@@ -23281,7 +23281,7 @@
         <c:noMultiLvlLbl val="0"/>
       </c:catAx>
       <c:valAx>
-        <c:axId val="2074445672"/>
+        <c:axId val="2133374920"/>
         <c:scaling>
           <c:orientation val="minMax"/>
         </c:scaling>
@@ -23354,7 +23354,7 @@
             <a:endParaRPr lang="ja-JP"/>
           </a:p>
         </c:txPr>
-        <c:crossAx val="2074439832"/>
+        <c:crossAx val="2133316776"/>
         <c:crosses val="autoZero"/>
         <c:crossBetween val="between"/>
         <c:majorUnit val="10.0"/>
@@ -23818,11 +23818,11 @@
           <c:showBubbleSize val="0"/>
         </c:dLbls>
         <c:gapWidth val="0"/>
-        <c:axId val="2073872296"/>
-        <c:axId val="2073878168"/>
+        <c:axId val="2131826120"/>
+        <c:axId val="2131820232"/>
       </c:barChart>
       <c:catAx>
-        <c:axId val="2073872296"/>
+        <c:axId val="2131826120"/>
         <c:scaling>
           <c:orientation val="minMax"/>
         </c:scaling>
@@ -23868,7 +23868,7 @@
         <c:majorTickMark val="none"/>
         <c:minorTickMark val="none"/>
         <c:tickLblPos val="nextTo"/>
-        <c:crossAx val="2073878168"/>
+        <c:crossAx val="2131820232"/>
         <c:crosses val="autoZero"/>
         <c:auto val="1"/>
         <c:lblAlgn val="ctr"/>
@@ -23876,7 +23876,7 @@
         <c:noMultiLvlLbl val="0"/>
       </c:catAx>
       <c:valAx>
-        <c:axId val="2073878168"/>
+        <c:axId val="2131820232"/>
         <c:scaling>
           <c:orientation val="minMax"/>
         </c:scaling>
@@ -23949,7 +23949,7 @@
             <a:endParaRPr lang="ja-JP"/>
           </a:p>
         </c:txPr>
-        <c:crossAx val="2073872296"/>
+        <c:crossAx val="2131826120"/>
         <c:crosses val="autoZero"/>
         <c:crossBetween val="between"/>
         <c:majorUnit val="30.0"/>
@@ -30168,11 +30168,11 @@
         </c:dLbls>
         <c:marker val="1"/>
         <c:smooth val="0"/>
-        <c:axId val="2074517512"/>
-        <c:axId val="2074523576"/>
+        <c:axId val="2127421608"/>
+        <c:axId val="2130056792"/>
       </c:lineChart>
       <c:catAx>
-        <c:axId val="2074517512"/>
+        <c:axId val="2127421608"/>
         <c:scaling>
           <c:orientation val="minMax"/>
         </c:scaling>
@@ -30231,7 +30231,7 @@
             <a:endParaRPr lang="ja-JP"/>
           </a:p>
         </c:txPr>
-        <c:crossAx val="2074523576"/>
+        <c:crossAx val="2130056792"/>
         <c:crosses val="autoZero"/>
         <c:auto val="1"/>
         <c:lblAlgn val="ctr"/>
@@ -30240,7 +30240,7 @@
         <c:noMultiLvlLbl val="0"/>
       </c:catAx>
       <c:valAx>
-        <c:axId val="2074523576"/>
+        <c:axId val="2130056792"/>
         <c:scaling>
           <c:orientation val="minMax"/>
           <c:max val="90.0"/>
@@ -30315,7 +30315,7 @@
             <a:endParaRPr lang="ja-JP"/>
           </a:p>
         </c:txPr>
-        <c:crossAx val="2074517512"/>
+        <c:crossAx val="2127421608"/>
         <c:crosses val="autoZero"/>
         <c:crossBetween val="between"/>
         <c:majorUnit val="30.0"/>
@@ -36567,11 +36567,11 @@
         </c:dLbls>
         <c:marker val="1"/>
         <c:smooth val="0"/>
-        <c:axId val="2074565416"/>
-        <c:axId val="2074571464"/>
+        <c:axId val="2126703880"/>
+        <c:axId val="2130075736"/>
       </c:lineChart>
       <c:catAx>
-        <c:axId val="2074565416"/>
+        <c:axId val="2126703880"/>
         <c:scaling>
           <c:orientation val="minMax"/>
         </c:scaling>
@@ -36630,7 +36630,7 @@
             <a:endParaRPr lang="ja-JP"/>
           </a:p>
         </c:txPr>
-        <c:crossAx val="2074571464"/>
+        <c:crossAx val="2130075736"/>
         <c:crosses val="autoZero"/>
         <c:auto val="1"/>
         <c:lblAlgn val="ctr"/>
@@ -36639,7 +36639,7 @@
         <c:noMultiLvlLbl val="0"/>
       </c:catAx>
       <c:valAx>
-        <c:axId val="2074571464"/>
+        <c:axId val="2130075736"/>
         <c:scaling>
           <c:orientation val="minMax"/>
           <c:max val="90.0"/>
@@ -36714,7 +36714,7 @@
             <a:endParaRPr lang="ja-JP"/>
           </a:p>
         </c:txPr>
-        <c:crossAx val="2074565416"/>
+        <c:crossAx val="2126703880"/>
         <c:crosses val="autoZero"/>
         <c:crossBetween val="between"/>
         <c:majorUnit val="30.0"/>
@@ -36862,7 +36862,7 @@
           </a:lstStyle>
           <a:p>
             <a:fld id="{5FD68F27-D0C7-584C-A41A-EC36C2C5EC02}" type="datetimeFigureOut">
-              <a:t>2014/01/29</a:t>
+              <a:t>2014/02/02</a:t>
             </a:fld>
             <a:endParaRPr kumimoji="1" lang="ja-JP" altLang="en-US"/>
           </a:p>
@@ -37338,7 +37338,7 @@
           <a:lstStyle/>
           <a:p>
             <a:fld id="{484F65FC-80CB-9649-B901-BB74BECBF0C1}" type="datetimeFigureOut">
-              <a:t>2014/01/29</a:t>
+              <a:t>2014/02/02</a:t>
             </a:fld>
             <a:endParaRPr kumimoji="1" lang="ja-JP" altLang="en-US"/>
           </a:p>
@@ -37536,7 +37536,7 @@
           <a:lstStyle/>
           <a:p>
             <a:fld id="{484F65FC-80CB-9649-B901-BB74BECBF0C1}" type="datetimeFigureOut">
-              <a:t>2014/01/29</a:t>
+              <a:t>2014/02/02</a:t>
             </a:fld>
             <a:endParaRPr kumimoji="1" lang="ja-JP" altLang="en-US"/>
           </a:p>
@@ -37744,7 +37744,7 @@
           <a:lstStyle/>
           <a:p>
             <a:fld id="{484F65FC-80CB-9649-B901-BB74BECBF0C1}" type="datetimeFigureOut">
-              <a:t>2014/01/29</a:t>
+              <a:t>2014/02/02</a:t>
             </a:fld>
             <a:endParaRPr kumimoji="1" lang="ja-JP" altLang="en-US"/>
           </a:p>
@@ -37942,7 +37942,7 @@
           <a:lstStyle/>
           <a:p>
             <a:fld id="{484F65FC-80CB-9649-B901-BB74BECBF0C1}" type="datetimeFigureOut">
-              <a:t>2014/01/29</a:t>
+              <a:t>2014/02/02</a:t>
             </a:fld>
             <a:endParaRPr kumimoji="1" lang="ja-JP" altLang="en-US"/>
           </a:p>
@@ -38185,7 +38185,7 @@
           <a:lstStyle/>
           <a:p>
             <a:fld id="{484F65FC-80CB-9649-B901-BB74BECBF0C1}" type="datetimeFigureOut">
-              <a:t>2014/01/29</a:t>
+              <a:t>2014/02/02</a:t>
             </a:fld>
             <a:endParaRPr kumimoji="1" lang="ja-JP" altLang="en-US"/>
           </a:p>
@@ -38532,7 +38532,7 @@
           <a:lstStyle/>
           <a:p>
             <a:fld id="{484F65FC-80CB-9649-B901-BB74BECBF0C1}" type="datetimeFigureOut">
-              <a:t>2014/01/29</a:t>
+              <a:t>2014/02/02</a:t>
             </a:fld>
             <a:endParaRPr kumimoji="1" lang="ja-JP" altLang="en-US"/>
           </a:p>
@@ -39013,7 +39013,7 @@
           <a:lstStyle/>
           <a:p>
             <a:fld id="{484F65FC-80CB-9649-B901-BB74BECBF0C1}" type="datetimeFigureOut">
-              <a:t>2014/01/29</a:t>
+              <a:t>2014/02/02</a:t>
             </a:fld>
             <a:endParaRPr kumimoji="1" lang="ja-JP" altLang="en-US"/>
           </a:p>
@@ -39128,7 +39128,7 @@
           <a:lstStyle/>
           <a:p>
             <a:fld id="{484F65FC-80CB-9649-B901-BB74BECBF0C1}" type="datetimeFigureOut">
-              <a:t>2014/01/29</a:t>
+              <a:t>2014/02/02</a:t>
             </a:fld>
             <a:endParaRPr kumimoji="1" lang="ja-JP" altLang="en-US"/>
           </a:p>
@@ -39221,7 +39221,7 @@
           <a:lstStyle/>
           <a:p>
             <a:fld id="{484F65FC-80CB-9649-B901-BB74BECBF0C1}" type="datetimeFigureOut">
-              <a:t>2014/01/29</a:t>
+              <a:t>2014/02/02</a:t>
             </a:fld>
             <a:endParaRPr kumimoji="1" lang="ja-JP" altLang="en-US"/>
           </a:p>
@@ -39526,7 +39526,7 @@
           <a:lstStyle/>
           <a:p>
             <a:fld id="{484F65FC-80CB-9649-B901-BB74BECBF0C1}" type="datetimeFigureOut">
-              <a:t>2014/01/29</a:t>
+              <a:t>2014/02/02</a:t>
             </a:fld>
             <a:endParaRPr kumimoji="1" lang="ja-JP" altLang="en-US"/>
           </a:p>
@@ -39776,7 +39776,7 @@
           <a:lstStyle/>
           <a:p>
             <a:fld id="{484F65FC-80CB-9649-B901-BB74BECBF0C1}" type="datetimeFigureOut">
-              <a:t>2014/01/29</a:t>
+              <a:t>2014/02/02</a:t>
             </a:fld>
             <a:endParaRPr kumimoji="1" lang="ja-JP" altLang="en-US"/>
           </a:p>
@@ -40017,7 +40017,7 @@
           </a:lstStyle>
           <a:p>
             <a:fld id="{484F65FC-80CB-9649-B901-BB74BECBF0C1}" type="datetimeFigureOut">
-              <a:t>2014/01/29</a:t>
+              <a:t>2014/02/02</a:t>
             </a:fld>
             <a:endParaRPr kumimoji="1" lang="ja-JP" altLang="en-US"/>
           </a:p>
@@ -40410,7 +40410,7 @@
               <a:lumMod val="85000"/>
             </a:schemeClr>
           </a:solidFill>
-          <a:ln w="28575" cmpd="sng">
+          <a:ln w="19050" cmpd="sng">
             <a:solidFill>
               <a:schemeClr val="tx1"/>
             </a:solidFill>
@@ -40456,7 +40456,7 @@
           <a:prstGeom prst="straightConnector1">
             <a:avLst/>
           </a:prstGeom>
-          <a:ln w="28575" cmpd="sng">
+          <a:ln w="19050" cmpd="sng">
             <a:solidFill>
               <a:srgbClr val="000000"/>
             </a:solidFill>
@@ -40493,7 +40493,7 @@
           <a:prstGeom prst="line">
             <a:avLst/>
           </a:prstGeom>
-          <a:ln w="28575" cmpd="sng">
+          <a:ln w="19050" cmpd="sng">
             <a:solidFill>
               <a:srgbClr val="000000"/>
             </a:solidFill>
@@ -40530,7 +40530,7 @@
             <a:avLst/>
           </a:prstGeom>
           <a:noFill/>
-          <a:ln w="28575" cmpd="sng">
+          <a:ln w="19050" cmpd="sng">
             <a:solidFill>
               <a:schemeClr val="tx1"/>
             </a:solidFill>
@@ -40574,7 +40574,7 @@
           <a:prstGeom prst="line">
             <a:avLst/>
           </a:prstGeom>
-          <a:ln w="28575" cmpd="sng">
+          <a:ln w="19050" cmpd="sng">
             <a:solidFill>
               <a:srgbClr val="000000"/>
             </a:solidFill>
@@ -40610,7 +40610,7 @@
           <a:prstGeom prst="straightConnector1">
             <a:avLst/>
           </a:prstGeom>
-          <a:ln w="28575" cmpd="sng">
+          <a:ln w="19050" cmpd="sng">
             <a:solidFill>
               <a:srgbClr val="000000"/>
             </a:solidFill>
@@ -40647,7 +40647,7 @@
           <a:prstGeom prst="straightConnector1">
             <a:avLst/>
           </a:prstGeom>
-          <a:ln w="28575" cmpd="sng">
+          <a:ln w="19050" cmpd="sng">
             <a:solidFill>
               <a:srgbClr val="000000"/>
             </a:solidFill>
@@ -40687,7 +40687,7 @@
           <a:solidFill>
             <a:srgbClr val="D9D9D9"/>
           </a:solidFill>
-          <a:ln w="28575" cmpd="sng">
+          <a:ln w="19050" cmpd="sng">
             <a:solidFill>
               <a:schemeClr val="tx1"/>
             </a:solidFill>
@@ -40734,7 +40734,7 @@
           <a:solidFill>
             <a:srgbClr val="D9D9D9"/>
           </a:solidFill>
-          <a:ln w="28575" cmpd="sng">
+          <a:ln w="19050" cmpd="sng">
             <a:solidFill>
               <a:schemeClr val="tx1"/>
             </a:solidFill>
@@ -40778,7 +40778,7 @@
           <a:prstGeom prst="straightConnector1">
             <a:avLst/>
           </a:prstGeom>
-          <a:ln w="28575" cmpd="sng">
+          <a:ln w="19050" cmpd="sng">
             <a:solidFill>
               <a:srgbClr val="000000"/>
             </a:solidFill>
@@ -40816,7 +40816,7 @@
             <a:avLst/>
           </a:prstGeom>
           <a:noFill/>
-          <a:ln w="28575" cmpd="sng">
+          <a:ln w="19050" cmpd="sng">
             <a:solidFill>
               <a:schemeClr val="tx1"/>
             </a:solidFill>
@@ -40860,7 +40860,7 @@
           <a:prstGeom prst="straightConnector1">
             <a:avLst/>
           </a:prstGeom>
-          <a:ln w="28575" cmpd="sng">
+          <a:ln w="19050" cmpd="sng">
             <a:solidFill>
               <a:srgbClr val="000000"/>
             </a:solidFill>
@@ -40897,7 +40897,7 @@
           <a:prstGeom prst="line">
             <a:avLst/>
           </a:prstGeom>
-          <a:ln w="28575" cmpd="sng">
+          <a:ln w="19050" cmpd="sng">
             <a:solidFill>
               <a:srgbClr val="000000"/>
             </a:solidFill>
@@ -40927,13 +40927,13 @@
         </p:nvCxnSpPr>
         <p:spPr>
           <a:xfrm>
-            <a:off x="6684023" y="3749319"/>
-            <a:ext cx="333559" cy="0"/>
+            <a:off x="6664765" y="3749319"/>
+            <a:ext cx="352817" cy="0"/>
           </a:xfrm>
           <a:prstGeom prst="straightConnector1">
             <a:avLst/>
           </a:prstGeom>
-          <a:ln w="28575" cmpd="sng">
+          <a:ln w="19050" cmpd="sng">
             <a:solidFill>
               <a:srgbClr val="000000"/>
             </a:solidFill>
@@ -40970,7 +40970,7 @@
           <a:prstGeom prst="straightConnector1">
             <a:avLst/>
           </a:prstGeom>
-          <a:ln w="28575" cmpd="sng">
+          <a:ln w="19050" cmpd="sng">
             <a:solidFill>
               <a:srgbClr val="000000"/>
             </a:solidFill>
@@ -41010,7 +41010,7 @@
           <a:solidFill>
             <a:srgbClr val="D9D9D9"/>
           </a:solidFill>
-          <a:ln w="28575" cmpd="sng">
+          <a:ln w="19050" cmpd="sng">
             <a:solidFill>
               <a:schemeClr val="tx1"/>
             </a:solidFill>
@@ -41057,7 +41057,7 @@
           <a:solidFill>
             <a:srgbClr val="D9D9D9"/>
           </a:solidFill>
-          <a:ln w="28575" cmpd="sng">
+          <a:ln w="19050" cmpd="sng">
             <a:solidFill>
               <a:schemeClr val="tx1"/>
             </a:solidFill>
@@ -41104,7 +41104,7 @@
           <a:solidFill>
             <a:srgbClr val="D9D9D9"/>
           </a:solidFill>
-          <a:ln w="28575" cmpd="sng">
+          <a:ln w="19050" cmpd="sng">
             <a:solidFill>
               <a:schemeClr val="tx1"/>
             </a:solidFill>
@@ -41142,8 +41142,8 @@
         </p:nvSpPr>
         <p:spPr>
           <a:xfrm>
-            <a:off x="431484" y="3000717"/>
-            <a:ext cx="974708" cy="261610"/>
+            <a:off x="431484" y="2990221"/>
+            <a:ext cx="981609" cy="276999"/>
           </a:xfrm>
           <a:prstGeom prst="rect">
             <a:avLst/>
@@ -41157,13 +41157,13 @@
           <a:lstStyle/>
           <a:p>
             <a:r>
-              <a:rPr kumimoji="1" lang="en-US" altLang="ja-JP" sz="1100" b="1">
+              <a:rPr kumimoji="1" lang="en-US" altLang="ja-JP" sz="1200">
                 <a:latin typeface="Times New Roman"/>
                 <a:cs typeface="Times New Roman"/>
               </a:rPr>
               <a:t>Twitter users</a:t>
             </a:r>
-            <a:endParaRPr kumimoji="1" lang="ja-JP" altLang="en-US" sz="1100" b="1">
+            <a:endParaRPr kumimoji="1" lang="ja-JP" altLang="en-US" sz="1200">
               <a:latin typeface="Times New Roman"/>
               <a:cs typeface="Times New Roman"/>
             </a:endParaRPr>
@@ -41178,8 +41178,64 @@
         </p:nvSpPr>
         <p:spPr>
           <a:xfrm>
-            <a:off x="1796087" y="2669302"/>
-            <a:ext cx="1249060" cy="938719"/>
+            <a:off x="1865485" y="2815878"/>
+            <a:ext cx="1133644" cy="646331"/>
+          </a:xfrm>
+          <a:prstGeom prst="rect">
+            <a:avLst/>
+          </a:prstGeom>
+          <a:noFill/>
+          <a:ln w="12700" cmpd="sng">
+            <a:noFill/>
+          </a:ln>
+        </p:spPr>
+        <p:txBody>
+          <a:bodyPr wrap="none" rtlCol="0">
+            <a:spAutoFit/>
+          </a:bodyPr>
+          <a:lstStyle/>
+          <a:p>
+            <a:pPr algn="ctr"/>
+            <a:r>
+              <a:rPr lang="en-US" altLang="ja-JP" sz="1200">
+                <a:latin typeface="Times New Roman"/>
+                <a:cs typeface="Times New Roman"/>
+              </a:rPr>
+              <a:t>Classification</a:t>
+            </a:r>
+          </a:p>
+          <a:p>
+            <a:pPr algn="ctr"/>
+            <a:r>
+              <a:rPr lang="en-US" altLang="ja-JP" sz="1200">
+                <a:latin typeface="Times New Roman"/>
+                <a:cs typeface="Times New Roman"/>
+              </a:rPr>
+              <a:t>based on target</a:t>
+            </a:r>
+          </a:p>
+          <a:p>
+            <a:pPr algn="ctr"/>
+            <a:r>
+              <a:rPr lang="en-US" altLang="ja-JP" sz="1200">
+                <a:latin typeface="Times New Roman"/>
+                <a:cs typeface="Times New Roman"/>
+              </a:rPr>
+              <a:t>specificity</a:t>
+            </a:r>
+          </a:p>
+        </p:txBody>
+      </p:sp>
+      <p:sp>
+        <p:nvSpPr>
+          <p:cNvPr id="49" name="テキスト ボックス 48"/>
+          <p:cNvSpPr txBox="1"/>
+          <p:nvPr/>
+        </p:nvSpPr>
+        <p:spPr>
+          <a:xfrm>
+            <a:off x="3656318" y="2306170"/>
+            <a:ext cx="1223412" cy="461665"/>
           </a:xfrm>
           <a:prstGeom prst="rect">
             <a:avLst/>
@@ -41194,65 +41250,39 @@
           <a:p>
             <a:pPr algn="ctr"/>
             <a:r>
-              <a:rPr lang="en-US" altLang="ja-JP" sz="1100" b="1">
+              <a:rPr lang="en-US" altLang="ja-JP" sz="1200">
                 <a:latin typeface="Times New Roman"/>
                 <a:cs typeface="Times New Roman"/>
               </a:rPr>
-              <a:t>Classification</a:t>
+              <a:t>target specificity</a:t>
             </a:r>
           </a:p>
           <a:p>
             <a:pPr algn="ctr"/>
             <a:r>
-              <a:rPr lang="en-US" altLang="ja-JP" sz="1100" b="1">
+              <a:rPr lang="en-US" altLang="ja-JP" sz="1200">
                 <a:latin typeface="Times New Roman"/>
                 <a:cs typeface="Times New Roman"/>
               </a:rPr>
-              <a:t>based on target</a:t>
+              <a:t>is high</a:t>
             </a:r>
-          </a:p>
-          <a:p>
-            <a:pPr algn="ctr"/>
-            <a:r>
-              <a:rPr lang="en-US" altLang="ja-JP" sz="1100" b="1">
-                <a:latin typeface="Times New Roman"/>
-                <a:cs typeface="Times New Roman"/>
-              </a:rPr>
-              <a:t>specificity of </a:t>
-            </a:r>
-          </a:p>
-          <a:p>
-            <a:pPr algn="ctr"/>
-            <a:r>
-              <a:rPr lang="en-US" altLang="ja-JP" sz="1100" b="1">
-                <a:latin typeface="Times New Roman"/>
-                <a:cs typeface="Times New Roman"/>
-              </a:rPr>
-              <a:t>their information</a:t>
-            </a:r>
-          </a:p>
-          <a:p>
-            <a:pPr algn="ctr"/>
-            <a:r>
-              <a:rPr lang="en-US" altLang="ja-JP" sz="1100" b="1">
-                <a:latin typeface="Times New Roman"/>
-                <a:cs typeface="Times New Roman"/>
-              </a:rPr>
-              <a:t>publishing</a:t>
-            </a:r>
+            <a:endParaRPr kumimoji="1" lang="ja-JP" altLang="en-US" sz="1200">
+              <a:latin typeface="Times New Roman"/>
+              <a:cs typeface="Times New Roman"/>
+            </a:endParaRPr>
           </a:p>
         </p:txBody>
       </p:sp>
       <p:sp>
         <p:nvSpPr>
-          <p:cNvPr id="49" name="テキスト ボックス 48"/>
+          <p:cNvPr id="51" name="テキスト ボックス 50"/>
           <p:cNvSpPr txBox="1"/>
           <p:nvPr/>
         </p:nvSpPr>
         <p:spPr>
           <a:xfrm>
-            <a:off x="3675554" y="2159853"/>
-            <a:ext cx="1184940" cy="684803"/>
+            <a:off x="5133462" y="2109130"/>
+            <a:ext cx="1223412" cy="830997"/>
           </a:xfrm>
           <a:prstGeom prst="rect">
             <a:avLst/>
@@ -41267,21 +41297,27 @@
           <a:p>
             <a:pPr algn="ctr"/>
             <a:r>
-              <a:rPr lang="en-US" altLang="ja-JP" sz="1100" b="1">
+              <a:rPr lang="en-US" altLang="ja-JP" sz="1200">
                 <a:latin typeface="Times New Roman"/>
                 <a:cs typeface="Times New Roman"/>
               </a:rPr>
-              <a:t>(a)</a:t>
+              <a:t>Classification</a:t>
             </a:r>
           </a:p>
           <a:p>
-            <a:pPr algn="ctr">
-              <a:lnSpc>
-                <a:spcPct val="150000"/>
-              </a:lnSpc>
-            </a:pPr>
+            <a:pPr algn="ctr"/>
             <a:r>
-              <a:rPr lang="en-US" altLang="ja-JP" sz="1100" b="1">
+              <a:rPr lang="en-US" altLang="ja-JP" sz="1200">
+                <a:latin typeface="Times New Roman"/>
+                <a:cs typeface="Times New Roman"/>
+              </a:rPr>
+              <a:t>based on why </a:t>
+            </a:r>
+          </a:p>
+          <a:p>
+            <a:pPr algn="ctr"/>
+            <a:r>
+              <a:rPr lang="en-US" altLang="ja-JP" sz="1200">
                 <a:latin typeface="Times New Roman"/>
                 <a:cs typeface="Times New Roman"/>
               </a:rPr>
@@ -41291,74 +41327,7 @@
           <a:p>
             <a:pPr algn="ctr"/>
             <a:r>
-              <a:rPr lang="en-US" altLang="ja-JP" sz="1100" b="1">
-                <a:latin typeface="Times New Roman"/>
-                <a:cs typeface="Times New Roman"/>
-              </a:rPr>
-              <a:t>is high</a:t>
-            </a:r>
-            <a:endParaRPr kumimoji="1" lang="ja-JP" altLang="en-US" sz="1100" b="1">
-              <a:latin typeface="Times New Roman"/>
-              <a:cs typeface="Times New Roman"/>
-            </a:endParaRPr>
-          </a:p>
-        </p:txBody>
-      </p:sp>
-      <p:sp>
-        <p:nvSpPr>
-          <p:cNvPr id="51" name="テキスト ボックス 50"/>
-          <p:cNvSpPr txBox="1"/>
-          <p:nvPr/>
-        </p:nvSpPr>
-        <p:spPr>
-          <a:xfrm>
-            <a:off x="5152698" y="2151114"/>
-            <a:ext cx="1184940" cy="769441"/>
-          </a:xfrm>
-          <a:prstGeom prst="rect">
-            <a:avLst/>
-          </a:prstGeom>
-          <a:noFill/>
-        </p:spPr>
-        <p:txBody>
-          <a:bodyPr wrap="none" rtlCol="0">
-            <a:spAutoFit/>
-          </a:bodyPr>
-          <a:lstStyle/>
-          <a:p>
-            <a:pPr algn="ctr"/>
-            <a:r>
-              <a:rPr lang="en-US" altLang="ja-JP" sz="1100" b="1">
-                <a:latin typeface="Times New Roman"/>
-                <a:cs typeface="Times New Roman"/>
-              </a:rPr>
-              <a:t>Classification</a:t>
-            </a:r>
-          </a:p>
-          <a:p>
-            <a:pPr algn="ctr"/>
-            <a:r>
-              <a:rPr lang="en-US" altLang="ja-JP" sz="1100" b="1">
-                <a:latin typeface="Times New Roman"/>
-                <a:cs typeface="Times New Roman"/>
-              </a:rPr>
-              <a:t>based on why </a:t>
-            </a:r>
-          </a:p>
-          <a:p>
-            <a:pPr algn="ctr"/>
-            <a:r>
-              <a:rPr lang="en-US" altLang="ja-JP" sz="1100" b="1">
-                <a:latin typeface="Times New Roman"/>
-                <a:cs typeface="Times New Roman"/>
-              </a:rPr>
-              <a:t>target specificity</a:t>
-            </a:r>
-          </a:p>
-          <a:p>
-            <a:pPr algn="ctr"/>
-            <a:r>
-              <a:rPr lang="en-US" altLang="ja-JP" sz="1100" b="1">
+              <a:rPr lang="en-US" altLang="ja-JP" sz="1200">
                 <a:latin typeface="Times New Roman"/>
                 <a:cs typeface="Times New Roman"/>
               </a:rPr>
@@ -41375,8 +41344,8 @@
         </p:nvSpPr>
         <p:spPr>
           <a:xfrm>
-            <a:off x="3675554" y="3379939"/>
-            <a:ext cx="1184940" cy="684803"/>
+            <a:off x="3656318" y="3516387"/>
+            <a:ext cx="1223412" cy="461665"/>
           </a:xfrm>
           <a:prstGeom prst="rect">
             <a:avLst/>
@@ -41391,21 +41360,7 @@
           <a:p>
             <a:pPr algn="ctr"/>
             <a:r>
-              <a:rPr lang="en-US" altLang="ja-JP" sz="1100" b="1">
-                <a:latin typeface="Times New Roman"/>
-                <a:cs typeface="Times New Roman"/>
-              </a:rPr>
-              <a:t>(b)</a:t>
-            </a:r>
-          </a:p>
-          <a:p>
-            <a:pPr algn="ctr">
-              <a:lnSpc>
-                <a:spcPct val="150000"/>
-              </a:lnSpc>
-            </a:pPr>
-            <a:r>
-              <a:rPr lang="en-US" altLang="ja-JP" sz="1100" b="1">
+              <a:rPr lang="en-US" altLang="ja-JP" sz="1200">
                 <a:latin typeface="Times New Roman"/>
                 <a:cs typeface="Times New Roman"/>
               </a:rPr>
@@ -41415,13 +41370,13 @@
           <a:p>
             <a:pPr algn="ctr"/>
             <a:r>
-              <a:rPr lang="en-US" altLang="ja-JP" sz="1100" b="1">
+              <a:rPr lang="en-US" altLang="ja-JP" sz="1200">
                 <a:latin typeface="Times New Roman"/>
                 <a:cs typeface="Times New Roman"/>
               </a:rPr>
               <a:t>is low</a:t>
             </a:r>
-            <a:endParaRPr kumimoji="1" lang="ja-JP" altLang="en-US" sz="1100" b="1">
+            <a:endParaRPr kumimoji="1" lang="ja-JP" altLang="en-US" sz="1200">
               <a:latin typeface="Times New Roman"/>
               <a:cs typeface="Times New Roman"/>
             </a:endParaRPr>
@@ -41436,8 +41391,8 @@
         </p:nvSpPr>
         <p:spPr>
           <a:xfrm>
-            <a:off x="7041958" y="2172329"/>
-            <a:ext cx="1097589" cy="684803"/>
+            <a:off x="7025233" y="2306170"/>
+            <a:ext cx="1146167" cy="461665"/>
           </a:xfrm>
           <a:prstGeom prst="rect">
             <a:avLst/>
@@ -41452,21 +41407,7 @@
           <a:p>
             <a:pPr algn="ctr"/>
             <a:r>
-              <a:rPr lang="en-US" altLang="ja-JP" sz="1100" b="1">
-                <a:latin typeface="Times New Roman"/>
-                <a:cs typeface="Times New Roman"/>
-              </a:rPr>
-              <a:t>(1)</a:t>
-            </a:r>
-          </a:p>
-          <a:p>
-            <a:pPr algn="ctr">
-              <a:lnSpc>
-                <a:spcPct val="150000"/>
-              </a:lnSpc>
-            </a:pPr>
-            <a:r>
-              <a:rPr lang="en-US" altLang="ja-JP" sz="1100" b="1">
+              <a:rPr lang="en-US" altLang="ja-JP" sz="1200">
                 <a:latin typeface="Times New Roman"/>
                 <a:cs typeface="Times New Roman"/>
               </a:rPr>
@@ -41476,7 +41417,7 @@
           <a:p>
             <a:pPr algn="ctr"/>
             <a:r>
-              <a:rPr lang="en-US" altLang="ja-JP" sz="1100" b="1">
+              <a:rPr lang="en-US" altLang="ja-JP" sz="1200">
                 <a:latin typeface="Times New Roman"/>
                 <a:cs typeface="Times New Roman"/>
               </a:rPr>
@@ -41493,8 +41434,8 @@
         </p:nvSpPr>
         <p:spPr>
           <a:xfrm>
-            <a:off x="7036756" y="3379939"/>
-            <a:ext cx="1107996" cy="684803"/>
+            <a:off x="7043330" y="3516387"/>
+            <a:ext cx="1094846" cy="461665"/>
           </a:xfrm>
           <a:prstGeom prst="rect">
             <a:avLst/>
@@ -41509,36 +41450,27 @@
           <a:p>
             <a:pPr algn="ctr"/>
             <a:r>
-              <a:rPr lang="en-US" altLang="ja-JP" sz="1100" b="1">
+              <a:rPr lang="en-US" altLang="ja-JP" sz="1200">
                 <a:latin typeface="Times New Roman"/>
                 <a:cs typeface="Times New Roman"/>
               </a:rPr>
-              <a:t>(2)</a:t>
-            </a:r>
-          </a:p>
-          <a:p>
-            <a:pPr algn="ctr">
-              <a:lnSpc>
-                <a:spcPct val="150000"/>
-              </a:lnSpc>
-            </a:pPr>
-            <a:r>
-              <a:rPr lang="en-US" altLang="ja-JP" sz="1100" b="1">
-                <a:latin typeface="Times New Roman"/>
-                <a:cs typeface="Times New Roman"/>
-              </a:rPr>
-              <a:t>specified target</a:t>
+              <a:t>specified users</a:t>
             </a:r>
           </a:p>
           <a:p>
             <a:pPr algn="ctr"/>
             <a:r>
-              <a:rPr lang="en-US" altLang="ja-JP" sz="1100" b="1">
+              <a:rPr lang="en-US" altLang="ja-JP" sz="1200">
                 <a:latin typeface="Times New Roman"/>
                 <a:cs typeface="Times New Roman"/>
               </a:rPr>
-              <a:t>users</a:t>
+              <a:t>extensionally </a:t>
             </a:r>
+            <a:endParaRPr lang="en-US" altLang="ja-JP" sz="1200">
+              <a:effectLst/>
+              <a:latin typeface="Times New Roman"/>
+              <a:cs typeface="Times New Roman"/>
+            </a:endParaRPr>
           </a:p>
         </p:txBody>
       </p:sp>
@@ -41550,8 +41482,8 @@
         </p:nvSpPr>
         <p:spPr>
           <a:xfrm>
-            <a:off x="7041958" y="4587265"/>
-            <a:ext cx="1134107" cy="684803"/>
+            <a:off x="7006022" y="4713217"/>
+            <a:ext cx="1205979" cy="461665"/>
           </a:xfrm>
           <a:prstGeom prst="rect">
             <a:avLst/>
@@ -41566,21 +41498,7 @@
           <a:p>
             <a:pPr algn="ctr"/>
             <a:r>
-              <a:rPr lang="en-US" altLang="ja-JP" sz="1100" b="1">
-                <a:latin typeface="Times New Roman"/>
-                <a:cs typeface="Times New Roman"/>
-              </a:rPr>
-              <a:t>(3)</a:t>
-            </a:r>
-          </a:p>
-          <a:p>
-            <a:pPr algn="ctr">
-              <a:lnSpc>
-                <a:spcPct val="150000"/>
-              </a:lnSpc>
-            </a:pPr>
-            <a:r>
-              <a:rPr lang="en-US" altLang="ja-JP" sz="1100" b="1">
+              <a:rPr lang="en-US" altLang="ja-JP" sz="1200">
                 <a:latin typeface="Times New Roman"/>
                 <a:cs typeface="Times New Roman"/>
               </a:rPr>
@@ -41590,7 +41508,7 @@
           <a:p>
             <a:pPr algn="ctr"/>
             <a:r>
-              <a:rPr lang="en-US" altLang="ja-JP" sz="1100" b="1">
+              <a:rPr lang="en-US" altLang="ja-JP" sz="1200">
                 <a:latin typeface="Times New Roman"/>
                 <a:cs typeface="Times New Roman"/>
               </a:rPr>
@@ -42961,7 +42879,7 @@
               <a:lumMod val="85000"/>
             </a:schemeClr>
           </a:solidFill>
-          <a:ln w="28575" cmpd="sng">
+          <a:ln w="19050" cmpd="sng">
             <a:solidFill>
               <a:schemeClr val="tx1"/>
             </a:solidFill>
@@ -43003,12 +42921,12 @@
         <p:spPr>
           <a:xfrm>
             <a:off x="2862305" y="2743683"/>
-            <a:ext cx="758427" cy="0"/>
+            <a:ext cx="758427" cy="711"/>
           </a:xfrm>
           <a:prstGeom prst="straightConnector1">
             <a:avLst/>
           </a:prstGeom>
-          <a:ln w="28575" cmpd="sng">
+          <a:ln w="19050" cmpd="sng">
             <a:solidFill>
               <a:srgbClr val="000000"/>
             </a:solidFill>
@@ -43045,7 +42963,7 @@
           <a:prstGeom prst="line">
             <a:avLst/>
           </a:prstGeom>
-          <a:ln w="28575" cmpd="sng">
+          <a:ln w="19050" cmpd="sng">
             <a:solidFill>
               <a:srgbClr val="000000"/>
             </a:solidFill>
@@ -43081,7 +42999,7 @@
           <a:prstGeom prst="line">
             <a:avLst/>
           </a:prstGeom>
-          <a:ln w="28575" cmpd="sng">
+          <a:ln w="19050" cmpd="sng">
             <a:solidFill>
               <a:srgbClr val="000000"/>
             </a:solidFill>
@@ -43111,7 +43029,7 @@
         </p:nvSpPr>
         <p:spPr>
           <a:xfrm>
-            <a:off x="1432163" y="2563613"/>
+            <a:off x="1432163" y="2584605"/>
             <a:ext cx="1416173" cy="307777"/>
           </a:xfrm>
           <a:prstGeom prst="rect">
@@ -43126,13 +43044,13 @@
           <a:lstStyle/>
           <a:p>
             <a:r>
-              <a:rPr lang="en-US" altLang="ja-JP" sz="1400" b="1">
+              <a:rPr lang="en-US" altLang="ja-JP" sz="1400">
                 <a:latin typeface="Times New Roman"/>
                 <a:cs typeface="Times New Roman"/>
               </a:rPr>
               <a:t>3-class classifier</a:t>
             </a:r>
-            <a:endParaRPr kumimoji="1" lang="ja-JP" altLang="en-US" sz="1400" b="1">
+            <a:endParaRPr kumimoji="1" lang="ja-JP" altLang="en-US" sz="1400">
               <a:latin typeface="Times New Roman"/>
               <a:cs typeface="Times New Roman"/>
             </a:endParaRPr>
@@ -43153,7 +43071,7 @@
           <a:prstGeom prst="straightConnector1">
             <a:avLst/>
           </a:prstGeom>
-          <a:ln w="28575" cmpd="sng">
+          <a:ln w="19050" cmpd="sng">
             <a:solidFill>
               <a:srgbClr val="000000"/>
             </a:solidFill>
@@ -43190,7 +43108,7 @@
           <a:prstGeom prst="straightConnector1">
             <a:avLst/>
           </a:prstGeom>
-          <a:ln w="28575" cmpd="sng">
+          <a:ln w="19050" cmpd="sng">
             <a:solidFill>
               <a:srgbClr val="000000"/>
             </a:solidFill>
@@ -43227,7 +43145,7 @@
           <a:prstGeom prst="straightConnector1">
             <a:avLst/>
           </a:prstGeom>
-          <a:ln w="28575" cmpd="sng">
+          <a:ln w="19050" cmpd="sng">
             <a:solidFill>
               <a:srgbClr val="000000"/>
             </a:solidFill>
@@ -43258,8 +43176,8 @@
         </p:nvSpPr>
         <p:spPr>
           <a:xfrm>
-            <a:off x="3646390" y="2020025"/>
-            <a:ext cx="248799" cy="369332"/>
+            <a:off x="3646390" y="2051513"/>
+            <a:ext cx="234547" cy="307777"/>
           </a:xfrm>
           <a:prstGeom prst="rect">
             <a:avLst/>
@@ -43273,13 +43191,13 @@
           <a:lstStyle/>
           <a:p>
             <a:r>
-              <a:rPr lang="en-US" altLang="ja-JP" b="1">
+              <a:rPr lang="en-US" altLang="ja-JP" sz="1400">
                 <a:latin typeface="Times New Roman"/>
                 <a:cs typeface="Times New Roman"/>
               </a:rPr>
               <a:t>i</a:t>
             </a:r>
-            <a:endParaRPr kumimoji="1" lang="ja-JP" altLang="en-US" b="1">
+            <a:endParaRPr kumimoji="1" lang="ja-JP" altLang="en-US" sz="1400">
               <a:latin typeface="Times New Roman"/>
               <a:cs typeface="Times New Roman"/>
             </a:endParaRPr>
@@ -43294,8 +43212,8 @@
         </p:nvSpPr>
         <p:spPr>
           <a:xfrm>
-            <a:off x="3620732" y="2559017"/>
-            <a:ext cx="312931" cy="369332"/>
+            <a:off x="3620732" y="2590505"/>
+            <a:ext cx="284428" cy="307777"/>
           </a:xfrm>
           <a:prstGeom prst="rect">
             <a:avLst/>
@@ -43309,13 +43227,13 @@
           <a:lstStyle/>
           <a:p>
             <a:r>
-              <a:rPr lang="en-US" altLang="ja-JP" b="1">
+              <a:rPr lang="en-US" altLang="ja-JP" sz="1400">
                 <a:latin typeface="Times New Roman"/>
                 <a:cs typeface="Times New Roman"/>
               </a:rPr>
               <a:t>ii</a:t>
             </a:r>
-            <a:endParaRPr kumimoji="1" lang="ja-JP" altLang="en-US" b="1">
+            <a:endParaRPr kumimoji="1" lang="ja-JP" altLang="en-US" sz="1400">
               <a:latin typeface="Times New Roman"/>
               <a:cs typeface="Times New Roman"/>
             </a:endParaRPr>
@@ -43330,8 +43248,8 @@
         </p:nvSpPr>
         <p:spPr>
           <a:xfrm>
-            <a:off x="3597604" y="3090841"/>
-            <a:ext cx="377064" cy="369332"/>
+            <a:off x="3597604" y="3122329"/>
+            <a:ext cx="334309" cy="307777"/>
           </a:xfrm>
           <a:prstGeom prst="rect">
             <a:avLst/>
@@ -43345,13 +43263,13 @@
           <a:lstStyle/>
           <a:p>
             <a:r>
-              <a:rPr lang="en-US" altLang="ja-JP" b="1">
+              <a:rPr lang="en-US" altLang="ja-JP" sz="1400">
                 <a:latin typeface="Times New Roman"/>
                 <a:cs typeface="Times New Roman"/>
               </a:rPr>
               <a:t>iii</a:t>
             </a:r>
-            <a:endParaRPr kumimoji="1" lang="ja-JP" altLang="en-US" b="1">
+            <a:endParaRPr kumimoji="1" lang="ja-JP" altLang="en-US" sz="1400">
               <a:latin typeface="Times New Roman"/>
               <a:cs typeface="Times New Roman"/>
             </a:endParaRPr>
@@ -43377,7 +43295,7 @@
               <a:lumMod val="85000"/>
             </a:schemeClr>
           </a:solidFill>
-          <a:ln w="28575" cmpd="sng">
+          <a:ln w="19050" cmpd="sng">
             <a:solidFill>
               <a:schemeClr val="tx1"/>
             </a:solidFill>
@@ -43415,8 +43333,8 @@
         </p:nvSpPr>
         <p:spPr>
           <a:xfrm>
-            <a:off x="4891114" y="1977391"/>
-            <a:ext cx="1429172" cy="307777"/>
+            <a:off x="4891114" y="1998383"/>
+            <a:ext cx="1338828" cy="307777"/>
           </a:xfrm>
           <a:prstGeom prst="rect">
             <a:avLst/>
@@ -43430,13 +43348,13 @@
           <a:lstStyle/>
           <a:p>
             <a:r>
-              <a:rPr lang="en-US" altLang="ja-JP" sz="1400" b="1">
+              <a:rPr lang="en-US" altLang="ja-JP" sz="1400">
                 <a:latin typeface="Times New Roman"/>
                 <a:cs typeface="Times New Roman"/>
               </a:rPr>
               <a:t>binary classifier</a:t>
             </a:r>
-            <a:endParaRPr kumimoji="1" lang="ja-JP" altLang="en-US" sz="1400" b="1">
+            <a:endParaRPr kumimoji="1" lang="ja-JP" altLang="en-US" sz="1400">
               <a:latin typeface="Times New Roman"/>
               <a:cs typeface="Times New Roman"/>
             </a:endParaRPr>
@@ -43459,7 +43377,7 @@
           <a:prstGeom prst="straightConnector1">
             <a:avLst/>
           </a:prstGeom>
-          <a:ln w="28575" cmpd="sng">
+          <a:ln w="19050" cmpd="sng">
             <a:solidFill>
               <a:srgbClr val="000000"/>
             </a:solidFill>
@@ -43501,7 +43419,7 @@
               <a:lumMod val="85000"/>
             </a:schemeClr>
           </a:solidFill>
-          <a:ln w="28575" cmpd="sng">
+          <a:ln w="19050" cmpd="sng">
             <a:solidFill>
               <a:schemeClr val="tx1"/>
             </a:solidFill>
@@ -43547,7 +43465,7 @@
           <a:prstGeom prst="straightConnector1">
             <a:avLst/>
           </a:prstGeom>
-          <a:ln w="28575" cmpd="sng">
+          <a:ln w="19050" cmpd="sng">
             <a:solidFill>
               <a:srgbClr val="000000"/>
             </a:solidFill>
@@ -43578,8 +43496,8 @@
         </p:nvSpPr>
         <p:spPr>
           <a:xfrm>
-            <a:off x="4889988" y="2861423"/>
-            <a:ext cx="1429172" cy="307777"/>
+            <a:off x="4889988" y="2882415"/>
+            <a:ext cx="1338828" cy="307777"/>
           </a:xfrm>
           <a:prstGeom prst="rect">
             <a:avLst/>
@@ -43593,13 +43511,13 @@
           <a:lstStyle/>
           <a:p>
             <a:r>
-              <a:rPr lang="en-US" altLang="ja-JP" sz="1400" b="1">
+              <a:rPr lang="en-US" altLang="ja-JP" sz="1400">
                 <a:latin typeface="Times New Roman"/>
                 <a:cs typeface="Times New Roman"/>
               </a:rPr>
               <a:t>binary classifier</a:t>
             </a:r>
-            <a:endParaRPr kumimoji="1" lang="ja-JP" altLang="en-US" sz="1400" b="1">
+            <a:endParaRPr kumimoji="1" lang="ja-JP" altLang="en-US" sz="1400">
               <a:latin typeface="Times New Roman"/>
               <a:cs typeface="Times New Roman"/>
             </a:endParaRPr>
@@ -43614,7 +43532,7 @@
         </p:nvSpPr>
         <p:spPr>
           <a:xfrm>
-            <a:off x="5312928" y="2272340"/>
+            <a:off x="5312928" y="2251348"/>
             <a:ext cx="563638" cy="307777"/>
           </a:xfrm>
           <a:prstGeom prst="rect">
@@ -43629,13 +43547,13 @@
           <a:lstStyle/>
           <a:p>
             <a:r>
-              <a:rPr lang="en-US" altLang="ja-JP" sz="1400" b="1">
+              <a:rPr lang="en-US" altLang="ja-JP" sz="1400">
                 <a:latin typeface="Times New Roman"/>
                 <a:cs typeface="Times New Roman"/>
               </a:rPr>
               <a:t>topic</a:t>
             </a:r>
-            <a:endParaRPr kumimoji="1" lang="ja-JP" altLang="en-US" sz="1400" b="1">
+            <a:endParaRPr kumimoji="1" lang="ja-JP" altLang="en-US" sz="1400">
               <a:latin typeface="Times New Roman"/>
               <a:cs typeface="Times New Roman"/>
             </a:endParaRPr>
@@ -43650,8 +43568,8 @@
         </p:nvSpPr>
         <p:spPr>
           <a:xfrm>
-            <a:off x="5362809" y="3172608"/>
-            <a:ext cx="513757" cy="307777"/>
+            <a:off x="5362809" y="3141120"/>
+            <a:ext cx="492443" cy="307777"/>
           </a:xfrm>
           <a:prstGeom prst="rect">
             <a:avLst/>
@@ -43665,13 +43583,13 @@
           <a:lstStyle/>
           <a:p>
             <a:r>
-              <a:rPr lang="en-US" altLang="ja-JP" sz="1400" b="1">
+              <a:rPr lang="en-US" altLang="ja-JP" sz="1400">
                 <a:latin typeface="Times New Roman"/>
                 <a:cs typeface="Times New Roman"/>
               </a:rPr>
               <a:t>user</a:t>
             </a:r>
-            <a:endParaRPr kumimoji="1" lang="ja-JP" altLang="en-US" sz="1400" b="1">
+            <a:endParaRPr kumimoji="1" lang="ja-JP" altLang="en-US" sz="1400">
               <a:latin typeface="Times New Roman"/>
               <a:cs typeface="Times New Roman"/>
             </a:endParaRPr>
@@ -43692,7 +43610,7 @@
           <a:prstGeom prst="line">
             <a:avLst/>
           </a:prstGeom>
-          <a:ln w="28575" cmpd="sng">
+          <a:ln w="19050" cmpd="sng">
             <a:solidFill>
               <a:srgbClr val="000000"/>
             </a:solidFill>
@@ -43728,7 +43646,7 @@
           <a:prstGeom prst="straightConnector1">
             <a:avLst/>
           </a:prstGeom>
-          <a:ln w="28575" cmpd="sng">
+          <a:ln w="19050" cmpd="sng">
             <a:solidFill>
               <a:srgbClr val="000000"/>
             </a:solidFill>
@@ -43765,7 +43683,7 @@
           <a:prstGeom prst="straightConnector1">
             <a:avLst/>
           </a:prstGeom>
-          <a:ln w="28575" cmpd="sng">
+          <a:ln w="19050" cmpd="sng">
             <a:solidFill>
               <a:srgbClr val="000000"/>
             </a:solidFill>
@@ -43805,7 +43723,7 @@
           <a:solidFill>
             <a:schemeClr val="bg1"/>
           </a:solidFill>
-          <a:ln w="28575" cmpd="sng">
+          <a:ln w="19050" cmpd="sng">
             <a:solidFill>
               <a:schemeClr val="tx1"/>
             </a:solidFill>
@@ -43843,8 +43761,8 @@
         </p:nvSpPr>
         <p:spPr>
           <a:xfrm>
-            <a:off x="6681417" y="2401967"/>
-            <a:ext cx="974258" cy="602216"/>
+            <a:off x="6702407" y="2401967"/>
+            <a:ext cx="917627" cy="602216"/>
           </a:xfrm>
           <a:prstGeom prst="rect">
             <a:avLst/>
@@ -43863,7 +43781,7 @@
               </a:lnSpc>
             </a:pPr>
             <a:r>
-              <a:rPr lang="en-US" altLang="ja-JP" sz="1400" b="1">
+              <a:rPr lang="en-US" altLang="ja-JP" sz="1400">
                 <a:latin typeface="Times New Roman"/>
                 <a:cs typeface="Times New Roman"/>
               </a:rPr>
@@ -43877,13 +43795,13 @@
               </a:lnSpc>
             </a:pPr>
             <a:r>
-              <a:rPr kumimoji="1" lang="en-US" altLang="ja-JP" sz="1400" b="1">
+              <a:rPr kumimoji="1" lang="en-US" altLang="ja-JP" sz="1400">
                 <a:latin typeface="Times New Roman"/>
                 <a:cs typeface="Times New Roman"/>
               </a:rPr>
               <a:t>the results</a:t>
             </a:r>
-            <a:endParaRPr kumimoji="1" lang="ja-JP" altLang="en-US" sz="1400" b="1">
+            <a:endParaRPr kumimoji="1" lang="ja-JP" altLang="en-US" sz="1400">
               <a:latin typeface="Times New Roman"/>
               <a:cs typeface="Times New Roman"/>
             </a:endParaRPr>
@@ -43894,19 +43812,20 @@
         <p:nvCxnSpPr>
           <p:cNvPr id="127" name="直線矢印コネクタ 126"/>
           <p:cNvCxnSpPr>
+            <a:stCxn id="125" idx="3"/>
             <a:endCxn id="131" idx="1"/>
           </p:cNvCxnSpPr>
           <p:nvPr/>
         </p:nvCxnSpPr>
         <p:spPr>
           <a:xfrm>
-            <a:off x="7594723" y="2794097"/>
-            <a:ext cx="758427" cy="0"/>
+            <a:off x="7607706" y="2726949"/>
+            <a:ext cx="745444" cy="4883"/>
           </a:xfrm>
           <a:prstGeom prst="straightConnector1">
             <a:avLst/>
           </a:prstGeom>
-          <a:ln w="28575" cmpd="sng">
+          <a:ln w="19050" cmpd="sng">
             <a:solidFill>
               <a:srgbClr val="000000"/>
             </a:solidFill>
@@ -43937,13 +43856,13 @@
         </p:nvCxnSpPr>
         <p:spPr>
           <a:xfrm>
-            <a:off x="7815563" y="2258252"/>
+            <a:off x="7815563" y="2207838"/>
             <a:ext cx="492529" cy="0"/>
           </a:xfrm>
           <a:prstGeom prst="straightConnector1">
             <a:avLst/>
           </a:prstGeom>
-          <a:ln w="28575" cmpd="sng">
+          <a:ln w="19050" cmpd="sng">
             <a:solidFill>
               <a:srgbClr val="000000"/>
             </a:solidFill>
@@ -43974,13 +43893,13 @@
         </p:nvCxnSpPr>
         <p:spPr>
           <a:xfrm>
-            <a:off x="7815563" y="3325921"/>
+            <a:off x="7815563" y="3275507"/>
             <a:ext cx="492529" cy="0"/>
           </a:xfrm>
           <a:prstGeom prst="straightConnector1">
             <a:avLst/>
           </a:prstGeom>
-          <a:ln w="28575" cmpd="sng">
+          <a:ln w="19050" cmpd="sng">
             <a:solidFill>
               <a:srgbClr val="000000"/>
             </a:solidFill>
@@ -44011,8 +43930,8 @@
         </p:nvSpPr>
         <p:spPr>
           <a:xfrm>
-            <a:off x="8378808" y="2070439"/>
-            <a:ext cx="248799" cy="369332"/>
+            <a:off x="8378808" y="2101927"/>
+            <a:ext cx="234547" cy="307777"/>
           </a:xfrm>
           <a:prstGeom prst="rect">
             <a:avLst/>
@@ -44026,13 +43945,13 @@
           <a:lstStyle/>
           <a:p>
             <a:r>
-              <a:rPr lang="en-US" altLang="ja-JP" b="1">
+              <a:rPr lang="en-US" altLang="ja-JP" sz="1400">
                 <a:latin typeface="Times New Roman"/>
                 <a:cs typeface="Times New Roman"/>
               </a:rPr>
               <a:t>i</a:t>
             </a:r>
-            <a:endParaRPr kumimoji="1" lang="ja-JP" altLang="en-US" b="1">
+            <a:endParaRPr kumimoji="1" lang="ja-JP" altLang="en-US" sz="1400">
               <a:latin typeface="Times New Roman"/>
               <a:cs typeface="Times New Roman"/>
             </a:endParaRPr>
@@ -44047,8 +43966,8 @@
         </p:nvSpPr>
         <p:spPr>
           <a:xfrm>
-            <a:off x="8353150" y="2609431"/>
-            <a:ext cx="312931" cy="369332"/>
+            <a:off x="8353150" y="2577943"/>
+            <a:ext cx="284428" cy="307777"/>
           </a:xfrm>
           <a:prstGeom prst="rect">
             <a:avLst/>
@@ -44062,13 +43981,13 @@
           <a:lstStyle/>
           <a:p>
             <a:r>
-              <a:rPr lang="en-US" altLang="ja-JP" b="1">
+              <a:rPr lang="en-US" altLang="ja-JP" sz="1400">
                 <a:latin typeface="Times New Roman"/>
                 <a:cs typeface="Times New Roman"/>
               </a:rPr>
               <a:t>ii</a:t>
             </a:r>
-            <a:endParaRPr kumimoji="1" lang="ja-JP" altLang="en-US" b="1">
+            <a:endParaRPr kumimoji="1" lang="ja-JP" altLang="en-US" sz="1400">
               <a:latin typeface="Times New Roman"/>
               <a:cs typeface="Times New Roman"/>
             </a:endParaRPr>
@@ -44083,8 +44002,8 @@
         </p:nvSpPr>
         <p:spPr>
           <a:xfrm>
-            <a:off x="8330022" y="3141255"/>
-            <a:ext cx="377064" cy="369332"/>
+            <a:off x="8330022" y="3172743"/>
+            <a:ext cx="334309" cy="307777"/>
           </a:xfrm>
           <a:prstGeom prst="rect">
             <a:avLst/>
@@ -44098,13 +44017,13 @@
           <a:lstStyle/>
           <a:p>
             <a:r>
-              <a:rPr lang="en-US" altLang="ja-JP" b="1">
+              <a:rPr lang="en-US" altLang="ja-JP" sz="1400">
                 <a:latin typeface="Times New Roman"/>
                 <a:cs typeface="Times New Roman"/>
               </a:rPr>
               <a:t>iii</a:t>
             </a:r>
-            <a:endParaRPr kumimoji="1" lang="ja-JP" altLang="en-US" b="1">
+            <a:endParaRPr kumimoji="1" lang="ja-JP" altLang="en-US" sz="1400">
               <a:latin typeface="Times New Roman"/>
               <a:cs typeface="Times New Roman"/>
             </a:endParaRPr>
@@ -44119,13 +44038,13 @@
         </p:nvCxnSpPr>
         <p:spPr>
           <a:xfrm>
-            <a:off x="7814012" y="2244564"/>
+            <a:off x="7814012" y="2194150"/>
             <a:ext cx="0" cy="1081357"/>
           </a:xfrm>
           <a:prstGeom prst="line">
             <a:avLst/>
           </a:prstGeom>
-          <a:ln w="28575" cmpd="sng">
+          <a:ln w="19050" cmpd="sng">
             <a:solidFill>
               <a:srgbClr val="000000"/>
             </a:solidFill>
@@ -44155,8 +44074,8 @@
         </p:nvSpPr>
         <p:spPr>
           <a:xfrm>
-            <a:off x="909577" y="1292142"/>
-            <a:ext cx="2094894" cy="369332"/>
+            <a:off x="1528798" y="3821742"/>
+            <a:ext cx="1826141" cy="338554"/>
           </a:xfrm>
           <a:prstGeom prst="rect">
             <a:avLst/>
@@ -44170,13 +44089,13 @@
           <a:lstStyle/>
           <a:p>
             <a:r>
-              <a:rPr lang="en-US" altLang="ja-JP" b="1">
+              <a:rPr lang="en-US" altLang="ja-JP" sz="1600">
                 <a:latin typeface="Times New Roman"/>
                 <a:cs typeface="Times New Roman"/>
               </a:rPr>
               <a:t>(a) 3-class classifier</a:t>
             </a:r>
-            <a:endParaRPr kumimoji="1" lang="ja-JP" altLang="en-US" b="1">
+            <a:endParaRPr kumimoji="1" lang="ja-JP" altLang="en-US" sz="1600">
               <a:latin typeface="Times New Roman"/>
               <a:cs typeface="Times New Roman"/>
             </a:endParaRPr>
@@ -44191,8 +44110,8 @@
         </p:nvSpPr>
         <p:spPr>
           <a:xfrm>
-            <a:off x="4118167" y="1299984"/>
-            <a:ext cx="2371037" cy="369332"/>
+            <a:off x="5331324" y="3821742"/>
+            <a:ext cx="2025014" cy="338554"/>
           </a:xfrm>
           <a:prstGeom prst="rect">
             <a:avLst/>
@@ -44206,13 +44125,13 @@
           <a:lstStyle/>
           <a:p>
             <a:r>
-              <a:rPr lang="en-US" altLang="ja-JP" b="1">
+              <a:rPr lang="en-US" altLang="ja-JP" sz="1600">
                 <a:latin typeface="Times New Roman"/>
                 <a:cs typeface="Times New Roman"/>
               </a:rPr>
               <a:t>(b) 2 binary classifiers</a:t>
             </a:r>
-            <a:endParaRPr kumimoji="1" lang="ja-JP" altLang="en-US" b="1">
+            <a:endParaRPr kumimoji="1" lang="ja-JP" altLang="en-US" sz="1600">
               <a:latin typeface="Times New Roman"/>
               <a:cs typeface="Times New Roman"/>
             </a:endParaRPr>
@@ -44268,7 +44187,7 @@
               <a:lumMod val="85000"/>
             </a:schemeClr>
           </a:solidFill>
-          <a:ln w="38100" cmpd="sng">
+          <a:ln w="25400" cmpd="sng">
             <a:solidFill>
               <a:srgbClr val="000000"/>
             </a:solidFill>
@@ -44320,7 +44239,7 @@
               <a:lumMod val="85000"/>
             </a:schemeClr>
           </a:solidFill>
-          <a:ln w="38100" cmpd="sng">
+          <a:ln w="25400" cmpd="sng">
             <a:solidFill>
               <a:srgbClr val="000000"/>
             </a:solidFill>
@@ -44372,7 +44291,7 @@
               <a:lumMod val="85000"/>
             </a:schemeClr>
           </a:solidFill>
-          <a:ln w="38100" cmpd="sng">
+          <a:ln w="25400" cmpd="sng">
             <a:solidFill>
               <a:srgbClr val="000000"/>
             </a:solidFill>
@@ -44424,7 +44343,7 @@
               <a:lumMod val="85000"/>
             </a:schemeClr>
           </a:solidFill>
-          <a:ln w="38100" cmpd="sng">
+          <a:ln w="25400" cmpd="sng">
             <a:solidFill>
               <a:srgbClr val="000000"/>
             </a:solidFill>
@@ -44476,7 +44395,7 @@
               <a:lumMod val="85000"/>
             </a:schemeClr>
           </a:solidFill>
-          <a:ln w="38100" cmpd="sng">
+          <a:ln w="25400" cmpd="sng">
             <a:solidFill>
               <a:srgbClr val="000000"/>
             </a:solidFill>
@@ -44526,7 +44445,7 @@
           <a:solidFill>
             <a:schemeClr val="bg1"/>
           </a:solidFill>
-          <a:ln w="38100" cmpd="sng">
+          <a:ln w="25400" cmpd="sng">
             <a:solidFill>
               <a:srgbClr val="000000"/>
             </a:solidFill>
@@ -44576,7 +44495,7 @@
           <a:solidFill>
             <a:schemeClr val="bg1"/>
           </a:solidFill>
-          <a:ln w="38100" cmpd="sng">
+          <a:ln w="25400" cmpd="sng">
             <a:solidFill>
               <a:srgbClr val="000000"/>
             </a:solidFill>
@@ -44628,7 +44547,7 @@
               <a:lumMod val="85000"/>
             </a:schemeClr>
           </a:solidFill>
-          <a:ln w="38100" cmpd="sng">
+          <a:ln w="25400" cmpd="sng">
             <a:solidFill>
               <a:srgbClr val="000000"/>
             </a:solidFill>
@@ -44680,7 +44599,7 @@
               <a:lumMod val="85000"/>
             </a:schemeClr>
           </a:solidFill>
-          <a:ln w="38100" cmpd="sng">
+          <a:ln w="25400" cmpd="sng">
             <a:solidFill>
               <a:srgbClr val="000000"/>
             </a:solidFill>
@@ -44732,7 +44651,7 @@
               <a:lumMod val="85000"/>
             </a:schemeClr>
           </a:solidFill>
-          <a:ln w="38100" cmpd="sng">
+          <a:ln w="25400" cmpd="sng">
             <a:solidFill>
               <a:srgbClr val="000000"/>
             </a:solidFill>
@@ -45129,7 +45048,7 @@
             </a:pathLst>
           </a:custGeom>
           <a:noFill/>
-          <a:ln w="38100" cmpd="sng">
+          <a:ln w="25400" cmpd="sng">
             <a:solidFill>
               <a:srgbClr val="000000"/>
             </a:solidFill>
@@ -45178,6 +45097,9 @@
             <a:avLst/>
           </a:prstGeom>
           <a:noFill/>
+          <a:ln w="25400" cmpd="sng">
+            <a:noFill/>
+          </a:ln>
         </p:spPr>
         <p:txBody>
           <a:bodyPr wrap="none" rtlCol="0">
@@ -45186,14 +45108,14 @@
           <a:lstStyle/>
           <a:p>
             <a:r>
-              <a:rPr lang="en-US" altLang="ja-JP" sz="2000" b="1">
+              <a:rPr lang="en-US" altLang="ja-JP" sz="2000">
                 <a:latin typeface="Times New Roman"/>
                 <a:ea typeface="+mj-ea"/>
                 <a:cs typeface="Times New Roman"/>
               </a:rPr>
               <a:t>A</a:t>
             </a:r>
-            <a:endParaRPr kumimoji="1" lang="ja-JP" altLang="en-US" sz="2000" b="1">
+            <a:endParaRPr kumimoji="1" lang="ja-JP" altLang="en-US" sz="2000">
               <a:latin typeface="Times New Roman"/>
               <a:ea typeface="+mj-ea"/>
               <a:cs typeface="Times New Roman"/>
@@ -45218,7 +45140,7 @@
           <a:solidFill>
             <a:schemeClr val="bg1"/>
           </a:solidFill>
-          <a:ln w="38100" cmpd="sng">
+          <a:ln w="25400" cmpd="sng">
             <a:solidFill>
               <a:schemeClr val="tx1"/>
             </a:solidFill>
@@ -45268,7 +45190,7 @@
           <a:solidFill>
             <a:schemeClr val="bg1"/>
           </a:solidFill>
-          <a:ln w="38100" cmpd="sng">
+          <a:ln w="25400" cmpd="sng">
             <a:solidFill>
               <a:schemeClr val="tx1"/>
             </a:solidFill>
@@ -45318,7 +45240,7 @@
           <a:solidFill>
             <a:schemeClr val="bg1"/>
           </a:solidFill>
-          <a:ln w="38100" cmpd="sng">
+          <a:ln w="25400" cmpd="sng">
             <a:solidFill>
               <a:schemeClr val="tx1"/>
             </a:solidFill>
@@ -45370,7 +45292,7 @@
               <a:lumMod val="85000"/>
             </a:schemeClr>
           </a:solidFill>
-          <a:ln w="38100" cmpd="sng">
+          <a:ln w="25400" cmpd="sng">
             <a:solidFill>
               <a:srgbClr val="000000"/>
             </a:solidFill>
@@ -45422,7 +45344,7 @@
               <a:lumMod val="85000"/>
             </a:schemeClr>
           </a:solidFill>
-          <a:ln w="38100" cmpd="sng">
+          <a:ln w="25400" cmpd="sng">
             <a:solidFill>
               <a:srgbClr val="000000"/>
             </a:solidFill>
@@ -45472,7 +45394,7 @@
           <a:solidFill>
             <a:schemeClr val="bg1"/>
           </a:solidFill>
-          <a:ln w="38100" cmpd="sng">
+          <a:ln w="25400" cmpd="sng">
             <a:solidFill>
               <a:schemeClr val="tx1"/>
             </a:solidFill>
@@ -45522,7 +45444,7 @@
           <a:solidFill>
             <a:schemeClr val="bg1"/>
           </a:solidFill>
-          <a:ln w="38100" cmpd="sng">
+          <a:ln w="25400" cmpd="sng">
             <a:solidFill>
               <a:schemeClr val="tx1"/>
             </a:solidFill>
@@ -45574,7 +45496,7 @@
               <a:lumMod val="85000"/>
             </a:schemeClr>
           </a:solidFill>
-          <a:ln w="38100" cmpd="sng">
+          <a:ln w="25400" cmpd="sng">
             <a:solidFill>
               <a:srgbClr val="000000"/>
             </a:solidFill>
@@ -45626,7 +45548,7 @@
               <a:lumMod val="85000"/>
             </a:schemeClr>
           </a:solidFill>
-          <a:ln w="38100" cmpd="sng">
+          <a:ln w="25400" cmpd="sng">
             <a:solidFill>
               <a:srgbClr val="000000"/>
             </a:solidFill>
@@ -45678,7 +45600,7 @@
               <a:lumMod val="85000"/>
             </a:schemeClr>
           </a:solidFill>
-          <a:ln w="38100" cmpd="sng">
+          <a:ln w="25400" cmpd="sng">
             <a:solidFill>
               <a:srgbClr val="000000"/>
             </a:solidFill>
@@ -46045,7 +45967,7 @@
             </a:pathLst>
           </a:custGeom>
           <a:noFill/>
-          <a:ln w="38100" cmpd="sng">
+          <a:ln w="25400" cmpd="sng">
             <a:solidFill>
               <a:srgbClr val="000000"/>
             </a:solidFill>
@@ -46423,7 +46345,7 @@
             </a:pathLst>
           </a:custGeom>
           <a:noFill/>
-          <a:ln w="38100" cmpd="sng">
+          <a:ln w="25400" cmpd="sng">
             <a:solidFill>
               <a:srgbClr val="000000"/>
             </a:solidFill>
@@ -46472,6 +46394,9 @@
             <a:avLst/>
           </a:prstGeom>
           <a:noFill/>
+          <a:ln w="25400" cmpd="sng">
+            <a:noFill/>
+          </a:ln>
         </p:spPr>
         <p:txBody>
           <a:bodyPr wrap="none" rtlCol="0">
@@ -46480,14 +46405,14 @@
           <a:lstStyle/>
           <a:p>
             <a:r>
-              <a:rPr lang="en-US" altLang="ja-JP" sz="2000" b="1">
+              <a:rPr lang="en-US" altLang="ja-JP" sz="2000">
                 <a:latin typeface="Times New Roman"/>
                 <a:ea typeface="+mj-ea"/>
                 <a:cs typeface="Times New Roman"/>
               </a:rPr>
               <a:t>A</a:t>
             </a:r>
-            <a:endParaRPr kumimoji="1" lang="ja-JP" altLang="en-US" sz="2000" b="1">
+            <a:endParaRPr kumimoji="1" lang="ja-JP" altLang="en-US" sz="2000">
               <a:latin typeface="Times New Roman"/>
               <a:ea typeface="+mj-ea"/>
               <a:cs typeface="Times New Roman"/>
@@ -46510,6 +46435,9 @@
             <a:avLst/>
           </a:prstGeom>
           <a:noFill/>
+          <a:ln w="25400" cmpd="sng">
+            <a:noFill/>
+          </a:ln>
         </p:spPr>
         <p:txBody>
           <a:bodyPr wrap="none" rtlCol="0">
@@ -46518,14 +46446,14 @@
           <a:lstStyle/>
           <a:p>
             <a:r>
-              <a:rPr lang="en-US" altLang="ja-JP" sz="2000" b="1">
+              <a:rPr lang="en-US" altLang="ja-JP" sz="2000">
                 <a:latin typeface="Times New Roman"/>
                 <a:ea typeface="+mj-ea"/>
                 <a:cs typeface="Times New Roman"/>
               </a:rPr>
               <a:t>B</a:t>
             </a:r>
-            <a:endParaRPr kumimoji="1" lang="ja-JP" altLang="en-US" sz="2000" b="1">
+            <a:endParaRPr kumimoji="1" lang="ja-JP" altLang="en-US" sz="2000">
               <a:latin typeface="Times New Roman"/>
               <a:ea typeface="+mj-ea"/>
               <a:cs typeface="Times New Roman"/>
@@ -46658,7 +46586,7 @@
               <a:lumMod val="85000"/>
             </a:schemeClr>
           </a:solidFill>
-          <a:ln w="38100" cmpd="sng">
+          <a:ln w="25400" cmpd="sng">
             <a:solidFill>
               <a:srgbClr val="000000"/>
             </a:solidFill>
@@ -46710,7 +46638,7 @@
               <a:lumMod val="85000"/>
             </a:schemeClr>
           </a:solidFill>
-          <a:ln w="38100" cmpd="sng">
+          <a:ln w="25400" cmpd="sng">
             <a:solidFill>
               <a:srgbClr val="000000"/>
             </a:solidFill>
@@ -46762,7 +46690,7 @@
               <a:lumMod val="85000"/>
             </a:schemeClr>
           </a:solidFill>
-          <a:ln w="38100" cmpd="sng">
+          <a:ln w="25400" cmpd="sng">
             <a:solidFill>
               <a:srgbClr val="000000"/>
             </a:solidFill>
@@ -46814,7 +46742,7 @@
               <a:lumMod val="85000"/>
             </a:schemeClr>
           </a:solidFill>
-          <a:ln w="38100" cmpd="sng">
+          <a:ln w="25400" cmpd="sng">
             <a:solidFill>
               <a:srgbClr val="000000"/>
             </a:solidFill>
@@ -46866,7 +46794,7 @@
               <a:lumMod val="85000"/>
             </a:schemeClr>
           </a:solidFill>
-          <a:ln w="38100" cmpd="sng">
+          <a:ln w="25400" cmpd="sng">
             <a:solidFill>
               <a:srgbClr val="000000"/>
             </a:solidFill>
@@ -46918,7 +46846,7 @@
               <a:lumMod val="85000"/>
             </a:schemeClr>
           </a:solidFill>
-          <a:ln w="38100" cmpd="sng">
+          <a:ln w="25400" cmpd="sng">
             <a:solidFill>
               <a:srgbClr val="000000"/>
             </a:solidFill>
@@ -46970,7 +46898,7 @@
               <a:lumMod val="85000"/>
             </a:schemeClr>
           </a:solidFill>
-          <a:ln w="38100" cmpd="sng">
+          <a:ln w="25400" cmpd="sng">
             <a:solidFill>
               <a:srgbClr val="000000"/>
             </a:solidFill>
@@ -47020,7 +46948,7 @@
           <a:solidFill>
             <a:schemeClr val="bg1"/>
           </a:solidFill>
-          <a:ln w="38100" cmpd="sng">
+          <a:ln w="25400" cmpd="sng">
             <a:solidFill>
               <a:srgbClr val="000000"/>
             </a:solidFill>
@@ -47070,7 +46998,7 @@
           <a:solidFill>
             <a:schemeClr val="bg1"/>
           </a:solidFill>
-          <a:ln w="38100" cmpd="sng">
+          <a:ln w="25400" cmpd="sng">
             <a:solidFill>
               <a:srgbClr val="000000"/>
             </a:solidFill>
@@ -47120,7 +47048,7 @@
           <a:solidFill>
             <a:schemeClr val="bg1"/>
           </a:solidFill>
-          <a:ln w="38100" cmpd="sng">
+          <a:ln w="25400" cmpd="sng">
             <a:solidFill>
               <a:srgbClr val="000000"/>
             </a:solidFill>
@@ -47493,7 +47421,7 @@
             </a:pathLst>
           </a:custGeom>
           <a:noFill/>
-          <a:ln w="38100" cmpd="sng">
+          <a:ln w="25400" cmpd="sng">
             <a:solidFill>
               <a:srgbClr val="000000"/>
             </a:solidFill>
@@ -48130,7 +48058,7 @@
             </a:pathLst>
           </a:custGeom>
           <a:noFill/>
-          <a:ln w="38100" cmpd="sng">
+          <a:ln w="25400" cmpd="sng">
             <a:solidFill>
               <a:schemeClr val="tx1"/>
             </a:solidFill>
@@ -48446,7 +48374,7 @@
             </a:pathLst>
           </a:custGeom>
           <a:noFill/>
-          <a:ln w="38100" cmpd="sng">
+          <a:ln w="25400" cmpd="sng">
             <a:solidFill>
               <a:schemeClr val="tx1"/>
             </a:solidFill>
@@ -48503,14 +48431,14 @@
           <a:lstStyle/>
           <a:p>
             <a:r>
-              <a:rPr lang="en-US" altLang="ja-JP" sz="2000" b="1">
+              <a:rPr lang="en-US" altLang="ja-JP" sz="2000">
                 <a:latin typeface="Times New Roman"/>
                 <a:ea typeface="+mj-ea"/>
                 <a:cs typeface="Times New Roman"/>
               </a:rPr>
               <a:t>A</a:t>
             </a:r>
-            <a:endParaRPr kumimoji="1" lang="ja-JP" altLang="en-US" sz="2000" b="1">
+            <a:endParaRPr kumimoji="1" lang="ja-JP" altLang="en-US" sz="2000">
               <a:latin typeface="Times New Roman"/>
               <a:ea typeface="+mj-ea"/>
               <a:cs typeface="Times New Roman"/>
@@ -48535,7 +48463,7 @@
           <a:solidFill>
             <a:schemeClr val="bg1"/>
           </a:solidFill>
-          <a:ln w="38100" cmpd="sng">
+          <a:ln w="25400" cmpd="sng">
             <a:solidFill>
               <a:srgbClr val="000000"/>
             </a:solidFill>
@@ -48585,7 +48513,7 @@
           <a:solidFill>
             <a:schemeClr val="bg1"/>
           </a:solidFill>
-          <a:ln w="38100" cmpd="sng">
+          <a:ln w="25400" cmpd="sng">
             <a:solidFill>
               <a:srgbClr val="000000"/>
             </a:solidFill>
@@ -48635,7 +48563,7 @@
           <a:solidFill>
             <a:schemeClr val="bg1"/>
           </a:solidFill>
-          <a:ln w="38100" cmpd="sng">
+          <a:ln w="25400" cmpd="sng">
             <a:solidFill>
               <a:srgbClr val="000000"/>
             </a:solidFill>
@@ -48685,7 +48613,7 @@
           <a:solidFill>
             <a:schemeClr val="bg1"/>
           </a:solidFill>
-          <a:ln w="38100" cmpd="sng">
+          <a:ln w="25400" cmpd="sng">
             <a:solidFill>
               <a:srgbClr val="000000"/>
             </a:solidFill>
@@ -48735,7 +48663,7 @@
           <a:solidFill>
             <a:schemeClr val="bg1"/>
           </a:solidFill>
-          <a:ln w="38100" cmpd="sng">
+          <a:ln w="25400" cmpd="sng">
             <a:solidFill>
               <a:srgbClr val="000000"/>
             </a:solidFill>
@@ -48785,7 +48713,7 @@
           <a:solidFill>
             <a:schemeClr val="bg1"/>
           </a:solidFill>
-          <a:ln w="38100" cmpd="sng">
+          <a:ln w="25400" cmpd="sng">
             <a:solidFill>
               <a:srgbClr val="000000"/>
             </a:solidFill>
@@ -48835,7 +48763,7 @@
           <a:solidFill>
             <a:schemeClr val="bg1"/>
           </a:solidFill>
-          <a:ln w="38100" cmpd="sng">
+          <a:ln w="25400" cmpd="sng">
             <a:solidFill>
               <a:srgbClr val="000000"/>
             </a:solidFill>
@@ -48885,7 +48813,7 @@
           <a:solidFill>
             <a:schemeClr val="bg1"/>
           </a:solidFill>
-          <a:ln w="38100" cmpd="sng">
+          <a:ln w="25400" cmpd="sng">
             <a:solidFill>
               <a:srgbClr val="000000"/>
             </a:solidFill>
@@ -48937,7 +48865,7 @@
               <a:lumMod val="85000"/>
             </a:schemeClr>
           </a:solidFill>
-          <a:ln w="38100" cmpd="sng">
+          <a:ln w="25400" cmpd="sng">
             <a:solidFill>
               <a:srgbClr val="000000"/>
             </a:solidFill>
@@ -48989,7 +48917,7 @@
               <a:lumMod val="85000"/>
             </a:schemeClr>
           </a:solidFill>
-          <a:ln w="38100" cmpd="sng">
+          <a:ln w="25400" cmpd="sng">
             <a:solidFill>
               <a:srgbClr val="000000"/>
             </a:solidFill>
@@ -49374,14 +49302,14 @@
           <a:lstStyle/>
           <a:p>
             <a:r>
-              <a:rPr lang="en-US" altLang="ja-JP" sz="2000" b="1">
+              <a:rPr lang="en-US" altLang="ja-JP" sz="2000">
                 <a:latin typeface="Times New Roman"/>
                 <a:ea typeface="+mj-ea"/>
                 <a:cs typeface="Times New Roman"/>
               </a:rPr>
               <a:t>B</a:t>
             </a:r>
-            <a:endParaRPr kumimoji="1" lang="ja-JP" altLang="en-US" sz="2000" b="1">
+            <a:endParaRPr kumimoji="1" lang="ja-JP" altLang="en-US" sz="2000">
               <a:latin typeface="Times New Roman"/>
               <a:ea typeface="+mj-ea"/>
               <a:cs typeface="Times New Roman"/>
@@ -49406,7 +49334,7 @@
           <a:solidFill>
             <a:schemeClr val="bg1"/>
           </a:solidFill>
-          <a:ln w="38100" cmpd="sng">
+          <a:ln w="25400" cmpd="sng">
             <a:solidFill>
               <a:srgbClr val="000000"/>
             </a:solidFill>
@@ -49456,7 +49384,7 @@
           <a:solidFill>
             <a:schemeClr val="bg1"/>
           </a:solidFill>
-          <a:ln w="38100" cmpd="sng">
+          <a:ln w="25400" cmpd="sng">
             <a:solidFill>
               <a:srgbClr val="000000"/>
             </a:solidFill>
@@ -49506,7 +49434,7 @@
           <a:solidFill>
             <a:schemeClr val="bg1"/>
           </a:solidFill>
-          <a:ln w="38100" cmpd="sng">
+          <a:ln w="25400" cmpd="sng">
             <a:solidFill>
               <a:srgbClr val="000000"/>
             </a:solidFill>
@@ -49556,7 +49484,7 @@
           <a:solidFill>
             <a:schemeClr val="bg1"/>
           </a:solidFill>
-          <a:ln w="38100" cmpd="sng">
+          <a:ln w="25400" cmpd="sng">
             <a:solidFill>
               <a:srgbClr val="000000"/>
             </a:solidFill>
@@ -49606,7 +49534,7 @@
           <a:solidFill>
             <a:schemeClr val="bg1"/>
           </a:solidFill>
-          <a:ln w="38100" cmpd="sng">
+          <a:ln w="25400" cmpd="sng">
             <a:solidFill>
               <a:srgbClr val="000000"/>
             </a:solidFill>
@@ -49656,7 +49584,7 @@
           <a:solidFill>
             <a:schemeClr val="bg1"/>
           </a:solidFill>
-          <a:ln w="38100" cmpd="sng">
+          <a:ln w="25400" cmpd="sng">
             <a:solidFill>
               <a:srgbClr val="000000"/>
             </a:solidFill>
@@ -49706,7 +49634,7 @@
           <a:solidFill>
             <a:schemeClr val="bg1"/>
           </a:solidFill>
-          <a:ln w="38100" cmpd="sng">
+          <a:ln w="25400" cmpd="sng">
             <a:solidFill>
               <a:srgbClr val="000000"/>
             </a:solidFill>
@@ -49758,7 +49686,7 @@
               <a:lumMod val="85000"/>
             </a:schemeClr>
           </a:solidFill>
-          <a:ln w="38100" cmpd="sng">
+          <a:ln w="25400" cmpd="sng">
             <a:solidFill>
               <a:srgbClr val="000000"/>
             </a:solidFill>
@@ -49808,7 +49736,7 @@
           <a:solidFill>
             <a:schemeClr val="bg1"/>
           </a:solidFill>
-          <a:ln w="38100" cmpd="sng">
+          <a:ln w="25400" cmpd="sng">
             <a:solidFill>
               <a:srgbClr val="000000"/>
             </a:solidFill>
@@ -49858,7 +49786,7 @@
           <a:solidFill>
             <a:schemeClr val="bg1"/>
           </a:solidFill>
-          <a:ln w="38100" cmpd="sng">
+          <a:ln w="25400" cmpd="sng">
             <a:solidFill>
               <a:srgbClr val="000000"/>
             </a:solidFill>
@@ -50507,7 +50435,7 @@
           <a:prstGeom prst="straightConnector1">
             <a:avLst/>
           </a:prstGeom>
-          <a:ln w="76200" cmpd="sng">
+          <a:ln w="38100" cmpd="sng">
             <a:solidFill>
               <a:srgbClr val="000000"/>
             </a:solidFill>
@@ -50544,7 +50472,7 @@
           <a:prstGeom prst="straightConnector1">
             <a:avLst/>
           </a:prstGeom>
-          <a:ln w="76200" cmpd="sng">
+          <a:ln w="38100" cmpd="sng">
             <a:solidFill>
               <a:srgbClr val="000000"/>
             </a:solidFill>

--- a/figure.pptx
+++ b/figure.pptx
@@ -755,7 +755,7 @@
                   <c:v>1.62409175357E-10</c:v>
                 </c:pt>
                 <c:pt idx="86" formatCode="0.00E+00">
-                  <c:v>8.59256481688005E-12</c:v>
+                  <c:v>8.59256481688007E-12</c:v>
                 </c:pt>
                 <c:pt idx="87" formatCode="0.00E+00">
                   <c:v>1.20160059295E-12</c:v>
@@ -784,11 +784,11 @@
         </c:dLbls>
         <c:marker val="1"/>
         <c:smooth val="0"/>
-        <c:axId val="2132183944"/>
-        <c:axId val="2100826872"/>
+        <c:axId val="2099844744"/>
+        <c:axId val="2099847048"/>
       </c:lineChart>
       <c:catAx>
-        <c:axId val="2132183944"/>
+        <c:axId val="2099844744"/>
         <c:scaling>
           <c:orientation val="minMax"/>
         </c:scaling>
@@ -798,7 +798,7 @@
         <c:majorTickMark val="none"/>
         <c:minorTickMark val="none"/>
         <c:tickLblPos val="nextTo"/>
-        <c:crossAx val="2100826872"/>
+        <c:crossAx val="2099847048"/>
         <c:crosses val="autoZero"/>
         <c:auto val="1"/>
         <c:lblAlgn val="ctr"/>
@@ -806,7 +806,7 @@
         <c:noMultiLvlLbl val="0"/>
       </c:catAx>
       <c:valAx>
-        <c:axId val="2100826872"/>
+        <c:axId val="2099847048"/>
         <c:scaling>
           <c:orientation val="minMax"/>
         </c:scaling>
@@ -829,7 +829,7 @@
             <a:endParaRPr lang="ja-JP"/>
           </a:p>
         </c:txPr>
-        <c:crossAx val="2132183944"/>
+        <c:crossAx val="2099844744"/>
         <c:crosses val="autoZero"/>
         <c:crossBetween val="between"/>
         <c:majorUnit val="0.1"/>
@@ -1551,11 +1551,11 @@
         </c:dLbls>
         <c:marker val="1"/>
         <c:smooth val="0"/>
-        <c:axId val="2127515880"/>
-        <c:axId val="2127036056"/>
+        <c:axId val="2100277080"/>
+        <c:axId val="2100280120"/>
       </c:lineChart>
       <c:catAx>
-        <c:axId val="2127515880"/>
+        <c:axId val="2100277080"/>
         <c:scaling>
           <c:orientation val="minMax"/>
         </c:scaling>
@@ -1565,7 +1565,7 @@
         <c:majorTickMark val="none"/>
         <c:minorTickMark val="none"/>
         <c:tickLblPos val="nextTo"/>
-        <c:crossAx val="2127036056"/>
+        <c:crossAx val="2100280120"/>
         <c:crosses val="autoZero"/>
         <c:auto val="1"/>
         <c:lblAlgn val="ctr"/>
@@ -1573,7 +1573,7 @@
         <c:noMultiLvlLbl val="0"/>
       </c:catAx>
       <c:valAx>
-        <c:axId val="2127036056"/>
+        <c:axId val="2100280120"/>
         <c:scaling>
           <c:orientation val="minMax"/>
         </c:scaling>
@@ -1596,7 +1596,7 @@
             <a:endParaRPr lang="ja-JP"/>
           </a:p>
         </c:txPr>
-        <c:crossAx val="2127515880"/>
+        <c:crossAx val="2100277080"/>
         <c:crosses val="autoZero"/>
         <c:crossBetween val="between"/>
         <c:majorUnit val="0.1"/>
@@ -2073,11 +2073,11 @@
           <c:showBubbleSize val="0"/>
         </c:dLbls>
         <c:gapWidth val="0"/>
-        <c:axId val="2131133304"/>
-        <c:axId val="2131136280"/>
+        <c:axId val="2068875224"/>
+        <c:axId val="2069769736"/>
       </c:barChart>
       <c:catAx>
-        <c:axId val="2131133304"/>
+        <c:axId val="2068875224"/>
         <c:scaling>
           <c:orientation val="minMax"/>
         </c:scaling>
@@ -2087,7 +2087,7 @@
         <c:majorTickMark val="none"/>
         <c:minorTickMark val="none"/>
         <c:tickLblPos val="nextTo"/>
-        <c:crossAx val="2131136280"/>
+        <c:crossAx val="2069769736"/>
         <c:crosses val="autoZero"/>
         <c:auto val="1"/>
         <c:lblAlgn val="ctr"/>
@@ -2095,7 +2095,7 @@
         <c:noMultiLvlLbl val="0"/>
       </c:catAx>
       <c:valAx>
-        <c:axId val="2131136280"/>
+        <c:axId val="2069769736"/>
         <c:scaling>
           <c:orientation val="minMax"/>
         </c:scaling>
@@ -2118,7 +2118,7 @@
             <a:endParaRPr lang="ja-JP"/>
           </a:p>
         </c:txPr>
-        <c:crossAx val="2131133304"/>
+        <c:crossAx val="2068875224"/>
         <c:crosses val="autoZero"/>
         <c:crossBetween val="between"/>
       </c:valAx>
@@ -2574,11 +2574,11 @@
           <c:showBubbleSize val="0"/>
         </c:dLbls>
         <c:gapWidth val="0"/>
-        <c:axId val="2131757944"/>
-        <c:axId val="2124324600"/>
+        <c:axId val="2069270056"/>
+        <c:axId val="2069074536"/>
       </c:barChart>
       <c:catAx>
-        <c:axId val="2131757944"/>
+        <c:axId val="2069270056"/>
         <c:scaling>
           <c:orientation val="minMax"/>
         </c:scaling>
@@ -2588,7 +2588,7 @@
         <c:majorTickMark val="none"/>
         <c:minorTickMark val="none"/>
         <c:tickLblPos val="nextTo"/>
-        <c:crossAx val="2124324600"/>
+        <c:crossAx val="2069074536"/>
         <c:crosses val="autoZero"/>
         <c:auto val="1"/>
         <c:lblAlgn val="ctr"/>
@@ -2596,7 +2596,7 @@
         <c:noMultiLvlLbl val="0"/>
       </c:catAx>
       <c:valAx>
-        <c:axId val="2124324600"/>
+        <c:axId val="2069074536"/>
         <c:scaling>
           <c:orientation val="minMax"/>
         </c:scaling>
@@ -2619,7 +2619,7 @@
             <a:endParaRPr lang="ja-JP"/>
           </a:p>
         </c:txPr>
-        <c:crossAx val="2131757944"/>
+        <c:crossAx val="2069270056"/>
         <c:crosses val="autoZero"/>
         <c:crossBetween val="between"/>
       </c:valAx>
@@ -12381,11 +12381,11 @@
         </c:dLbls>
         <c:marker val="1"/>
         <c:smooth val="0"/>
-        <c:axId val="2124334808"/>
-        <c:axId val="2124317080"/>
+        <c:axId val="2099548952"/>
+        <c:axId val="2099545960"/>
       </c:lineChart>
       <c:catAx>
-        <c:axId val="2124334808"/>
+        <c:axId val="2099548952"/>
         <c:scaling>
           <c:orientation val="minMax"/>
         </c:scaling>
@@ -12395,7 +12395,7 @@
         <c:majorTickMark val="none"/>
         <c:minorTickMark val="none"/>
         <c:tickLblPos val="nextTo"/>
-        <c:crossAx val="2124317080"/>
+        <c:crossAx val="2099545960"/>
         <c:crosses val="autoZero"/>
         <c:auto val="1"/>
         <c:lblAlgn val="ctr"/>
@@ -12403,7 +12403,7 @@
         <c:noMultiLvlLbl val="0"/>
       </c:catAx>
       <c:valAx>
-        <c:axId val="2124317080"/>
+        <c:axId val="2099545960"/>
         <c:scaling>
           <c:orientation val="minMax"/>
         </c:scaling>
@@ -12413,7 +12413,7 @@
         <c:majorTickMark val="out"/>
         <c:minorTickMark val="none"/>
         <c:tickLblPos val="nextTo"/>
-        <c:crossAx val="2124334808"/>
+        <c:crossAx val="2099548952"/>
         <c:crosses val="autoZero"/>
         <c:crossBetween val="between"/>
         <c:majorUnit val="0.1"/>
@@ -13103,10 +13103,10 @@
                   <c:v>1.19345600069E-15</c:v>
                 </c:pt>
                 <c:pt idx="85" formatCode="0.00E+00">
-                  <c:v>9.50577616621007E-16</c:v>
+                  <c:v>9.50577616621009E-16</c:v>
                 </c:pt>
                 <c:pt idx="86" formatCode="0.00E+00">
-                  <c:v>8.36825719830007E-16</c:v>
+                  <c:v>8.36825719830009E-16</c:v>
                 </c:pt>
                 <c:pt idx="87" formatCode="0.00E+00">
                   <c:v>3.57354146274E-16</c:v>
@@ -13132,11 +13132,11 @@
         </c:dLbls>
         <c:marker val="1"/>
         <c:smooth val="0"/>
-        <c:axId val="2131109752"/>
-        <c:axId val="2131072456"/>
+        <c:axId val="2069798072"/>
+        <c:axId val="2069790040"/>
       </c:lineChart>
       <c:catAx>
-        <c:axId val="2131109752"/>
+        <c:axId val="2069798072"/>
         <c:scaling>
           <c:orientation val="minMax"/>
         </c:scaling>
@@ -13146,7 +13146,7 @@
         <c:majorTickMark val="none"/>
         <c:minorTickMark val="none"/>
         <c:tickLblPos val="nextTo"/>
-        <c:crossAx val="2131072456"/>
+        <c:crossAx val="2069790040"/>
         <c:crosses val="autoZero"/>
         <c:auto val="1"/>
         <c:lblAlgn val="ctr"/>
@@ -13154,7 +13154,7 @@
         <c:noMultiLvlLbl val="0"/>
       </c:catAx>
       <c:valAx>
-        <c:axId val="2131072456"/>
+        <c:axId val="2069790040"/>
         <c:scaling>
           <c:orientation val="minMax"/>
         </c:scaling>
@@ -13177,7 +13177,7 @@
             <a:endParaRPr lang="ja-JP"/>
           </a:p>
         </c:txPr>
-        <c:crossAx val="2131109752"/>
+        <c:crossAx val="2069798072"/>
         <c:crosses val="autoZero"/>
         <c:crossBetween val="between"/>
         <c:majorUnit val="0.1"/>
@@ -13437,11 +13437,11 @@
           <c:showBubbleSize val="0"/>
         </c:dLbls>
         <c:gapWidth val="0"/>
-        <c:axId val="2131090568"/>
-        <c:axId val="2131093512"/>
+        <c:axId val="2069756120"/>
+        <c:axId val="2069750952"/>
       </c:barChart>
       <c:catAx>
-        <c:axId val="2131090568"/>
+        <c:axId val="2069756120"/>
         <c:scaling>
           <c:orientation val="minMax"/>
         </c:scaling>
@@ -13451,7 +13451,7 @@
         <c:majorTickMark val="none"/>
         <c:minorTickMark val="none"/>
         <c:tickLblPos val="nextTo"/>
-        <c:crossAx val="2131093512"/>
+        <c:crossAx val="2069750952"/>
         <c:crosses val="autoZero"/>
         <c:auto val="1"/>
         <c:lblAlgn val="ctr"/>
@@ -13459,7 +13459,7 @@
         <c:noMultiLvlLbl val="0"/>
       </c:catAx>
       <c:valAx>
-        <c:axId val="2131093512"/>
+        <c:axId val="2069750952"/>
         <c:scaling>
           <c:orientation val="minMax"/>
         </c:scaling>
@@ -13482,7 +13482,7 @@
             <a:endParaRPr lang="ja-JP"/>
           </a:p>
         </c:txPr>
-        <c:crossAx val="2131090568"/>
+        <c:crossAx val="2069756120"/>
         <c:crosses val="autoZero"/>
         <c:crossBetween val="between"/>
       </c:valAx>
@@ -13714,11 +13714,11 @@
           <c:showBubbleSize val="0"/>
         </c:dLbls>
         <c:gapWidth val="0"/>
-        <c:axId val="2133419320"/>
-        <c:axId val="2133422328"/>
+        <c:axId val="2099492824"/>
+        <c:axId val="2099489800"/>
       </c:barChart>
       <c:catAx>
-        <c:axId val="2133419320"/>
+        <c:axId val="2099492824"/>
         <c:scaling>
           <c:orientation val="minMax"/>
         </c:scaling>
@@ -13728,7 +13728,7 @@
         <c:majorTickMark val="none"/>
         <c:minorTickMark val="none"/>
         <c:tickLblPos val="nextTo"/>
-        <c:crossAx val="2133422328"/>
+        <c:crossAx val="2099489800"/>
         <c:crosses val="autoZero"/>
         <c:auto val="1"/>
         <c:lblAlgn val="ctr"/>
@@ -13736,7 +13736,7 @@
         <c:noMultiLvlLbl val="0"/>
       </c:catAx>
       <c:valAx>
-        <c:axId val="2133422328"/>
+        <c:axId val="2099489800"/>
         <c:scaling>
           <c:orientation val="minMax"/>
         </c:scaling>
@@ -13759,7 +13759,7 @@
             <a:endParaRPr lang="ja-JP"/>
           </a:p>
         </c:txPr>
-        <c:crossAx val="2133419320"/>
+        <c:crossAx val="2099492824"/>
         <c:crosses val="autoZero"/>
         <c:crossBetween val="between"/>
       </c:valAx>
@@ -14449,11 +14449,11 @@
         </c:dLbls>
         <c:marker val="1"/>
         <c:smooth val="0"/>
-        <c:axId val="2124243016"/>
-        <c:axId val="2124246056"/>
+        <c:axId val="2099421848"/>
+        <c:axId val="2099418328"/>
       </c:lineChart>
       <c:catAx>
-        <c:axId val="2124243016"/>
+        <c:axId val="2099421848"/>
         <c:scaling>
           <c:orientation val="minMax"/>
         </c:scaling>
@@ -14463,7 +14463,7 @@
         <c:majorTickMark val="none"/>
         <c:minorTickMark val="none"/>
         <c:tickLblPos val="nextTo"/>
-        <c:crossAx val="2124246056"/>
+        <c:crossAx val="2099418328"/>
         <c:crosses val="autoZero"/>
         <c:auto val="1"/>
         <c:lblAlgn val="ctr"/>
@@ -14471,7 +14471,7 @@
         <c:noMultiLvlLbl val="0"/>
       </c:catAx>
       <c:valAx>
-        <c:axId val="2124246056"/>
+        <c:axId val="2099418328"/>
         <c:scaling>
           <c:orientation val="minMax"/>
         </c:scaling>
@@ -14494,7 +14494,7 @@
             <a:endParaRPr lang="ja-JP"/>
           </a:p>
         </c:txPr>
-        <c:crossAx val="2124243016"/>
+        <c:crossAx val="2099421848"/>
         <c:crosses val="autoZero"/>
         <c:crossBetween val="between"/>
         <c:majorUnit val="0.1"/>
@@ -15213,11 +15213,11 @@
         </c:dLbls>
         <c:marker val="1"/>
         <c:smooth val="0"/>
-        <c:axId val="2124102040"/>
-        <c:axId val="2124105080"/>
+        <c:axId val="2099373688"/>
+        <c:axId val="2099370200"/>
       </c:lineChart>
       <c:catAx>
-        <c:axId val="2124102040"/>
+        <c:axId val="2099373688"/>
         <c:scaling>
           <c:orientation val="minMax"/>
         </c:scaling>
@@ -15227,7 +15227,7 @@
         <c:majorTickMark val="none"/>
         <c:minorTickMark val="none"/>
         <c:tickLblPos val="nextTo"/>
-        <c:crossAx val="2124105080"/>
+        <c:crossAx val="2099370200"/>
         <c:crosses val="autoZero"/>
         <c:auto val="1"/>
         <c:lblAlgn val="ctr"/>
@@ -15235,7 +15235,7 @@
         <c:noMultiLvlLbl val="0"/>
       </c:catAx>
       <c:valAx>
-        <c:axId val="2124105080"/>
+        <c:axId val="2099370200"/>
         <c:scaling>
           <c:orientation val="minMax"/>
         </c:scaling>
@@ -15258,7 +15258,7 @@
             <a:endParaRPr lang="ja-JP"/>
           </a:p>
         </c:txPr>
-        <c:crossAx val="2124102040"/>
+        <c:crossAx val="2099373688"/>
         <c:crosses val="autoZero"/>
         <c:crossBetween val="between"/>
         <c:majorUnit val="0.1"/>
@@ -15977,11 +15977,11 @@
         </c:dLbls>
         <c:marker val="1"/>
         <c:smooth val="0"/>
-        <c:axId val="2124180488"/>
-        <c:axId val="2124114200"/>
+        <c:axId val="2099326424"/>
+        <c:axId val="2099323432"/>
       </c:lineChart>
       <c:catAx>
-        <c:axId val="2124180488"/>
+        <c:axId val="2099326424"/>
         <c:scaling>
           <c:orientation val="minMax"/>
         </c:scaling>
@@ -15991,7 +15991,7 @@
         <c:majorTickMark val="none"/>
         <c:minorTickMark val="none"/>
         <c:tickLblPos val="nextTo"/>
-        <c:crossAx val="2124114200"/>
+        <c:crossAx val="2099323432"/>
         <c:crosses val="autoZero"/>
         <c:auto val="1"/>
         <c:lblAlgn val="ctr"/>
@@ -15999,7 +15999,7 @@
         <c:noMultiLvlLbl val="0"/>
       </c:catAx>
       <c:valAx>
-        <c:axId val="2124114200"/>
+        <c:axId val="2099323432"/>
         <c:scaling>
           <c:orientation val="minMax"/>
         </c:scaling>
@@ -16009,7 +16009,7 @@
         <c:majorTickMark val="out"/>
         <c:minorTickMark val="none"/>
         <c:tickLblPos val="nextTo"/>
-        <c:crossAx val="2124180488"/>
+        <c:crossAx val="2099326424"/>
         <c:crosses val="autoZero"/>
         <c:crossBetween val="between"/>
         <c:majorUnit val="0.1"/>
@@ -16504,11 +16504,11 @@
           <c:showBubbleSize val="0"/>
         </c:dLbls>
         <c:gapWidth val="0"/>
-        <c:axId val="2132699816"/>
-        <c:axId val="2132705640"/>
+        <c:axId val="2098318056"/>
+        <c:axId val="2098312216"/>
       </c:barChart>
       <c:catAx>
-        <c:axId val="2132699816"/>
+        <c:axId val="2098318056"/>
         <c:scaling>
           <c:orientation val="minMax"/>
         </c:scaling>
@@ -16554,7 +16554,7 @@
         <c:majorTickMark val="none"/>
         <c:minorTickMark val="none"/>
         <c:tickLblPos val="nextTo"/>
-        <c:crossAx val="2132705640"/>
+        <c:crossAx val="2098312216"/>
         <c:crosses val="autoZero"/>
         <c:auto val="1"/>
         <c:lblAlgn val="ctr"/>
@@ -16562,7 +16562,7 @@
         <c:noMultiLvlLbl val="0"/>
       </c:catAx>
       <c:valAx>
-        <c:axId val="2132705640"/>
+        <c:axId val="2098312216"/>
         <c:scaling>
           <c:orientation val="minMax"/>
         </c:scaling>
@@ -16635,7 +16635,7 @@
             <a:endParaRPr lang="ja-JP"/>
           </a:p>
         </c:txPr>
-        <c:crossAx val="2132699816"/>
+        <c:crossAx val="2098318056"/>
         <c:crosses val="autoZero"/>
         <c:crossBetween val="between"/>
         <c:majorUnit val="3.0"/>
@@ -17319,10 +17319,10 @@
                   <c:v>0.0</c:v>
                 </c:pt>
                 <c:pt idx="87" formatCode="0.00E+00">
-                  <c:v>7.99360577730004E-19</c:v>
+                  <c:v>7.99360577730006E-19</c:v>
                 </c:pt>
                 <c:pt idx="88" formatCode="0.00E+00">
-                  <c:v>6.96331881045004E-19</c:v>
+                  <c:v>6.96331881045006E-19</c:v>
                 </c:pt>
                 <c:pt idx="89">
                   <c:v>0.0</c:v>
@@ -17646,11 +17646,11 @@
           <c:showPercent val="0"/>
           <c:showBubbleSize val="0"/>
         </c:dLbls>
-        <c:axId val="2123584616"/>
-        <c:axId val="2123369256"/>
+        <c:axId val="2069690088"/>
+        <c:axId val="2099309736"/>
       </c:scatterChart>
       <c:valAx>
-        <c:axId val="2123584616"/>
+        <c:axId val="2069690088"/>
         <c:scaling>
           <c:orientation val="minMax"/>
           <c:max val="0.3"/>
@@ -17724,13 +17724,13 @@
             <a:endParaRPr lang="ja-JP"/>
           </a:p>
         </c:txPr>
-        <c:crossAx val="2123369256"/>
+        <c:crossAx val="2099309736"/>
         <c:crosses val="autoZero"/>
         <c:crossBetween val="midCat"/>
         <c:majorUnit val="0.1"/>
       </c:valAx>
       <c:valAx>
-        <c:axId val="2123369256"/>
+        <c:axId val="2099309736"/>
         <c:scaling>
           <c:orientation val="minMax"/>
           <c:max val="0.5"/>
@@ -17804,7 +17804,7 @@
             <a:endParaRPr lang="ja-JP"/>
           </a:p>
         </c:txPr>
-        <c:crossAx val="2123584616"/>
+        <c:crossAx val="2069690088"/>
         <c:crosses val="autoZero"/>
         <c:crossBetween val="midCat"/>
         <c:majorUnit val="0.1"/>
@@ -18256,7 +18256,7 @@
                   <c:v>0.0</c:v>
                 </c:pt>
                 <c:pt idx="12" formatCode="0.00E+00">
-                  <c:v>9.79000000000004E-18</c:v>
+                  <c:v>9.79000000000006E-18</c:v>
                 </c:pt>
                 <c:pt idx="13">
                   <c:v>0.0</c:v>
@@ -18295,7 +18295,7 @@
                   <c:v>0.0</c:v>
                 </c:pt>
                 <c:pt idx="25" formatCode="0.00E+00">
-                  <c:v>9.74000000000004E-17</c:v>
+                  <c:v>9.74000000000006E-17</c:v>
                 </c:pt>
                 <c:pt idx="26">
                   <c:v>0.0</c:v>
@@ -18337,7 +18337,7 @@
                   <c:v>4.27E-18</c:v>
                 </c:pt>
                 <c:pt idx="39" formatCode="0.00E+00">
-                  <c:v>8.74000000000004E-18</c:v>
+                  <c:v>8.74000000000006E-18</c:v>
                 </c:pt>
                 <c:pt idx="40" formatCode="0.00E+00">
                   <c:v>2.89E-18</c:v>
@@ -18352,7 +18352,7 @@
                   <c:v>2.0E-16</c:v>
                 </c:pt>
                 <c:pt idx="44" formatCode="0.00E+00">
-                  <c:v>6.83000000000004E-18</c:v>
+                  <c:v>6.83000000000006E-18</c:v>
                 </c:pt>
                 <c:pt idx="45">
                   <c:v>0.0</c:v>
@@ -18385,13 +18385,13 @@
                   <c:v>0.034900436</c:v>
                 </c:pt>
                 <c:pt idx="55" formatCode="0.00E+00">
-                  <c:v>9.09000000000004E-19</c:v>
+                  <c:v>9.09000000000006E-19</c:v>
                 </c:pt>
                 <c:pt idx="56">
                   <c:v>0.002620241</c:v>
                 </c:pt>
                 <c:pt idx="57" formatCode="0.00E+00">
-                  <c:v>6.17000000000004E-16</c:v>
+                  <c:v>6.17000000000005E-16</c:v>
                 </c:pt>
                 <c:pt idx="58">
                   <c:v>0.0</c:v>
@@ -18481,7 +18481,7 @@
                   <c:v>0.02720672</c:v>
                 </c:pt>
                 <c:pt idx="87" formatCode="0.00E+00">
-                  <c:v>6.90000000000004E-18</c:v>
+                  <c:v>6.90000000000006E-18</c:v>
                 </c:pt>
                 <c:pt idx="88" formatCode="0.00E+00">
                   <c:v>4.0E-9</c:v>
@@ -18808,11 +18808,11 @@
           <c:showPercent val="0"/>
           <c:showBubbleSize val="0"/>
         </c:dLbls>
-        <c:axId val="2123425560"/>
-        <c:axId val="2123431960"/>
+        <c:axId val="2096613528"/>
+        <c:axId val="2096445880"/>
       </c:scatterChart>
       <c:valAx>
-        <c:axId val="2123425560"/>
+        <c:axId val="2096613528"/>
         <c:scaling>
           <c:orientation val="minMax"/>
           <c:max val="0.3"/>
@@ -18886,13 +18886,13 @@
             <a:endParaRPr lang="ja-JP"/>
           </a:p>
         </c:txPr>
-        <c:crossAx val="2123431960"/>
+        <c:crossAx val="2096445880"/>
         <c:crosses val="autoZero"/>
         <c:crossBetween val="midCat"/>
         <c:majorUnit val="0.1"/>
       </c:valAx>
       <c:valAx>
-        <c:axId val="2123431960"/>
+        <c:axId val="2096445880"/>
         <c:scaling>
           <c:orientation val="minMax"/>
           <c:max val="0.5"/>
@@ -18966,7 +18966,7 @@
             <a:endParaRPr lang="ja-JP"/>
           </a:p>
         </c:txPr>
-        <c:crossAx val="2123425560"/>
+        <c:crossAx val="2096613528"/>
         <c:crosses val="autoZero"/>
         <c:crossBetween val="midCat"/>
         <c:majorUnit val="0.1"/>
@@ -19062,7 +19062,7 @@
                   <c:v>1.20160059295E-12</c:v>
                 </c:pt>
                 <c:pt idx="2">
-                  <c:v>8.59256481688004E-12</c:v>
+                  <c:v>8.59256481688006E-12</c:v>
                 </c:pt>
                 <c:pt idx="3" formatCode="General">
                   <c:v>0.000125047680306</c:v>
@@ -19371,7 +19371,7 @@
                   <c:v>0.0</c:v>
                 </c:pt>
                 <c:pt idx="12" formatCode="0.00E+00">
-                  <c:v>9.79216707719004E-18</c:v>
+                  <c:v>9.79216707719006E-18</c:v>
                 </c:pt>
                 <c:pt idx="13">
                   <c:v>0.0</c:v>
@@ -19410,7 +19410,7 @@
                   <c:v>0.0</c:v>
                 </c:pt>
                 <c:pt idx="25" formatCode="0.00E+00">
-                  <c:v>9.73860991849004E-17</c:v>
+                  <c:v>9.73860991849006E-17</c:v>
                 </c:pt>
                 <c:pt idx="26">
                   <c:v>0.0</c:v>
@@ -19467,7 +19467,7 @@
                   <c:v>1.99827709935E-16</c:v>
                 </c:pt>
                 <c:pt idx="44" formatCode="0.00E+00">
-                  <c:v>6.82831569065004E-18</c:v>
+                  <c:v>6.82831569065006E-18</c:v>
                 </c:pt>
                 <c:pt idx="45">
                   <c:v>0.0</c:v>
@@ -19500,13 +19500,13 @@
                   <c:v>0.0349004358575</c:v>
                 </c:pt>
                 <c:pt idx="55" formatCode="0.00E+00">
-                  <c:v>9.09494701773004E-19</c:v>
+                  <c:v>9.09494701773006E-19</c:v>
                 </c:pt>
                 <c:pt idx="56">
                   <c:v>0.00262024065016</c:v>
                 </c:pt>
                 <c:pt idx="57" formatCode="0.00E+00">
-                  <c:v>6.17174977791004E-16</c:v>
+                  <c:v>6.17174977791005E-16</c:v>
                 </c:pt>
                 <c:pt idx="58">
                   <c:v>0.0</c:v>
@@ -19596,7 +19596,7 @@
                   <c:v>0.0272067199946</c:v>
                 </c:pt>
                 <c:pt idx="87" formatCode="0.00E+00">
-                  <c:v>6.90070223186004E-18</c:v>
+                  <c:v>6.90070223186006E-18</c:v>
                 </c:pt>
                 <c:pt idx="88" formatCode="0.00E+00">
                   <c:v>3.9975324944E-9</c:v>
@@ -19617,11 +19617,11 @@
           <c:showPercent val="0"/>
           <c:showBubbleSize val="0"/>
         </c:dLbls>
-        <c:axId val="2131599544"/>
-        <c:axId val="2133436536"/>
+        <c:axId val="2099291080"/>
+        <c:axId val="2099269048"/>
       </c:scatterChart>
       <c:valAx>
-        <c:axId val="2131599544"/>
+        <c:axId val="2099291080"/>
         <c:scaling>
           <c:orientation val="minMax"/>
         </c:scaling>
@@ -19644,12 +19644,12 @@
             <a:endParaRPr lang="ja-JP"/>
           </a:p>
         </c:txPr>
-        <c:crossAx val="2133436536"/>
+        <c:crossAx val="2099269048"/>
         <c:crosses val="autoZero"/>
         <c:crossBetween val="midCat"/>
       </c:valAx>
       <c:valAx>
-        <c:axId val="2133436536"/>
+        <c:axId val="2099269048"/>
         <c:scaling>
           <c:orientation val="minMax"/>
         </c:scaling>
@@ -19672,7 +19672,7 @@
             <a:endParaRPr lang="ja-JP"/>
           </a:p>
         </c:txPr>
-        <c:crossAx val="2131599544"/>
+        <c:crossAx val="2099291080"/>
         <c:crosses val="autoZero"/>
         <c:crossBetween val="midCat"/>
       </c:valAx>
@@ -20507,7 +20507,7 @@
                   <c:v>3.52351264739E-15</c:v>
                 </c:pt>
                 <c:pt idx="35" formatCode="0.00E+00">
-                  <c:v>6.23132646559008E-16</c:v>
+                  <c:v>6.2313264655901E-16</c:v>
                 </c:pt>
                 <c:pt idx="36" formatCode="0.00E+00">
                   <c:v>1.07111279E-16</c:v>
@@ -20522,7 +20522,7 @@
                   <c:v>4.61941642696E-19</c:v>
                 </c:pt>
                 <c:pt idx="40" formatCode="0.00E+00">
-                  <c:v>7.13595334567008E-20</c:v>
+                  <c:v>7.1359533456701E-20</c:v>
                 </c:pt>
                 <c:pt idx="41" formatCode="0.00E+00">
                   <c:v>1.07497498405E-20</c:v>
@@ -20537,16 +20537,16 @@
                   <c:v>3.17781291001E-23</c:v>
                 </c:pt>
                 <c:pt idx="45" formatCode="0.00E+00">
-                  <c:v>4.35260248045008E-24</c:v>
+                  <c:v>4.3526024804501E-24</c:v>
                 </c:pt>
                 <c:pt idx="46" formatCode="0.00E+00">
-                  <c:v>5.82873331213008E-25</c:v>
+                  <c:v>5.8287333121301E-25</c:v>
                 </c:pt>
                 <c:pt idx="47" formatCode="0.00E+00">
-                  <c:v>7.63484163579008E-26</c:v>
+                  <c:v>7.6348416357901E-26</c:v>
                 </c:pt>
                 <c:pt idx="48" formatCode="0.00E+00">
-                  <c:v>9.78621171984008E-27</c:v>
+                  <c:v>9.7862117198401E-27</c:v>
                 </c:pt>
                 <c:pt idx="49" formatCode="0.00E+00">
                   <c:v>1.22799993939E-27</c:v>
@@ -20570,43 +20570,43 @@
                   <c:v>3.13404169915E-33</c:v>
                 </c:pt>
                 <c:pt idx="56" formatCode="0.00E+00">
-                  <c:v>3.42429951847008E-34</c:v>
+                  <c:v>3.4242995184701E-34</c:v>
                 </c:pt>
                 <c:pt idx="57" formatCode="0.00E+00">
-                  <c:v>3.67303266937008E-35</c:v>
+                  <c:v>3.6730326693701E-35</c:v>
                 </c:pt>
                 <c:pt idx="58" formatCode="0.00E+00">
-                  <c:v>3.86894485868008E-36</c:v>
+                  <c:v>3.8689448586801E-36</c:v>
                 </c:pt>
                 <c:pt idx="59" formatCode="0.00E+00">
-                  <c:v>4.00312618917008E-37</c:v>
+                  <c:v>4.0031261891701E-37</c:v>
                 </c:pt>
                 <c:pt idx="60" formatCode="0.00E+00">
-                  <c:v>4.06972603852008E-38</c:v>
+                  <c:v>4.0697260385201E-38</c:v>
                 </c:pt>
                 <c:pt idx="61" formatCode="0.00E+00">
-                  <c:v>4.06636595700008E-39</c:v>
+                  <c:v>4.0663659570001E-39</c:v>
                 </c:pt>
                 <c:pt idx="62" formatCode="0.00E+00">
-                  <c:v>3.99425363815008E-40</c:v>
+                  <c:v>3.9942536381501E-40</c:v>
                 </c:pt>
                 <c:pt idx="63" formatCode="0.00E+00">
-                  <c:v>3.85799491900008E-41</c:v>
+                  <c:v>3.8579949190001E-41</c:v>
                 </c:pt>
                 <c:pt idx="64" formatCode="0.00E+00">
-                  <c:v>3.66513556398008E-42</c:v>
+                  <c:v>3.6651355639801E-42</c:v>
                 </c:pt>
                 <c:pt idx="65" formatCode="0.00E+00">
-                  <c:v>3.42549328532008E-43</c:v>
+                  <c:v>3.4254932853201E-43</c:v>
                 </c:pt>
                 <c:pt idx="66" formatCode="0.00E+00">
-                  <c:v>3.15035937710008E-44</c:v>
+                  <c:v>3.1503593771001E-44</c:v>
                 </c:pt>
                 <c:pt idx="67" formatCode="0.00E+00">
                   <c:v>2.85165666225005E-45</c:v>
                 </c:pt>
                 <c:pt idx="68" formatCode="0.00E+00">
-                  <c:v>2.54113631644008E-46</c:v>
+                  <c:v>2.5411363164401E-46</c:v>
                 </c:pt>
                 <c:pt idx="69" formatCode="0.00E+00">
                   <c:v>2.22968241461E-47</c:v>
@@ -20624,25 +20624,25 @@
                   <c:v>1.13676984145E-51</c:v>
                 </c:pt>
                 <c:pt idx="74" formatCode="0.00E+00">
-                  <c:v>9.25940648094016E-53</c:v>
+                  <c:v>9.2594064809402E-53</c:v>
                 </c:pt>
                 <c:pt idx="75" formatCode="0.00E+00">
-                  <c:v>7.43484066747016E-54</c:v>
+                  <c:v>7.4348406674702E-54</c:v>
                 </c:pt>
                 <c:pt idx="76" formatCode="0.00E+00">
-                  <c:v>5.88589863833009E-55</c:v>
+                  <c:v>5.88589863833012E-55</c:v>
                 </c:pt>
                 <c:pt idx="77" formatCode="0.00E+00">
-                  <c:v>4.59493354072008E-56</c:v>
+                  <c:v>4.5949335407201E-56</c:v>
                 </c:pt>
                 <c:pt idx="78" formatCode="0.00E+00">
-                  <c:v>3.53787032389008E-57</c:v>
+                  <c:v>3.5378703238901E-57</c:v>
                 </c:pt>
                 <c:pt idx="79" formatCode="0.00E+00">
-                  <c:v>2.68701374408008E-58</c:v>
+                  <c:v>2.6870137440801E-58</c:v>
                 </c:pt>
                 <c:pt idx="80" formatCode="0.00E+00">
-                  <c:v>2.01340210120008E-59</c:v>
+                  <c:v>2.0134021012001E-59</c:v>
                 </c:pt>
                 <c:pt idx="81" formatCode="0.00E+00">
                   <c:v>1.48863931135E-60</c:v>
@@ -20651,199 +20651,199 @@
                   <c:v>1.08620266477E-61</c:v>
                 </c:pt>
                 <c:pt idx="83" formatCode="0.00E+00">
-                  <c:v>7.82270924504016E-63</c:v>
+                  <c:v>7.8227092450402E-63</c:v>
                 </c:pt>
                 <c:pt idx="84" formatCode="0.00E+00">
-                  <c:v>5.56146865911016E-64</c:v>
+                  <c:v>5.5614686591102E-64</c:v>
                 </c:pt>
                 <c:pt idx="85" formatCode="0.00E+00">
-                  <c:v>3.90361857419008E-65</c:v>
+                  <c:v>3.9036185741901E-65</c:v>
                 </c:pt>
                 <c:pt idx="86" formatCode="0.00E+00">
-                  <c:v>2.70550934190008E-66</c:v>
+                  <c:v>2.7055093419001E-66</c:v>
                 </c:pt>
                 <c:pt idx="87" formatCode="0.00E+00">
-                  <c:v>1.85178832291008E-67</c:v>
+                  <c:v>1.8517883229101E-67</c:v>
                 </c:pt>
                 <c:pt idx="88" formatCode="0.00E+00">
                   <c:v>1.25184295227E-68</c:v>
                 </c:pt>
                 <c:pt idx="89" formatCode="0.00E+00">
-                  <c:v>8.35947240863024E-70</c:v>
+                  <c:v>8.3594724086303E-70</c:v>
                 </c:pt>
                 <c:pt idx="90" formatCode="0.00E+00">
-                  <c:v>5.51482196563016E-71</c:v>
+                  <c:v>5.5148219656302E-71</c:v>
                 </c:pt>
                 <c:pt idx="91" formatCode="0.00E+00">
-                  <c:v>3.59467519675008E-72</c:v>
+                  <c:v>3.5946751967501E-72</c:v>
                 </c:pt>
                 <c:pt idx="92" formatCode="0.00E+00">
-                  <c:v>2.31533656642008E-73</c:v>
+                  <c:v>2.3153365664201E-73</c:v>
                 </c:pt>
                 <c:pt idx="93" formatCode="0.00E+00">
-                  <c:v>1.47382056414008E-74</c:v>
+                  <c:v>1.4738205641401E-74</c:v>
                 </c:pt>
                 <c:pt idx="94" formatCode="0.00E+00">
-                  <c:v>9.2725615111503E-76</c:v>
+                  <c:v>9.27256151115038E-76</c:v>
                 </c:pt>
                 <c:pt idx="95" formatCode="0.00E+00">
-                  <c:v>5.76669600036016E-77</c:v>
+                  <c:v>5.7666960003602E-77</c:v>
                 </c:pt>
                 <c:pt idx="96" formatCode="0.00E+00">
-                  <c:v>3.54546506754008E-78</c:v>
+                  <c:v>3.5454650675401E-78</c:v>
                 </c:pt>
                 <c:pt idx="97" formatCode="0.00E+00">
-                  <c:v>2.15518129812008E-79</c:v>
+                  <c:v>2.1551812981201E-79</c:v>
                 </c:pt>
                 <c:pt idx="98" formatCode="0.00E+00">
                   <c:v>1.29539895768E-80</c:v>
                 </c:pt>
                 <c:pt idx="99" formatCode="0.00E+00">
-                  <c:v>7.69974229454024E-82</c:v>
+                  <c:v>7.6997422945403E-82</c:v>
                 </c:pt>
                 <c:pt idx="100" formatCode="0.00E+00">
-                  <c:v>4.52631364939016E-83</c:v>
+                  <c:v>4.5263136493902E-83</c:v>
                 </c:pt>
                 <c:pt idx="101" formatCode="0.00E+00">
-                  <c:v>2.63178827049008E-84</c:v>
+                  <c:v>2.6317882704901E-84</c:v>
                 </c:pt>
                 <c:pt idx="102" formatCode="0.00E+00">
-                  <c:v>1.51368777165008E-85</c:v>
+                  <c:v>1.5136877716501E-85</c:v>
                 </c:pt>
                 <c:pt idx="103" formatCode="0.00E+00">
-                  <c:v>8.61273549808032E-87</c:v>
+                  <c:v>8.6127354980804E-87</c:v>
                 </c:pt>
                 <c:pt idx="104" formatCode="0.00E+00">
-                  <c:v>4.84847302139016E-88</c:v>
+                  <c:v>4.8484730213902E-88</c:v>
                 </c:pt>
                 <c:pt idx="105" formatCode="0.00E+00">
-                  <c:v>2.70064048644008E-89</c:v>
+                  <c:v>2.7006404864401E-89</c:v>
                 </c:pt>
                 <c:pt idx="106" formatCode="0.00E+00">
-                  <c:v>1.48855399424008E-90</c:v>
+                  <c:v>1.4885539942401E-90</c:v>
                 </c:pt>
                 <c:pt idx="107" formatCode="0.00E+00">
-                  <c:v>8.11962231467031E-92</c:v>
+                  <c:v>8.11962231467039E-92</c:v>
                 </c:pt>
                 <c:pt idx="108" formatCode="0.00E+00">
-                  <c:v>4.38346124961016E-93</c:v>
+                  <c:v>4.3834612496102E-93</c:v>
                 </c:pt>
                 <c:pt idx="109" formatCode="0.00E+00">
-                  <c:v>2.34231139030008E-94</c:v>
+                  <c:v>2.3423113903001E-94</c:v>
                 </c:pt>
                 <c:pt idx="110" formatCode="0.00E+00">
-                  <c:v>1.23894934281008E-95</c:v>
+                  <c:v>1.2389493428101E-95</c:v>
                 </c:pt>
                 <c:pt idx="111" formatCode="0.00E+00">
-                  <c:v>6.48751880763024E-97</c:v>
+                  <c:v>6.4875188076303E-97</c:v>
                 </c:pt>
                 <c:pt idx="112" formatCode="0.00E+00">
-                  <c:v>3.36320967268016E-98</c:v>
+                  <c:v>3.3632096726802E-98</c:v>
                 </c:pt>
                 <c:pt idx="113" formatCode="0.00E+00">
-                  <c:v>1.72628680541008E-99</c:v>
+                  <c:v>1.7262868054101E-99</c:v>
                 </c:pt>
                 <c:pt idx="114" formatCode="0.00E+00">
-                  <c:v>8.77381592354039E-101</c:v>
+                  <c:v>8.77381592354049E-101</c:v>
                 </c:pt>
                 <c:pt idx="115" formatCode="0.00E+00">
-                  <c:v>4.41583595706016E-102</c:v>
+                  <c:v>4.4158359570602E-102</c:v>
                 </c:pt>
                 <c:pt idx="116" formatCode="0.00E+00">
-                  <c:v>2.20098919473008E-103</c:v>
+                  <c:v>2.2009891947301E-103</c:v>
                 </c:pt>
                 <c:pt idx="117" formatCode="0.00E+00">
-                  <c:v>1.08651224568008E-104</c:v>
+                  <c:v>1.0865122456801E-104</c:v>
                 </c:pt>
                 <c:pt idx="118" formatCode="0.00E+00">
-                  <c:v>5.31243598244024E-106</c:v>
+                  <c:v>5.3124359824403E-106</c:v>
                 </c:pt>
                 <c:pt idx="119" formatCode="0.00E+00">
-                  <c:v>2.57291401639008E-107</c:v>
+                  <c:v>2.5729140163901E-107</c:v>
                 </c:pt>
                 <c:pt idx="120" formatCode="0.00E+00">
-                  <c:v>1.23440853184008E-108</c:v>
+                  <c:v>1.2344085318401E-108</c:v>
                 </c:pt>
                 <c:pt idx="121" formatCode="0.00E+00">
-                  <c:v>5.86710333234023E-110</c:v>
+                  <c:v>5.86710333234029E-110</c:v>
                 </c:pt>
                 <c:pt idx="122" formatCode="0.00E+00">
-                  <c:v>2.76279305878016E-111</c:v>
+                  <c:v>2.7627930587802E-111</c:v>
                 </c:pt>
                 <c:pt idx="123" formatCode="0.00E+00">
-                  <c:v>1.28902373562008E-112</c:v>
+                  <c:v>1.2890237356201E-112</c:v>
                 </c:pt>
                 <c:pt idx="124" formatCode="0.00E+00">
-                  <c:v>5.9592155089803E-114</c:v>
+                  <c:v>5.95921550898038E-114</c:v>
                 </c:pt>
                 <c:pt idx="125" formatCode="0.00E+00">
-                  <c:v>2.72998409097016E-115</c:v>
+                  <c:v>2.7299840909702E-115</c:v>
                 </c:pt>
                 <c:pt idx="126" formatCode="0.00E+00">
-                  <c:v>1.23936941957008E-116</c:v>
+                  <c:v>1.2393694195701E-116</c:v>
                 </c:pt>
                 <c:pt idx="127" formatCode="0.00E+00">
-                  <c:v>5.57618827003023E-118</c:v>
+                  <c:v>5.57618827003029E-118</c:v>
                 </c:pt>
                 <c:pt idx="128" formatCode="0.00E+00">
-                  <c:v>2.48654320865016E-119</c:v>
+                  <c:v>2.4865432086502E-119</c:v>
                 </c:pt>
                 <c:pt idx="129" formatCode="0.00E+00">
-                  <c:v>1.09901102158008E-120</c:v>
+                  <c:v>1.0990110215801E-120</c:v>
                 </c:pt>
                 <c:pt idx="130" formatCode="0.00E+00">
-                  <c:v>4.81482676182024E-122</c:v>
+                  <c:v>4.8148267618203E-122</c:v>
                 </c:pt>
                 <c:pt idx="131" formatCode="0.00E+00">
-                  <c:v>2.09101234523008E-123</c:v>
+                  <c:v>2.0910123452301E-123</c:v>
                 </c:pt>
                 <c:pt idx="132" formatCode="0.00E+00">
-                  <c:v>9.00231469458048E-125</c:v>
+                  <c:v>9.0023146945806E-125</c:v>
                 </c:pt>
                 <c:pt idx="133" formatCode="0.00E+00">
-                  <c:v>3.84235441553016E-126</c:v>
+                  <c:v>3.8423544155302E-126</c:v>
                 </c:pt>
                 <c:pt idx="134" formatCode="0.00E+00">
-                  <c:v>1.62596015001008E-127</c:v>
+                  <c:v>1.6259601500101E-127</c:v>
                 </c:pt>
                 <c:pt idx="135" formatCode="0.00E+00">
-                  <c:v>6.82204953809033E-129</c:v>
+                  <c:v>6.82204953809041E-129</c:v>
                 </c:pt>
                 <c:pt idx="136" formatCode="0.00E+00">
-                  <c:v>2.83814927874016E-130</c:v>
+                  <c:v>2.8381492787402E-130</c:v>
                 </c:pt>
                 <c:pt idx="137" formatCode="0.00E+00">
-                  <c:v>1.17082921603008E-131</c:v>
+                  <c:v>1.1708292160301E-131</c:v>
                 </c:pt>
                 <c:pt idx="138" formatCode="0.00E+00">
-                  <c:v>4.78974110217032E-133</c:v>
+                  <c:v>4.7897411021704E-133</c:v>
                 </c:pt>
                 <c:pt idx="139" formatCode="0.00E+00">
-                  <c:v>1.94317803192008E-134</c:v>
+                  <c:v>1.9431780319201E-134</c:v>
                 </c:pt>
                 <c:pt idx="140" formatCode="0.00E+00">
-                  <c:v>7.81838009974042E-136</c:v>
+                  <c:v>7.81838009974052E-136</c:v>
                 </c:pt>
                 <c:pt idx="141" formatCode="0.00E+00">
-                  <c:v>3.11993726174016E-137</c:v>
+                  <c:v>3.1199372617402E-137</c:v>
                 </c:pt>
                 <c:pt idx="142" formatCode="0.00E+00">
-                  <c:v>1.23486869937008E-138</c:v>
+                  <c:v>1.2348686993701E-138</c:v>
                 </c:pt>
                 <c:pt idx="143" formatCode="0.00E+00">
-                  <c:v>4.8479953259903E-140</c:v>
+                  <c:v>4.84799532599038E-140</c:v>
                 </c:pt>
                 <c:pt idx="144" formatCode="0.00E+00">
-                  <c:v>1.88794975170008E-141</c:v>
+                  <c:v>1.8879497517001E-141</c:v>
                 </c:pt>
                 <c:pt idx="145" formatCode="0.00E+00">
-                  <c:v>7.29325253436044E-143</c:v>
+                  <c:v>7.29325253436054E-143</c:v>
                 </c:pt>
                 <c:pt idx="146" formatCode="0.00E+00">
-                  <c:v>2.79760592034016E-144</c:v>
+                  <c:v>2.7976059203402E-144</c:v>
                 </c:pt>
                 <c:pt idx="147" formatCode="0.00E+00">
-                  <c:v>1.28662704433008E-145</c:v>
+                  <c:v>1.2866270443301E-145</c:v>
                 </c:pt>
                 <c:pt idx="148">
                   <c:v>0.0</c:v>
@@ -21019,11 +21019,11 @@
         </c:dLbls>
         <c:marker val="1"/>
         <c:smooth val="0"/>
-        <c:axId val="2131659464"/>
-        <c:axId val="2131662472"/>
+        <c:axId val="2069607208"/>
+        <c:axId val="2069600424"/>
       </c:lineChart>
       <c:catAx>
-        <c:axId val="2131659464"/>
+        <c:axId val="2069607208"/>
         <c:scaling>
           <c:orientation val="minMax"/>
         </c:scaling>
@@ -21033,7 +21033,7 @@
         <c:majorTickMark val="out"/>
         <c:minorTickMark val="none"/>
         <c:tickLblPos val="nextTo"/>
-        <c:crossAx val="2131662472"/>
+        <c:crossAx val="2069600424"/>
         <c:crosses val="autoZero"/>
         <c:auto val="0"/>
         <c:lblAlgn val="ctr"/>
@@ -21043,7 +21043,7 @@
         <c:noMultiLvlLbl val="0"/>
       </c:catAx>
       <c:valAx>
-        <c:axId val="2131662472"/>
+        <c:axId val="2069600424"/>
         <c:scaling>
           <c:orientation val="minMax"/>
           <c:max val="0.2"/>
@@ -21068,7 +21068,7 @@
             <a:endParaRPr lang="ja-JP"/>
           </a:p>
         </c:txPr>
-        <c:crossAx val="2131659464"/>
+        <c:crossAx val="2069607208"/>
         <c:crossesAt val="1.0"/>
         <c:crossBetween val="between"/>
         <c:majorUnit val="0.1"/>
@@ -21524,11 +21524,11 @@
           <c:showBubbleSize val="0"/>
         </c:dLbls>
         <c:gapWidth val="0"/>
-        <c:axId val="2132748952"/>
-        <c:axId val="2132751960"/>
+        <c:axId val="2098269496"/>
+        <c:axId val="2098266472"/>
       </c:barChart>
       <c:catAx>
-        <c:axId val="2132748952"/>
+        <c:axId val="2098269496"/>
         <c:scaling>
           <c:orientation val="minMax"/>
         </c:scaling>
@@ -21538,7 +21538,7 @@
         <c:majorTickMark val="none"/>
         <c:minorTickMark val="none"/>
         <c:tickLblPos val="nextTo"/>
-        <c:crossAx val="2132751960"/>
+        <c:crossAx val="2098266472"/>
         <c:crosses val="autoZero"/>
         <c:auto val="1"/>
         <c:lblAlgn val="ctr"/>
@@ -21546,7 +21546,7 @@
         <c:noMultiLvlLbl val="0"/>
       </c:catAx>
       <c:valAx>
-        <c:axId val="2132751960"/>
+        <c:axId val="2098266472"/>
         <c:scaling>
           <c:orientation val="minMax"/>
         </c:scaling>
@@ -21569,7 +21569,7 @@
             <a:endParaRPr lang="ja-JP"/>
           </a:p>
         </c:txPr>
-        <c:crossAx val="2132748952"/>
+        <c:crossAx val="2098269496"/>
         <c:crosses val="autoZero"/>
         <c:crossBetween val="between"/>
         <c:majorUnit val="20.0"/>
@@ -22033,11 +22033,11 @@
           <c:showBubbleSize val="0"/>
         </c:dLbls>
         <c:gapWidth val="0"/>
-        <c:axId val="2131949816"/>
-        <c:axId val="2131943960"/>
+        <c:axId val="2099994952"/>
+        <c:axId val="2100000808"/>
       </c:barChart>
       <c:catAx>
-        <c:axId val="2131949816"/>
+        <c:axId val="2099994952"/>
         <c:scaling>
           <c:orientation val="minMax"/>
         </c:scaling>
@@ -22083,7 +22083,7 @@
         <c:majorTickMark val="none"/>
         <c:minorTickMark val="none"/>
         <c:tickLblPos val="nextTo"/>
-        <c:crossAx val="2131943960"/>
+        <c:crossAx val="2100000808"/>
         <c:crosses val="autoZero"/>
         <c:auto val="1"/>
         <c:lblAlgn val="ctr"/>
@@ -22091,7 +22091,7 @@
         <c:noMultiLvlLbl val="0"/>
       </c:catAx>
       <c:valAx>
-        <c:axId val="2131943960"/>
+        <c:axId val="2100000808"/>
         <c:scaling>
           <c:orientation val="minMax"/>
         </c:scaling>
@@ -22164,7 +22164,7 @@
             <a:endParaRPr lang="ja-JP"/>
           </a:p>
         </c:txPr>
-        <c:crossAx val="2131949816"/>
+        <c:crossAx val="2099994952"/>
         <c:crosses val="autoZero"/>
         <c:crossBetween val="between"/>
         <c:majorUnit val="3.0"/>
@@ -22628,11 +22628,11 @@
           <c:showBubbleSize val="0"/>
         </c:dLbls>
         <c:gapWidth val="0"/>
-        <c:axId val="2131898616"/>
-        <c:axId val="2131892728"/>
+        <c:axId val="2100050056"/>
+        <c:axId val="2100055928"/>
       </c:barChart>
       <c:catAx>
-        <c:axId val="2131898616"/>
+        <c:axId val="2100050056"/>
         <c:scaling>
           <c:orientation val="minMax"/>
         </c:scaling>
@@ -22678,7 +22678,7 @@
         <c:majorTickMark val="none"/>
         <c:minorTickMark val="none"/>
         <c:tickLblPos val="nextTo"/>
-        <c:crossAx val="2131892728"/>
+        <c:crossAx val="2100055928"/>
         <c:crosses val="autoZero"/>
         <c:auto val="1"/>
         <c:lblAlgn val="ctr"/>
@@ -22686,7 +22686,7 @@
         <c:noMultiLvlLbl val="0"/>
       </c:catAx>
       <c:valAx>
-        <c:axId val="2131892728"/>
+        <c:axId val="2100055928"/>
         <c:scaling>
           <c:orientation val="minMax"/>
         </c:scaling>
@@ -22759,7 +22759,7 @@
             <a:endParaRPr lang="ja-JP"/>
           </a:p>
         </c:txPr>
-        <c:crossAx val="2131898616"/>
+        <c:crossAx val="2100050056"/>
         <c:crosses val="autoZero"/>
         <c:crossBetween val="between"/>
         <c:majorUnit val="20.0"/>
@@ -23223,11 +23223,11 @@
           <c:showBubbleSize val="0"/>
         </c:dLbls>
         <c:gapWidth val="0"/>
-        <c:axId val="2133316776"/>
-        <c:axId val="2133374920"/>
+        <c:axId val="2100098888"/>
+        <c:axId val="2100104728"/>
       </c:barChart>
       <c:catAx>
-        <c:axId val="2133316776"/>
+        <c:axId val="2100098888"/>
         <c:scaling>
           <c:orientation val="minMax"/>
         </c:scaling>
@@ -23273,7 +23273,7 @@
         <c:majorTickMark val="none"/>
         <c:minorTickMark val="none"/>
         <c:tickLblPos val="nextTo"/>
-        <c:crossAx val="2133374920"/>
+        <c:crossAx val="2100104728"/>
         <c:crosses val="autoZero"/>
         <c:auto val="1"/>
         <c:lblAlgn val="ctr"/>
@@ -23281,7 +23281,7 @@
         <c:noMultiLvlLbl val="0"/>
       </c:catAx>
       <c:valAx>
-        <c:axId val="2133374920"/>
+        <c:axId val="2100104728"/>
         <c:scaling>
           <c:orientation val="minMax"/>
         </c:scaling>
@@ -23354,7 +23354,7 @@
             <a:endParaRPr lang="ja-JP"/>
           </a:p>
         </c:txPr>
-        <c:crossAx val="2133316776"/>
+        <c:crossAx val="2100098888"/>
         <c:crosses val="autoZero"/>
         <c:crossBetween val="between"/>
         <c:majorUnit val="10.0"/>
@@ -23818,11 +23818,11 @@
           <c:showBubbleSize val="0"/>
         </c:dLbls>
         <c:gapWidth val="0"/>
-        <c:axId val="2131826120"/>
-        <c:axId val="2131820232"/>
+        <c:axId val="2100154936"/>
+        <c:axId val="2100160808"/>
       </c:barChart>
       <c:catAx>
-        <c:axId val="2131826120"/>
+        <c:axId val="2100154936"/>
         <c:scaling>
           <c:orientation val="minMax"/>
         </c:scaling>
@@ -23868,7 +23868,7 @@
         <c:majorTickMark val="none"/>
         <c:minorTickMark val="none"/>
         <c:tickLblPos val="nextTo"/>
-        <c:crossAx val="2131820232"/>
+        <c:crossAx val="2100160808"/>
         <c:crosses val="autoZero"/>
         <c:auto val="1"/>
         <c:lblAlgn val="ctr"/>
@@ -23876,7 +23876,7 @@
         <c:noMultiLvlLbl val="0"/>
       </c:catAx>
       <c:valAx>
-        <c:axId val="2131820232"/>
+        <c:axId val="2100160808"/>
         <c:scaling>
           <c:orientation val="minMax"/>
         </c:scaling>
@@ -23949,7 +23949,7 @@
             <a:endParaRPr lang="ja-JP"/>
           </a:p>
         </c:txPr>
-        <c:crossAx val="2131826120"/>
+        <c:crossAx val="2100154936"/>
         <c:crosses val="autoZero"/>
         <c:crossBetween val="between"/>
         <c:majorUnit val="30.0"/>
@@ -30168,11 +30168,11 @@
         </c:dLbls>
         <c:marker val="1"/>
         <c:smooth val="0"/>
-        <c:axId val="2127421608"/>
-        <c:axId val="2130056792"/>
+        <c:axId val="2098227832"/>
+        <c:axId val="2098221752"/>
       </c:lineChart>
       <c:catAx>
-        <c:axId val="2127421608"/>
+        <c:axId val="2098227832"/>
         <c:scaling>
           <c:orientation val="minMax"/>
         </c:scaling>
@@ -30231,7 +30231,7 @@
             <a:endParaRPr lang="ja-JP"/>
           </a:p>
         </c:txPr>
-        <c:crossAx val="2130056792"/>
+        <c:crossAx val="2098221752"/>
         <c:crosses val="autoZero"/>
         <c:auto val="1"/>
         <c:lblAlgn val="ctr"/>
@@ -30240,7 +30240,7 @@
         <c:noMultiLvlLbl val="0"/>
       </c:catAx>
       <c:valAx>
-        <c:axId val="2130056792"/>
+        <c:axId val="2098221752"/>
         <c:scaling>
           <c:orientation val="minMax"/>
           <c:max val="90.0"/>
@@ -30315,7 +30315,7 @@
             <a:endParaRPr lang="ja-JP"/>
           </a:p>
         </c:txPr>
-        <c:crossAx val="2127421608"/>
+        <c:crossAx val="2098227832"/>
         <c:crosses val="autoZero"/>
         <c:crossBetween val="between"/>
         <c:majorUnit val="30.0"/>
@@ -36567,11 +36567,11 @@
         </c:dLbls>
         <c:marker val="1"/>
         <c:smooth val="0"/>
-        <c:axId val="2126703880"/>
-        <c:axId val="2130075736"/>
+        <c:axId val="2100207816"/>
+        <c:axId val="2100213832"/>
       </c:lineChart>
       <c:catAx>
-        <c:axId val="2126703880"/>
+        <c:axId val="2100207816"/>
         <c:scaling>
           <c:orientation val="minMax"/>
         </c:scaling>
@@ -36630,7 +36630,7 @@
             <a:endParaRPr lang="ja-JP"/>
           </a:p>
         </c:txPr>
-        <c:crossAx val="2130075736"/>
+        <c:crossAx val="2100213832"/>
         <c:crosses val="autoZero"/>
         <c:auto val="1"/>
         <c:lblAlgn val="ctr"/>
@@ -36639,7 +36639,7 @@
         <c:noMultiLvlLbl val="0"/>
       </c:catAx>
       <c:valAx>
-        <c:axId val="2130075736"/>
+        <c:axId val="2100213832"/>
         <c:scaling>
           <c:orientation val="minMax"/>
           <c:max val="90.0"/>
@@ -36714,7 +36714,7 @@
             <a:endParaRPr lang="ja-JP"/>
           </a:p>
         </c:txPr>
-        <c:crossAx val="2126703880"/>
+        <c:crossAx val="2100207816"/>
         <c:crosses val="autoZero"/>
         <c:crossBetween val="between"/>
         <c:majorUnit val="30.0"/>
@@ -36862,7 +36862,7 @@
           </a:lstStyle>
           <a:p>
             <a:fld id="{5FD68F27-D0C7-584C-A41A-EC36C2C5EC02}" type="datetimeFigureOut">
-              <a:t>2014/02/02</a:t>
+              <a:t>2014/02/03</a:t>
             </a:fld>
             <a:endParaRPr kumimoji="1" lang="ja-JP" altLang="en-US"/>
           </a:p>
@@ -37338,7 +37338,7 @@
           <a:lstStyle/>
           <a:p>
             <a:fld id="{484F65FC-80CB-9649-B901-BB74BECBF0C1}" type="datetimeFigureOut">
-              <a:t>2014/02/02</a:t>
+              <a:t>2014/02/03</a:t>
             </a:fld>
             <a:endParaRPr kumimoji="1" lang="ja-JP" altLang="en-US"/>
           </a:p>
@@ -37536,7 +37536,7 @@
           <a:lstStyle/>
           <a:p>
             <a:fld id="{484F65FC-80CB-9649-B901-BB74BECBF0C1}" type="datetimeFigureOut">
-              <a:t>2014/02/02</a:t>
+              <a:t>2014/02/03</a:t>
             </a:fld>
             <a:endParaRPr kumimoji="1" lang="ja-JP" altLang="en-US"/>
           </a:p>
@@ -37744,7 +37744,7 @@
           <a:lstStyle/>
           <a:p>
             <a:fld id="{484F65FC-80CB-9649-B901-BB74BECBF0C1}" type="datetimeFigureOut">
-              <a:t>2014/02/02</a:t>
+              <a:t>2014/02/03</a:t>
             </a:fld>
             <a:endParaRPr kumimoji="1" lang="ja-JP" altLang="en-US"/>
           </a:p>
@@ -37942,7 +37942,7 @@
           <a:lstStyle/>
           <a:p>
             <a:fld id="{484F65FC-80CB-9649-B901-BB74BECBF0C1}" type="datetimeFigureOut">
-              <a:t>2014/02/02</a:t>
+              <a:t>2014/02/03</a:t>
             </a:fld>
             <a:endParaRPr kumimoji="1" lang="ja-JP" altLang="en-US"/>
           </a:p>
@@ -38185,7 +38185,7 @@
           <a:lstStyle/>
           <a:p>
             <a:fld id="{484F65FC-80CB-9649-B901-BB74BECBF0C1}" type="datetimeFigureOut">
-              <a:t>2014/02/02</a:t>
+              <a:t>2014/02/03</a:t>
             </a:fld>
             <a:endParaRPr kumimoji="1" lang="ja-JP" altLang="en-US"/>
           </a:p>
@@ -38532,7 +38532,7 @@
           <a:lstStyle/>
           <a:p>
             <a:fld id="{484F65FC-80CB-9649-B901-BB74BECBF0C1}" type="datetimeFigureOut">
-              <a:t>2014/02/02</a:t>
+              <a:t>2014/02/03</a:t>
             </a:fld>
             <a:endParaRPr kumimoji="1" lang="ja-JP" altLang="en-US"/>
           </a:p>
@@ -39013,7 +39013,7 @@
           <a:lstStyle/>
           <a:p>
             <a:fld id="{484F65FC-80CB-9649-B901-BB74BECBF0C1}" type="datetimeFigureOut">
-              <a:t>2014/02/02</a:t>
+              <a:t>2014/02/03</a:t>
             </a:fld>
             <a:endParaRPr kumimoji="1" lang="ja-JP" altLang="en-US"/>
           </a:p>
@@ -39128,7 +39128,7 @@
           <a:lstStyle/>
           <a:p>
             <a:fld id="{484F65FC-80CB-9649-B901-BB74BECBF0C1}" type="datetimeFigureOut">
-              <a:t>2014/02/02</a:t>
+              <a:t>2014/02/03</a:t>
             </a:fld>
             <a:endParaRPr kumimoji="1" lang="ja-JP" altLang="en-US"/>
           </a:p>
@@ -39221,7 +39221,7 @@
           <a:lstStyle/>
           <a:p>
             <a:fld id="{484F65FC-80CB-9649-B901-BB74BECBF0C1}" type="datetimeFigureOut">
-              <a:t>2014/02/02</a:t>
+              <a:t>2014/02/03</a:t>
             </a:fld>
             <a:endParaRPr kumimoji="1" lang="ja-JP" altLang="en-US"/>
           </a:p>
@@ -39526,7 +39526,7 @@
           <a:lstStyle/>
           <a:p>
             <a:fld id="{484F65FC-80CB-9649-B901-BB74BECBF0C1}" type="datetimeFigureOut">
-              <a:t>2014/02/02</a:t>
+              <a:t>2014/02/03</a:t>
             </a:fld>
             <a:endParaRPr kumimoji="1" lang="ja-JP" altLang="en-US"/>
           </a:p>
@@ -39776,7 +39776,7 @@
           <a:lstStyle/>
           <a:p>
             <a:fld id="{484F65FC-80CB-9649-B901-BB74BECBF0C1}" type="datetimeFigureOut">
-              <a:t>2014/02/02</a:t>
+              <a:t>2014/02/03</a:t>
             </a:fld>
             <a:endParaRPr kumimoji="1" lang="ja-JP" altLang="en-US"/>
           </a:p>
@@ -40017,7 +40017,7 @@
           </a:lstStyle>
           <a:p>
             <a:fld id="{484F65FC-80CB-9649-B901-BB74BECBF0C1}" type="datetimeFigureOut">
-              <a:t>2014/02/02</a:t>
+              <a:t>2014/02/03</a:t>
             </a:fld>
             <a:endParaRPr kumimoji="1" lang="ja-JP" altLang="en-US"/>
           </a:p>
@@ -41391,8 +41391,8 @@
         </p:nvSpPr>
         <p:spPr>
           <a:xfrm>
-            <a:off x="7025233" y="2306170"/>
-            <a:ext cx="1146167" cy="461665"/>
+            <a:off x="7025233" y="2180218"/>
+            <a:ext cx="1146167" cy="701731"/>
           </a:xfrm>
           <a:prstGeom prst="rect">
             <a:avLst/>
@@ -41406,6 +41406,20 @@
           <a:lstStyle/>
           <a:p>
             <a:pPr algn="ctr"/>
+            <a:r>
+              <a:rPr lang="en-US" altLang="ja-JP" sz="1200">
+                <a:latin typeface="Times New Roman"/>
+                <a:cs typeface="Times New Roman"/>
+              </a:rPr>
+              <a:t>(1)</a:t>
+            </a:r>
+          </a:p>
+          <a:p>
+            <a:pPr algn="ctr">
+              <a:lnSpc>
+                <a:spcPct val="130000"/>
+              </a:lnSpc>
+            </a:pPr>
             <a:r>
               <a:rPr lang="en-US" altLang="ja-JP" sz="1200">
                 <a:latin typeface="Times New Roman"/>
@@ -41434,8 +41448,8 @@
         </p:nvSpPr>
         <p:spPr>
           <a:xfrm>
-            <a:off x="7043330" y="3516387"/>
-            <a:ext cx="1094846" cy="461665"/>
+            <a:off x="7043330" y="3390435"/>
+            <a:ext cx="1094846" cy="701731"/>
           </a:xfrm>
           <a:prstGeom prst="rect">
             <a:avLst/>
@@ -41449,6 +41463,20 @@
           <a:lstStyle/>
           <a:p>
             <a:pPr algn="ctr"/>
+            <a:r>
+              <a:rPr lang="en-US" altLang="ja-JP" sz="1200">
+                <a:latin typeface="Times New Roman"/>
+                <a:cs typeface="Times New Roman"/>
+              </a:rPr>
+              <a:t>(2)</a:t>
+            </a:r>
+          </a:p>
+          <a:p>
+            <a:pPr algn="ctr">
+              <a:lnSpc>
+                <a:spcPct val="130000"/>
+              </a:lnSpc>
+            </a:pPr>
             <a:r>
               <a:rPr lang="en-US" altLang="ja-JP" sz="1200">
                 <a:latin typeface="Times New Roman"/>
@@ -41482,8 +41510,8 @@
         </p:nvSpPr>
         <p:spPr>
           <a:xfrm>
-            <a:off x="7006022" y="4713217"/>
-            <a:ext cx="1205979" cy="461665"/>
+            <a:off x="7025233" y="4608257"/>
+            <a:ext cx="1167557" cy="701731"/>
           </a:xfrm>
           <a:prstGeom prst="rect">
             <a:avLst/>
@@ -41497,6 +41525,20 @@
           <a:lstStyle/>
           <a:p>
             <a:pPr algn="ctr"/>
+            <a:r>
+              <a:rPr lang="en-US" altLang="ja-JP" sz="1200">
+                <a:latin typeface="Times New Roman"/>
+                <a:cs typeface="Times New Roman"/>
+              </a:rPr>
+              <a:t>(3)</a:t>
+            </a:r>
+          </a:p>
+          <a:p>
+            <a:pPr algn="ctr">
+              <a:lnSpc>
+                <a:spcPct val="130000"/>
+              </a:lnSpc>
+            </a:pPr>
             <a:r>
               <a:rPr lang="en-US" altLang="ja-JP" sz="1200">
                 <a:latin typeface="Times New Roman"/>

--- a/figure.pptx
+++ b/figure.pptx
@@ -755,7 +755,7 @@
                   <c:v>1.62409175357E-10</c:v>
                 </c:pt>
                 <c:pt idx="86" formatCode="0.00E+00">
-                  <c:v>8.59256481688007E-12</c:v>
+                  <c:v>8.59256481688008E-12</c:v>
                 </c:pt>
                 <c:pt idx="87" formatCode="0.00E+00">
                   <c:v>1.20160059295E-12</c:v>
@@ -784,11 +784,11 @@
         </c:dLbls>
         <c:marker val="1"/>
         <c:smooth val="0"/>
-        <c:axId val="2099844744"/>
-        <c:axId val="2099847048"/>
+        <c:axId val="2117891896"/>
+        <c:axId val="2128961176"/>
       </c:lineChart>
       <c:catAx>
-        <c:axId val="2099844744"/>
+        <c:axId val="2117891896"/>
         <c:scaling>
           <c:orientation val="minMax"/>
         </c:scaling>
@@ -798,7 +798,7 @@
         <c:majorTickMark val="none"/>
         <c:minorTickMark val="none"/>
         <c:tickLblPos val="nextTo"/>
-        <c:crossAx val="2099847048"/>
+        <c:crossAx val="2128961176"/>
         <c:crosses val="autoZero"/>
         <c:auto val="1"/>
         <c:lblAlgn val="ctr"/>
@@ -806,7 +806,7 @@
         <c:noMultiLvlLbl val="0"/>
       </c:catAx>
       <c:valAx>
-        <c:axId val="2099847048"/>
+        <c:axId val="2128961176"/>
         <c:scaling>
           <c:orientation val="minMax"/>
         </c:scaling>
@@ -829,7 +829,7 @@
             <a:endParaRPr lang="ja-JP"/>
           </a:p>
         </c:txPr>
-        <c:crossAx val="2099844744"/>
+        <c:crossAx val="2117891896"/>
         <c:crosses val="autoZero"/>
         <c:crossBetween val="between"/>
         <c:majorUnit val="0.1"/>
@@ -1551,11 +1551,11 @@
         </c:dLbls>
         <c:marker val="1"/>
         <c:smooth val="0"/>
-        <c:axId val="2100277080"/>
-        <c:axId val="2100280120"/>
+        <c:axId val="2139194984"/>
+        <c:axId val="2139191784"/>
       </c:lineChart>
       <c:catAx>
-        <c:axId val="2100277080"/>
+        <c:axId val="2139194984"/>
         <c:scaling>
           <c:orientation val="minMax"/>
         </c:scaling>
@@ -1565,7 +1565,7 @@
         <c:majorTickMark val="none"/>
         <c:minorTickMark val="none"/>
         <c:tickLblPos val="nextTo"/>
-        <c:crossAx val="2100280120"/>
+        <c:crossAx val="2139191784"/>
         <c:crosses val="autoZero"/>
         <c:auto val="1"/>
         <c:lblAlgn val="ctr"/>
@@ -1573,7 +1573,7 @@
         <c:noMultiLvlLbl val="0"/>
       </c:catAx>
       <c:valAx>
-        <c:axId val="2100280120"/>
+        <c:axId val="2139191784"/>
         <c:scaling>
           <c:orientation val="minMax"/>
         </c:scaling>
@@ -1596,7 +1596,7 @@
             <a:endParaRPr lang="ja-JP"/>
           </a:p>
         </c:txPr>
-        <c:crossAx val="2100277080"/>
+        <c:crossAx val="2139194984"/>
         <c:crosses val="autoZero"/>
         <c:crossBetween val="between"/>
         <c:majorUnit val="0.1"/>
@@ -2073,11 +2073,11 @@
           <c:showBubbleSize val="0"/>
         </c:dLbls>
         <c:gapWidth val="0"/>
-        <c:axId val="2068875224"/>
-        <c:axId val="2069769736"/>
+        <c:axId val="2139156792"/>
+        <c:axId val="2139153800"/>
       </c:barChart>
       <c:catAx>
-        <c:axId val="2068875224"/>
+        <c:axId val="2139156792"/>
         <c:scaling>
           <c:orientation val="minMax"/>
         </c:scaling>
@@ -2087,7 +2087,7 @@
         <c:majorTickMark val="none"/>
         <c:minorTickMark val="none"/>
         <c:tickLblPos val="nextTo"/>
-        <c:crossAx val="2069769736"/>
+        <c:crossAx val="2139153800"/>
         <c:crosses val="autoZero"/>
         <c:auto val="1"/>
         <c:lblAlgn val="ctr"/>
@@ -2095,7 +2095,7 @@
         <c:noMultiLvlLbl val="0"/>
       </c:catAx>
       <c:valAx>
-        <c:axId val="2069769736"/>
+        <c:axId val="2139153800"/>
         <c:scaling>
           <c:orientation val="minMax"/>
         </c:scaling>
@@ -2118,7 +2118,7 @@
             <a:endParaRPr lang="ja-JP"/>
           </a:p>
         </c:txPr>
-        <c:crossAx val="2068875224"/>
+        <c:crossAx val="2139156792"/>
         <c:crosses val="autoZero"/>
         <c:crossBetween val="between"/>
       </c:valAx>
@@ -2574,11 +2574,11 @@
           <c:showBubbleSize val="0"/>
         </c:dLbls>
         <c:gapWidth val="0"/>
-        <c:axId val="2069270056"/>
-        <c:axId val="2069074536"/>
+        <c:axId val="2139109192"/>
+        <c:axId val="2139106168"/>
       </c:barChart>
       <c:catAx>
-        <c:axId val="2069270056"/>
+        <c:axId val="2139109192"/>
         <c:scaling>
           <c:orientation val="minMax"/>
         </c:scaling>
@@ -2588,7 +2588,7 @@
         <c:majorTickMark val="none"/>
         <c:minorTickMark val="none"/>
         <c:tickLblPos val="nextTo"/>
-        <c:crossAx val="2069074536"/>
+        <c:crossAx val="2139106168"/>
         <c:crosses val="autoZero"/>
         <c:auto val="1"/>
         <c:lblAlgn val="ctr"/>
@@ -2596,7 +2596,7 @@
         <c:noMultiLvlLbl val="0"/>
       </c:catAx>
       <c:valAx>
-        <c:axId val="2069074536"/>
+        <c:axId val="2139106168"/>
         <c:scaling>
           <c:orientation val="minMax"/>
         </c:scaling>
@@ -2619,7 +2619,7 @@
             <a:endParaRPr lang="ja-JP"/>
           </a:p>
         </c:txPr>
-        <c:crossAx val="2069270056"/>
+        <c:crossAx val="2139109192"/>
         <c:crosses val="autoZero"/>
         <c:crossBetween val="between"/>
       </c:valAx>
@@ -12381,11 +12381,11 @@
         </c:dLbls>
         <c:marker val="1"/>
         <c:smooth val="0"/>
-        <c:axId val="2099548952"/>
-        <c:axId val="2099545960"/>
+        <c:axId val="2129010136"/>
+        <c:axId val="2129015896"/>
       </c:lineChart>
       <c:catAx>
-        <c:axId val="2099548952"/>
+        <c:axId val="2129010136"/>
         <c:scaling>
           <c:orientation val="minMax"/>
         </c:scaling>
@@ -12395,7 +12395,7 @@
         <c:majorTickMark val="none"/>
         <c:minorTickMark val="none"/>
         <c:tickLblPos val="nextTo"/>
-        <c:crossAx val="2099545960"/>
+        <c:crossAx val="2129015896"/>
         <c:crosses val="autoZero"/>
         <c:auto val="1"/>
         <c:lblAlgn val="ctr"/>
@@ -12403,7 +12403,7 @@
         <c:noMultiLvlLbl val="0"/>
       </c:catAx>
       <c:valAx>
-        <c:axId val="2099545960"/>
+        <c:axId val="2129015896"/>
         <c:scaling>
           <c:orientation val="minMax"/>
         </c:scaling>
@@ -12413,7 +12413,7 @@
         <c:majorTickMark val="out"/>
         <c:minorTickMark val="none"/>
         <c:tickLblPos val="nextTo"/>
-        <c:crossAx val="2099548952"/>
+        <c:crossAx val="2129010136"/>
         <c:crosses val="autoZero"/>
         <c:crossBetween val="between"/>
         <c:majorUnit val="0.1"/>
@@ -13103,10 +13103,10 @@
                   <c:v>1.19345600069E-15</c:v>
                 </c:pt>
                 <c:pt idx="85" formatCode="0.00E+00">
-                  <c:v>9.50577616621009E-16</c:v>
+                  <c:v>9.5057761662101E-16</c:v>
                 </c:pt>
                 <c:pt idx="86" formatCode="0.00E+00">
-                  <c:v>8.36825719830009E-16</c:v>
+                  <c:v>8.3682571983001E-16</c:v>
                 </c:pt>
                 <c:pt idx="87" formatCode="0.00E+00">
                   <c:v>3.57354146274E-16</c:v>
@@ -13132,11 +13132,11 @@
         </c:dLbls>
         <c:marker val="1"/>
         <c:smooth val="0"/>
-        <c:axId val="2069798072"/>
-        <c:axId val="2069790040"/>
+        <c:axId val="2127144296"/>
+        <c:axId val="2127402408"/>
       </c:lineChart>
       <c:catAx>
-        <c:axId val="2069798072"/>
+        <c:axId val="2127144296"/>
         <c:scaling>
           <c:orientation val="minMax"/>
         </c:scaling>
@@ -13146,7 +13146,7 @@
         <c:majorTickMark val="none"/>
         <c:minorTickMark val="none"/>
         <c:tickLblPos val="nextTo"/>
-        <c:crossAx val="2069790040"/>
+        <c:crossAx val="2127402408"/>
         <c:crosses val="autoZero"/>
         <c:auto val="1"/>
         <c:lblAlgn val="ctr"/>
@@ -13154,7 +13154,7 @@
         <c:noMultiLvlLbl val="0"/>
       </c:catAx>
       <c:valAx>
-        <c:axId val="2069790040"/>
+        <c:axId val="2127402408"/>
         <c:scaling>
           <c:orientation val="minMax"/>
         </c:scaling>
@@ -13177,7 +13177,7 @@
             <a:endParaRPr lang="ja-JP"/>
           </a:p>
         </c:txPr>
-        <c:crossAx val="2069798072"/>
+        <c:crossAx val="2127144296"/>
         <c:crosses val="autoZero"/>
         <c:crossBetween val="between"/>
         <c:majorUnit val="0.1"/>
@@ -13437,11 +13437,11 @@
           <c:showBubbleSize val="0"/>
         </c:dLbls>
         <c:gapWidth val="0"/>
-        <c:axId val="2069756120"/>
-        <c:axId val="2069750952"/>
+        <c:axId val="2126535832"/>
+        <c:axId val="2127149928"/>
       </c:barChart>
       <c:catAx>
-        <c:axId val="2069756120"/>
+        <c:axId val="2126535832"/>
         <c:scaling>
           <c:orientation val="minMax"/>
         </c:scaling>
@@ -13451,7 +13451,7 @@
         <c:majorTickMark val="none"/>
         <c:minorTickMark val="none"/>
         <c:tickLblPos val="nextTo"/>
-        <c:crossAx val="2069750952"/>
+        <c:crossAx val="2127149928"/>
         <c:crosses val="autoZero"/>
         <c:auto val="1"/>
         <c:lblAlgn val="ctr"/>
@@ -13459,7 +13459,7 @@
         <c:noMultiLvlLbl val="0"/>
       </c:catAx>
       <c:valAx>
-        <c:axId val="2069750952"/>
+        <c:axId val="2127149928"/>
         <c:scaling>
           <c:orientation val="minMax"/>
         </c:scaling>
@@ -13482,7 +13482,7 @@
             <a:endParaRPr lang="ja-JP"/>
           </a:p>
         </c:txPr>
-        <c:crossAx val="2069756120"/>
+        <c:crossAx val="2126535832"/>
         <c:crosses val="autoZero"/>
         <c:crossBetween val="between"/>
       </c:valAx>
@@ -13714,11 +13714,11 @@
           <c:showBubbleSize val="0"/>
         </c:dLbls>
         <c:gapWidth val="0"/>
-        <c:axId val="2099492824"/>
-        <c:axId val="2099489800"/>
+        <c:axId val="2127263272"/>
+        <c:axId val="2127073832"/>
       </c:barChart>
       <c:catAx>
-        <c:axId val="2099492824"/>
+        <c:axId val="2127263272"/>
         <c:scaling>
           <c:orientation val="minMax"/>
         </c:scaling>
@@ -13728,7 +13728,7 @@
         <c:majorTickMark val="none"/>
         <c:minorTickMark val="none"/>
         <c:tickLblPos val="nextTo"/>
-        <c:crossAx val="2099489800"/>
+        <c:crossAx val="2127073832"/>
         <c:crosses val="autoZero"/>
         <c:auto val="1"/>
         <c:lblAlgn val="ctr"/>
@@ -13736,7 +13736,7 @@
         <c:noMultiLvlLbl val="0"/>
       </c:catAx>
       <c:valAx>
-        <c:axId val="2099489800"/>
+        <c:axId val="2127073832"/>
         <c:scaling>
           <c:orientation val="minMax"/>
         </c:scaling>
@@ -13759,7 +13759,7 @@
             <a:endParaRPr lang="ja-JP"/>
           </a:p>
         </c:txPr>
-        <c:crossAx val="2099492824"/>
+        <c:crossAx val="2127263272"/>
         <c:crosses val="autoZero"/>
         <c:crossBetween val="between"/>
       </c:valAx>
@@ -14449,11 +14449,11 @@
         </c:dLbls>
         <c:marker val="1"/>
         <c:smooth val="0"/>
-        <c:axId val="2099421848"/>
-        <c:axId val="2099418328"/>
+        <c:axId val="2127534296"/>
+        <c:axId val="2127530056"/>
       </c:lineChart>
       <c:catAx>
-        <c:axId val="2099421848"/>
+        <c:axId val="2127534296"/>
         <c:scaling>
           <c:orientation val="minMax"/>
         </c:scaling>
@@ -14463,7 +14463,7 @@
         <c:majorTickMark val="none"/>
         <c:minorTickMark val="none"/>
         <c:tickLblPos val="nextTo"/>
-        <c:crossAx val="2099418328"/>
+        <c:crossAx val="2127530056"/>
         <c:crosses val="autoZero"/>
         <c:auto val="1"/>
         <c:lblAlgn val="ctr"/>
@@ -14471,7 +14471,7 @@
         <c:noMultiLvlLbl val="0"/>
       </c:catAx>
       <c:valAx>
-        <c:axId val="2099418328"/>
+        <c:axId val="2127530056"/>
         <c:scaling>
           <c:orientation val="minMax"/>
         </c:scaling>
@@ -14494,7 +14494,7 @@
             <a:endParaRPr lang="ja-JP"/>
           </a:p>
         </c:txPr>
-        <c:crossAx val="2099421848"/>
+        <c:crossAx val="2127534296"/>
         <c:crosses val="autoZero"/>
         <c:crossBetween val="between"/>
         <c:majorUnit val="0.1"/>
@@ -15213,11 +15213,11 @@
         </c:dLbls>
         <c:marker val="1"/>
         <c:smooth val="0"/>
-        <c:axId val="2099373688"/>
-        <c:axId val="2099370200"/>
+        <c:axId val="2117934008"/>
+        <c:axId val="2117936952"/>
       </c:lineChart>
       <c:catAx>
-        <c:axId val="2099373688"/>
+        <c:axId val="2117934008"/>
         <c:scaling>
           <c:orientation val="minMax"/>
         </c:scaling>
@@ -15227,7 +15227,7 @@
         <c:majorTickMark val="none"/>
         <c:minorTickMark val="none"/>
         <c:tickLblPos val="nextTo"/>
-        <c:crossAx val="2099370200"/>
+        <c:crossAx val="2117936952"/>
         <c:crosses val="autoZero"/>
         <c:auto val="1"/>
         <c:lblAlgn val="ctr"/>
@@ -15235,7 +15235,7 @@
         <c:noMultiLvlLbl val="0"/>
       </c:catAx>
       <c:valAx>
-        <c:axId val="2099370200"/>
+        <c:axId val="2117936952"/>
         <c:scaling>
           <c:orientation val="minMax"/>
         </c:scaling>
@@ -15258,7 +15258,7 @@
             <a:endParaRPr lang="ja-JP"/>
           </a:p>
         </c:txPr>
-        <c:crossAx val="2099373688"/>
+        <c:crossAx val="2117934008"/>
         <c:crosses val="autoZero"/>
         <c:crossBetween val="between"/>
         <c:majorUnit val="0.1"/>
@@ -15977,11 +15977,11 @@
         </c:dLbls>
         <c:marker val="1"/>
         <c:smooth val="0"/>
-        <c:axId val="2099326424"/>
-        <c:axId val="2099323432"/>
+        <c:axId val="2117861192"/>
+        <c:axId val="2117858920"/>
       </c:lineChart>
       <c:catAx>
-        <c:axId val="2099326424"/>
+        <c:axId val="2117861192"/>
         <c:scaling>
           <c:orientation val="minMax"/>
         </c:scaling>
@@ -15991,7 +15991,7 @@
         <c:majorTickMark val="none"/>
         <c:minorTickMark val="none"/>
         <c:tickLblPos val="nextTo"/>
-        <c:crossAx val="2099323432"/>
+        <c:crossAx val="2117858920"/>
         <c:crosses val="autoZero"/>
         <c:auto val="1"/>
         <c:lblAlgn val="ctr"/>
@@ -15999,7 +15999,7 @@
         <c:noMultiLvlLbl val="0"/>
       </c:catAx>
       <c:valAx>
-        <c:axId val="2099323432"/>
+        <c:axId val="2117858920"/>
         <c:scaling>
           <c:orientation val="minMax"/>
         </c:scaling>
@@ -16009,7 +16009,7 @@
         <c:majorTickMark val="out"/>
         <c:minorTickMark val="none"/>
         <c:tickLblPos val="nextTo"/>
-        <c:crossAx val="2099326424"/>
+        <c:crossAx val="2117861192"/>
         <c:crosses val="autoZero"/>
         <c:crossBetween val="between"/>
         <c:majorUnit val="0.1"/>
@@ -16504,11 +16504,11 @@
           <c:showBubbleSize val="0"/>
         </c:dLbls>
         <c:gapWidth val="0"/>
-        <c:axId val="2098318056"/>
-        <c:axId val="2098312216"/>
+        <c:axId val="2117657448"/>
+        <c:axId val="2117294488"/>
       </c:barChart>
       <c:catAx>
-        <c:axId val="2098318056"/>
+        <c:axId val="2117657448"/>
         <c:scaling>
           <c:orientation val="minMax"/>
         </c:scaling>
@@ -16554,7 +16554,7 @@
         <c:majorTickMark val="none"/>
         <c:minorTickMark val="none"/>
         <c:tickLblPos val="nextTo"/>
-        <c:crossAx val="2098312216"/>
+        <c:crossAx val="2117294488"/>
         <c:crosses val="autoZero"/>
         <c:auto val="1"/>
         <c:lblAlgn val="ctr"/>
@@ -16562,7 +16562,7 @@
         <c:noMultiLvlLbl val="0"/>
       </c:catAx>
       <c:valAx>
-        <c:axId val="2098312216"/>
+        <c:axId val="2117294488"/>
         <c:scaling>
           <c:orientation val="minMax"/>
         </c:scaling>
@@ -16635,7 +16635,7 @@
             <a:endParaRPr lang="ja-JP"/>
           </a:p>
         </c:txPr>
-        <c:crossAx val="2098318056"/>
+        <c:crossAx val="2117657448"/>
         <c:crosses val="autoZero"/>
         <c:crossBetween val="between"/>
         <c:majorUnit val="3.0"/>
@@ -17319,10 +17319,10 @@
                   <c:v>0.0</c:v>
                 </c:pt>
                 <c:pt idx="87" formatCode="0.00E+00">
-                  <c:v>7.99360577730006E-19</c:v>
+                  <c:v>7.99360577730007E-19</c:v>
                 </c:pt>
                 <c:pt idx="88" formatCode="0.00E+00">
-                  <c:v>6.96331881045006E-19</c:v>
+                  <c:v>6.96331881045007E-19</c:v>
                 </c:pt>
                 <c:pt idx="89">
                   <c:v>0.0</c:v>
@@ -17646,11 +17646,11 @@
           <c:showPercent val="0"/>
           <c:showBubbleSize val="0"/>
         </c:dLbls>
-        <c:axId val="2069690088"/>
-        <c:axId val="2099309736"/>
+        <c:axId val="2117798616"/>
+        <c:axId val="2117804984"/>
       </c:scatterChart>
       <c:valAx>
-        <c:axId val="2069690088"/>
+        <c:axId val="2117798616"/>
         <c:scaling>
           <c:orientation val="minMax"/>
           <c:max val="0.3"/>
@@ -17724,13 +17724,13 @@
             <a:endParaRPr lang="ja-JP"/>
           </a:p>
         </c:txPr>
-        <c:crossAx val="2099309736"/>
+        <c:crossAx val="2117804984"/>
         <c:crosses val="autoZero"/>
         <c:crossBetween val="midCat"/>
         <c:majorUnit val="0.1"/>
       </c:valAx>
       <c:valAx>
-        <c:axId val="2099309736"/>
+        <c:axId val="2117804984"/>
         <c:scaling>
           <c:orientation val="minMax"/>
           <c:max val="0.5"/>
@@ -17804,7 +17804,7 @@
             <a:endParaRPr lang="ja-JP"/>
           </a:p>
         </c:txPr>
-        <c:crossAx val="2069690088"/>
+        <c:crossAx val="2117798616"/>
         <c:crosses val="autoZero"/>
         <c:crossBetween val="midCat"/>
         <c:majorUnit val="0.1"/>
@@ -18256,7 +18256,7 @@
                   <c:v>0.0</c:v>
                 </c:pt>
                 <c:pt idx="12" formatCode="0.00E+00">
-                  <c:v>9.79000000000006E-18</c:v>
+                  <c:v>9.79000000000007E-18</c:v>
                 </c:pt>
                 <c:pt idx="13">
                   <c:v>0.0</c:v>
@@ -18295,7 +18295,7 @@
                   <c:v>0.0</c:v>
                 </c:pt>
                 <c:pt idx="25" formatCode="0.00E+00">
-                  <c:v>9.74000000000006E-17</c:v>
+                  <c:v>9.74000000000007E-17</c:v>
                 </c:pt>
                 <c:pt idx="26">
                   <c:v>0.0</c:v>
@@ -18337,7 +18337,7 @@
                   <c:v>4.27E-18</c:v>
                 </c:pt>
                 <c:pt idx="39" formatCode="0.00E+00">
-                  <c:v>8.74000000000006E-18</c:v>
+                  <c:v>8.74000000000007E-18</c:v>
                 </c:pt>
                 <c:pt idx="40" formatCode="0.00E+00">
                   <c:v>2.89E-18</c:v>
@@ -18352,7 +18352,7 @@
                   <c:v>2.0E-16</c:v>
                 </c:pt>
                 <c:pt idx="44" formatCode="0.00E+00">
-                  <c:v>6.83000000000006E-18</c:v>
+                  <c:v>6.83000000000007E-18</c:v>
                 </c:pt>
                 <c:pt idx="45">
                   <c:v>0.0</c:v>
@@ -18385,7 +18385,7 @@
                   <c:v>0.034900436</c:v>
                 </c:pt>
                 <c:pt idx="55" formatCode="0.00E+00">
-                  <c:v>9.09000000000006E-19</c:v>
+                  <c:v>9.09000000000007E-19</c:v>
                 </c:pt>
                 <c:pt idx="56">
                   <c:v>0.002620241</c:v>
@@ -18481,7 +18481,7 @@
                   <c:v>0.02720672</c:v>
                 </c:pt>
                 <c:pt idx="87" formatCode="0.00E+00">
-                  <c:v>6.90000000000006E-18</c:v>
+                  <c:v>6.90000000000007E-18</c:v>
                 </c:pt>
                 <c:pt idx="88" formatCode="0.00E+00">
                   <c:v>4.0E-9</c:v>
@@ -18808,11 +18808,11 @@
           <c:showPercent val="0"/>
           <c:showBubbleSize val="0"/>
         </c:dLbls>
-        <c:axId val="2096613528"/>
-        <c:axId val="2096445880"/>
+        <c:axId val="2117631832"/>
+        <c:axId val="2117629912"/>
       </c:scatterChart>
       <c:valAx>
-        <c:axId val="2096613528"/>
+        <c:axId val="2117631832"/>
         <c:scaling>
           <c:orientation val="minMax"/>
           <c:max val="0.3"/>
@@ -18886,13 +18886,13 @@
             <a:endParaRPr lang="ja-JP"/>
           </a:p>
         </c:txPr>
-        <c:crossAx val="2096445880"/>
+        <c:crossAx val="2117629912"/>
         <c:crosses val="autoZero"/>
         <c:crossBetween val="midCat"/>
         <c:majorUnit val="0.1"/>
       </c:valAx>
       <c:valAx>
-        <c:axId val="2096445880"/>
+        <c:axId val="2117629912"/>
         <c:scaling>
           <c:orientation val="minMax"/>
           <c:max val="0.5"/>
@@ -18966,7 +18966,7 @@
             <a:endParaRPr lang="ja-JP"/>
           </a:p>
         </c:txPr>
-        <c:crossAx val="2096613528"/>
+        <c:crossAx val="2117631832"/>
         <c:crosses val="autoZero"/>
         <c:crossBetween val="midCat"/>
         <c:majorUnit val="0.1"/>
@@ -19062,7 +19062,7 @@
                   <c:v>1.20160059295E-12</c:v>
                 </c:pt>
                 <c:pt idx="2">
-                  <c:v>8.59256481688006E-12</c:v>
+                  <c:v>8.59256481688007E-12</c:v>
                 </c:pt>
                 <c:pt idx="3" formatCode="General">
                   <c:v>0.000125047680306</c:v>
@@ -19371,7 +19371,7 @@
                   <c:v>0.0</c:v>
                 </c:pt>
                 <c:pt idx="12" formatCode="0.00E+00">
-                  <c:v>9.79216707719006E-18</c:v>
+                  <c:v>9.79216707719007E-18</c:v>
                 </c:pt>
                 <c:pt idx="13">
                   <c:v>0.0</c:v>
@@ -19410,7 +19410,7 @@
                   <c:v>0.0</c:v>
                 </c:pt>
                 <c:pt idx="25" formatCode="0.00E+00">
-                  <c:v>9.73860991849006E-17</c:v>
+                  <c:v>9.73860991849007E-17</c:v>
                 </c:pt>
                 <c:pt idx="26">
                   <c:v>0.0</c:v>
@@ -19467,7 +19467,7 @@
                   <c:v>1.99827709935E-16</c:v>
                 </c:pt>
                 <c:pt idx="44" formatCode="0.00E+00">
-                  <c:v>6.82831569065006E-18</c:v>
+                  <c:v>6.82831569065007E-18</c:v>
                 </c:pt>
                 <c:pt idx="45">
                   <c:v>0.0</c:v>
@@ -19500,7 +19500,7 @@
                   <c:v>0.0349004358575</c:v>
                 </c:pt>
                 <c:pt idx="55" formatCode="0.00E+00">
-                  <c:v>9.09494701773006E-19</c:v>
+                  <c:v>9.09494701773007E-19</c:v>
                 </c:pt>
                 <c:pt idx="56">
                   <c:v>0.00262024065016</c:v>
@@ -19596,7 +19596,7 @@
                   <c:v>0.0272067199946</c:v>
                 </c:pt>
                 <c:pt idx="87" formatCode="0.00E+00">
-                  <c:v>6.90070223186006E-18</c:v>
+                  <c:v>6.90070223186007E-18</c:v>
                 </c:pt>
                 <c:pt idx="88" formatCode="0.00E+00">
                   <c:v>3.9975324944E-9</c:v>
@@ -19617,11 +19617,11 @@
           <c:showPercent val="0"/>
           <c:showBubbleSize val="0"/>
         </c:dLbls>
-        <c:axId val="2099291080"/>
-        <c:axId val="2099269048"/>
+        <c:axId val="2117603128"/>
+        <c:axId val="2117587784"/>
       </c:scatterChart>
       <c:valAx>
-        <c:axId val="2099291080"/>
+        <c:axId val="2117603128"/>
         <c:scaling>
           <c:orientation val="minMax"/>
         </c:scaling>
@@ -19644,12 +19644,12 @@
             <a:endParaRPr lang="ja-JP"/>
           </a:p>
         </c:txPr>
-        <c:crossAx val="2099269048"/>
+        <c:crossAx val="2117587784"/>
         <c:crosses val="autoZero"/>
         <c:crossBetween val="midCat"/>
       </c:valAx>
       <c:valAx>
-        <c:axId val="2099269048"/>
+        <c:axId val="2117587784"/>
         <c:scaling>
           <c:orientation val="minMax"/>
         </c:scaling>
@@ -19672,7 +19672,7 @@
             <a:endParaRPr lang="ja-JP"/>
           </a:p>
         </c:txPr>
-        <c:crossAx val="2099291080"/>
+        <c:crossAx val="2117603128"/>
         <c:crosses val="autoZero"/>
         <c:crossBetween val="midCat"/>
       </c:valAx>
@@ -20507,7 +20507,7 @@
                   <c:v>3.52351264739E-15</c:v>
                 </c:pt>
                 <c:pt idx="35" formatCode="0.00E+00">
-                  <c:v>6.2313264655901E-16</c:v>
+                  <c:v>6.23132646559011E-16</c:v>
                 </c:pt>
                 <c:pt idx="36" formatCode="0.00E+00">
                   <c:v>1.07111279E-16</c:v>
@@ -20522,7 +20522,7 @@
                   <c:v>4.61941642696E-19</c:v>
                 </c:pt>
                 <c:pt idx="40" formatCode="0.00E+00">
-                  <c:v>7.1359533456701E-20</c:v>
+                  <c:v>7.13595334567011E-20</c:v>
                 </c:pt>
                 <c:pt idx="41" formatCode="0.00E+00">
                   <c:v>1.07497498405E-20</c:v>
@@ -20537,16 +20537,16 @@
                   <c:v>3.17781291001E-23</c:v>
                 </c:pt>
                 <c:pt idx="45" formatCode="0.00E+00">
-                  <c:v>4.3526024804501E-24</c:v>
+                  <c:v>4.35260248045011E-24</c:v>
                 </c:pt>
                 <c:pt idx="46" formatCode="0.00E+00">
-                  <c:v>5.8287333121301E-25</c:v>
+                  <c:v>5.82873331213011E-25</c:v>
                 </c:pt>
                 <c:pt idx="47" formatCode="0.00E+00">
-                  <c:v>7.6348416357901E-26</c:v>
+                  <c:v>7.63484163579011E-26</c:v>
                 </c:pt>
                 <c:pt idx="48" formatCode="0.00E+00">
-                  <c:v>9.7862117198401E-27</c:v>
+                  <c:v>9.78621171984011E-27</c:v>
                 </c:pt>
                 <c:pt idx="49" formatCode="0.00E+00">
                   <c:v>1.22799993939E-27</c:v>
@@ -20570,43 +20570,43 @@
                   <c:v>3.13404169915E-33</c:v>
                 </c:pt>
                 <c:pt idx="56" formatCode="0.00E+00">
-                  <c:v>3.4242995184701E-34</c:v>
+                  <c:v>3.42429951847011E-34</c:v>
                 </c:pt>
                 <c:pt idx="57" formatCode="0.00E+00">
-                  <c:v>3.6730326693701E-35</c:v>
+                  <c:v>3.67303266937011E-35</c:v>
                 </c:pt>
                 <c:pt idx="58" formatCode="0.00E+00">
-                  <c:v>3.8689448586801E-36</c:v>
+                  <c:v>3.86894485868011E-36</c:v>
                 </c:pt>
                 <c:pt idx="59" formatCode="0.00E+00">
-                  <c:v>4.0031261891701E-37</c:v>
+                  <c:v>4.00312618917011E-37</c:v>
                 </c:pt>
                 <c:pt idx="60" formatCode="0.00E+00">
-                  <c:v>4.0697260385201E-38</c:v>
+                  <c:v>4.06972603852011E-38</c:v>
                 </c:pt>
                 <c:pt idx="61" formatCode="0.00E+00">
-                  <c:v>4.0663659570001E-39</c:v>
+                  <c:v>4.06636595700011E-39</c:v>
                 </c:pt>
                 <c:pt idx="62" formatCode="0.00E+00">
-                  <c:v>3.9942536381501E-40</c:v>
+                  <c:v>3.99425363815011E-40</c:v>
                 </c:pt>
                 <c:pt idx="63" formatCode="0.00E+00">
-                  <c:v>3.8579949190001E-41</c:v>
+                  <c:v>3.85799491900011E-41</c:v>
                 </c:pt>
                 <c:pt idx="64" formatCode="0.00E+00">
-                  <c:v>3.6651355639801E-42</c:v>
+                  <c:v>3.66513556398011E-42</c:v>
                 </c:pt>
                 <c:pt idx="65" formatCode="0.00E+00">
-                  <c:v>3.4254932853201E-43</c:v>
+                  <c:v>3.42549328532011E-43</c:v>
                 </c:pt>
                 <c:pt idx="66" formatCode="0.00E+00">
-                  <c:v>3.1503593771001E-44</c:v>
+                  <c:v>3.15035937710011E-44</c:v>
                 </c:pt>
                 <c:pt idx="67" formatCode="0.00E+00">
                   <c:v>2.85165666225005E-45</c:v>
                 </c:pt>
                 <c:pt idx="68" formatCode="0.00E+00">
-                  <c:v>2.5411363164401E-46</c:v>
+                  <c:v>2.54113631644011E-46</c:v>
                 </c:pt>
                 <c:pt idx="69" formatCode="0.00E+00">
                   <c:v>2.22968241461E-47</c:v>
@@ -20624,25 +20624,25 @@
                   <c:v>1.13676984145E-51</c:v>
                 </c:pt>
                 <c:pt idx="74" formatCode="0.00E+00">
-                  <c:v>9.2594064809402E-53</c:v>
+                  <c:v>9.25940648094022E-53</c:v>
                 </c:pt>
                 <c:pt idx="75" formatCode="0.00E+00">
-                  <c:v>7.4348406674702E-54</c:v>
+                  <c:v>7.43484066747022E-54</c:v>
                 </c:pt>
                 <c:pt idx="76" formatCode="0.00E+00">
-                  <c:v>5.88589863833012E-55</c:v>
+                  <c:v>5.88589863833014E-55</c:v>
                 </c:pt>
                 <c:pt idx="77" formatCode="0.00E+00">
-                  <c:v>4.5949335407201E-56</c:v>
+                  <c:v>4.59493354072011E-56</c:v>
                 </c:pt>
                 <c:pt idx="78" formatCode="0.00E+00">
-                  <c:v>3.5378703238901E-57</c:v>
+                  <c:v>3.53787032389011E-57</c:v>
                 </c:pt>
                 <c:pt idx="79" formatCode="0.00E+00">
-                  <c:v>2.6870137440801E-58</c:v>
+                  <c:v>2.68701374408011E-58</c:v>
                 </c:pt>
                 <c:pt idx="80" formatCode="0.00E+00">
-                  <c:v>2.0134021012001E-59</c:v>
+                  <c:v>2.01340210120011E-59</c:v>
                 </c:pt>
                 <c:pt idx="81" formatCode="0.00E+00">
                   <c:v>1.48863931135E-60</c:v>
@@ -20651,199 +20651,199 @@
                   <c:v>1.08620266477E-61</c:v>
                 </c:pt>
                 <c:pt idx="83" formatCode="0.00E+00">
-                  <c:v>7.8227092450402E-63</c:v>
+                  <c:v>7.82270924504022E-63</c:v>
                 </c:pt>
                 <c:pt idx="84" formatCode="0.00E+00">
-                  <c:v>5.5614686591102E-64</c:v>
+                  <c:v>5.56146865911022E-64</c:v>
                 </c:pt>
                 <c:pt idx="85" formatCode="0.00E+00">
-                  <c:v>3.9036185741901E-65</c:v>
+                  <c:v>3.90361857419011E-65</c:v>
                 </c:pt>
                 <c:pt idx="86" formatCode="0.00E+00">
-                  <c:v>2.7055093419001E-66</c:v>
+                  <c:v>2.70550934190011E-66</c:v>
                 </c:pt>
                 <c:pt idx="87" formatCode="0.00E+00">
-                  <c:v>1.8517883229101E-67</c:v>
+                  <c:v>1.85178832291011E-67</c:v>
                 </c:pt>
                 <c:pt idx="88" formatCode="0.00E+00">
                   <c:v>1.25184295227E-68</c:v>
                 </c:pt>
                 <c:pt idx="89" formatCode="0.00E+00">
-                  <c:v>8.3594724086303E-70</c:v>
+                  <c:v>8.35947240863033E-70</c:v>
                 </c:pt>
                 <c:pt idx="90" formatCode="0.00E+00">
-                  <c:v>5.5148219656302E-71</c:v>
+                  <c:v>5.51482196563022E-71</c:v>
                 </c:pt>
                 <c:pt idx="91" formatCode="0.00E+00">
-                  <c:v>3.5946751967501E-72</c:v>
+                  <c:v>3.59467519675011E-72</c:v>
                 </c:pt>
                 <c:pt idx="92" formatCode="0.00E+00">
-                  <c:v>2.3153365664201E-73</c:v>
+                  <c:v>2.31533656642011E-73</c:v>
                 </c:pt>
                 <c:pt idx="93" formatCode="0.00E+00">
-                  <c:v>1.4738205641401E-74</c:v>
+                  <c:v>1.47382056414011E-74</c:v>
                 </c:pt>
                 <c:pt idx="94" formatCode="0.00E+00">
-                  <c:v>9.27256151115038E-76</c:v>
+                  <c:v>9.27256151115042E-76</c:v>
                 </c:pt>
                 <c:pt idx="95" formatCode="0.00E+00">
-                  <c:v>5.7666960003602E-77</c:v>
+                  <c:v>5.76669600036022E-77</c:v>
                 </c:pt>
                 <c:pt idx="96" formatCode="0.00E+00">
-                  <c:v>3.5454650675401E-78</c:v>
+                  <c:v>3.54546506754011E-78</c:v>
                 </c:pt>
                 <c:pt idx="97" formatCode="0.00E+00">
-                  <c:v>2.1551812981201E-79</c:v>
+                  <c:v>2.15518129812011E-79</c:v>
                 </c:pt>
                 <c:pt idx="98" formatCode="0.00E+00">
                   <c:v>1.29539895768E-80</c:v>
                 </c:pt>
                 <c:pt idx="99" formatCode="0.00E+00">
-                  <c:v>7.6997422945403E-82</c:v>
+                  <c:v>7.69974229454033E-82</c:v>
                 </c:pt>
                 <c:pt idx="100" formatCode="0.00E+00">
-                  <c:v>4.5263136493902E-83</c:v>
+                  <c:v>4.52631364939022E-83</c:v>
                 </c:pt>
                 <c:pt idx="101" formatCode="0.00E+00">
-                  <c:v>2.6317882704901E-84</c:v>
+                  <c:v>2.63178827049011E-84</c:v>
                 </c:pt>
                 <c:pt idx="102" formatCode="0.00E+00">
-                  <c:v>1.5136877716501E-85</c:v>
+                  <c:v>1.51368777165011E-85</c:v>
                 </c:pt>
                 <c:pt idx="103" formatCode="0.00E+00">
-                  <c:v>8.6127354980804E-87</c:v>
+                  <c:v>8.61273549808044E-87</c:v>
                 </c:pt>
                 <c:pt idx="104" formatCode="0.00E+00">
-                  <c:v>4.8484730213902E-88</c:v>
+                  <c:v>4.84847302139022E-88</c:v>
                 </c:pt>
                 <c:pt idx="105" formatCode="0.00E+00">
-                  <c:v>2.7006404864401E-89</c:v>
+                  <c:v>2.70064048644011E-89</c:v>
                 </c:pt>
                 <c:pt idx="106" formatCode="0.00E+00">
-                  <c:v>1.4885539942401E-90</c:v>
+                  <c:v>1.48855399424011E-90</c:v>
                 </c:pt>
                 <c:pt idx="107" formatCode="0.00E+00">
-                  <c:v>8.11962231467039E-92</c:v>
+                  <c:v>8.11962231467043E-92</c:v>
                 </c:pt>
                 <c:pt idx="108" formatCode="0.00E+00">
-                  <c:v>4.3834612496102E-93</c:v>
+                  <c:v>4.38346124961022E-93</c:v>
                 </c:pt>
                 <c:pt idx="109" formatCode="0.00E+00">
-                  <c:v>2.3423113903001E-94</c:v>
+                  <c:v>2.34231139030011E-94</c:v>
                 </c:pt>
                 <c:pt idx="110" formatCode="0.00E+00">
-                  <c:v>1.2389493428101E-95</c:v>
+                  <c:v>1.23894934281011E-95</c:v>
                 </c:pt>
                 <c:pt idx="111" formatCode="0.00E+00">
-                  <c:v>6.4875188076303E-97</c:v>
+                  <c:v>6.48751880763033E-97</c:v>
                 </c:pt>
                 <c:pt idx="112" formatCode="0.00E+00">
-                  <c:v>3.3632096726802E-98</c:v>
+                  <c:v>3.36320967268022E-98</c:v>
                 </c:pt>
                 <c:pt idx="113" formatCode="0.00E+00">
-                  <c:v>1.7262868054101E-99</c:v>
+                  <c:v>1.72628680541011E-99</c:v>
                 </c:pt>
                 <c:pt idx="114" formatCode="0.00E+00">
-                  <c:v>8.77381592354049E-101</c:v>
+                  <c:v>8.77381592354054E-101</c:v>
                 </c:pt>
                 <c:pt idx="115" formatCode="0.00E+00">
-                  <c:v>4.4158359570602E-102</c:v>
+                  <c:v>4.41583595706022E-102</c:v>
                 </c:pt>
                 <c:pt idx="116" formatCode="0.00E+00">
-                  <c:v>2.2009891947301E-103</c:v>
+                  <c:v>2.20098919473011E-103</c:v>
                 </c:pt>
                 <c:pt idx="117" formatCode="0.00E+00">
-                  <c:v>1.0865122456801E-104</c:v>
+                  <c:v>1.08651224568011E-104</c:v>
                 </c:pt>
                 <c:pt idx="118" formatCode="0.00E+00">
-                  <c:v>5.3124359824403E-106</c:v>
+                  <c:v>5.31243598244033E-106</c:v>
                 </c:pt>
                 <c:pt idx="119" formatCode="0.00E+00">
-                  <c:v>2.5729140163901E-107</c:v>
+                  <c:v>2.57291401639011E-107</c:v>
                 </c:pt>
                 <c:pt idx="120" formatCode="0.00E+00">
-                  <c:v>1.2344085318401E-108</c:v>
+                  <c:v>1.23440853184011E-108</c:v>
                 </c:pt>
                 <c:pt idx="121" formatCode="0.00E+00">
-                  <c:v>5.86710333234029E-110</c:v>
+                  <c:v>5.86710333234032E-110</c:v>
                 </c:pt>
                 <c:pt idx="122" formatCode="0.00E+00">
-                  <c:v>2.7627930587802E-111</c:v>
+                  <c:v>2.76279305878022E-111</c:v>
                 </c:pt>
                 <c:pt idx="123" formatCode="0.00E+00">
-                  <c:v>1.2890237356201E-112</c:v>
+                  <c:v>1.28902373562011E-112</c:v>
                 </c:pt>
                 <c:pt idx="124" formatCode="0.00E+00">
-                  <c:v>5.95921550898038E-114</c:v>
+                  <c:v>5.95921550898042E-114</c:v>
                 </c:pt>
                 <c:pt idx="125" formatCode="0.00E+00">
-                  <c:v>2.7299840909702E-115</c:v>
+                  <c:v>2.72998409097022E-115</c:v>
                 </c:pt>
                 <c:pt idx="126" formatCode="0.00E+00">
-                  <c:v>1.2393694195701E-116</c:v>
+                  <c:v>1.23936941957011E-116</c:v>
                 </c:pt>
                 <c:pt idx="127" formatCode="0.00E+00">
-                  <c:v>5.57618827003029E-118</c:v>
+                  <c:v>5.57618827003032E-118</c:v>
                 </c:pt>
                 <c:pt idx="128" formatCode="0.00E+00">
-                  <c:v>2.4865432086502E-119</c:v>
+                  <c:v>2.48654320865022E-119</c:v>
                 </c:pt>
                 <c:pt idx="129" formatCode="0.00E+00">
-                  <c:v>1.0990110215801E-120</c:v>
+                  <c:v>1.09901102158011E-120</c:v>
                 </c:pt>
                 <c:pt idx="130" formatCode="0.00E+00">
-                  <c:v>4.8148267618203E-122</c:v>
+                  <c:v>4.81482676182033E-122</c:v>
                 </c:pt>
                 <c:pt idx="131" formatCode="0.00E+00">
-                  <c:v>2.0910123452301E-123</c:v>
+                  <c:v>2.09101234523011E-123</c:v>
                 </c:pt>
                 <c:pt idx="132" formatCode="0.00E+00">
-                  <c:v>9.0023146945806E-125</c:v>
+                  <c:v>9.00231469458066E-125</c:v>
                 </c:pt>
                 <c:pt idx="133" formatCode="0.00E+00">
-                  <c:v>3.8423544155302E-126</c:v>
+                  <c:v>3.84235441553022E-126</c:v>
                 </c:pt>
                 <c:pt idx="134" formatCode="0.00E+00">
-                  <c:v>1.6259601500101E-127</c:v>
+                  <c:v>1.62596015001011E-127</c:v>
                 </c:pt>
                 <c:pt idx="135" formatCode="0.00E+00">
-                  <c:v>6.82204953809041E-129</c:v>
+                  <c:v>6.82204953809045E-129</c:v>
                 </c:pt>
                 <c:pt idx="136" formatCode="0.00E+00">
-                  <c:v>2.8381492787402E-130</c:v>
+                  <c:v>2.83814927874022E-130</c:v>
                 </c:pt>
                 <c:pt idx="137" formatCode="0.00E+00">
-                  <c:v>1.1708292160301E-131</c:v>
+                  <c:v>1.17082921603011E-131</c:v>
                 </c:pt>
                 <c:pt idx="138" formatCode="0.00E+00">
-                  <c:v>4.7897411021704E-133</c:v>
+                  <c:v>4.78974110217043E-133</c:v>
                 </c:pt>
                 <c:pt idx="139" formatCode="0.00E+00">
-                  <c:v>1.9431780319201E-134</c:v>
+                  <c:v>1.94317803192011E-134</c:v>
                 </c:pt>
                 <c:pt idx="140" formatCode="0.00E+00">
-                  <c:v>7.81838009974052E-136</c:v>
+                  <c:v>7.81838009974058E-136</c:v>
                 </c:pt>
                 <c:pt idx="141" formatCode="0.00E+00">
-                  <c:v>3.1199372617402E-137</c:v>
+                  <c:v>3.11993726174022E-137</c:v>
                 </c:pt>
                 <c:pt idx="142" formatCode="0.00E+00">
-                  <c:v>1.2348686993701E-138</c:v>
+                  <c:v>1.23486869937011E-138</c:v>
                 </c:pt>
                 <c:pt idx="143" formatCode="0.00E+00">
-                  <c:v>4.84799532599038E-140</c:v>
+                  <c:v>4.84799532599042E-140</c:v>
                 </c:pt>
                 <c:pt idx="144" formatCode="0.00E+00">
-                  <c:v>1.8879497517001E-141</c:v>
+                  <c:v>1.88794975170011E-141</c:v>
                 </c:pt>
                 <c:pt idx="145" formatCode="0.00E+00">
-                  <c:v>7.29325253436054E-143</c:v>
+                  <c:v>7.29325253436059E-143</c:v>
                 </c:pt>
                 <c:pt idx="146" formatCode="0.00E+00">
-                  <c:v>2.7976059203402E-144</c:v>
+                  <c:v>2.79760592034022E-144</c:v>
                 </c:pt>
                 <c:pt idx="147" formatCode="0.00E+00">
-                  <c:v>1.2866270443301E-145</c:v>
+                  <c:v>1.28662704433011E-145</c:v>
                 </c:pt>
                 <c:pt idx="148">
                   <c:v>0.0</c:v>
@@ -21019,11 +21019,11 @@
         </c:dLbls>
         <c:marker val="1"/>
         <c:smooth val="0"/>
-        <c:axId val="2069607208"/>
-        <c:axId val="2069600424"/>
+        <c:axId val="2127098824"/>
+        <c:axId val="2139132328"/>
       </c:lineChart>
       <c:catAx>
-        <c:axId val="2069607208"/>
+        <c:axId val="2127098824"/>
         <c:scaling>
           <c:orientation val="minMax"/>
         </c:scaling>
@@ -21033,7 +21033,7 @@
         <c:majorTickMark val="out"/>
         <c:minorTickMark val="none"/>
         <c:tickLblPos val="nextTo"/>
-        <c:crossAx val="2069600424"/>
+        <c:crossAx val="2139132328"/>
         <c:crosses val="autoZero"/>
         <c:auto val="0"/>
         <c:lblAlgn val="ctr"/>
@@ -21043,7 +21043,7 @@
         <c:noMultiLvlLbl val="0"/>
       </c:catAx>
       <c:valAx>
-        <c:axId val="2069600424"/>
+        <c:axId val="2139132328"/>
         <c:scaling>
           <c:orientation val="minMax"/>
           <c:max val="0.2"/>
@@ -21068,7 +21068,7 @@
             <a:endParaRPr lang="ja-JP"/>
           </a:p>
         </c:txPr>
-        <c:crossAx val="2069607208"/>
+        <c:crossAx val="2127098824"/>
         <c:crossesAt val="1.0"/>
         <c:crossBetween val="between"/>
         <c:majorUnit val="0.1"/>
@@ -21524,11 +21524,11 @@
           <c:showBubbleSize val="0"/>
         </c:dLbls>
         <c:gapWidth val="0"/>
-        <c:axId val="2098269496"/>
-        <c:axId val="2098266472"/>
+        <c:axId val="2127708200"/>
+        <c:axId val="2092236328"/>
       </c:barChart>
       <c:catAx>
-        <c:axId val="2098269496"/>
+        <c:axId val="2127708200"/>
         <c:scaling>
           <c:orientation val="minMax"/>
         </c:scaling>
@@ -21538,7 +21538,7 @@
         <c:majorTickMark val="none"/>
         <c:minorTickMark val="none"/>
         <c:tickLblPos val="nextTo"/>
-        <c:crossAx val="2098266472"/>
+        <c:crossAx val="2092236328"/>
         <c:crosses val="autoZero"/>
         <c:auto val="1"/>
         <c:lblAlgn val="ctr"/>
@@ -21546,7 +21546,7 @@
         <c:noMultiLvlLbl val="0"/>
       </c:catAx>
       <c:valAx>
-        <c:axId val="2098266472"/>
+        <c:axId val="2092236328"/>
         <c:scaling>
           <c:orientation val="minMax"/>
         </c:scaling>
@@ -21569,7 +21569,7 @@
             <a:endParaRPr lang="ja-JP"/>
           </a:p>
         </c:txPr>
-        <c:crossAx val="2098269496"/>
+        <c:crossAx val="2127708200"/>
         <c:crosses val="autoZero"/>
         <c:crossBetween val="between"/>
         <c:majorUnit val="20.0"/>
@@ -22033,11 +22033,11 @@
           <c:showBubbleSize val="0"/>
         </c:dLbls>
         <c:gapWidth val="0"/>
-        <c:axId val="2099994952"/>
-        <c:axId val="2100000808"/>
+        <c:axId val="2092242504"/>
+        <c:axId val="2127772488"/>
       </c:barChart>
       <c:catAx>
-        <c:axId val="2099994952"/>
+        <c:axId val="2092242504"/>
         <c:scaling>
           <c:orientation val="minMax"/>
         </c:scaling>
@@ -22083,7 +22083,7 @@
         <c:majorTickMark val="none"/>
         <c:minorTickMark val="none"/>
         <c:tickLblPos val="nextTo"/>
-        <c:crossAx val="2100000808"/>
+        <c:crossAx val="2127772488"/>
         <c:crosses val="autoZero"/>
         <c:auto val="1"/>
         <c:lblAlgn val="ctr"/>
@@ -22091,7 +22091,7 @@
         <c:noMultiLvlLbl val="0"/>
       </c:catAx>
       <c:valAx>
-        <c:axId val="2100000808"/>
+        <c:axId val="2127772488"/>
         <c:scaling>
           <c:orientation val="minMax"/>
         </c:scaling>
@@ -22164,7 +22164,7 @@
             <a:endParaRPr lang="ja-JP"/>
           </a:p>
         </c:txPr>
-        <c:crossAx val="2099994952"/>
+        <c:crossAx val="2092242504"/>
         <c:crosses val="autoZero"/>
         <c:crossBetween val="between"/>
         <c:majorUnit val="3.0"/>
@@ -22628,11 +22628,11 @@
           <c:showBubbleSize val="0"/>
         </c:dLbls>
         <c:gapWidth val="0"/>
-        <c:axId val="2100050056"/>
-        <c:axId val="2100055928"/>
+        <c:axId val="2117391080"/>
+        <c:axId val="2117220712"/>
       </c:barChart>
       <c:catAx>
-        <c:axId val="2100050056"/>
+        <c:axId val="2117391080"/>
         <c:scaling>
           <c:orientation val="minMax"/>
         </c:scaling>
@@ -22678,7 +22678,7 @@
         <c:majorTickMark val="none"/>
         <c:minorTickMark val="none"/>
         <c:tickLblPos val="nextTo"/>
-        <c:crossAx val="2100055928"/>
+        <c:crossAx val="2117220712"/>
         <c:crosses val="autoZero"/>
         <c:auto val="1"/>
         <c:lblAlgn val="ctr"/>
@@ -22686,7 +22686,7 @@
         <c:noMultiLvlLbl val="0"/>
       </c:catAx>
       <c:valAx>
-        <c:axId val="2100055928"/>
+        <c:axId val="2117220712"/>
         <c:scaling>
           <c:orientation val="minMax"/>
         </c:scaling>
@@ -22759,7 +22759,7 @@
             <a:endParaRPr lang="ja-JP"/>
           </a:p>
         </c:txPr>
-        <c:crossAx val="2100050056"/>
+        <c:crossAx val="2117391080"/>
         <c:crosses val="autoZero"/>
         <c:crossBetween val="between"/>
         <c:majorUnit val="20.0"/>
@@ -23223,11 +23223,11 @@
           <c:showBubbleSize val="0"/>
         </c:dLbls>
         <c:gapWidth val="0"/>
-        <c:axId val="2100098888"/>
-        <c:axId val="2100104728"/>
+        <c:axId val="2128114536"/>
+        <c:axId val="2128113464"/>
       </c:barChart>
       <c:catAx>
-        <c:axId val="2100098888"/>
+        <c:axId val="2128114536"/>
         <c:scaling>
           <c:orientation val="minMax"/>
         </c:scaling>
@@ -23273,7 +23273,7 @@
         <c:majorTickMark val="none"/>
         <c:minorTickMark val="none"/>
         <c:tickLblPos val="nextTo"/>
-        <c:crossAx val="2100104728"/>
+        <c:crossAx val="2128113464"/>
         <c:crosses val="autoZero"/>
         <c:auto val="1"/>
         <c:lblAlgn val="ctr"/>
@@ -23281,7 +23281,7 @@
         <c:noMultiLvlLbl val="0"/>
       </c:catAx>
       <c:valAx>
-        <c:axId val="2100104728"/>
+        <c:axId val="2128113464"/>
         <c:scaling>
           <c:orientation val="minMax"/>
         </c:scaling>
@@ -23354,7 +23354,7 @@
             <a:endParaRPr lang="ja-JP"/>
           </a:p>
         </c:txPr>
-        <c:crossAx val="2100098888"/>
+        <c:crossAx val="2128114536"/>
         <c:crosses val="autoZero"/>
         <c:crossBetween val="between"/>
         <c:majorUnit val="10.0"/>
@@ -23818,11 +23818,11 @@
           <c:showBubbleSize val="0"/>
         </c:dLbls>
         <c:gapWidth val="0"/>
-        <c:axId val="2100154936"/>
-        <c:axId val="2100160808"/>
+        <c:axId val="2128861272"/>
+        <c:axId val="2091765704"/>
       </c:barChart>
       <c:catAx>
-        <c:axId val="2100154936"/>
+        <c:axId val="2128861272"/>
         <c:scaling>
           <c:orientation val="minMax"/>
         </c:scaling>
@@ -23868,7 +23868,7 @@
         <c:majorTickMark val="none"/>
         <c:minorTickMark val="none"/>
         <c:tickLblPos val="nextTo"/>
-        <c:crossAx val="2100160808"/>
+        <c:crossAx val="2091765704"/>
         <c:crosses val="autoZero"/>
         <c:auto val="1"/>
         <c:lblAlgn val="ctr"/>
@@ -23876,7 +23876,7 @@
         <c:noMultiLvlLbl val="0"/>
       </c:catAx>
       <c:valAx>
-        <c:axId val="2100160808"/>
+        <c:axId val="2091765704"/>
         <c:scaling>
           <c:orientation val="minMax"/>
         </c:scaling>
@@ -23949,7 +23949,7 @@
             <a:endParaRPr lang="ja-JP"/>
           </a:p>
         </c:txPr>
-        <c:crossAx val="2100154936"/>
+        <c:crossAx val="2128861272"/>
         <c:crosses val="autoZero"/>
         <c:crossBetween val="between"/>
         <c:majorUnit val="30.0"/>
@@ -30168,11 +30168,11 @@
         </c:dLbls>
         <c:marker val="1"/>
         <c:smooth val="0"/>
-        <c:axId val="2098227832"/>
-        <c:axId val="2098221752"/>
+        <c:axId val="2140094216"/>
+        <c:axId val="2140100232"/>
       </c:lineChart>
       <c:catAx>
-        <c:axId val="2098227832"/>
+        <c:axId val="2140094216"/>
         <c:scaling>
           <c:orientation val="minMax"/>
         </c:scaling>
@@ -30231,7 +30231,7 @@
             <a:endParaRPr lang="ja-JP"/>
           </a:p>
         </c:txPr>
-        <c:crossAx val="2098221752"/>
+        <c:crossAx val="2140100232"/>
         <c:crosses val="autoZero"/>
         <c:auto val="1"/>
         <c:lblAlgn val="ctr"/>
@@ -30240,7 +30240,7 @@
         <c:noMultiLvlLbl val="0"/>
       </c:catAx>
       <c:valAx>
-        <c:axId val="2098221752"/>
+        <c:axId val="2140100232"/>
         <c:scaling>
           <c:orientation val="minMax"/>
           <c:max val="90.0"/>
@@ -30315,7 +30315,7 @@
             <a:endParaRPr lang="ja-JP"/>
           </a:p>
         </c:txPr>
-        <c:crossAx val="2098227832"/>
+        <c:crossAx val="2140094216"/>
         <c:crosses val="autoZero"/>
         <c:crossBetween val="between"/>
         <c:majorUnit val="30.0"/>
@@ -36567,11 +36567,11 @@
         </c:dLbls>
         <c:marker val="1"/>
         <c:smooth val="0"/>
-        <c:axId val="2100207816"/>
-        <c:axId val="2100213832"/>
+        <c:axId val="2139252488"/>
+        <c:axId val="2139246408"/>
       </c:lineChart>
       <c:catAx>
-        <c:axId val="2100207816"/>
+        <c:axId val="2139252488"/>
         <c:scaling>
           <c:orientation val="minMax"/>
         </c:scaling>
@@ -36630,7 +36630,7 @@
             <a:endParaRPr lang="ja-JP"/>
           </a:p>
         </c:txPr>
-        <c:crossAx val="2100213832"/>
+        <c:crossAx val="2139246408"/>
         <c:crosses val="autoZero"/>
         <c:auto val="1"/>
         <c:lblAlgn val="ctr"/>
@@ -36639,7 +36639,7 @@
         <c:noMultiLvlLbl val="0"/>
       </c:catAx>
       <c:valAx>
-        <c:axId val="2100213832"/>
+        <c:axId val="2139246408"/>
         <c:scaling>
           <c:orientation val="minMax"/>
           <c:max val="90.0"/>
@@ -36714,7 +36714,7 @@
             <a:endParaRPr lang="ja-JP"/>
           </a:p>
         </c:txPr>
-        <c:crossAx val="2100207816"/>
+        <c:crossAx val="2139252488"/>
         <c:crosses val="autoZero"/>
         <c:crossBetween val="between"/>
         <c:majorUnit val="30.0"/>
@@ -36862,7 +36862,7 @@
           </a:lstStyle>
           <a:p>
             <a:fld id="{5FD68F27-D0C7-584C-A41A-EC36C2C5EC02}" type="datetimeFigureOut">
-              <a:t>2014/02/03</a:t>
+              <a:t>2014/02/06</a:t>
             </a:fld>
             <a:endParaRPr kumimoji="1" lang="ja-JP" altLang="en-US"/>
           </a:p>
@@ -37338,7 +37338,7 @@
           <a:lstStyle/>
           <a:p>
             <a:fld id="{484F65FC-80CB-9649-B901-BB74BECBF0C1}" type="datetimeFigureOut">
-              <a:t>2014/02/03</a:t>
+              <a:t>2014/02/06</a:t>
             </a:fld>
             <a:endParaRPr kumimoji="1" lang="ja-JP" altLang="en-US"/>
           </a:p>
@@ -37536,7 +37536,7 @@
           <a:lstStyle/>
           <a:p>
             <a:fld id="{484F65FC-80CB-9649-B901-BB74BECBF0C1}" type="datetimeFigureOut">
-              <a:t>2014/02/03</a:t>
+              <a:t>2014/02/06</a:t>
             </a:fld>
             <a:endParaRPr kumimoji="1" lang="ja-JP" altLang="en-US"/>
           </a:p>
@@ -37744,7 +37744,7 @@
           <a:lstStyle/>
           <a:p>
             <a:fld id="{484F65FC-80CB-9649-B901-BB74BECBF0C1}" type="datetimeFigureOut">
-              <a:t>2014/02/03</a:t>
+              <a:t>2014/02/06</a:t>
             </a:fld>
             <a:endParaRPr kumimoji="1" lang="ja-JP" altLang="en-US"/>
           </a:p>
@@ -37942,7 +37942,7 @@
           <a:lstStyle/>
           <a:p>
             <a:fld id="{484F65FC-80CB-9649-B901-BB74BECBF0C1}" type="datetimeFigureOut">
-              <a:t>2014/02/03</a:t>
+              <a:t>2014/02/06</a:t>
             </a:fld>
             <a:endParaRPr kumimoji="1" lang="ja-JP" altLang="en-US"/>
           </a:p>
@@ -38185,7 +38185,7 @@
           <a:lstStyle/>
           <a:p>
             <a:fld id="{484F65FC-80CB-9649-B901-BB74BECBF0C1}" type="datetimeFigureOut">
-              <a:t>2014/02/03</a:t>
+              <a:t>2014/02/06</a:t>
             </a:fld>
             <a:endParaRPr kumimoji="1" lang="ja-JP" altLang="en-US"/>
           </a:p>
@@ -38532,7 +38532,7 @@
           <a:lstStyle/>
           <a:p>
             <a:fld id="{484F65FC-80CB-9649-B901-BB74BECBF0C1}" type="datetimeFigureOut">
-              <a:t>2014/02/03</a:t>
+              <a:t>2014/02/06</a:t>
             </a:fld>
             <a:endParaRPr kumimoji="1" lang="ja-JP" altLang="en-US"/>
           </a:p>
@@ -39013,7 +39013,7 @@
           <a:lstStyle/>
           <a:p>
             <a:fld id="{484F65FC-80CB-9649-B901-BB74BECBF0C1}" type="datetimeFigureOut">
-              <a:t>2014/02/03</a:t>
+              <a:t>2014/02/06</a:t>
             </a:fld>
             <a:endParaRPr kumimoji="1" lang="ja-JP" altLang="en-US"/>
           </a:p>
@@ -39128,7 +39128,7 @@
           <a:lstStyle/>
           <a:p>
             <a:fld id="{484F65FC-80CB-9649-B901-BB74BECBF0C1}" type="datetimeFigureOut">
-              <a:t>2014/02/03</a:t>
+              <a:t>2014/02/06</a:t>
             </a:fld>
             <a:endParaRPr kumimoji="1" lang="ja-JP" altLang="en-US"/>
           </a:p>
@@ -39221,7 +39221,7 @@
           <a:lstStyle/>
           <a:p>
             <a:fld id="{484F65FC-80CB-9649-B901-BB74BECBF0C1}" type="datetimeFigureOut">
-              <a:t>2014/02/03</a:t>
+              <a:t>2014/02/06</a:t>
             </a:fld>
             <a:endParaRPr kumimoji="1" lang="ja-JP" altLang="en-US"/>
           </a:p>
@@ -39526,7 +39526,7 @@
           <a:lstStyle/>
           <a:p>
             <a:fld id="{484F65FC-80CB-9649-B901-BB74BECBF0C1}" type="datetimeFigureOut">
-              <a:t>2014/02/03</a:t>
+              <a:t>2014/02/06</a:t>
             </a:fld>
             <a:endParaRPr kumimoji="1" lang="ja-JP" altLang="en-US"/>
           </a:p>
@@ -39776,7 +39776,7 @@
           <a:lstStyle/>
           <a:p>
             <a:fld id="{484F65FC-80CB-9649-B901-BB74BECBF0C1}" type="datetimeFigureOut">
-              <a:t>2014/02/03</a:t>
+              <a:t>2014/02/06</a:t>
             </a:fld>
             <a:endParaRPr kumimoji="1" lang="ja-JP" altLang="en-US"/>
           </a:p>
@@ -40017,7 +40017,7 @@
           </a:lstStyle>
           <a:p>
             <a:fld id="{484F65FC-80CB-9649-B901-BB74BECBF0C1}" type="datetimeFigureOut">
-              <a:t>2014/02/03</a:t>
+              <a:t>2014/02/06</a:t>
             </a:fld>
             <a:endParaRPr kumimoji="1" lang="ja-JP" altLang="en-US"/>
           </a:p>
@@ -41391,8 +41391,8 @@
         </p:nvSpPr>
         <p:spPr>
           <a:xfrm>
-            <a:off x="7025233" y="2180218"/>
-            <a:ext cx="1146167" cy="701731"/>
+            <a:off x="7005851" y="2274682"/>
+            <a:ext cx="1184940" cy="507831"/>
           </a:xfrm>
           <a:prstGeom prst="rect">
             <a:avLst/>
@@ -41425,17 +41425,7 @@
                 <a:latin typeface="Times New Roman"/>
                 <a:cs typeface="Times New Roman"/>
               </a:rPr>
-              <a:t>specified topics</a:t>
-            </a:r>
-          </a:p>
-          <a:p>
-            <a:pPr algn="ctr"/>
-            <a:r>
-              <a:rPr lang="en-US" altLang="ja-JP" sz="1200">
-                <a:latin typeface="Times New Roman"/>
-                <a:cs typeface="Times New Roman"/>
-              </a:rPr>
-              <a:t>of information</a:t>
+              <a:t>topic specificity</a:t>
             </a:r>
           </a:p>
         </p:txBody>
@@ -41448,8 +41438,8 @@
         </p:nvSpPr>
         <p:spPr>
           <a:xfrm>
-            <a:off x="7043330" y="3390435"/>
-            <a:ext cx="1094846" cy="701731"/>
+            <a:off x="7023933" y="3495395"/>
+            <a:ext cx="1133644" cy="507831"/>
           </a:xfrm>
           <a:prstGeom prst="rect">
             <a:avLst/>
@@ -41482,17 +41472,7 @@
                 <a:latin typeface="Times New Roman"/>
                 <a:cs typeface="Times New Roman"/>
               </a:rPr>
-              <a:t>specified users</a:t>
-            </a:r>
-          </a:p>
-          <a:p>
-            <a:pPr algn="ctr"/>
-            <a:r>
-              <a:rPr lang="en-US" altLang="ja-JP" sz="1200">
-                <a:latin typeface="Times New Roman"/>
-                <a:cs typeface="Times New Roman"/>
-              </a:rPr>
-              <a:t>extensionally </a:t>
+              <a:t>user specificity</a:t>
             </a:r>
             <a:endParaRPr lang="en-US" altLang="ja-JP" sz="1200">
               <a:effectLst/>
@@ -41510,8 +41490,8 @@
         </p:nvSpPr>
         <p:spPr>
           <a:xfrm>
-            <a:off x="7025233" y="4608257"/>
-            <a:ext cx="1167557" cy="701731"/>
+            <a:off x="7025233" y="4692225"/>
+            <a:ext cx="1167557" cy="507831"/>
           </a:xfrm>
           <a:prstGeom prst="rect">
             <a:avLst/>
@@ -41545,16 +41525,6 @@
                 <a:cs typeface="Times New Roman"/>
               </a:rPr>
               <a:t>both (1) and (2)</a:t>
-            </a:r>
-          </a:p>
-          <a:p>
-            <a:pPr algn="ctr"/>
-            <a:r>
-              <a:rPr lang="en-US" altLang="ja-JP" sz="1200">
-                <a:latin typeface="Times New Roman"/>
-                <a:cs typeface="Times New Roman"/>
-              </a:rPr>
-              <a:t>simultaneously</a:t>
             </a:r>
           </a:p>
         </p:txBody>
